--- a/pt1/lectures/lecture3/lecture3.pptx
+++ b/pt1/lectures/lecture3/lecture3.pptx
@@ -1,24 +1,23 @@
 
 <file path=ppt/presentation.xml><?xml version="1.0" encoding="utf-8"?>
-<p:presentation xmlns:a="http://schemas.openxmlformats.org/drawingml/2006/main" xmlns:r="http://schemas.openxmlformats.org/officeDocument/2006/relationships" xmlns:p="http://schemas.openxmlformats.org/presentationml/2006/main" xmlns:m="http://schemas.openxmlformats.org/officeDocument/2006/math" xmlns:w="http://schemas.openxmlformats.org/wordprocessingml/2006/main" saveSubsetFonts="1">
+<p:presentation xmlns:a="http://schemas.openxmlformats.org/drawingml/2006/main" xmlns:r="http://schemas.openxmlformats.org/officeDocument/2006/relationships" xmlns:p="http://schemas.openxmlformats.org/presentationml/2006/main" saveSubsetFonts="1">
   <p:sldMasterIdLst>
     <p:sldMasterId id="2147483648" r:id="rId1"/>
   </p:sldMasterIdLst>
   <p:sldIdLst>
-    <p:sldId id="256" r:id="rId3"/>
-    <p:sldId id="257" r:id="rId4"/>
-    <p:sldId id="258" r:id="rId5"/>
-    <p:sldId id="259" r:id="rId6"/>
-    <p:sldId id="260" r:id="rId7"/>
-    <p:sldId id="261" r:id="rId8"/>
-    <p:sldId id="262" r:id="rId9"/>
-    <p:sldId id="263" r:id="rId10"/>
-    <p:sldId id="264" r:id="rId11"/>
-    <p:sldId id="265" r:id="rId12"/>
-    <p:sldId id="266" r:id="rId13"/>
-    <p:sldId id="267" r:id="rId14"/>
-    <p:sldId id="268" r:id="rId15"/>
-    <p:sldId id="269" r:id="rId16"/>
+    <p:sldId id="256" r:id="rId2"/>
+    <p:sldId id="257" r:id="rId3"/>
+    <p:sldId id="258" r:id="rId4"/>
+    <p:sldId id="259" r:id="rId5"/>
+    <p:sldId id="260" r:id="rId6"/>
+    <p:sldId id="261" r:id="rId7"/>
+    <p:sldId id="262" r:id="rId8"/>
+    <p:sldId id="263" r:id="rId9"/>
+    <p:sldId id="264" r:id="rId10"/>
+    <p:sldId id="265" r:id="rId11"/>
+    <p:sldId id="266" r:id="rId12"/>
+    <p:sldId id="267" r:id="rId13"/>
+    <p:sldId id="268" r:id="rId14"/>
   </p:sldIdLst>
   <p:sldSz cx="12192000" cy="6858000"/>
   <p:notesSz cx="12192000" cy="6858000"/>
@@ -117,17 +116,33 @@
       </a:defRPr>
     </a:lvl9pPr>
   </p:defaultTextStyle>
+  <p:extLst>
+    <p:ext uri="{EFAFB233-063F-42B5-8137-9DF3F51BA10A}">
+      <p15:sldGuideLst xmlns:p15="http://schemas.microsoft.com/office/powerpoint/2012/main">
+        <p15:guide id="1" orient="horz" pos="2160">
+          <p15:clr>
+            <a:srgbClr val="A4A3A4"/>
+          </p15:clr>
+        </p15:guide>
+        <p15:guide id="2" pos="2880">
+          <p15:clr>
+            <a:srgbClr val="A4A3A4"/>
+          </p15:clr>
+        </p15:guide>
+      </p15:sldGuideLst>
+    </p:ext>
+  </p:extLst>
 </p:presentation>
 </file>
 
 <file path=ppt/slideLayouts/slideLayout1.xml><?xml version="1.0" encoding="utf-8"?>
-<p:sldLayout xmlns:a="http://schemas.openxmlformats.org/drawingml/2006/main" xmlns:r="http://schemas.openxmlformats.org/officeDocument/2006/relationships" xmlns:p="http://schemas.openxmlformats.org/presentationml/2006/main" xmlns:m="http://schemas.openxmlformats.org/officeDocument/2006/math" xmlns:w="http://schemas.openxmlformats.org/wordprocessingml/2006/main" matchingName="" preserve="1" showMasterPhAnim="0" showMasterSp="0" type="title" userDrawn="1">
+<p:sldLayout xmlns:a="http://schemas.openxmlformats.org/drawingml/2006/main" xmlns:r="http://schemas.openxmlformats.org/officeDocument/2006/relationships" xmlns:p="http://schemas.openxmlformats.org/presentationml/2006/main" showMasterSp="0" showMasterPhAnim="0" type="title" preserve="1" userDrawn="1">
   <p:cSld name="Титульный слайд">
     <p:spTree>
       <p:nvGrpSpPr>
-        <p:cNvPr id="1" name="" hidden="0"/>
+        <p:cNvPr id="1" name=""/>
         <p:cNvGrpSpPr/>
-        <p:nvPr isPhoto="0" userDrawn="0"/>
+        <p:nvPr/>
       </p:nvGrpSpPr>
       <p:grpSpPr bwMode="auto">
         <a:xfrm>
@@ -139,9 +154,9 @@
       </p:grpSpPr>
       <p:grpSp>
         <p:nvGrpSpPr>
-          <p:cNvPr id="7" name="Group 6" hidden="0"/>
+          <p:cNvPr id="7" name="Group 6"/>
           <p:cNvGrpSpPr/>
-          <p:nvPr isPhoto="0" userDrawn="0"/>
+          <p:nvPr/>
         </p:nvGrpSpPr>
         <p:grpSpPr bwMode="auto">
           <a:xfrm>
@@ -153,11 +168,11 @@
         </p:grpSpPr>
         <p:cxnSp>
           <p:nvCxnSpPr>
-            <p:cNvPr id="32" name="Straight Connector 31" hidden="0"/>
+            <p:cNvPr id="32" name="Straight Connector 31"/>
             <p:cNvCxnSpPr>
               <a:cxnSpLocks/>
             </p:cNvCxnSpPr>
-            <p:nvPr isPhoto="0" userDrawn="0"/>
+            <p:nvPr/>
           </p:nvCxnSpPr>
           <p:spPr bwMode="auto">
             <a:xfrm>
@@ -192,11 +207,11 @@
         </p:cxnSp>
         <p:cxnSp>
           <p:nvCxnSpPr>
-            <p:cNvPr id="21" name="Straight Connector 20" hidden="0"/>
+            <p:cNvPr id="21" name="Straight Connector 20"/>
             <p:cNvCxnSpPr>
               <a:cxnSpLocks/>
             </p:cNvCxnSpPr>
-            <p:nvPr isPhoto="0" userDrawn="0"/>
+            <p:nvPr/>
           </p:nvCxnSpPr>
           <p:spPr bwMode="auto">
             <a:xfrm flipH="1">
@@ -231,9 +246,9 @@
         </p:cxnSp>
         <p:sp>
           <p:nvSpPr>
-            <p:cNvPr id="24" name="Rectangle 23" hidden="0"/>
+            <p:cNvPr id="24" name="Rectangle 23"/>
             <p:cNvSpPr/>
-            <p:nvPr isPhoto="0" userDrawn="0"/>
+            <p:nvPr/>
           </p:nvSpPr>
           <p:spPr bwMode="auto">
             <a:xfrm>
@@ -247,7 +262,7 @@
               <a:cxnLst/>
               <a:rect l="l" t="t" r="r" b="b"/>
               <a:pathLst>
-                <a:path w="3007349" h="6866467" fill="norm" stroke="1" extrusionOk="0">
+                <a:path w="3007349" h="6866467" extrusionOk="0">
                   <a:moveTo>
                     <a:pt x="2045532" y="0"/>
                   </a:moveTo>
@@ -294,9 +309,9 @@
         </p:sp>
         <p:sp>
           <p:nvSpPr>
-            <p:cNvPr id="26" name="Rectangle 25" hidden="0"/>
+            <p:cNvPr id="26" name="Rectangle 25"/>
             <p:cNvSpPr/>
-            <p:nvPr isPhoto="0" userDrawn="0"/>
+            <p:nvPr/>
           </p:nvSpPr>
           <p:spPr bwMode="auto">
             <a:xfrm>
@@ -310,7 +325,7 @@
               <a:cxnLst/>
               <a:rect l="l" t="t" r="r" b="b"/>
               <a:pathLst>
-                <a:path w="2573311" h="6866467" fill="norm" stroke="1" extrusionOk="0">
+                <a:path w="2573311" h="6866467" extrusionOk="0">
                   <a:moveTo>
                     <a:pt x="0" y="0"/>
                   </a:moveTo>
@@ -357,9 +372,9 @@
         </p:sp>
         <p:sp>
           <p:nvSpPr>
-            <p:cNvPr id="27" name="Isosceles Triangle 26" hidden="0"/>
+            <p:cNvPr id="27" name="Isosceles Triangle 26"/>
             <p:cNvSpPr/>
-            <p:nvPr isPhoto="0" userDrawn="0"/>
+            <p:nvPr/>
           </p:nvSpPr>
           <p:spPr bwMode="auto">
             <a:xfrm>
@@ -398,9 +413,9 @@
         </p:sp>
         <p:sp>
           <p:nvSpPr>
-            <p:cNvPr id="28" name="Rectangle 27" hidden="0"/>
+            <p:cNvPr id="28" name="Rectangle 27"/>
             <p:cNvSpPr/>
-            <p:nvPr isPhoto="0" userDrawn="0"/>
+            <p:nvPr/>
           </p:nvSpPr>
           <p:spPr bwMode="auto">
             <a:xfrm>
@@ -414,7 +429,7 @@
               <a:cxnLst/>
               <a:rect l="l" t="t" r="r" b="b"/>
               <a:pathLst>
-                <a:path w="2858013" h="6866467" fill="norm" stroke="1" extrusionOk="0">
+                <a:path w="2858013" h="6866467" extrusionOk="0">
                   <a:moveTo>
                     <a:pt x="0" y="0"/>
                   </a:moveTo>
@@ -462,9 +477,9 @@
         </p:sp>
         <p:sp>
           <p:nvSpPr>
-            <p:cNvPr id="29" name="Rectangle 28" hidden="0"/>
+            <p:cNvPr id="29" name="Rectangle 28"/>
             <p:cNvSpPr/>
-            <p:nvPr isPhoto="0" userDrawn="0"/>
+            <p:nvPr/>
           </p:nvSpPr>
           <p:spPr bwMode="auto">
             <a:xfrm>
@@ -478,7 +493,7 @@
               <a:cxnLst/>
               <a:rect l="l" t="t" r="r" b="b"/>
               <a:pathLst>
-                <a:path w="1290094" h="6858000" fill="norm" stroke="1" extrusionOk="0">
+                <a:path w="1290094" h="6858000" extrusionOk="0">
                   <a:moveTo>
                     <a:pt x="1019735" y="0"/>
                   </a:moveTo>
@@ -527,9 +542,9 @@
         </p:sp>
         <p:sp>
           <p:nvSpPr>
-            <p:cNvPr id="30" name="Rectangle 29" hidden="0"/>
+            <p:cNvPr id="30" name="Rectangle 29"/>
             <p:cNvSpPr/>
-            <p:nvPr isPhoto="0" userDrawn="0"/>
+            <p:nvPr/>
           </p:nvSpPr>
           <p:spPr bwMode="auto">
             <a:xfrm>
@@ -543,7 +558,7 @@
               <a:cxnLst/>
               <a:rect l="l" t="t" r="r" b="b"/>
               <a:pathLst>
-                <a:path w="1249825" h="6858000" fill="norm" stroke="1" extrusionOk="0">
+                <a:path w="1249825" h="6858000" extrusionOk="0">
                   <a:moveTo>
                     <a:pt x="0" y="0"/>
                   </a:moveTo>
@@ -590,9 +605,9 @@
         </p:sp>
         <p:sp>
           <p:nvSpPr>
-            <p:cNvPr id="31" name="Isosceles Triangle 30" hidden="0"/>
+            <p:cNvPr id="31" name="Isosceles Triangle 30"/>
             <p:cNvSpPr/>
-            <p:nvPr isPhoto="0" userDrawn="0"/>
+            <p:nvPr/>
           </p:nvSpPr>
           <p:spPr bwMode="auto">
             <a:xfrm>
@@ -631,9 +646,9 @@
         </p:sp>
         <p:sp>
           <p:nvSpPr>
-            <p:cNvPr id="19" name="Isosceles Triangle 18" hidden="0"/>
+            <p:cNvPr id="19" name="Isosceles Triangle 18"/>
             <p:cNvSpPr/>
-            <p:nvPr isPhoto="0" userDrawn="0"/>
+            <p:nvPr/>
           </p:nvSpPr>
           <p:spPr bwMode="auto">
             <a:xfrm rot="10800000">
@@ -673,12 +688,12 @@
       </p:grpSp>
       <p:sp>
         <p:nvSpPr>
-          <p:cNvPr id="2" name="Title 1" hidden="0"/>
+          <p:cNvPr id="2" name="Title 1"/>
           <p:cNvSpPr>
             <a:spLocks noGrp="1"/>
           </p:cNvSpPr>
-          <p:nvPr isPhoto="0" userDrawn="0">
-            <p:ph type="ctrTitle" hasCustomPrompt="0"/>
+          <p:nvPr>
+            <p:ph type="ctrTitle"/>
           </p:nvPr>
         </p:nvSpPr>
         <p:spPr bwMode="auto">
@@ -714,12 +729,12 @@
       </p:sp>
       <p:sp>
         <p:nvSpPr>
-          <p:cNvPr id="3" name="Subtitle 2" hidden="0"/>
+          <p:cNvPr id="3" name="Subtitle 2"/>
           <p:cNvSpPr>
             <a:spLocks noGrp="1"/>
           </p:cNvSpPr>
-          <p:nvPr isPhoto="0" userDrawn="0">
-            <p:ph type="subTitle" idx="1" hasCustomPrompt="0"/>
+          <p:nvPr>
+            <p:ph type="subTitle" idx="1"/>
           </p:nvPr>
         </p:nvSpPr>
         <p:spPr bwMode="auto">
@@ -837,12 +852,12 @@
       </p:sp>
       <p:sp>
         <p:nvSpPr>
-          <p:cNvPr id="4" name="Date Placeholder 3" hidden="0"/>
+          <p:cNvPr id="4" name="Date Placeholder 3"/>
           <p:cNvSpPr>
             <a:spLocks noGrp="1"/>
           </p:cNvSpPr>
-          <p:nvPr isPhoto="0" userDrawn="0">
-            <p:ph type="dt" sz="half" idx="10" hasCustomPrompt="0"/>
+          <p:nvPr>
+            <p:ph type="dt" sz="half" idx="10"/>
           </p:nvPr>
         </p:nvSpPr>
         <p:spPr bwMode="auto"/>
@@ -855,7 +870,7 @@
             </a:pPr>
             <a:fld id="{B3B7C885-B81A-4DB8-BD04-363F10E73211}" type="datetimeFigureOut">
               <a:rPr lang="en-US"/>
-              <a:t/>
+              <a:t>4/4/2022</a:t>
             </a:fld>
             <a:endParaRPr lang="en-US"/>
           </a:p>
@@ -863,12 +878,12 @@
       </p:sp>
       <p:sp>
         <p:nvSpPr>
-          <p:cNvPr id="5" name="Footer Placeholder 4" hidden="0"/>
+          <p:cNvPr id="5" name="Footer Placeholder 4"/>
           <p:cNvSpPr>
             <a:spLocks noGrp="1"/>
           </p:cNvSpPr>
-          <p:nvPr isPhoto="0" userDrawn="0">
-            <p:ph type="ftr" sz="quarter" idx="11" hasCustomPrompt="0"/>
+          <p:nvPr>
+            <p:ph type="ftr" sz="quarter" idx="11"/>
           </p:nvPr>
         </p:nvSpPr>
         <p:spPr bwMode="auto"/>
@@ -885,12 +900,12 @@
       </p:sp>
       <p:sp>
         <p:nvSpPr>
-          <p:cNvPr id="6" name="Slide Number Placeholder 5" hidden="0"/>
+          <p:cNvPr id="6" name="Slide Number Placeholder 5"/>
           <p:cNvSpPr>
             <a:spLocks noGrp="1"/>
           </p:cNvSpPr>
-          <p:nvPr isPhoto="0" userDrawn="0">
-            <p:ph type="sldNum" sz="quarter" idx="12" hasCustomPrompt="0"/>
+          <p:nvPr>
+            <p:ph type="sldNum" sz="quarter" idx="12"/>
           </p:nvPr>
         </p:nvSpPr>
         <p:spPr bwMode="auto"/>
@@ -903,7 +918,7 @@
             </a:pPr>
             <a:fld id="{916BAC16-625E-48D0-A4F5-C04B52C4F9F7}" type="slidenum">
               <a:rPr lang="en-US"/>
-              <a:t/>
+              <a:t>‹#›</a:t>
             </a:fld>
             <a:endParaRPr lang="en-US"/>
           </a:p>
@@ -918,13 +933,13 @@
 </file>
 
 <file path=ppt/slideLayouts/slideLayout10.xml><?xml version="1.0" encoding="utf-8"?>
-<p:sldLayout xmlns:a="http://schemas.openxmlformats.org/drawingml/2006/main" xmlns:r="http://schemas.openxmlformats.org/officeDocument/2006/relationships" xmlns:p="http://schemas.openxmlformats.org/presentationml/2006/main" xmlns:m="http://schemas.openxmlformats.org/officeDocument/2006/math" xmlns:w="http://schemas.openxmlformats.org/wordprocessingml/2006/main" matchingName="" preserve="1" showMasterPhAnim="0" userDrawn="1">
+<p:sldLayout xmlns:a="http://schemas.openxmlformats.org/drawingml/2006/main" xmlns:r="http://schemas.openxmlformats.org/officeDocument/2006/relationships" xmlns:p="http://schemas.openxmlformats.org/presentationml/2006/main" showMasterPhAnim="0" preserve="1" userDrawn="1">
   <p:cSld name="Заголовок и подпись">
     <p:spTree>
       <p:nvGrpSpPr>
-        <p:cNvPr id="1" name="" hidden="0"/>
+        <p:cNvPr id="1" name=""/>
         <p:cNvGrpSpPr/>
-        <p:nvPr isPhoto="0" userDrawn="0"/>
+        <p:nvPr/>
       </p:nvGrpSpPr>
       <p:grpSpPr bwMode="auto">
         <a:xfrm>
@@ -936,12 +951,12 @@
       </p:grpSpPr>
       <p:sp>
         <p:nvSpPr>
-          <p:cNvPr id="2" name="Title 1" hidden="0"/>
+          <p:cNvPr id="2" name="Title 1"/>
           <p:cNvSpPr>
             <a:spLocks noGrp="1"/>
           </p:cNvSpPr>
-          <p:nvPr isPhoto="0" userDrawn="0">
-            <p:ph type="title" hasCustomPrompt="0"/>
+          <p:nvPr>
+            <p:ph type="title"/>
           </p:nvPr>
         </p:nvSpPr>
         <p:spPr bwMode="auto">
@@ -973,12 +988,12 @@
       </p:sp>
       <p:sp>
         <p:nvSpPr>
-          <p:cNvPr id="3" name="Text Placeholder 2" hidden="0"/>
+          <p:cNvPr id="3" name="Text Placeholder 2"/>
           <p:cNvSpPr>
             <a:spLocks noGrp="1"/>
           </p:cNvSpPr>
-          <p:nvPr isPhoto="0" userDrawn="0">
-            <p:ph type="body" idx="1" hasCustomPrompt="0"/>
+          <p:nvPr>
+            <p:ph type="body" idx="1"/>
           </p:nvPr>
         </p:nvSpPr>
         <p:spPr bwMode="auto">
@@ -1098,12 +1113,12 @@
       </p:sp>
       <p:sp>
         <p:nvSpPr>
-          <p:cNvPr id="4" name="Date Placeholder 3" hidden="0"/>
+          <p:cNvPr id="4" name="Date Placeholder 3"/>
           <p:cNvSpPr>
             <a:spLocks noGrp="1"/>
           </p:cNvSpPr>
-          <p:nvPr isPhoto="0" userDrawn="0">
-            <p:ph type="dt" sz="half" idx="10" hasCustomPrompt="0"/>
+          <p:nvPr>
+            <p:ph type="dt" sz="half" idx="10"/>
           </p:nvPr>
         </p:nvSpPr>
         <p:spPr bwMode="auto"/>
@@ -1116,7 +1131,7 @@
             </a:pPr>
             <a:fld id="{B3B7C885-B81A-4DB8-BD04-363F10E73211}" type="datetimeFigureOut">
               <a:rPr lang="en-US"/>
-              <a:t/>
+              <a:t>4/4/2022</a:t>
             </a:fld>
             <a:endParaRPr lang="en-US"/>
           </a:p>
@@ -1124,12 +1139,12 @@
       </p:sp>
       <p:sp>
         <p:nvSpPr>
-          <p:cNvPr id="5" name="Footer Placeholder 4" hidden="0"/>
+          <p:cNvPr id="5" name="Footer Placeholder 4"/>
           <p:cNvSpPr>
             <a:spLocks noGrp="1"/>
           </p:cNvSpPr>
-          <p:nvPr isPhoto="0" userDrawn="0">
-            <p:ph type="ftr" sz="quarter" idx="11" hasCustomPrompt="0"/>
+          <p:nvPr>
+            <p:ph type="ftr" sz="quarter" idx="11"/>
           </p:nvPr>
         </p:nvSpPr>
         <p:spPr bwMode="auto"/>
@@ -1146,12 +1161,12 @@
       </p:sp>
       <p:sp>
         <p:nvSpPr>
-          <p:cNvPr id="6" name="Slide Number Placeholder 5" hidden="0"/>
+          <p:cNvPr id="6" name="Slide Number Placeholder 5"/>
           <p:cNvSpPr>
             <a:spLocks noGrp="1"/>
           </p:cNvSpPr>
-          <p:nvPr isPhoto="0" userDrawn="0">
-            <p:ph type="sldNum" sz="quarter" idx="12" hasCustomPrompt="0"/>
+          <p:nvPr>
+            <p:ph type="sldNum" sz="quarter" idx="12"/>
           </p:nvPr>
         </p:nvSpPr>
         <p:spPr bwMode="auto"/>
@@ -1164,7 +1179,7 @@
             </a:pPr>
             <a:fld id="{916BAC16-625E-48D0-A4F5-C04B52C4F9F7}" type="slidenum">
               <a:rPr lang="en-US"/>
-              <a:t/>
+              <a:t>‹#›</a:t>
             </a:fld>
             <a:endParaRPr lang="en-US"/>
           </a:p>
@@ -1179,13 +1194,13 @@
 </file>
 
 <file path=ppt/slideLayouts/slideLayout11.xml><?xml version="1.0" encoding="utf-8"?>
-<p:sldLayout xmlns:a="http://schemas.openxmlformats.org/drawingml/2006/main" xmlns:r="http://schemas.openxmlformats.org/officeDocument/2006/relationships" xmlns:p="http://schemas.openxmlformats.org/presentationml/2006/main" xmlns:m="http://schemas.openxmlformats.org/officeDocument/2006/math" xmlns:w="http://schemas.openxmlformats.org/wordprocessingml/2006/main" matchingName="" preserve="1" showMasterPhAnim="0" userDrawn="1">
+<p:sldLayout xmlns:a="http://schemas.openxmlformats.org/drawingml/2006/main" xmlns:r="http://schemas.openxmlformats.org/officeDocument/2006/relationships" xmlns:p="http://schemas.openxmlformats.org/presentationml/2006/main" showMasterPhAnim="0" preserve="1" userDrawn="1">
   <p:cSld name="Цитата с подписью">
     <p:spTree>
       <p:nvGrpSpPr>
-        <p:cNvPr id="1" name="" hidden="0"/>
+        <p:cNvPr id="1" name=""/>
         <p:cNvGrpSpPr/>
-        <p:nvPr isPhoto="0" userDrawn="0"/>
+        <p:nvPr/>
       </p:nvGrpSpPr>
       <p:grpSpPr bwMode="auto">
         <a:xfrm>
@@ -1197,12 +1212,12 @@
       </p:grpSpPr>
       <p:sp>
         <p:nvSpPr>
-          <p:cNvPr id="2" name="Title 1" hidden="0"/>
+          <p:cNvPr id="2" name="Title 1"/>
           <p:cNvSpPr>
             <a:spLocks noGrp="1"/>
           </p:cNvSpPr>
-          <p:nvPr isPhoto="0" userDrawn="0">
-            <p:ph type="title" hasCustomPrompt="0"/>
+          <p:nvPr>
+            <p:ph type="title"/>
           </p:nvPr>
         </p:nvSpPr>
         <p:spPr bwMode="auto">
@@ -1234,12 +1249,12 @@
       </p:sp>
       <p:sp>
         <p:nvSpPr>
-          <p:cNvPr id="23" name="Text Placeholder 9" hidden="0"/>
+          <p:cNvPr id="23" name="Text Placeholder 9"/>
           <p:cNvSpPr>
             <a:spLocks noGrp="1"/>
           </p:cNvSpPr>
-          <p:nvPr isPhoto="0" userDrawn="0">
-            <p:ph type="body" sz="quarter" idx="13" hasCustomPrompt="0"/>
+          <p:nvPr>
+            <p:ph type="body" sz="quarter" idx="13"/>
           </p:nvPr>
         </p:nvSpPr>
         <p:spPr bwMode="auto">
@@ -1300,12 +1315,12 @@
       </p:sp>
       <p:sp>
         <p:nvSpPr>
-          <p:cNvPr id="3" name="Text Placeholder 2" hidden="0"/>
+          <p:cNvPr id="3" name="Text Placeholder 2"/>
           <p:cNvSpPr>
             <a:spLocks noGrp="1"/>
           </p:cNvSpPr>
-          <p:nvPr isPhoto="0" userDrawn="0">
-            <p:ph type="body" idx="1" hasCustomPrompt="0"/>
+          <p:nvPr>
+            <p:ph type="body" idx="1"/>
           </p:nvPr>
         </p:nvSpPr>
         <p:spPr bwMode="auto">
@@ -1425,12 +1440,12 @@
       </p:sp>
       <p:sp>
         <p:nvSpPr>
-          <p:cNvPr id="4" name="Date Placeholder 3" hidden="0"/>
+          <p:cNvPr id="4" name="Date Placeholder 3"/>
           <p:cNvSpPr>
             <a:spLocks noGrp="1"/>
           </p:cNvSpPr>
-          <p:nvPr isPhoto="0" userDrawn="0">
-            <p:ph type="dt" sz="half" idx="10" hasCustomPrompt="0"/>
+          <p:nvPr>
+            <p:ph type="dt" sz="half" idx="10"/>
           </p:nvPr>
         </p:nvSpPr>
         <p:spPr bwMode="auto"/>
@@ -1443,7 +1458,7 @@
             </a:pPr>
             <a:fld id="{B3B7C885-B81A-4DB8-BD04-363F10E73211}" type="datetimeFigureOut">
               <a:rPr lang="en-US"/>
-              <a:t/>
+              <a:t>4/4/2022</a:t>
             </a:fld>
             <a:endParaRPr lang="en-US"/>
           </a:p>
@@ -1451,12 +1466,12 @@
       </p:sp>
       <p:sp>
         <p:nvSpPr>
-          <p:cNvPr id="5" name="Footer Placeholder 4" hidden="0"/>
+          <p:cNvPr id="5" name="Footer Placeholder 4"/>
           <p:cNvSpPr>
             <a:spLocks noGrp="1"/>
           </p:cNvSpPr>
-          <p:nvPr isPhoto="0" userDrawn="0">
-            <p:ph type="ftr" sz="quarter" idx="11" hasCustomPrompt="0"/>
+          <p:nvPr>
+            <p:ph type="ftr" sz="quarter" idx="11"/>
           </p:nvPr>
         </p:nvSpPr>
         <p:spPr bwMode="auto"/>
@@ -1473,12 +1488,12 @@
       </p:sp>
       <p:sp>
         <p:nvSpPr>
-          <p:cNvPr id="6" name="Slide Number Placeholder 5" hidden="0"/>
+          <p:cNvPr id="6" name="Slide Number Placeholder 5"/>
           <p:cNvSpPr>
             <a:spLocks noGrp="1"/>
           </p:cNvSpPr>
-          <p:nvPr isPhoto="0" userDrawn="0">
-            <p:ph type="sldNum" sz="quarter" idx="12" hasCustomPrompt="0"/>
+          <p:nvPr>
+            <p:ph type="sldNum" sz="quarter" idx="12"/>
           </p:nvPr>
         </p:nvSpPr>
         <p:spPr bwMode="auto"/>
@@ -1491,7 +1506,7 @@
             </a:pPr>
             <a:fld id="{916BAC16-625E-48D0-A4F5-C04B52C4F9F7}" type="slidenum">
               <a:rPr lang="en-US"/>
-              <a:t/>
+              <a:t>‹#›</a:t>
             </a:fld>
             <a:endParaRPr lang="en-US"/>
           </a:p>
@@ -1499,9 +1514,9 @@
       </p:sp>
       <p:sp>
         <p:nvSpPr>
-          <p:cNvPr id="20" name="TextBox 19" hidden="0"/>
+          <p:cNvPr id="20" name="TextBox 19"/>
           <p:cNvSpPr txBox="1"/>
-          <p:nvPr isPhoto="0" userDrawn="0"/>
+          <p:nvPr/>
         </p:nvSpPr>
         <p:spPr bwMode="auto">
           <a:xfrm>
@@ -1542,9 +1557,9 @@
       </p:sp>
       <p:sp>
         <p:nvSpPr>
-          <p:cNvPr id="22" name="TextBox 21" hidden="0"/>
+          <p:cNvPr id="22" name="TextBox 21"/>
           <p:cNvSpPr txBox="1"/>
-          <p:nvPr isPhoto="0" userDrawn="0"/>
+          <p:nvPr/>
         </p:nvSpPr>
         <p:spPr bwMode="auto">
           <a:xfrm>
@@ -1600,13 +1615,13 @@
 </file>
 
 <file path=ppt/slideLayouts/slideLayout12.xml><?xml version="1.0" encoding="utf-8"?>
-<p:sldLayout xmlns:a="http://schemas.openxmlformats.org/drawingml/2006/main" xmlns:r="http://schemas.openxmlformats.org/officeDocument/2006/relationships" xmlns:p="http://schemas.openxmlformats.org/presentationml/2006/main" xmlns:m="http://schemas.openxmlformats.org/officeDocument/2006/math" xmlns:w="http://schemas.openxmlformats.org/wordprocessingml/2006/main" matchingName="" preserve="1" showMasterPhAnim="0" userDrawn="1">
+<p:sldLayout xmlns:a="http://schemas.openxmlformats.org/drawingml/2006/main" xmlns:r="http://schemas.openxmlformats.org/officeDocument/2006/relationships" xmlns:p="http://schemas.openxmlformats.org/presentationml/2006/main" showMasterPhAnim="0" preserve="1" userDrawn="1">
   <p:cSld name="Карточка имени">
     <p:spTree>
       <p:nvGrpSpPr>
-        <p:cNvPr id="1" name="" hidden="0"/>
+        <p:cNvPr id="1" name=""/>
         <p:cNvGrpSpPr/>
-        <p:nvPr isPhoto="0" userDrawn="0"/>
+        <p:nvPr/>
       </p:nvGrpSpPr>
       <p:grpSpPr bwMode="auto">
         <a:xfrm>
@@ -1618,12 +1633,12 @@
       </p:grpSpPr>
       <p:sp>
         <p:nvSpPr>
-          <p:cNvPr id="2" name="Title 1" hidden="0"/>
+          <p:cNvPr id="2" name="Title 1"/>
           <p:cNvSpPr>
             <a:spLocks noGrp="1"/>
           </p:cNvSpPr>
-          <p:nvPr isPhoto="0" userDrawn="0">
-            <p:ph type="title" hasCustomPrompt="0"/>
+          <p:nvPr>
+            <p:ph type="title"/>
           </p:nvPr>
         </p:nvSpPr>
         <p:spPr bwMode="auto">
@@ -1655,12 +1670,12 @@
       </p:sp>
       <p:sp>
         <p:nvSpPr>
-          <p:cNvPr id="3" name="Text Placeholder 2" hidden="0"/>
+          <p:cNvPr id="3" name="Text Placeholder 2"/>
           <p:cNvSpPr>
             <a:spLocks noGrp="1"/>
           </p:cNvSpPr>
-          <p:nvPr isPhoto="0" userDrawn="0">
-            <p:ph type="body" idx="1" hasCustomPrompt="0"/>
+          <p:nvPr>
+            <p:ph type="body" idx="1"/>
           </p:nvPr>
         </p:nvSpPr>
         <p:spPr bwMode="auto">
@@ -1780,12 +1795,12 @@
       </p:sp>
       <p:sp>
         <p:nvSpPr>
-          <p:cNvPr id="4" name="Date Placeholder 3" hidden="0"/>
+          <p:cNvPr id="4" name="Date Placeholder 3"/>
           <p:cNvSpPr>
             <a:spLocks noGrp="1"/>
           </p:cNvSpPr>
-          <p:nvPr isPhoto="0" userDrawn="0">
-            <p:ph type="dt" sz="half" idx="10" hasCustomPrompt="0"/>
+          <p:nvPr>
+            <p:ph type="dt" sz="half" idx="10"/>
           </p:nvPr>
         </p:nvSpPr>
         <p:spPr bwMode="auto"/>
@@ -1798,7 +1813,7 @@
             </a:pPr>
             <a:fld id="{B3B7C885-B81A-4DB8-BD04-363F10E73211}" type="datetimeFigureOut">
               <a:rPr lang="en-US"/>
-              <a:t/>
+              <a:t>4/4/2022</a:t>
             </a:fld>
             <a:endParaRPr lang="en-US"/>
           </a:p>
@@ -1806,12 +1821,12 @@
       </p:sp>
       <p:sp>
         <p:nvSpPr>
-          <p:cNvPr id="5" name="Footer Placeholder 4" hidden="0"/>
+          <p:cNvPr id="5" name="Footer Placeholder 4"/>
           <p:cNvSpPr>
             <a:spLocks noGrp="1"/>
           </p:cNvSpPr>
-          <p:nvPr isPhoto="0" userDrawn="0">
-            <p:ph type="ftr" sz="quarter" idx="11" hasCustomPrompt="0"/>
+          <p:nvPr>
+            <p:ph type="ftr" sz="quarter" idx="11"/>
           </p:nvPr>
         </p:nvSpPr>
         <p:spPr bwMode="auto"/>
@@ -1828,12 +1843,12 @@
       </p:sp>
       <p:sp>
         <p:nvSpPr>
-          <p:cNvPr id="6" name="Slide Number Placeholder 5" hidden="0"/>
+          <p:cNvPr id="6" name="Slide Number Placeholder 5"/>
           <p:cNvSpPr>
             <a:spLocks noGrp="1"/>
           </p:cNvSpPr>
-          <p:nvPr isPhoto="0" userDrawn="0">
-            <p:ph type="sldNum" sz="quarter" idx="12" hasCustomPrompt="0"/>
+          <p:nvPr>
+            <p:ph type="sldNum" sz="quarter" idx="12"/>
           </p:nvPr>
         </p:nvSpPr>
         <p:spPr bwMode="auto"/>
@@ -1846,7 +1861,7 @@
             </a:pPr>
             <a:fld id="{916BAC16-625E-48D0-A4F5-C04B52C4F9F7}" type="slidenum">
               <a:rPr lang="en-US"/>
-              <a:t/>
+              <a:t>‹#›</a:t>
             </a:fld>
             <a:endParaRPr lang="en-US"/>
           </a:p>
@@ -1861,13 +1876,13 @@
 </file>
 
 <file path=ppt/slideLayouts/slideLayout13.xml><?xml version="1.0" encoding="utf-8"?>
-<p:sldLayout xmlns:a="http://schemas.openxmlformats.org/drawingml/2006/main" xmlns:r="http://schemas.openxmlformats.org/officeDocument/2006/relationships" xmlns:p="http://schemas.openxmlformats.org/presentationml/2006/main" xmlns:m="http://schemas.openxmlformats.org/officeDocument/2006/math" xmlns:w="http://schemas.openxmlformats.org/wordprocessingml/2006/main" matchingName="" preserve="1" showMasterPhAnim="0" userDrawn="1">
+<p:sldLayout xmlns:a="http://schemas.openxmlformats.org/drawingml/2006/main" xmlns:r="http://schemas.openxmlformats.org/officeDocument/2006/relationships" xmlns:p="http://schemas.openxmlformats.org/presentationml/2006/main" showMasterPhAnim="0" preserve="1" userDrawn="1">
   <p:cSld name="Цитата карточки имени">
     <p:spTree>
       <p:nvGrpSpPr>
-        <p:cNvPr id="1" name="" hidden="0"/>
+        <p:cNvPr id="1" name=""/>
         <p:cNvGrpSpPr/>
-        <p:nvPr isPhoto="0" userDrawn="0"/>
+        <p:nvPr/>
       </p:nvGrpSpPr>
       <p:grpSpPr bwMode="auto">
         <a:xfrm>
@@ -1879,12 +1894,12 @@
       </p:grpSpPr>
       <p:sp>
         <p:nvSpPr>
-          <p:cNvPr id="2" name="Title 1" hidden="0"/>
+          <p:cNvPr id="2" name="Title 1"/>
           <p:cNvSpPr>
             <a:spLocks noGrp="1"/>
           </p:cNvSpPr>
-          <p:nvPr isPhoto="0" userDrawn="0">
-            <p:ph type="title" hasCustomPrompt="0"/>
+          <p:nvPr>
+            <p:ph type="title"/>
           </p:nvPr>
         </p:nvSpPr>
         <p:spPr bwMode="auto">
@@ -1916,12 +1931,12 @@
       </p:sp>
       <p:sp>
         <p:nvSpPr>
-          <p:cNvPr id="23" name="Text Placeholder 9" hidden="0"/>
+          <p:cNvPr id="23" name="Text Placeholder 9"/>
           <p:cNvSpPr>
             <a:spLocks noGrp="1"/>
           </p:cNvSpPr>
-          <p:nvPr isPhoto="0" userDrawn="0">
-            <p:ph type="body" sz="quarter" idx="13" hasCustomPrompt="0"/>
+          <p:nvPr>
+            <p:ph type="body" sz="quarter" idx="13"/>
           </p:nvPr>
         </p:nvSpPr>
         <p:spPr bwMode="auto">
@@ -1982,12 +1997,12 @@
       </p:sp>
       <p:sp>
         <p:nvSpPr>
-          <p:cNvPr id="3" name="Text Placeholder 2" hidden="0"/>
+          <p:cNvPr id="3" name="Text Placeholder 2"/>
           <p:cNvSpPr>
             <a:spLocks noGrp="1"/>
           </p:cNvSpPr>
-          <p:nvPr isPhoto="0" userDrawn="0">
-            <p:ph type="body" idx="1" hasCustomPrompt="0"/>
+          <p:nvPr>
+            <p:ph type="body" idx="1"/>
           </p:nvPr>
         </p:nvSpPr>
         <p:spPr bwMode="auto">
@@ -2107,12 +2122,12 @@
       </p:sp>
       <p:sp>
         <p:nvSpPr>
-          <p:cNvPr id="4" name="Date Placeholder 3" hidden="0"/>
+          <p:cNvPr id="4" name="Date Placeholder 3"/>
           <p:cNvSpPr>
             <a:spLocks noGrp="1"/>
           </p:cNvSpPr>
-          <p:nvPr isPhoto="0" userDrawn="0">
-            <p:ph type="dt" sz="half" idx="10" hasCustomPrompt="0"/>
+          <p:nvPr>
+            <p:ph type="dt" sz="half" idx="10"/>
           </p:nvPr>
         </p:nvSpPr>
         <p:spPr bwMode="auto"/>
@@ -2125,7 +2140,7 @@
             </a:pPr>
             <a:fld id="{B3B7C885-B81A-4DB8-BD04-363F10E73211}" type="datetimeFigureOut">
               <a:rPr lang="en-US"/>
-              <a:t/>
+              <a:t>4/4/2022</a:t>
             </a:fld>
             <a:endParaRPr lang="en-US"/>
           </a:p>
@@ -2133,12 +2148,12 @@
       </p:sp>
       <p:sp>
         <p:nvSpPr>
-          <p:cNvPr id="5" name="Footer Placeholder 4" hidden="0"/>
+          <p:cNvPr id="5" name="Footer Placeholder 4"/>
           <p:cNvSpPr>
             <a:spLocks noGrp="1"/>
           </p:cNvSpPr>
-          <p:nvPr isPhoto="0" userDrawn="0">
-            <p:ph type="ftr" sz="quarter" idx="11" hasCustomPrompt="0"/>
+          <p:nvPr>
+            <p:ph type="ftr" sz="quarter" idx="11"/>
           </p:nvPr>
         </p:nvSpPr>
         <p:spPr bwMode="auto"/>
@@ -2155,12 +2170,12 @@
       </p:sp>
       <p:sp>
         <p:nvSpPr>
-          <p:cNvPr id="6" name="Slide Number Placeholder 5" hidden="0"/>
+          <p:cNvPr id="6" name="Slide Number Placeholder 5"/>
           <p:cNvSpPr>
             <a:spLocks noGrp="1"/>
           </p:cNvSpPr>
-          <p:nvPr isPhoto="0" userDrawn="0">
-            <p:ph type="sldNum" sz="quarter" idx="12" hasCustomPrompt="0"/>
+          <p:nvPr>
+            <p:ph type="sldNum" sz="quarter" idx="12"/>
           </p:nvPr>
         </p:nvSpPr>
         <p:spPr bwMode="auto"/>
@@ -2173,7 +2188,7 @@
             </a:pPr>
             <a:fld id="{916BAC16-625E-48D0-A4F5-C04B52C4F9F7}" type="slidenum">
               <a:rPr lang="en-US"/>
-              <a:t/>
+              <a:t>‹#›</a:t>
             </a:fld>
             <a:endParaRPr lang="en-US"/>
           </a:p>
@@ -2181,9 +2196,9 @@
       </p:sp>
       <p:sp>
         <p:nvSpPr>
-          <p:cNvPr id="24" name="TextBox 23" hidden="0"/>
+          <p:cNvPr id="24" name="TextBox 23"/>
           <p:cNvSpPr txBox="1"/>
-          <p:nvPr isPhoto="0" userDrawn="0"/>
+          <p:nvPr/>
         </p:nvSpPr>
         <p:spPr bwMode="auto">
           <a:xfrm>
@@ -2224,9 +2239,9 @@
       </p:sp>
       <p:sp>
         <p:nvSpPr>
-          <p:cNvPr id="25" name="TextBox 24" hidden="0"/>
+          <p:cNvPr id="25" name="TextBox 24"/>
           <p:cNvSpPr txBox="1"/>
-          <p:nvPr isPhoto="0" userDrawn="0"/>
+          <p:nvPr/>
         </p:nvSpPr>
         <p:spPr bwMode="auto">
           <a:xfrm>
@@ -2274,13 +2289,13 @@
 </file>
 
 <file path=ppt/slideLayouts/slideLayout14.xml><?xml version="1.0" encoding="utf-8"?>
-<p:sldLayout xmlns:a="http://schemas.openxmlformats.org/drawingml/2006/main" xmlns:r="http://schemas.openxmlformats.org/officeDocument/2006/relationships" xmlns:p="http://schemas.openxmlformats.org/presentationml/2006/main" xmlns:m="http://schemas.openxmlformats.org/officeDocument/2006/math" xmlns:w="http://schemas.openxmlformats.org/wordprocessingml/2006/main" matchingName="" preserve="1" showMasterPhAnim="0" userDrawn="1">
+<p:sldLayout xmlns:a="http://schemas.openxmlformats.org/drawingml/2006/main" xmlns:r="http://schemas.openxmlformats.org/officeDocument/2006/relationships" xmlns:p="http://schemas.openxmlformats.org/presentationml/2006/main" showMasterPhAnim="0" preserve="1" userDrawn="1">
   <p:cSld name="Истина или ложь">
     <p:spTree>
       <p:nvGrpSpPr>
-        <p:cNvPr id="1" name="" hidden="0"/>
+        <p:cNvPr id="1" name=""/>
         <p:cNvGrpSpPr/>
-        <p:nvPr isPhoto="0" userDrawn="0"/>
+        <p:nvPr/>
       </p:nvGrpSpPr>
       <p:grpSpPr bwMode="auto">
         <a:xfrm>
@@ -2292,12 +2307,12 @@
       </p:grpSpPr>
       <p:sp>
         <p:nvSpPr>
-          <p:cNvPr id="2" name="Title 1" hidden="0"/>
+          <p:cNvPr id="2" name="Title 1"/>
           <p:cNvSpPr>
             <a:spLocks noGrp="1"/>
           </p:cNvSpPr>
-          <p:nvPr isPhoto="0" userDrawn="0">
-            <p:ph type="title" hasCustomPrompt="0"/>
+          <p:nvPr>
+            <p:ph type="title"/>
           </p:nvPr>
         </p:nvSpPr>
         <p:spPr bwMode="auto">
@@ -2329,12 +2344,12 @@
       </p:sp>
       <p:sp>
         <p:nvSpPr>
-          <p:cNvPr id="23" name="Text Placeholder 9" hidden="0"/>
+          <p:cNvPr id="23" name="Text Placeholder 9"/>
           <p:cNvSpPr>
             <a:spLocks noGrp="1"/>
           </p:cNvSpPr>
-          <p:nvPr isPhoto="0" userDrawn="0">
-            <p:ph type="body" sz="quarter" idx="13" hasCustomPrompt="0"/>
+          <p:nvPr>
+            <p:ph type="body" sz="quarter" idx="13"/>
           </p:nvPr>
         </p:nvSpPr>
         <p:spPr bwMode="auto">
@@ -2392,12 +2407,12 @@
       </p:sp>
       <p:sp>
         <p:nvSpPr>
-          <p:cNvPr id="3" name="Text Placeholder 2" hidden="0"/>
+          <p:cNvPr id="3" name="Text Placeholder 2"/>
           <p:cNvSpPr>
             <a:spLocks noGrp="1"/>
           </p:cNvSpPr>
-          <p:nvPr isPhoto="0" userDrawn="0">
-            <p:ph type="body" idx="1" hasCustomPrompt="0"/>
+          <p:nvPr>
+            <p:ph type="body" idx="1"/>
           </p:nvPr>
         </p:nvSpPr>
         <p:spPr bwMode="auto">
@@ -2517,12 +2532,12 @@
       </p:sp>
       <p:sp>
         <p:nvSpPr>
-          <p:cNvPr id="4" name="Date Placeholder 3" hidden="0"/>
+          <p:cNvPr id="4" name="Date Placeholder 3"/>
           <p:cNvSpPr>
             <a:spLocks noGrp="1"/>
           </p:cNvSpPr>
-          <p:nvPr isPhoto="0" userDrawn="0">
-            <p:ph type="dt" sz="half" idx="10" hasCustomPrompt="0"/>
+          <p:nvPr>
+            <p:ph type="dt" sz="half" idx="10"/>
           </p:nvPr>
         </p:nvSpPr>
         <p:spPr bwMode="auto"/>
@@ -2535,7 +2550,7 @@
             </a:pPr>
             <a:fld id="{B3B7C885-B81A-4DB8-BD04-363F10E73211}" type="datetimeFigureOut">
               <a:rPr lang="en-US"/>
-              <a:t/>
+              <a:t>4/4/2022</a:t>
             </a:fld>
             <a:endParaRPr lang="en-US"/>
           </a:p>
@@ -2543,12 +2558,12 @@
       </p:sp>
       <p:sp>
         <p:nvSpPr>
-          <p:cNvPr id="5" name="Footer Placeholder 4" hidden="0"/>
+          <p:cNvPr id="5" name="Footer Placeholder 4"/>
           <p:cNvSpPr>
             <a:spLocks noGrp="1"/>
           </p:cNvSpPr>
-          <p:nvPr isPhoto="0" userDrawn="0">
-            <p:ph type="ftr" sz="quarter" idx="11" hasCustomPrompt="0"/>
+          <p:nvPr>
+            <p:ph type="ftr" sz="quarter" idx="11"/>
           </p:nvPr>
         </p:nvSpPr>
         <p:spPr bwMode="auto"/>
@@ -2565,12 +2580,12 @@
       </p:sp>
       <p:sp>
         <p:nvSpPr>
-          <p:cNvPr id="6" name="Slide Number Placeholder 5" hidden="0"/>
+          <p:cNvPr id="6" name="Slide Number Placeholder 5"/>
           <p:cNvSpPr>
             <a:spLocks noGrp="1"/>
           </p:cNvSpPr>
-          <p:nvPr isPhoto="0" userDrawn="0">
-            <p:ph type="sldNum" sz="quarter" idx="12" hasCustomPrompt="0"/>
+          <p:nvPr>
+            <p:ph type="sldNum" sz="quarter" idx="12"/>
           </p:nvPr>
         </p:nvSpPr>
         <p:spPr bwMode="auto"/>
@@ -2583,7 +2598,7 @@
             </a:pPr>
             <a:fld id="{916BAC16-625E-48D0-A4F5-C04B52C4F9F7}" type="slidenum">
               <a:rPr lang="en-US"/>
-              <a:t/>
+              <a:t>‹#›</a:t>
             </a:fld>
             <a:endParaRPr lang="en-US"/>
           </a:p>
@@ -2598,13 +2613,13 @@
 </file>
 
 <file path=ppt/slideLayouts/slideLayout15.xml><?xml version="1.0" encoding="utf-8"?>
-<p:sldLayout xmlns:a="http://schemas.openxmlformats.org/drawingml/2006/main" xmlns:r="http://schemas.openxmlformats.org/officeDocument/2006/relationships" xmlns:p="http://schemas.openxmlformats.org/presentationml/2006/main" xmlns:m="http://schemas.openxmlformats.org/officeDocument/2006/math" xmlns:w="http://schemas.openxmlformats.org/wordprocessingml/2006/main" matchingName="" preserve="1" showMasterPhAnim="0" type="vertTx" userDrawn="1">
+<p:sldLayout xmlns:a="http://schemas.openxmlformats.org/drawingml/2006/main" xmlns:r="http://schemas.openxmlformats.org/officeDocument/2006/relationships" xmlns:p="http://schemas.openxmlformats.org/presentationml/2006/main" showMasterPhAnim="0" type="vertTx" preserve="1" userDrawn="1">
   <p:cSld name="Заголовок и вертикальный текст">
     <p:spTree>
       <p:nvGrpSpPr>
-        <p:cNvPr id="1" name="" hidden="0"/>
+        <p:cNvPr id="1" name=""/>
         <p:cNvGrpSpPr/>
-        <p:nvPr isPhoto="0" userDrawn="0"/>
+        <p:nvPr/>
       </p:nvGrpSpPr>
       <p:grpSpPr bwMode="auto">
         <a:xfrm>
@@ -2616,12 +2631,12 @@
       </p:grpSpPr>
       <p:sp>
         <p:nvSpPr>
-          <p:cNvPr id="2" name="Title 1" hidden="0"/>
+          <p:cNvPr id="2" name="Title 1"/>
           <p:cNvSpPr>
             <a:spLocks noGrp="1"/>
           </p:cNvSpPr>
-          <p:nvPr isPhoto="0" userDrawn="0">
-            <p:ph type="title" hasCustomPrompt="0"/>
+          <p:nvPr>
+            <p:ph type="title"/>
           </p:nvPr>
         </p:nvSpPr>
         <p:spPr bwMode="auto"/>
@@ -2642,12 +2657,12 @@
       </p:sp>
       <p:sp>
         <p:nvSpPr>
-          <p:cNvPr id="3" name="Vertical Text Placeholder 2" hidden="0"/>
+          <p:cNvPr id="3" name="Vertical Text Placeholder 2"/>
           <p:cNvSpPr>
             <a:spLocks noGrp="1"/>
           </p:cNvSpPr>
-          <p:nvPr isPhoto="0" userDrawn="0">
-            <p:ph type="body" orient="vert" idx="1" hasCustomPrompt="0"/>
+          <p:nvPr>
+            <p:ph type="body" orient="vert" idx="1"/>
           </p:nvPr>
         </p:nvSpPr>
         <p:spPr bwMode="auto"/>
@@ -2708,12 +2723,12 @@
       </p:sp>
       <p:sp>
         <p:nvSpPr>
-          <p:cNvPr id="4" name="Date Placeholder 3" hidden="0"/>
+          <p:cNvPr id="4" name="Date Placeholder 3"/>
           <p:cNvSpPr>
             <a:spLocks noGrp="1"/>
           </p:cNvSpPr>
-          <p:nvPr isPhoto="0" userDrawn="0">
-            <p:ph type="dt" sz="half" idx="10" hasCustomPrompt="0"/>
+          <p:nvPr>
+            <p:ph type="dt" sz="half" idx="10"/>
           </p:nvPr>
         </p:nvSpPr>
         <p:spPr bwMode="auto"/>
@@ -2726,7 +2741,7 @@
             </a:pPr>
             <a:fld id="{B3B7C885-B81A-4DB8-BD04-363F10E73211}" type="datetimeFigureOut">
               <a:rPr lang="en-US"/>
-              <a:t/>
+              <a:t>4/4/2022</a:t>
             </a:fld>
             <a:endParaRPr lang="en-US"/>
           </a:p>
@@ -2734,12 +2749,12 @@
       </p:sp>
       <p:sp>
         <p:nvSpPr>
-          <p:cNvPr id="5" name="Footer Placeholder 4" hidden="0"/>
+          <p:cNvPr id="5" name="Footer Placeholder 4"/>
           <p:cNvSpPr>
             <a:spLocks noGrp="1"/>
           </p:cNvSpPr>
-          <p:nvPr isPhoto="0" userDrawn="0">
-            <p:ph type="ftr" sz="quarter" idx="11" hasCustomPrompt="0"/>
+          <p:nvPr>
+            <p:ph type="ftr" sz="quarter" idx="11"/>
           </p:nvPr>
         </p:nvSpPr>
         <p:spPr bwMode="auto"/>
@@ -2756,12 +2771,12 @@
       </p:sp>
       <p:sp>
         <p:nvSpPr>
-          <p:cNvPr id="6" name="Slide Number Placeholder 5" hidden="0"/>
+          <p:cNvPr id="6" name="Slide Number Placeholder 5"/>
           <p:cNvSpPr>
             <a:spLocks noGrp="1"/>
           </p:cNvSpPr>
-          <p:nvPr isPhoto="0" userDrawn="0">
-            <p:ph type="sldNum" sz="quarter" idx="12" hasCustomPrompt="0"/>
+          <p:nvPr>
+            <p:ph type="sldNum" sz="quarter" idx="12"/>
           </p:nvPr>
         </p:nvSpPr>
         <p:spPr bwMode="auto"/>
@@ -2774,7 +2789,7 @@
             </a:pPr>
             <a:fld id="{916BAC16-625E-48D0-A4F5-C04B52C4F9F7}" type="slidenum">
               <a:rPr lang="en-US"/>
-              <a:t/>
+              <a:t>‹#›</a:t>
             </a:fld>
             <a:endParaRPr lang="en-US"/>
           </a:p>
@@ -2789,13 +2804,13 @@
 </file>
 
 <file path=ppt/slideLayouts/slideLayout16.xml><?xml version="1.0" encoding="utf-8"?>
-<p:sldLayout xmlns:a="http://schemas.openxmlformats.org/drawingml/2006/main" xmlns:r="http://schemas.openxmlformats.org/officeDocument/2006/relationships" xmlns:p="http://schemas.openxmlformats.org/presentationml/2006/main" xmlns:m="http://schemas.openxmlformats.org/officeDocument/2006/math" xmlns:w="http://schemas.openxmlformats.org/wordprocessingml/2006/main" matchingName="" preserve="1" showMasterPhAnim="0" type="vertTitleAndTx" userDrawn="1">
+<p:sldLayout xmlns:a="http://schemas.openxmlformats.org/drawingml/2006/main" xmlns:r="http://schemas.openxmlformats.org/officeDocument/2006/relationships" xmlns:p="http://schemas.openxmlformats.org/presentationml/2006/main" showMasterPhAnim="0" type="vertTitleAndTx" preserve="1" userDrawn="1">
   <p:cSld name="Вертикальный заголовок и текст">
     <p:spTree>
       <p:nvGrpSpPr>
-        <p:cNvPr id="1" name="" hidden="0"/>
+        <p:cNvPr id="1" name=""/>
         <p:cNvGrpSpPr/>
-        <p:nvPr isPhoto="0" userDrawn="0"/>
+        <p:nvPr/>
       </p:nvGrpSpPr>
       <p:grpSpPr bwMode="auto">
         <a:xfrm>
@@ -2807,12 +2822,12 @@
       </p:grpSpPr>
       <p:sp>
         <p:nvSpPr>
-          <p:cNvPr id="2" name="Vertical Title 1" hidden="0"/>
+          <p:cNvPr id="2" name="Vertical Title 1"/>
           <p:cNvSpPr>
             <a:spLocks noGrp="1"/>
           </p:cNvSpPr>
-          <p:nvPr isPhoto="0" userDrawn="0">
-            <p:ph type="title" orient="vert" hasCustomPrompt="0"/>
+          <p:nvPr>
+            <p:ph type="title" orient="vert"/>
           </p:nvPr>
         </p:nvSpPr>
         <p:spPr bwMode="auto">
@@ -2838,12 +2853,12 @@
       </p:sp>
       <p:sp>
         <p:nvSpPr>
-          <p:cNvPr id="3" name="Vertical Text Placeholder 2" hidden="0"/>
+          <p:cNvPr id="3" name="Vertical Text Placeholder 2"/>
           <p:cNvSpPr>
             <a:spLocks noGrp="1"/>
           </p:cNvSpPr>
-          <p:nvPr isPhoto="0" userDrawn="0">
-            <p:ph type="body" orient="vert" idx="1" hasCustomPrompt="0"/>
+          <p:nvPr>
+            <p:ph type="body" orient="vert" idx="1"/>
           </p:nvPr>
         </p:nvSpPr>
         <p:spPr bwMode="auto">
@@ -2909,12 +2924,12 @@
       </p:sp>
       <p:sp>
         <p:nvSpPr>
-          <p:cNvPr id="4" name="Date Placeholder 3" hidden="0"/>
+          <p:cNvPr id="4" name="Date Placeholder 3"/>
           <p:cNvSpPr>
             <a:spLocks noGrp="1"/>
           </p:cNvSpPr>
-          <p:nvPr isPhoto="0" userDrawn="0">
-            <p:ph type="dt" sz="half" idx="10" hasCustomPrompt="0"/>
+          <p:nvPr>
+            <p:ph type="dt" sz="half" idx="10"/>
           </p:nvPr>
         </p:nvSpPr>
         <p:spPr bwMode="auto"/>
@@ -2927,7 +2942,7 @@
             </a:pPr>
             <a:fld id="{B3B7C885-B81A-4DB8-BD04-363F10E73211}" type="datetimeFigureOut">
               <a:rPr lang="en-US"/>
-              <a:t/>
+              <a:t>4/4/2022</a:t>
             </a:fld>
             <a:endParaRPr lang="en-US"/>
           </a:p>
@@ -2935,12 +2950,12 @@
       </p:sp>
       <p:sp>
         <p:nvSpPr>
-          <p:cNvPr id="5" name="Footer Placeholder 4" hidden="0"/>
+          <p:cNvPr id="5" name="Footer Placeholder 4"/>
           <p:cNvSpPr>
             <a:spLocks noGrp="1"/>
           </p:cNvSpPr>
-          <p:nvPr isPhoto="0" userDrawn="0">
-            <p:ph type="ftr" sz="quarter" idx="11" hasCustomPrompt="0"/>
+          <p:nvPr>
+            <p:ph type="ftr" sz="quarter" idx="11"/>
           </p:nvPr>
         </p:nvSpPr>
         <p:spPr bwMode="auto"/>
@@ -2957,12 +2972,12 @@
       </p:sp>
       <p:sp>
         <p:nvSpPr>
-          <p:cNvPr id="6" name="Slide Number Placeholder 5" hidden="0"/>
+          <p:cNvPr id="6" name="Slide Number Placeholder 5"/>
           <p:cNvSpPr>
             <a:spLocks noGrp="1"/>
           </p:cNvSpPr>
-          <p:nvPr isPhoto="0" userDrawn="0">
-            <p:ph type="sldNum" sz="quarter" idx="12" hasCustomPrompt="0"/>
+          <p:nvPr>
+            <p:ph type="sldNum" sz="quarter" idx="12"/>
           </p:nvPr>
         </p:nvSpPr>
         <p:spPr bwMode="auto"/>
@@ -2975,7 +2990,7 @@
             </a:pPr>
             <a:fld id="{916BAC16-625E-48D0-A4F5-C04B52C4F9F7}" type="slidenum">
               <a:rPr lang="en-US"/>
-              <a:t/>
+              <a:t>‹#›</a:t>
             </a:fld>
             <a:endParaRPr lang="en-US"/>
           </a:p>
@@ -2990,13 +3005,13 @@
 </file>
 
 <file path=ppt/slideLayouts/slideLayout2.xml><?xml version="1.0" encoding="utf-8"?>
-<p:sldLayout xmlns:a="http://schemas.openxmlformats.org/drawingml/2006/main" xmlns:r="http://schemas.openxmlformats.org/officeDocument/2006/relationships" xmlns:p="http://schemas.openxmlformats.org/presentationml/2006/main" xmlns:m="http://schemas.openxmlformats.org/officeDocument/2006/math" xmlns:w="http://schemas.openxmlformats.org/wordprocessingml/2006/main" matchingName="" preserve="1" showMasterPhAnim="0" type="obj" userDrawn="1">
+<p:sldLayout xmlns:a="http://schemas.openxmlformats.org/drawingml/2006/main" xmlns:r="http://schemas.openxmlformats.org/officeDocument/2006/relationships" xmlns:p="http://schemas.openxmlformats.org/presentationml/2006/main" showMasterPhAnim="0" type="obj" preserve="1" userDrawn="1">
   <p:cSld name="Заголовок и объект">
     <p:spTree>
       <p:nvGrpSpPr>
-        <p:cNvPr id="1" name="" hidden="0"/>
+        <p:cNvPr id="1" name=""/>
         <p:cNvGrpSpPr/>
-        <p:nvPr isPhoto="0" userDrawn="0"/>
+        <p:nvPr/>
       </p:nvGrpSpPr>
       <p:grpSpPr bwMode="auto">
         <a:xfrm>
@@ -3008,12 +3023,12 @@
       </p:grpSpPr>
       <p:sp>
         <p:nvSpPr>
-          <p:cNvPr id="2" name="Title 1" hidden="0"/>
+          <p:cNvPr id="2" name="Title 1"/>
           <p:cNvSpPr>
             <a:spLocks noGrp="1"/>
           </p:cNvSpPr>
-          <p:nvPr isPhoto="0" userDrawn="0">
-            <p:ph type="title" hasCustomPrompt="0"/>
+          <p:nvPr>
+            <p:ph type="title"/>
           </p:nvPr>
         </p:nvSpPr>
         <p:spPr bwMode="auto"/>
@@ -3040,12 +3055,12 @@
       </p:sp>
       <p:sp>
         <p:nvSpPr>
-          <p:cNvPr id="3" name="Content Placeholder 2" hidden="0"/>
+          <p:cNvPr id="3" name="Content Placeholder 2"/>
           <p:cNvSpPr>
             <a:spLocks noGrp="1"/>
           </p:cNvSpPr>
-          <p:nvPr isPhoto="0" userDrawn="0">
-            <p:ph idx="1" hasCustomPrompt="0"/>
+          <p:nvPr>
+            <p:ph idx="1"/>
           </p:nvPr>
         </p:nvSpPr>
         <p:spPr bwMode="auto"/>
@@ -3106,12 +3121,12 @@
       </p:sp>
       <p:sp>
         <p:nvSpPr>
-          <p:cNvPr id="4" name="Date Placeholder 3" hidden="0"/>
+          <p:cNvPr id="4" name="Date Placeholder 3"/>
           <p:cNvSpPr>
             <a:spLocks noGrp="1"/>
           </p:cNvSpPr>
-          <p:nvPr isPhoto="0" userDrawn="0">
-            <p:ph type="dt" sz="half" idx="10" hasCustomPrompt="0"/>
+          <p:nvPr>
+            <p:ph type="dt" sz="half" idx="10"/>
           </p:nvPr>
         </p:nvSpPr>
         <p:spPr bwMode="auto"/>
@@ -3124,7 +3139,7 @@
             </a:pPr>
             <a:fld id="{B3B7C885-B81A-4DB8-BD04-363F10E73211}" type="datetimeFigureOut">
               <a:rPr lang="en-US"/>
-              <a:t/>
+              <a:t>4/4/2022</a:t>
             </a:fld>
             <a:endParaRPr lang="en-US"/>
           </a:p>
@@ -3132,12 +3147,12 @@
       </p:sp>
       <p:sp>
         <p:nvSpPr>
-          <p:cNvPr id="5" name="Footer Placeholder 4" hidden="0"/>
+          <p:cNvPr id="5" name="Footer Placeholder 4"/>
           <p:cNvSpPr>
             <a:spLocks noGrp="1"/>
           </p:cNvSpPr>
-          <p:nvPr isPhoto="0" userDrawn="0">
-            <p:ph type="ftr" sz="quarter" idx="11" hasCustomPrompt="0"/>
+          <p:nvPr>
+            <p:ph type="ftr" sz="quarter" idx="11"/>
           </p:nvPr>
         </p:nvSpPr>
         <p:spPr bwMode="auto"/>
@@ -3154,12 +3169,12 @@
       </p:sp>
       <p:sp>
         <p:nvSpPr>
-          <p:cNvPr id="6" name="Slide Number Placeholder 5" hidden="0"/>
+          <p:cNvPr id="6" name="Slide Number Placeholder 5"/>
           <p:cNvSpPr>
             <a:spLocks noGrp="1"/>
           </p:cNvSpPr>
-          <p:nvPr isPhoto="0" userDrawn="0">
-            <p:ph type="sldNum" sz="quarter" idx="12" hasCustomPrompt="0"/>
+          <p:nvPr>
+            <p:ph type="sldNum" sz="quarter" idx="12"/>
           </p:nvPr>
         </p:nvSpPr>
         <p:spPr bwMode="auto"/>
@@ -3172,7 +3187,7 @@
             </a:pPr>
             <a:fld id="{916BAC16-625E-48D0-A4F5-C04B52C4F9F7}" type="slidenum">
               <a:rPr lang="en-US"/>
-              <a:t/>
+              <a:t>‹#›</a:t>
             </a:fld>
             <a:endParaRPr lang="en-US"/>
           </a:p>
@@ -3187,13 +3202,13 @@
 </file>
 
 <file path=ppt/slideLayouts/slideLayout3.xml><?xml version="1.0" encoding="utf-8"?>
-<p:sldLayout xmlns:a="http://schemas.openxmlformats.org/drawingml/2006/main" xmlns:r="http://schemas.openxmlformats.org/officeDocument/2006/relationships" xmlns:p="http://schemas.openxmlformats.org/presentationml/2006/main" xmlns:m="http://schemas.openxmlformats.org/officeDocument/2006/math" xmlns:w="http://schemas.openxmlformats.org/wordprocessingml/2006/main" matchingName="" preserve="1" showMasterPhAnim="0" type="secHead" userDrawn="1">
+<p:sldLayout xmlns:a="http://schemas.openxmlformats.org/drawingml/2006/main" xmlns:r="http://schemas.openxmlformats.org/officeDocument/2006/relationships" xmlns:p="http://schemas.openxmlformats.org/presentationml/2006/main" showMasterPhAnim="0" type="secHead" preserve="1" userDrawn="1">
   <p:cSld name="Заголовок раздела">
     <p:spTree>
       <p:nvGrpSpPr>
-        <p:cNvPr id="1" name="" hidden="0"/>
+        <p:cNvPr id="1" name=""/>
         <p:cNvGrpSpPr/>
-        <p:nvPr isPhoto="0" userDrawn="0"/>
+        <p:nvPr/>
       </p:nvGrpSpPr>
       <p:grpSpPr bwMode="auto">
         <a:xfrm>
@@ -3205,12 +3220,12 @@
       </p:grpSpPr>
       <p:sp>
         <p:nvSpPr>
-          <p:cNvPr id="2" name="Title 1" hidden="0"/>
+          <p:cNvPr id="2" name="Title 1"/>
           <p:cNvSpPr>
             <a:spLocks noGrp="1"/>
           </p:cNvSpPr>
-          <p:nvPr isPhoto="0" userDrawn="0">
-            <p:ph type="title" hasCustomPrompt="0"/>
+          <p:nvPr>
+            <p:ph type="title"/>
           </p:nvPr>
         </p:nvSpPr>
         <p:spPr bwMode="auto">
@@ -3240,12 +3255,12 @@
       </p:sp>
       <p:sp>
         <p:nvSpPr>
-          <p:cNvPr id="3" name="Text Placeholder 2" hidden="0"/>
+          <p:cNvPr id="3" name="Text Placeholder 2"/>
           <p:cNvSpPr>
             <a:spLocks noGrp="1"/>
           </p:cNvSpPr>
-          <p:nvPr isPhoto="0" userDrawn="0">
-            <p:ph type="body" idx="1" hasCustomPrompt="0"/>
+          <p:nvPr>
+            <p:ph type="body" idx="1"/>
           </p:nvPr>
         </p:nvSpPr>
         <p:spPr bwMode="auto">
@@ -3363,12 +3378,12 @@
       </p:sp>
       <p:sp>
         <p:nvSpPr>
-          <p:cNvPr id="4" name="Date Placeholder 3" hidden="0"/>
+          <p:cNvPr id="4" name="Date Placeholder 3"/>
           <p:cNvSpPr>
             <a:spLocks noGrp="1"/>
           </p:cNvSpPr>
-          <p:nvPr isPhoto="0" userDrawn="0">
-            <p:ph type="dt" sz="half" idx="10" hasCustomPrompt="0"/>
+          <p:nvPr>
+            <p:ph type="dt" sz="half" idx="10"/>
           </p:nvPr>
         </p:nvSpPr>
         <p:spPr bwMode="auto"/>
@@ -3381,7 +3396,7 @@
             </a:pPr>
             <a:fld id="{B3B7C885-B81A-4DB8-BD04-363F10E73211}" type="datetimeFigureOut">
               <a:rPr lang="en-US"/>
-              <a:t/>
+              <a:t>4/4/2022</a:t>
             </a:fld>
             <a:endParaRPr lang="en-US"/>
           </a:p>
@@ -3389,12 +3404,12 @@
       </p:sp>
       <p:sp>
         <p:nvSpPr>
-          <p:cNvPr id="5" name="Footer Placeholder 4" hidden="0"/>
+          <p:cNvPr id="5" name="Footer Placeholder 4"/>
           <p:cNvSpPr>
             <a:spLocks noGrp="1"/>
           </p:cNvSpPr>
-          <p:nvPr isPhoto="0" userDrawn="0">
-            <p:ph type="ftr" sz="quarter" idx="11" hasCustomPrompt="0"/>
+          <p:nvPr>
+            <p:ph type="ftr" sz="quarter" idx="11"/>
           </p:nvPr>
         </p:nvSpPr>
         <p:spPr bwMode="auto"/>
@@ -3411,12 +3426,12 @@
       </p:sp>
       <p:sp>
         <p:nvSpPr>
-          <p:cNvPr id="6" name="Slide Number Placeholder 5" hidden="0"/>
+          <p:cNvPr id="6" name="Slide Number Placeholder 5"/>
           <p:cNvSpPr>
             <a:spLocks noGrp="1"/>
           </p:cNvSpPr>
-          <p:nvPr isPhoto="0" userDrawn="0">
-            <p:ph type="sldNum" sz="quarter" idx="12" hasCustomPrompt="0"/>
+          <p:nvPr>
+            <p:ph type="sldNum" sz="quarter" idx="12"/>
           </p:nvPr>
         </p:nvSpPr>
         <p:spPr bwMode="auto"/>
@@ -3429,7 +3444,7 @@
             </a:pPr>
             <a:fld id="{916BAC16-625E-48D0-A4F5-C04B52C4F9F7}" type="slidenum">
               <a:rPr lang="en-US"/>
-              <a:t/>
+              <a:t>‹#›</a:t>
             </a:fld>
             <a:endParaRPr lang="en-US"/>
           </a:p>
@@ -3444,13 +3459,13 @@
 </file>
 
 <file path=ppt/slideLayouts/slideLayout4.xml><?xml version="1.0" encoding="utf-8"?>
-<p:sldLayout xmlns:a="http://schemas.openxmlformats.org/drawingml/2006/main" xmlns:r="http://schemas.openxmlformats.org/officeDocument/2006/relationships" xmlns:p="http://schemas.openxmlformats.org/presentationml/2006/main" xmlns:m="http://schemas.openxmlformats.org/officeDocument/2006/math" xmlns:w="http://schemas.openxmlformats.org/wordprocessingml/2006/main" matchingName="" preserve="1" showMasterPhAnim="0" type="twoObj" userDrawn="1">
+<p:sldLayout xmlns:a="http://schemas.openxmlformats.org/drawingml/2006/main" xmlns:r="http://schemas.openxmlformats.org/officeDocument/2006/relationships" xmlns:p="http://schemas.openxmlformats.org/presentationml/2006/main" showMasterPhAnim="0" type="twoObj" preserve="1" userDrawn="1">
   <p:cSld name="Два объекта">
     <p:spTree>
       <p:nvGrpSpPr>
-        <p:cNvPr id="1" name="" hidden="0"/>
+        <p:cNvPr id="1" name=""/>
         <p:cNvGrpSpPr/>
-        <p:nvPr isPhoto="0" userDrawn="0"/>
+        <p:nvPr/>
       </p:nvGrpSpPr>
       <p:grpSpPr bwMode="auto">
         <a:xfrm>
@@ -3462,12 +3477,12 @@
       </p:grpSpPr>
       <p:sp>
         <p:nvSpPr>
-          <p:cNvPr id="2" name="Title 1" hidden="0"/>
+          <p:cNvPr id="2" name="Title 1"/>
           <p:cNvSpPr>
             <a:spLocks noGrp="1"/>
           </p:cNvSpPr>
-          <p:nvPr isPhoto="0" userDrawn="0">
-            <p:ph type="title" hasCustomPrompt="0"/>
+          <p:nvPr>
+            <p:ph type="title"/>
           </p:nvPr>
         </p:nvSpPr>
         <p:spPr bwMode="auto"/>
@@ -3488,12 +3503,12 @@
       </p:sp>
       <p:sp>
         <p:nvSpPr>
-          <p:cNvPr id="3" name="Content Placeholder 2" hidden="0"/>
+          <p:cNvPr id="3" name="Content Placeholder 2"/>
           <p:cNvSpPr>
             <a:spLocks noGrp="1"/>
           </p:cNvSpPr>
-          <p:nvPr isPhoto="0" userDrawn="0">
-            <p:ph sz="half" idx="1" hasCustomPrompt="0"/>
+          <p:nvPr>
+            <p:ph sz="half" idx="1"/>
           </p:nvPr>
         </p:nvSpPr>
         <p:spPr bwMode="auto">
@@ -3559,12 +3574,12 @@
       </p:sp>
       <p:sp>
         <p:nvSpPr>
-          <p:cNvPr id="4" name="Content Placeholder 3" hidden="0"/>
+          <p:cNvPr id="4" name="Content Placeholder 3"/>
           <p:cNvSpPr>
             <a:spLocks noGrp="1"/>
           </p:cNvSpPr>
-          <p:nvPr isPhoto="0" userDrawn="0">
-            <p:ph sz="half" idx="2" hasCustomPrompt="0"/>
+          <p:nvPr>
+            <p:ph sz="half" idx="2"/>
           </p:nvPr>
         </p:nvSpPr>
         <p:spPr bwMode="auto">
@@ -3630,12 +3645,12 @@
       </p:sp>
       <p:sp>
         <p:nvSpPr>
-          <p:cNvPr id="5" name="Date Placeholder 4" hidden="0"/>
+          <p:cNvPr id="5" name="Date Placeholder 4"/>
           <p:cNvSpPr>
             <a:spLocks noGrp="1"/>
           </p:cNvSpPr>
-          <p:nvPr isPhoto="0" userDrawn="0">
-            <p:ph type="dt" sz="half" idx="10" hasCustomPrompt="0"/>
+          <p:nvPr>
+            <p:ph type="dt" sz="half" idx="10"/>
           </p:nvPr>
         </p:nvSpPr>
         <p:spPr bwMode="auto"/>
@@ -3648,7 +3663,7 @@
             </a:pPr>
             <a:fld id="{B3B7C885-B81A-4DB8-BD04-363F10E73211}" type="datetimeFigureOut">
               <a:rPr lang="en-US"/>
-              <a:t/>
+              <a:t>4/4/2022</a:t>
             </a:fld>
             <a:endParaRPr lang="en-US"/>
           </a:p>
@@ -3656,12 +3671,12 @@
       </p:sp>
       <p:sp>
         <p:nvSpPr>
-          <p:cNvPr id="6" name="Footer Placeholder 5" hidden="0"/>
+          <p:cNvPr id="6" name="Footer Placeholder 5"/>
           <p:cNvSpPr>
             <a:spLocks noGrp="1"/>
           </p:cNvSpPr>
-          <p:nvPr isPhoto="0" userDrawn="0">
-            <p:ph type="ftr" sz="quarter" idx="11" hasCustomPrompt="0"/>
+          <p:nvPr>
+            <p:ph type="ftr" sz="quarter" idx="11"/>
           </p:nvPr>
         </p:nvSpPr>
         <p:spPr bwMode="auto"/>
@@ -3678,12 +3693,12 @@
       </p:sp>
       <p:sp>
         <p:nvSpPr>
-          <p:cNvPr id="7" name="Slide Number Placeholder 6" hidden="0"/>
+          <p:cNvPr id="7" name="Slide Number Placeholder 6"/>
           <p:cNvSpPr>
             <a:spLocks noGrp="1"/>
           </p:cNvSpPr>
-          <p:nvPr isPhoto="0" userDrawn="0">
-            <p:ph type="sldNum" sz="quarter" idx="12" hasCustomPrompt="0"/>
+          <p:nvPr>
+            <p:ph type="sldNum" sz="quarter" idx="12"/>
           </p:nvPr>
         </p:nvSpPr>
         <p:spPr bwMode="auto"/>
@@ -3696,7 +3711,7 @@
             </a:pPr>
             <a:fld id="{916BAC16-625E-48D0-A4F5-C04B52C4F9F7}" type="slidenum">
               <a:rPr lang="en-US"/>
-              <a:t/>
+              <a:t>‹#›</a:t>
             </a:fld>
             <a:endParaRPr lang="en-US"/>
           </a:p>
@@ -3711,13 +3726,13 @@
 </file>
 
 <file path=ppt/slideLayouts/slideLayout5.xml><?xml version="1.0" encoding="utf-8"?>
-<p:sldLayout xmlns:a="http://schemas.openxmlformats.org/drawingml/2006/main" xmlns:r="http://schemas.openxmlformats.org/officeDocument/2006/relationships" xmlns:p="http://schemas.openxmlformats.org/presentationml/2006/main" xmlns:m="http://schemas.openxmlformats.org/officeDocument/2006/math" xmlns:w="http://schemas.openxmlformats.org/wordprocessingml/2006/main" matchingName="" preserve="1" showMasterPhAnim="0" type="twoTxTwoObj" userDrawn="1">
+<p:sldLayout xmlns:a="http://schemas.openxmlformats.org/drawingml/2006/main" xmlns:r="http://schemas.openxmlformats.org/officeDocument/2006/relationships" xmlns:p="http://schemas.openxmlformats.org/presentationml/2006/main" showMasterPhAnim="0" type="twoTxTwoObj" preserve="1" userDrawn="1">
   <p:cSld name="Сравнение">
     <p:spTree>
       <p:nvGrpSpPr>
-        <p:cNvPr id="1" name="" hidden="0"/>
+        <p:cNvPr id="1" name=""/>
         <p:cNvGrpSpPr/>
-        <p:nvPr isPhoto="0" userDrawn="0"/>
+        <p:nvPr/>
       </p:nvGrpSpPr>
       <p:grpSpPr bwMode="auto">
         <a:xfrm>
@@ -3729,12 +3744,12 @@
       </p:grpSpPr>
       <p:sp>
         <p:nvSpPr>
-          <p:cNvPr id="2" name="Title 1" hidden="0"/>
+          <p:cNvPr id="2" name="Title 1"/>
           <p:cNvSpPr>
             <a:spLocks noGrp="1"/>
           </p:cNvSpPr>
-          <p:nvPr isPhoto="0" userDrawn="0">
-            <p:ph type="title" hasCustomPrompt="0"/>
+          <p:nvPr>
+            <p:ph type="title"/>
           </p:nvPr>
         </p:nvSpPr>
         <p:spPr bwMode="auto"/>
@@ -3759,12 +3774,12 @@
       </p:sp>
       <p:sp>
         <p:nvSpPr>
-          <p:cNvPr id="3" name="Text Placeholder 2" hidden="0"/>
+          <p:cNvPr id="3" name="Text Placeholder 2"/>
           <p:cNvSpPr>
             <a:spLocks noGrp="1"/>
           </p:cNvSpPr>
-          <p:nvPr isPhoto="0" userDrawn="0">
-            <p:ph type="body" idx="1" hasCustomPrompt="0"/>
+          <p:nvPr>
+            <p:ph type="body" idx="1"/>
           </p:nvPr>
         </p:nvSpPr>
         <p:spPr bwMode="auto">
@@ -3829,12 +3844,12 @@
       </p:sp>
       <p:sp>
         <p:nvSpPr>
-          <p:cNvPr id="4" name="Content Placeholder 3" hidden="0"/>
+          <p:cNvPr id="4" name="Content Placeholder 3"/>
           <p:cNvSpPr>
             <a:spLocks noGrp="1"/>
           </p:cNvSpPr>
-          <p:nvPr isPhoto="0" userDrawn="0">
-            <p:ph sz="half" idx="2" hasCustomPrompt="0"/>
+          <p:nvPr>
+            <p:ph sz="half" idx="2"/>
           </p:nvPr>
         </p:nvSpPr>
         <p:spPr bwMode="auto">
@@ -3902,12 +3917,12 @@
       </p:sp>
       <p:sp>
         <p:nvSpPr>
-          <p:cNvPr id="5" name="Text Placeholder 4" hidden="0"/>
+          <p:cNvPr id="5" name="Text Placeholder 4"/>
           <p:cNvSpPr>
             <a:spLocks noGrp="1"/>
           </p:cNvSpPr>
-          <p:nvPr isPhoto="0" userDrawn="0">
-            <p:ph type="body" sz="quarter" idx="3" hasCustomPrompt="0"/>
+          <p:nvPr>
+            <p:ph type="body" sz="quarter" idx="3"/>
           </p:nvPr>
         </p:nvSpPr>
         <p:spPr bwMode="auto">
@@ -3972,12 +3987,12 @@
       </p:sp>
       <p:sp>
         <p:nvSpPr>
-          <p:cNvPr id="6" name="Content Placeholder 5" hidden="0"/>
+          <p:cNvPr id="6" name="Content Placeholder 5"/>
           <p:cNvSpPr>
             <a:spLocks noGrp="1"/>
           </p:cNvSpPr>
-          <p:nvPr isPhoto="0" userDrawn="0">
-            <p:ph sz="quarter" idx="4" hasCustomPrompt="0"/>
+          <p:nvPr>
+            <p:ph sz="quarter" idx="4"/>
           </p:nvPr>
         </p:nvSpPr>
         <p:spPr bwMode="auto">
@@ -4045,12 +4060,12 @@
       </p:sp>
       <p:sp>
         <p:nvSpPr>
-          <p:cNvPr id="7" name="Date Placeholder 6" hidden="0"/>
+          <p:cNvPr id="7" name="Date Placeholder 6"/>
           <p:cNvSpPr>
             <a:spLocks noGrp="1"/>
           </p:cNvSpPr>
-          <p:nvPr isPhoto="0" userDrawn="0">
-            <p:ph type="dt" sz="half" idx="10" hasCustomPrompt="0"/>
+          <p:nvPr>
+            <p:ph type="dt" sz="half" idx="10"/>
           </p:nvPr>
         </p:nvSpPr>
         <p:spPr bwMode="auto"/>
@@ -4063,7 +4078,7 @@
             </a:pPr>
             <a:fld id="{B3B7C885-B81A-4DB8-BD04-363F10E73211}" type="datetimeFigureOut">
               <a:rPr lang="en-US"/>
-              <a:t/>
+              <a:t>4/4/2022</a:t>
             </a:fld>
             <a:endParaRPr lang="en-US"/>
           </a:p>
@@ -4071,12 +4086,12 @@
       </p:sp>
       <p:sp>
         <p:nvSpPr>
-          <p:cNvPr id="8" name="Footer Placeholder 7" hidden="0"/>
+          <p:cNvPr id="8" name="Footer Placeholder 7"/>
           <p:cNvSpPr>
             <a:spLocks noGrp="1"/>
           </p:cNvSpPr>
-          <p:nvPr isPhoto="0" userDrawn="0">
-            <p:ph type="ftr" sz="quarter" idx="11" hasCustomPrompt="0"/>
+          <p:nvPr>
+            <p:ph type="ftr" sz="quarter" idx="11"/>
           </p:nvPr>
         </p:nvSpPr>
         <p:spPr bwMode="auto"/>
@@ -4093,12 +4108,12 @@
       </p:sp>
       <p:sp>
         <p:nvSpPr>
-          <p:cNvPr id="9" name="Slide Number Placeholder 8" hidden="0"/>
+          <p:cNvPr id="9" name="Slide Number Placeholder 8"/>
           <p:cNvSpPr>
             <a:spLocks noGrp="1"/>
           </p:cNvSpPr>
-          <p:nvPr isPhoto="0" userDrawn="0">
-            <p:ph type="sldNum" sz="quarter" idx="12" hasCustomPrompt="0"/>
+          <p:nvPr>
+            <p:ph type="sldNum" sz="quarter" idx="12"/>
           </p:nvPr>
         </p:nvSpPr>
         <p:spPr bwMode="auto"/>
@@ -4111,7 +4126,7 @@
             </a:pPr>
             <a:fld id="{916BAC16-625E-48D0-A4F5-C04B52C4F9F7}" type="slidenum">
               <a:rPr lang="en-US"/>
-              <a:t/>
+              <a:t>‹#›</a:t>
             </a:fld>
             <a:endParaRPr lang="en-US"/>
           </a:p>
@@ -4126,13 +4141,13 @@
 </file>
 
 <file path=ppt/slideLayouts/slideLayout6.xml><?xml version="1.0" encoding="utf-8"?>
-<p:sldLayout xmlns:a="http://schemas.openxmlformats.org/drawingml/2006/main" xmlns:r="http://schemas.openxmlformats.org/officeDocument/2006/relationships" xmlns:p="http://schemas.openxmlformats.org/presentationml/2006/main" xmlns:m="http://schemas.openxmlformats.org/officeDocument/2006/math" xmlns:w="http://schemas.openxmlformats.org/wordprocessingml/2006/main" matchingName="" preserve="1" showMasterPhAnim="0" type="titleOnly" userDrawn="1">
+<p:sldLayout xmlns:a="http://schemas.openxmlformats.org/drawingml/2006/main" xmlns:r="http://schemas.openxmlformats.org/officeDocument/2006/relationships" xmlns:p="http://schemas.openxmlformats.org/presentationml/2006/main" showMasterPhAnim="0" type="titleOnly" preserve="1" userDrawn="1">
   <p:cSld name="Только заголовок">
     <p:spTree>
       <p:nvGrpSpPr>
-        <p:cNvPr id="1" name="" hidden="0"/>
+        <p:cNvPr id="1" name=""/>
         <p:cNvGrpSpPr/>
-        <p:nvPr isPhoto="0" userDrawn="0"/>
+        <p:nvPr/>
       </p:nvGrpSpPr>
       <p:grpSpPr bwMode="auto">
         <a:xfrm>
@@ -4144,12 +4159,12 @@
       </p:grpSpPr>
       <p:sp>
         <p:nvSpPr>
-          <p:cNvPr id="2" name="Title 1" hidden="0"/>
+          <p:cNvPr id="2" name="Title 1"/>
           <p:cNvSpPr>
             <a:spLocks noGrp="1"/>
           </p:cNvSpPr>
-          <p:nvPr isPhoto="0" userDrawn="0">
-            <p:ph type="title" hasCustomPrompt="0"/>
+          <p:nvPr>
+            <p:ph type="title"/>
           </p:nvPr>
         </p:nvSpPr>
         <p:spPr bwMode="auto">
@@ -4175,12 +4190,12 @@
       </p:sp>
       <p:sp>
         <p:nvSpPr>
-          <p:cNvPr id="3" name="Date Placeholder 2" hidden="0"/>
+          <p:cNvPr id="3" name="Date Placeholder 2"/>
           <p:cNvSpPr>
             <a:spLocks noGrp="1"/>
           </p:cNvSpPr>
-          <p:nvPr isPhoto="0" userDrawn="0">
-            <p:ph type="dt" sz="half" idx="10" hasCustomPrompt="0"/>
+          <p:nvPr>
+            <p:ph type="dt" sz="half" idx="10"/>
           </p:nvPr>
         </p:nvSpPr>
         <p:spPr bwMode="auto"/>
@@ -4193,7 +4208,7 @@
             </a:pPr>
             <a:fld id="{B3B7C885-B81A-4DB8-BD04-363F10E73211}" type="datetimeFigureOut">
               <a:rPr lang="en-US"/>
-              <a:t/>
+              <a:t>4/4/2022</a:t>
             </a:fld>
             <a:endParaRPr lang="en-US"/>
           </a:p>
@@ -4201,12 +4216,12 @@
       </p:sp>
       <p:sp>
         <p:nvSpPr>
-          <p:cNvPr id="4" name="Footer Placeholder 3" hidden="0"/>
+          <p:cNvPr id="4" name="Footer Placeholder 3"/>
           <p:cNvSpPr>
             <a:spLocks noGrp="1"/>
           </p:cNvSpPr>
-          <p:nvPr isPhoto="0" userDrawn="0">
-            <p:ph type="ftr" sz="quarter" idx="11" hasCustomPrompt="0"/>
+          <p:nvPr>
+            <p:ph type="ftr" sz="quarter" idx="11"/>
           </p:nvPr>
         </p:nvSpPr>
         <p:spPr bwMode="auto"/>
@@ -4223,12 +4238,12 @@
       </p:sp>
       <p:sp>
         <p:nvSpPr>
-          <p:cNvPr id="5" name="Slide Number Placeholder 4" hidden="0"/>
+          <p:cNvPr id="5" name="Slide Number Placeholder 4"/>
           <p:cNvSpPr>
             <a:spLocks noGrp="1"/>
           </p:cNvSpPr>
-          <p:nvPr isPhoto="0" userDrawn="0">
-            <p:ph type="sldNum" sz="quarter" idx="12" hasCustomPrompt="0"/>
+          <p:nvPr>
+            <p:ph type="sldNum" sz="quarter" idx="12"/>
           </p:nvPr>
         </p:nvSpPr>
         <p:spPr bwMode="auto"/>
@@ -4241,7 +4256,7 @@
             </a:pPr>
             <a:fld id="{916BAC16-625E-48D0-A4F5-C04B52C4F9F7}" type="slidenum">
               <a:rPr lang="en-US"/>
-              <a:t/>
+              <a:t>‹#›</a:t>
             </a:fld>
             <a:endParaRPr lang="en-US"/>
           </a:p>
@@ -4256,13 +4271,13 @@
 </file>
 
 <file path=ppt/slideLayouts/slideLayout7.xml><?xml version="1.0" encoding="utf-8"?>
-<p:sldLayout xmlns:a="http://schemas.openxmlformats.org/drawingml/2006/main" xmlns:r="http://schemas.openxmlformats.org/officeDocument/2006/relationships" xmlns:p="http://schemas.openxmlformats.org/presentationml/2006/main" xmlns:m="http://schemas.openxmlformats.org/officeDocument/2006/math" xmlns:w="http://schemas.openxmlformats.org/wordprocessingml/2006/main" matchingName="" preserve="1" showMasterPhAnim="0" type="blank" userDrawn="1">
+<p:sldLayout xmlns:a="http://schemas.openxmlformats.org/drawingml/2006/main" xmlns:r="http://schemas.openxmlformats.org/officeDocument/2006/relationships" xmlns:p="http://schemas.openxmlformats.org/presentationml/2006/main" showMasterPhAnim="0" type="blank" preserve="1" userDrawn="1">
   <p:cSld name="Пустой слайд">
     <p:spTree>
       <p:nvGrpSpPr>
-        <p:cNvPr id="1" name="" hidden="0"/>
+        <p:cNvPr id="1" name=""/>
         <p:cNvGrpSpPr/>
-        <p:nvPr isPhoto="0" userDrawn="0"/>
+        <p:nvPr/>
       </p:nvGrpSpPr>
       <p:grpSpPr bwMode="auto">
         <a:xfrm>
@@ -4274,12 +4289,12 @@
       </p:grpSpPr>
       <p:sp>
         <p:nvSpPr>
-          <p:cNvPr id="2" name="Date Placeholder 1" hidden="0"/>
+          <p:cNvPr id="2" name="Date Placeholder 1"/>
           <p:cNvSpPr>
             <a:spLocks noGrp="1"/>
           </p:cNvSpPr>
-          <p:nvPr isPhoto="0" userDrawn="0">
-            <p:ph type="dt" sz="half" idx="10" hasCustomPrompt="0"/>
+          <p:nvPr>
+            <p:ph type="dt" sz="half" idx="10"/>
           </p:nvPr>
         </p:nvSpPr>
         <p:spPr bwMode="auto"/>
@@ -4292,7 +4307,7 @@
             </a:pPr>
             <a:fld id="{B3B7C885-B81A-4DB8-BD04-363F10E73211}" type="datetimeFigureOut">
               <a:rPr lang="en-US"/>
-              <a:t/>
+              <a:t>4/4/2022</a:t>
             </a:fld>
             <a:endParaRPr lang="en-US"/>
           </a:p>
@@ -4300,12 +4315,12 @@
       </p:sp>
       <p:sp>
         <p:nvSpPr>
-          <p:cNvPr id="3" name="Footer Placeholder 2" hidden="0"/>
+          <p:cNvPr id="3" name="Footer Placeholder 2"/>
           <p:cNvSpPr>
             <a:spLocks noGrp="1"/>
           </p:cNvSpPr>
-          <p:nvPr isPhoto="0" userDrawn="0">
-            <p:ph type="ftr" sz="quarter" idx="11" hasCustomPrompt="0"/>
+          <p:nvPr>
+            <p:ph type="ftr" sz="quarter" idx="11"/>
           </p:nvPr>
         </p:nvSpPr>
         <p:spPr bwMode="auto"/>
@@ -4322,12 +4337,12 @@
       </p:sp>
       <p:sp>
         <p:nvSpPr>
-          <p:cNvPr id="4" name="Slide Number Placeholder 3" hidden="0"/>
+          <p:cNvPr id="4" name="Slide Number Placeholder 3"/>
           <p:cNvSpPr>
             <a:spLocks noGrp="1"/>
           </p:cNvSpPr>
-          <p:nvPr isPhoto="0" userDrawn="0">
-            <p:ph type="sldNum" sz="quarter" idx="12" hasCustomPrompt="0"/>
+          <p:nvPr>
+            <p:ph type="sldNum" sz="quarter" idx="12"/>
           </p:nvPr>
         </p:nvSpPr>
         <p:spPr bwMode="auto"/>
@@ -4340,7 +4355,7 @@
             </a:pPr>
             <a:fld id="{916BAC16-625E-48D0-A4F5-C04B52C4F9F7}" type="slidenum">
               <a:rPr lang="en-US"/>
-              <a:t/>
+              <a:t>‹#›</a:t>
             </a:fld>
             <a:endParaRPr lang="en-US"/>
           </a:p>
@@ -4355,13 +4370,13 @@
 </file>
 
 <file path=ppt/slideLayouts/slideLayout8.xml><?xml version="1.0" encoding="utf-8"?>
-<p:sldLayout xmlns:a="http://schemas.openxmlformats.org/drawingml/2006/main" xmlns:r="http://schemas.openxmlformats.org/officeDocument/2006/relationships" xmlns:p="http://schemas.openxmlformats.org/presentationml/2006/main" xmlns:m="http://schemas.openxmlformats.org/officeDocument/2006/math" xmlns:w="http://schemas.openxmlformats.org/wordprocessingml/2006/main" matchingName="" preserve="1" showMasterPhAnim="0" type="objTx" userDrawn="1">
+<p:sldLayout xmlns:a="http://schemas.openxmlformats.org/drawingml/2006/main" xmlns:r="http://schemas.openxmlformats.org/officeDocument/2006/relationships" xmlns:p="http://schemas.openxmlformats.org/presentationml/2006/main" showMasterPhAnim="0" type="objTx" preserve="1" userDrawn="1">
   <p:cSld name="Объект с подписью">
     <p:spTree>
       <p:nvGrpSpPr>
-        <p:cNvPr id="1" name="" hidden="0"/>
+        <p:cNvPr id="1" name=""/>
         <p:cNvGrpSpPr/>
-        <p:nvPr isPhoto="0" userDrawn="0"/>
+        <p:nvPr/>
       </p:nvGrpSpPr>
       <p:grpSpPr bwMode="auto">
         <a:xfrm>
@@ -4373,12 +4388,12 @@
       </p:grpSpPr>
       <p:sp>
         <p:nvSpPr>
-          <p:cNvPr id="2" name="Title 1" hidden="0"/>
+          <p:cNvPr id="2" name="Title 1"/>
           <p:cNvSpPr>
             <a:spLocks noGrp="1"/>
           </p:cNvSpPr>
-          <p:nvPr isPhoto="0" userDrawn="0">
-            <p:ph type="title" hasCustomPrompt="0"/>
+          <p:nvPr>
+            <p:ph type="title"/>
           </p:nvPr>
         </p:nvSpPr>
         <p:spPr bwMode="auto">
@@ -4410,12 +4425,12 @@
       </p:sp>
       <p:sp>
         <p:nvSpPr>
-          <p:cNvPr id="3" name="Content Placeholder 2" hidden="0"/>
+          <p:cNvPr id="3" name="Content Placeholder 2"/>
           <p:cNvSpPr>
             <a:spLocks noGrp="1"/>
           </p:cNvSpPr>
-          <p:nvPr isPhoto="0" userDrawn="0">
-            <p:ph idx="1" hasCustomPrompt="0"/>
+          <p:nvPr>
+            <p:ph idx="1"/>
           </p:nvPr>
         </p:nvSpPr>
         <p:spPr bwMode="auto">
@@ -4483,12 +4498,12 @@
       </p:sp>
       <p:sp>
         <p:nvSpPr>
-          <p:cNvPr id="4" name="Text Placeholder 3" hidden="0"/>
+          <p:cNvPr id="4" name="Text Placeholder 3"/>
           <p:cNvSpPr>
             <a:spLocks noGrp="1"/>
           </p:cNvSpPr>
-          <p:nvPr isPhoto="0" userDrawn="0">
-            <p:ph type="body" sz="half" idx="2" hasCustomPrompt="0"/>
+          <p:nvPr>
+            <p:ph type="body" sz="half" idx="2"/>
           </p:nvPr>
         </p:nvSpPr>
         <p:spPr bwMode="auto">
@@ -4553,12 +4568,12 @@
       </p:sp>
       <p:sp>
         <p:nvSpPr>
-          <p:cNvPr id="5" name="Date Placeholder 4" hidden="0"/>
+          <p:cNvPr id="5" name="Date Placeholder 4"/>
           <p:cNvSpPr>
             <a:spLocks noGrp="1"/>
           </p:cNvSpPr>
-          <p:nvPr isPhoto="0" userDrawn="0">
-            <p:ph type="dt" sz="half" idx="10" hasCustomPrompt="0"/>
+          <p:nvPr>
+            <p:ph type="dt" sz="half" idx="10"/>
           </p:nvPr>
         </p:nvSpPr>
         <p:spPr bwMode="auto"/>
@@ -4571,7 +4586,7 @@
             </a:pPr>
             <a:fld id="{B3B7C885-B81A-4DB8-BD04-363F10E73211}" type="datetimeFigureOut">
               <a:rPr lang="en-US"/>
-              <a:t/>
+              <a:t>4/4/2022</a:t>
             </a:fld>
             <a:endParaRPr lang="en-US"/>
           </a:p>
@@ -4579,12 +4594,12 @@
       </p:sp>
       <p:sp>
         <p:nvSpPr>
-          <p:cNvPr id="6" name="Footer Placeholder 5" hidden="0"/>
+          <p:cNvPr id="6" name="Footer Placeholder 5"/>
           <p:cNvSpPr>
             <a:spLocks noGrp="1"/>
           </p:cNvSpPr>
-          <p:nvPr isPhoto="0" userDrawn="0">
-            <p:ph type="ftr" sz="quarter" idx="11" hasCustomPrompt="0"/>
+          <p:nvPr>
+            <p:ph type="ftr" sz="quarter" idx="11"/>
           </p:nvPr>
         </p:nvSpPr>
         <p:spPr bwMode="auto"/>
@@ -4601,12 +4616,12 @@
       </p:sp>
       <p:sp>
         <p:nvSpPr>
-          <p:cNvPr id="7" name="Slide Number Placeholder 6" hidden="0"/>
+          <p:cNvPr id="7" name="Slide Number Placeholder 6"/>
           <p:cNvSpPr>
             <a:spLocks noGrp="1"/>
           </p:cNvSpPr>
-          <p:nvPr isPhoto="0" userDrawn="0">
-            <p:ph type="sldNum" sz="quarter" idx="12" hasCustomPrompt="0"/>
+          <p:nvPr>
+            <p:ph type="sldNum" sz="quarter" idx="12"/>
           </p:nvPr>
         </p:nvSpPr>
         <p:spPr bwMode="auto"/>
@@ -4619,7 +4634,7 @@
             </a:pPr>
             <a:fld id="{916BAC16-625E-48D0-A4F5-C04B52C4F9F7}" type="slidenum">
               <a:rPr lang="en-US"/>
-              <a:t/>
+              <a:t>‹#›</a:t>
             </a:fld>
             <a:endParaRPr lang="en-US"/>
           </a:p>
@@ -4634,13 +4649,13 @@
 </file>
 
 <file path=ppt/slideLayouts/slideLayout9.xml><?xml version="1.0" encoding="utf-8"?>
-<p:sldLayout xmlns:a="http://schemas.openxmlformats.org/drawingml/2006/main" xmlns:r="http://schemas.openxmlformats.org/officeDocument/2006/relationships" xmlns:p="http://schemas.openxmlformats.org/presentationml/2006/main" xmlns:m="http://schemas.openxmlformats.org/officeDocument/2006/math" xmlns:w="http://schemas.openxmlformats.org/wordprocessingml/2006/main" matchingName="" preserve="1" showMasterPhAnim="0" type="picTx" userDrawn="1">
+<p:sldLayout xmlns:a="http://schemas.openxmlformats.org/drawingml/2006/main" xmlns:r="http://schemas.openxmlformats.org/officeDocument/2006/relationships" xmlns:p="http://schemas.openxmlformats.org/presentationml/2006/main" showMasterPhAnim="0" type="picTx" preserve="1" userDrawn="1">
   <p:cSld name="Рисунок с подписью">
     <p:spTree>
       <p:nvGrpSpPr>
-        <p:cNvPr id="1" name="" hidden="0"/>
+        <p:cNvPr id="1" name=""/>
         <p:cNvGrpSpPr/>
-        <p:nvPr isPhoto="0" userDrawn="0"/>
+        <p:nvPr/>
       </p:nvGrpSpPr>
       <p:grpSpPr bwMode="auto">
         <a:xfrm>
@@ -4652,12 +4667,12 @@
       </p:grpSpPr>
       <p:sp>
         <p:nvSpPr>
-          <p:cNvPr id="2" name="Title 1" hidden="0"/>
+          <p:cNvPr id="2" name="Title 1"/>
           <p:cNvSpPr>
             <a:spLocks noGrp="1"/>
           </p:cNvSpPr>
-          <p:nvPr isPhoto="0" userDrawn="0">
-            <p:ph type="title" hasCustomPrompt="0"/>
+          <p:nvPr>
+            <p:ph type="title"/>
           </p:nvPr>
         </p:nvSpPr>
         <p:spPr bwMode="auto">
@@ -4689,12 +4704,12 @@
       </p:sp>
       <p:sp>
         <p:nvSpPr>
-          <p:cNvPr id="3" name="Picture Placeholder 2" hidden="0"/>
+          <p:cNvPr id="3" name="Picture Placeholder 2"/>
           <p:cNvSpPr>
-            <a:spLocks noChangeAspect="1" noGrp="1"/>
+            <a:spLocks noGrp="1" noChangeAspect="1"/>
           </p:cNvSpPr>
-          <p:nvPr isPhoto="0" userDrawn="0">
-            <p:ph type="pic" idx="1" hasCustomPrompt="0"/>
+          <p:nvPr>
+            <p:ph type="pic" idx="1"/>
           </p:nvPr>
         </p:nvSpPr>
         <p:spPr bwMode="auto">
@@ -4759,12 +4774,12 @@
       </p:sp>
       <p:sp>
         <p:nvSpPr>
-          <p:cNvPr id="4" name="Text Placeholder 3" hidden="0"/>
+          <p:cNvPr id="4" name="Text Placeholder 3"/>
           <p:cNvSpPr>
             <a:spLocks noGrp="1"/>
           </p:cNvSpPr>
-          <p:nvPr isPhoto="0" userDrawn="0">
-            <p:ph type="body" sz="half" idx="2" hasCustomPrompt="0"/>
+          <p:nvPr>
+            <p:ph type="body" sz="half" idx="2"/>
           </p:nvPr>
         </p:nvSpPr>
         <p:spPr bwMode="auto">
@@ -4829,12 +4844,12 @@
       </p:sp>
       <p:sp>
         <p:nvSpPr>
-          <p:cNvPr id="5" name="Date Placeholder 4" hidden="0"/>
+          <p:cNvPr id="5" name="Date Placeholder 4"/>
           <p:cNvSpPr>
             <a:spLocks noGrp="1"/>
           </p:cNvSpPr>
-          <p:nvPr isPhoto="0" userDrawn="0">
-            <p:ph type="dt" sz="half" idx="10" hasCustomPrompt="0"/>
+          <p:nvPr>
+            <p:ph type="dt" sz="half" idx="10"/>
           </p:nvPr>
         </p:nvSpPr>
         <p:spPr bwMode="auto"/>
@@ -4847,7 +4862,7 @@
             </a:pPr>
             <a:fld id="{B3B7C885-B81A-4DB8-BD04-363F10E73211}" type="datetimeFigureOut">
               <a:rPr lang="en-US"/>
-              <a:t/>
+              <a:t>4/4/2022</a:t>
             </a:fld>
             <a:endParaRPr lang="en-US"/>
           </a:p>
@@ -4855,12 +4870,12 @@
       </p:sp>
       <p:sp>
         <p:nvSpPr>
-          <p:cNvPr id="6" name="Footer Placeholder 5" hidden="0"/>
+          <p:cNvPr id="6" name="Footer Placeholder 5"/>
           <p:cNvSpPr>
             <a:spLocks noGrp="1"/>
           </p:cNvSpPr>
-          <p:nvPr isPhoto="0" userDrawn="0">
-            <p:ph type="ftr" sz="quarter" idx="11" hasCustomPrompt="0"/>
+          <p:nvPr>
+            <p:ph type="ftr" sz="quarter" idx="11"/>
           </p:nvPr>
         </p:nvSpPr>
         <p:spPr bwMode="auto"/>
@@ -4877,12 +4892,12 @@
       </p:sp>
       <p:sp>
         <p:nvSpPr>
-          <p:cNvPr id="7" name="Slide Number Placeholder 6" hidden="0"/>
+          <p:cNvPr id="7" name="Slide Number Placeholder 6"/>
           <p:cNvSpPr>
             <a:spLocks noGrp="1"/>
           </p:cNvSpPr>
-          <p:nvPr isPhoto="0" userDrawn="0">
-            <p:ph type="sldNum" sz="quarter" idx="12" hasCustomPrompt="0"/>
+          <p:nvPr>
+            <p:ph type="sldNum" sz="quarter" idx="12"/>
           </p:nvPr>
         </p:nvSpPr>
         <p:spPr bwMode="auto"/>
@@ -4895,7 +4910,7 @@
             </a:pPr>
             <a:fld id="{916BAC16-625E-48D0-A4F5-C04B52C4F9F7}" type="slidenum">
               <a:rPr lang="en-US"/>
-              <a:t/>
+              <a:t>‹#›</a:t>
             </a:fld>
             <a:endParaRPr lang="en-US"/>
           </a:p>
@@ -4910,8 +4925,8 @@
 </file>
 
 <file path=ppt/slideMasters/slideMaster1.xml><?xml version="1.0" encoding="utf-8"?>
-<p:sldMaster xmlns:a="http://schemas.openxmlformats.org/drawingml/2006/main" xmlns:r="http://schemas.openxmlformats.org/officeDocument/2006/relationships" xmlns:p="http://schemas.openxmlformats.org/presentationml/2006/main" xmlns:m="http://schemas.openxmlformats.org/officeDocument/2006/math" xmlns:w="http://schemas.openxmlformats.org/wordprocessingml/2006/main" preserve="0">
-  <p:cSld name="">
+<p:sldMaster xmlns:a="http://schemas.openxmlformats.org/drawingml/2006/main" xmlns:r="http://schemas.openxmlformats.org/officeDocument/2006/relationships" xmlns:p="http://schemas.openxmlformats.org/presentationml/2006/main">
+  <p:cSld>
     <p:bg>
       <p:bgRef idx="1001">
         <a:schemeClr val="bg1"/>
@@ -4919,9 +4934,9 @@
     </p:bg>
     <p:spTree>
       <p:nvGrpSpPr>
-        <p:cNvPr id="1" name="" hidden="0"/>
+        <p:cNvPr id="1" name=""/>
         <p:cNvGrpSpPr/>
-        <p:nvPr isPhoto="0" userDrawn="0"/>
+        <p:nvPr/>
       </p:nvGrpSpPr>
       <p:grpSpPr bwMode="auto">
         <a:xfrm>
@@ -4933,9 +4948,9 @@
       </p:grpSpPr>
       <p:grpSp>
         <p:nvGrpSpPr>
-          <p:cNvPr id="7" name="Group 6" hidden="0"/>
+          <p:cNvPr id="7" name="Group 6"/>
           <p:cNvGrpSpPr/>
-          <p:nvPr isPhoto="0" userDrawn="0"/>
+          <p:nvPr/>
         </p:nvGrpSpPr>
         <p:grpSpPr bwMode="auto">
           <a:xfrm>
@@ -4947,11 +4962,11 @@
         </p:grpSpPr>
         <p:cxnSp>
           <p:nvCxnSpPr>
-            <p:cNvPr id="20" name="Straight Connector 19" hidden="0"/>
+            <p:cNvPr id="20" name="Straight Connector 19"/>
             <p:cNvCxnSpPr>
               <a:cxnSpLocks/>
             </p:cNvCxnSpPr>
-            <p:nvPr isPhoto="0" userDrawn="0"/>
+            <p:nvPr/>
           </p:nvCxnSpPr>
           <p:spPr bwMode="auto">
             <a:xfrm>
@@ -4986,11 +5001,11 @@
         </p:cxnSp>
         <p:cxnSp>
           <p:nvCxnSpPr>
-            <p:cNvPr id="21" name="Straight Connector 20" hidden="0"/>
+            <p:cNvPr id="21" name="Straight Connector 20"/>
             <p:cNvCxnSpPr>
               <a:cxnSpLocks/>
             </p:cNvCxnSpPr>
-            <p:nvPr isPhoto="0" userDrawn="0"/>
+            <p:nvPr/>
           </p:nvCxnSpPr>
           <p:spPr bwMode="auto">
             <a:xfrm flipH="1">
@@ -5025,9 +5040,9 @@
         </p:cxnSp>
         <p:sp>
           <p:nvSpPr>
-            <p:cNvPr id="22" name="Rectangle 23" hidden="0"/>
+            <p:cNvPr id="22" name="Rectangle 23"/>
             <p:cNvSpPr/>
-            <p:nvPr isPhoto="0" userDrawn="0"/>
+            <p:nvPr/>
           </p:nvSpPr>
           <p:spPr bwMode="auto">
             <a:xfrm>
@@ -5041,7 +5056,7 @@
               <a:cxnLst/>
               <a:rect l="l" t="t" r="r" b="b"/>
               <a:pathLst>
-                <a:path w="3007349" h="6866467" fill="norm" stroke="1" extrusionOk="0">
+                <a:path w="3007349" h="6866467" extrusionOk="0">
                   <a:moveTo>
                     <a:pt x="2045532" y="0"/>
                   </a:moveTo>
@@ -5088,9 +5103,9 @@
         </p:sp>
         <p:sp>
           <p:nvSpPr>
-            <p:cNvPr id="23" name="Rectangle 25" hidden="0"/>
+            <p:cNvPr id="23" name="Rectangle 25"/>
             <p:cNvSpPr/>
-            <p:nvPr isPhoto="0" userDrawn="0"/>
+            <p:nvPr/>
           </p:nvSpPr>
           <p:spPr bwMode="auto">
             <a:xfrm>
@@ -5104,7 +5119,7 @@
               <a:cxnLst/>
               <a:rect l="l" t="t" r="r" b="b"/>
               <a:pathLst>
-                <a:path w="2573311" h="6866467" fill="norm" stroke="1" extrusionOk="0">
+                <a:path w="2573311" h="6866467" extrusionOk="0">
                   <a:moveTo>
                     <a:pt x="0" y="0"/>
                   </a:moveTo>
@@ -5151,9 +5166,9 @@
         </p:sp>
         <p:sp>
           <p:nvSpPr>
-            <p:cNvPr id="24" name="Isosceles Triangle 23" hidden="0"/>
+            <p:cNvPr id="24" name="Isosceles Triangle 23"/>
             <p:cNvSpPr/>
-            <p:nvPr isPhoto="0" userDrawn="0"/>
+            <p:nvPr/>
           </p:nvSpPr>
           <p:spPr bwMode="auto">
             <a:xfrm>
@@ -5192,9 +5207,9 @@
         </p:sp>
         <p:sp>
           <p:nvSpPr>
-            <p:cNvPr id="25" name="Rectangle 27" hidden="0"/>
+            <p:cNvPr id="25" name="Rectangle 27"/>
             <p:cNvSpPr/>
-            <p:nvPr isPhoto="0" userDrawn="0"/>
+            <p:nvPr/>
           </p:nvSpPr>
           <p:spPr bwMode="auto">
             <a:xfrm>
@@ -5208,7 +5223,7 @@
               <a:cxnLst/>
               <a:rect l="l" t="t" r="r" b="b"/>
               <a:pathLst>
-                <a:path w="2858013" h="6866467" fill="norm" stroke="1" extrusionOk="0">
+                <a:path w="2858013" h="6866467" extrusionOk="0">
                   <a:moveTo>
                     <a:pt x="0" y="0"/>
                   </a:moveTo>
@@ -5256,9 +5271,9 @@
         </p:sp>
         <p:sp>
           <p:nvSpPr>
-            <p:cNvPr id="26" name="Rectangle 28" hidden="0"/>
+            <p:cNvPr id="26" name="Rectangle 28"/>
             <p:cNvSpPr/>
-            <p:nvPr isPhoto="0" userDrawn="0"/>
+            <p:nvPr/>
           </p:nvSpPr>
           <p:spPr bwMode="auto">
             <a:xfrm>
@@ -5272,7 +5287,7 @@
               <a:cxnLst/>
               <a:rect l="l" t="t" r="r" b="b"/>
               <a:pathLst>
-                <a:path w="1290094" h="6858000" fill="norm" stroke="1" extrusionOk="0">
+                <a:path w="1290094" h="6858000" extrusionOk="0">
                   <a:moveTo>
                     <a:pt x="1019735" y="0"/>
                   </a:moveTo>
@@ -5321,9 +5336,9 @@
         </p:sp>
         <p:sp>
           <p:nvSpPr>
-            <p:cNvPr id="27" name="Rectangle 29" hidden="0"/>
+            <p:cNvPr id="27" name="Rectangle 29"/>
             <p:cNvSpPr/>
-            <p:nvPr isPhoto="0" userDrawn="0"/>
+            <p:nvPr/>
           </p:nvSpPr>
           <p:spPr bwMode="auto">
             <a:xfrm>
@@ -5337,7 +5352,7 @@
               <a:cxnLst/>
               <a:rect l="l" t="t" r="r" b="b"/>
               <a:pathLst>
-                <a:path w="1249825" h="6858000" fill="norm" stroke="1" extrusionOk="0">
+                <a:path w="1249825" h="6858000" extrusionOk="0">
                   <a:moveTo>
                     <a:pt x="0" y="0"/>
                   </a:moveTo>
@@ -5384,9 +5399,9 @@
         </p:sp>
         <p:sp>
           <p:nvSpPr>
-            <p:cNvPr id="28" name="Isosceles Triangle 27" hidden="0"/>
+            <p:cNvPr id="28" name="Isosceles Triangle 27"/>
             <p:cNvSpPr/>
-            <p:nvPr isPhoto="0" userDrawn="0"/>
+            <p:nvPr/>
           </p:nvSpPr>
           <p:spPr bwMode="auto">
             <a:xfrm>
@@ -5425,9 +5440,9 @@
         </p:sp>
         <p:sp>
           <p:nvSpPr>
-            <p:cNvPr id="29" name="Isosceles Triangle 28" hidden="0"/>
+            <p:cNvPr id="29" name="Isosceles Triangle 28"/>
             <p:cNvSpPr/>
-            <p:nvPr isPhoto="0" userDrawn="0"/>
+            <p:nvPr/>
           </p:nvSpPr>
           <p:spPr bwMode="auto">
             <a:xfrm>
@@ -5467,12 +5482,12 @@
       </p:grpSp>
       <p:sp>
         <p:nvSpPr>
-          <p:cNvPr id="2" name="Title Placeholder 1" hidden="0"/>
+          <p:cNvPr id="2" name="Title Placeholder 1"/>
           <p:cNvSpPr>
             <a:spLocks noGrp="1"/>
           </p:cNvSpPr>
-          <p:nvPr isPhoto="0" userDrawn="0">
-            <p:ph type="title" hasCustomPrompt="0"/>
+          <p:nvPr>
+            <p:ph type="title"/>
           </p:nvPr>
         </p:nvSpPr>
         <p:spPr bwMode="auto">
@@ -5503,12 +5518,12 @@
       </p:sp>
       <p:sp>
         <p:nvSpPr>
-          <p:cNvPr id="3" name="Text Placeholder 2" hidden="0"/>
+          <p:cNvPr id="3" name="Text Placeholder 2"/>
           <p:cNvSpPr>
             <a:spLocks noGrp="1"/>
           </p:cNvSpPr>
-          <p:nvPr isPhoto="0" userDrawn="0">
-            <p:ph type="body" idx="1" hasCustomPrompt="0"/>
+          <p:nvPr>
+            <p:ph type="body" idx="1"/>
           </p:nvPr>
         </p:nvSpPr>
         <p:spPr bwMode="auto">
@@ -5579,12 +5594,12 @@
       </p:sp>
       <p:sp>
         <p:nvSpPr>
-          <p:cNvPr id="4" name="Date Placeholder 3" hidden="0"/>
+          <p:cNvPr id="4" name="Date Placeholder 3"/>
           <p:cNvSpPr>
             <a:spLocks noGrp="1"/>
           </p:cNvSpPr>
-          <p:nvPr isPhoto="0" userDrawn="0">
-            <p:ph type="dt" sz="half" idx="2" hasCustomPrompt="0"/>
+          <p:nvPr>
+            <p:ph type="dt" sz="half" idx="2"/>
           </p:nvPr>
         </p:nvSpPr>
         <p:spPr bwMode="auto">
@@ -5615,7 +5630,7 @@
             </a:pPr>
             <a:fld id="{B3B7C885-B81A-4DB8-BD04-363F10E73211}" type="datetimeFigureOut">
               <a:rPr lang="en-US"/>
-              <a:t/>
+              <a:t>4/4/2022</a:t>
             </a:fld>
             <a:endParaRPr lang="en-US"/>
           </a:p>
@@ -5623,12 +5638,12 @@
       </p:sp>
       <p:sp>
         <p:nvSpPr>
-          <p:cNvPr id="5" name="Footer Placeholder 4" hidden="0"/>
+          <p:cNvPr id="5" name="Footer Placeholder 4"/>
           <p:cNvSpPr>
             <a:spLocks noGrp="1"/>
           </p:cNvSpPr>
-          <p:nvPr isPhoto="0" userDrawn="0">
-            <p:ph type="ftr" sz="quarter" idx="3" hasCustomPrompt="0"/>
+          <p:nvPr>
+            <p:ph type="ftr" sz="quarter" idx="3"/>
           </p:nvPr>
         </p:nvSpPr>
         <p:spPr bwMode="auto">
@@ -5663,12 +5678,12 @@
       </p:sp>
       <p:sp>
         <p:nvSpPr>
-          <p:cNvPr id="6" name="Slide Number Placeholder 5" hidden="0"/>
+          <p:cNvPr id="6" name="Slide Number Placeholder 5"/>
           <p:cNvSpPr>
             <a:spLocks noGrp="1"/>
           </p:cNvSpPr>
-          <p:nvPr isPhoto="0" userDrawn="0">
-            <p:ph type="sldNum" sz="quarter" idx="4" hasCustomPrompt="0"/>
+          <p:nvPr>
+            <p:ph type="sldNum" sz="quarter" idx="4"/>
           </p:nvPr>
         </p:nvSpPr>
         <p:spPr bwMode="auto">
@@ -5697,7 +5712,7 @@
             </a:pPr>
             <a:fld id="{916BAC16-625E-48D0-A4F5-C04B52C4F9F7}" type="slidenum">
               <a:rPr lang="en-US"/>
-              <a:t/>
+              <a:t>‹#›</a:t>
             </a:fld>
             <a:endParaRPr lang="en-US"/>
           </a:p>
@@ -6124,13 +6139,13 @@
 </file>
 
 <file path=ppt/slides/slide1.xml><?xml version="1.0" encoding="utf-8"?>
-<p:sld xmlns:a="http://schemas.openxmlformats.org/drawingml/2006/main" xmlns:r="http://schemas.openxmlformats.org/officeDocument/2006/relationships" xmlns:p="http://schemas.openxmlformats.org/presentationml/2006/main" xmlns:m="http://schemas.openxmlformats.org/officeDocument/2006/math" xmlns:w="http://schemas.openxmlformats.org/wordprocessingml/2006/main" showMasterPhAnim="0" show="1">
-  <p:cSld name="">
+<p:sld xmlns:a="http://schemas.openxmlformats.org/drawingml/2006/main" xmlns:r="http://schemas.openxmlformats.org/officeDocument/2006/relationships" xmlns:p="http://schemas.openxmlformats.org/presentationml/2006/main" showMasterPhAnim="0">
+  <p:cSld>
     <p:spTree>
       <p:nvGrpSpPr>
-        <p:cNvPr id="1" name="" hidden="0"/>
+        <p:cNvPr id="1" name=""/>
         <p:cNvGrpSpPr/>
-        <p:nvPr isPhoto="0" userDrawn="0"/>
+        <p:nvPr/>
       </p:nvGrpSpPr>
       <p:grpSpPr bwMode="auto">
         <a:xfrm>
@@ -6142,9 +6157,9 @@
       </p:grpSpPr>
       <p:sp>
         <p:nvSpPr>
-          <p:cNvPr id="4" name="Заголовок 1" hidden="0"/>
+          <p:cNvPr id="4" name="Заголовок 1"/>
           <p:cNvSpPr txBox="1"/>
-          <p:nvPr isPhoto="0" userDrawn="0"/>
+          <p:nvPr/>
         </p:nvSpPr>
         <p:spPr bwMode="auto">
           <a:xfrm>
@@ -6253,13 +6268,13 @@
       </p:sp>
       <p:sp>
         <p:nvSpPr>
-          <p:cNvPr id="5" name="Объект 2" hidden="0"/>
+          <p:cNvPr id="5" name="Объект 2"/>
           <p:cNvSpPr txBox="1"/>
-          <p:nvPr isPhoto="0" userDrawn="0"/>
-        </p:nvSpPr>
-        <p:spPr bwMode="auto">
-          <a:xfrm>
-            <a:off x="677334" y="2011680"/>
+          <p:nvPr/>
+        </p:nvSpPr>
+        <p:spPr bwMode="auto">
+          <a:xfrm>
+            <a:off x="612987" y="1988840"/>
             <a:ext cx="10762826" cy="4246880"/>
           </a:xfrm>
           <a:prstGeom prst="rect">
@@ -6496,7 +6511,7 @@
             <a:pPr algn="l">
               <a:defRPr/>
             </a:pPr>
-            <a:endParaRPr lang="ru-RU" sz="2400"/>
+            <a:endParaRPr lang="ru-RU" sz="2400" dirty="0"/>
           </a:p>
           <a:p>
             <a:pPr algn="l">
@@ -6505,28 +6520,44 @@
               <a:defRPr/>
             </a:pPr>
             <a:r>
-              <a:rPr lang="ru-RU" sz="3200"/>
-              <a:t>Фреймворк Qt</a:t>
-            </a:r>
-            <a:endParaRPr lang="ru-RU" sz="3200"/>
+              <a:rPr lang="ru-RU" sz="3200" dirty="0"/>
+              <a:t>Фреймворк </a:t>
+            </a:r>
+            <a:r>
+              <a:rPr lang="ru-RU" sz="3200" dirty="0" err="1" smtClean="0"/>
+              <a:t>Qt</a:t>
+            </a:r>
+            <a:endParaRPr lang="en-US" sz="3200" dirty="0" smtClean="0"/>
           </a:p>
           <a:p>
             <a:pPr algn="l">
-              <a:defRPr/>
-            </a:pPr>
-            <a:endParaRPr lang="ru-RU" sz="2400"/>
+              <a:buFont typeface="Arial"/>
+              <a:buChar char="•"/>
+              <a:defRPr/>
+            </a:pPr>
+            <a:r>
+              <a:rPr lang="en-US" sz="3200" dirty="0" err="1" smtClean="0"/>
+              <a:t>cmake</a:t>
+            </a:r>
+            <a:endParaRPr lang="ru-RU" sz="3200" dirty="0"/>
           </a:p>
           <a:p>
             <a:pPr algn="l">
               <a:defRPr/>
             </a:pPr>
-            <a:endParaRPr lang="ru-RU" sz="2400"/>
+            <a:endParaRPr lang="ru-RU" sz="2400" dirty="0"/>
           </a:p>
           <a:p>
             <a:pPr algn="l">
               <a:defRPr/>
             </a:pPr>
-            <a:endParaRPr lang="ru-RU" sz="2400"/>
+            <a:endParaRPr lang="ru-RU" sz="2400" dirty="0"/>
+          </a:p>
+          <a:p>
+            <a:pPr algn="l">
+              <a:defRPr/>
+            </a:pPr>
+            <a:endParaRPr lang="ru-RU" sz="2400" dirty="0"/>
           </a:p>
         </p:txBody>
       </p:sp>
@@ -6535,11 +6566,11 @@
   <p:clrMapOvr>
     <a:masterClrMapping/>
   </p:clrMapOvr>
-  <mc:AlternateContent xmlns:mc="http://schemas.openxmlformats.org/markup-compatibility/2006">
-    <mc:Choice xmlns:p14="http://schemas.microsoft.com/office/powerpoint/2010/main" Requires="p14">
-      <p:transition p14:dur="2000" advClick="1"/>
+  <mc:AlternateContent xmlns:mc="http://schemas.openxmlformats.org/markup-compatibility/2006" xmlns:p14="http://schemas.microsoft.com/office/powerpoint/2010/main">
+    <mc:Choice Requires="p14">
+      <p:transition spd="slow" p14:dur="2000"/>
     </mc:Choice>
-    <mc:Fallback>
+    <mc:Fallback xmlns:w="http://schemas.openxmlformats.org/wordprocessingml/2006/main" xmlns:m="http://schemas.openxmlformats.org/officeDocument/2006/math" xmlns="">
       <p:transition advClick="1"/>
     </mc:Fallback>
   </mc:AlternateContent>
@@ -6554,13 +6585,13 @@
 </file>
 
 <file path=ppt/slides/slide10.xml><?xml version="1.0" encoding="utf-8"?>
-<p:sld xmlns:a="http://schemas.openxmlformats.org/drawingml/2006/main" xmlns:r="http://schemas.openxmlformats.org/officeDocument/2006/relationships" xmlns:p="http://schemas.openxmlformats.org/presentationml/2006/main" xmlns:m="http://schemas.openxmlformats.org/officeDocument/2006/math" xmlns:w="http://schemas.openxmlformats.org/wordprocessingml/2006/main" showMasterPhAnim="0" show="1">
-  <p:cSld name="">
+<p:sld xmlns:a="http://schemas.openxmlformats.org/drawingml/2006/main" xmlns:r="http://schemas.openxmlformats.org/officeDocument/2006/relationships" xmlns:p="http://schemas.openxmlformats.org/presentationml/2006/main" showMasterPhAnim="0">
+  <p:cSld>
     <p:spTree>
       <p:nvGrpSpPr>
-        <p:cNvPr id="1" name="" hidden="0"/>
+        <p:cNvPr id="1" name=""/>
         <p:cNvGrpSpPr/>
-        <p:nvPr isPhoto="0" userDrawn="0"/>
+        <p:nvPr/>
       </p:nvGrpSpPr>
       <p:grpSpPr bwMode="auto">
         <a:xfrm>
@@ -6572,16 +6603,16 @@
       </p:grpSpPr>
       <p:sp>
         <p:nvSpPr>
-          <p:cNvPr id="1689323707" name="Заголовок 1" hidden="0"/>
+          <p:cNvPr id="1689323707" name="Заголовок 1"/>
           <p:cNvSpPr>
             <a:spLocks noGrp="1"/>
           </p:cNvSpPr>
-          <p:nvPr isPhoto="0" userDrawn="0">
-            <p:ph type="title" hasCustomPrompt="0"/>
+          <p:nvPr>
+            <p:ph type="title"/>
           </p:nvPr>
         </p:nvSpPr>
         <p:spPr bwMode="auto">
-          <a:xfrm flipH="0" flipV="0">
+          <a:xfrm>
             <a:off x="313006" y="231526"/>
             <a:ext cx="11555334" cy="776136"/>
           </a:xfrm>
@@ -6612,26 +6643,25 @@
               <a:rPr lang="en-US"/>
               <a:t>: примеры стандартных сигналов</a:t>
             </a:r>
-            <a:endParaRPr lang="en-US"/>
           </a:p>
         </p:txBody>
       </p:sp>
       <p:graphicFrame>
         <p:nvGraphicFramePr>
-          <p:cNvPr id="1713505066" name="" hidden="0"/>
+          <p:cNvPr id="1713505066" name="Таблица 1713505065"/>
           <p:cNvGraphicFramePr>
-            <a:graphicFrameLocks xmlns:a="http://schemas.openxmlformats.org/drawingml/2006/main"/>
+            <a:graphicFrameLocks/>
           </p:cNvGraphicFramePr>
-          <p:nvPr isPhoto="0" userDrawn="0"/>
+          <p:nvPr/>
         </p:nvGraphicFramePr>
         <p:xfrm>
           <a:off x="313006" y="1216089"/>
-          <a:ext cx="11555334" cy="5023756"/>
+          <a:ext cx="11542632" cy="5309371"/>
         </p:xfrm>
         <a:graphic>
           <a:graphicData uri="http://schemas.openxmlformats.org/drawingml/2006/table">
             <a:tbl>
-              <a:tblPr firstRow="1" firstCol="0" lastRow="0" lastCol="0" bandRow="1" bandCol="0">
+              <a:tblPr firstRow="1" bandRow="1">
                 <a:tableStyleId>{E2877FB9-9627-2753-9B89-5E63793891B3}</a:tableStyleId>
               </a:tblPr>
               <a:tblGrid>
@@ -6643,6 +6673,7 @@
                 <a:tc>
                   <a:txBody>
                     <a:bodyPr/>
+                    <a:lstStyle/>
                     <a:p>
                       <a:pPr algn="ctr">
                         <a:defRPr/>
@@ -6651,7 +6682,6 @@
                         <a:rPr/>
                         <a:t>Класс </a:t>
                       </a:r>
-                      <a:endParaRPr/>
                     </a:p>
                   </a:txBody>
                   <a:tcPr/>
@@ -6659,6 +6689,7 @@
                 <a:tc>
                   <a:txBody>
                     <a:bodyPr/>
+                    <a:lstStyle/>
                     <a:p>
                       <a:pPr algn="ctr">
                         <a:defRPr/>
@@ -6667,7 +6698,6 @@
                         <a:rPr/>
                         <a:t>Сигнал</a:t>
                       </a:r>
-                      <a:endParaRPr/>
                     </a:p>
                   </a:txBody>
                   <a:tcPr/>
@@ -6675,6 +6705,7 @@
                 <a:tc>
                   <a:txBody>
                     <a:bodyPr/>
+                    <a:lstStyle/>
                     <a:p>
                       <a:pPr algn="ctr">
                         <a:defRPr/>
@@ -6683,7 +6714,6 @@
                         <a:rPr/>
                         <a:t>Событие</a:t>
                       </a:r>
-                      <a:endParaRPr/>
                     </a:p>
                   </a:txBody>
                   <a:tcPr/>
@@ -6693,6 +6723,7 @@
                 <a:tc rowSpan="3">
                   <a:txBody>
                     <a:bodyPr/>
+                    <a:lstStyle/>
                     <a:p>
                       <a:pPr>
                         <a:defRPr/>
@@ -6701,7 +6732,6 @@
                         <a:rPr/>
                         <a:t>QPushButton</a:t>
                       </a:r>
-                      <a:endParaRPr/>
                     </a:p>
                     <a:p>
                       <a:pPr>
@@ -6721,6 +6751,7 @@
                 <a:tc>
                   <a:txBody>
                     <a:bodyPr/>
+                    <a:lstStyle/>
                     <a:p>
                       <a:pPr algn="ctr">
                         <a:defRPr/>
@@ -6729,7 +6760,6 @@
                         <a:rPr/>
                         <a:t>clicked()</a:t>
                       </a:r>
-                      <a:endParaRPr/>
                     </a:p>
                   </a:txBody>
                   <a:tcPr/>
@@ -6737,6 +6767,7 @@
                 <a:tc>
                   <a:txBody>
                     <a:bodyPr/>
+                    <a:lstStyle/>
                     <a:p>
                       <a:pPr>
                         <a:defRPr/>
@@ -6745,7 +6776,6 @@
                         <a:rPr/>
                         <a:t>Кнопка нажата и отпущена</a:t>
                       </a:r>
-                      <a:endParaRPr/>
                     </a:p>
                   </a:txBody>
                   <a:tcPr/>
@@ -6755,6 +6785,7 @@
                 <a:tc vMerge="1">
                   <a:txBody>
                     <a:bodyPr/>
+                    <a:lstStyle/>
                     <a:p>
                       <a:pPr>
                         <a:defRPr/>
@@ -6767,6 +6798,7 @@
                 <a:tc>
                   <a:txBody>
                     <a:bodyPr/>
+                    <a:lstStyle/>
                     <a:p>
                       <a:pPr algn="ctr">
                         <a:defRPr/>
@@ -6775,7 +6807,6 @@
                         <a:rPr/>
                         <a:t>pressed()</a:t>
                       </a:r>
-                      <a:endParaRPr/>
                     </a:p>
                   </a:txBody>
                   <a:tcPr/>
@@ -6783,6 +6814,7 @@
                 <a:tc>
                   <a:txBody>
                     <a:bodyPr/>
+                    <a:lstStyle/>
                     <a:p>
                       <a:pPr>
                         <a:defRPr/>
@@ -6791,7 +6823,6 @@
                         <a:rPr/>
                         <a:t>Кнопка нажата</a:t>
                       </a:r>
-                      <a:endParaRPr/>
                     </a:p>
                   </a:txBody>
                   <a:tcPr/>
@@ -6801,6 +6832,7 @@
                 <a:tc vMerge="1">
                   <a:txBody>
                     <a:bodyPr/>
+                    <a:lstStyle/>
                     <a:p>
                       <a:pPr>
                         <a:defRPr/>
@@ -6813,6 +6845,7 @@
                 <a:tc>
                   <a:txBody>
                     <a:bodyPr/>
+                    <a:lstStyle/>
                     <a:p>
                       <a:pPr algn="ctr">
                         <a:defRPr/>
@@ -6836,6 +6869,7 @@
                 <a:tc>
                   <a:txBody>
                     <a:bodyPr/>
+                    <a:lstStyle/>
                     <a:p>
                       <a:pPr>
                         <a:defRPr/>
@@ -6844,7 +6878,6 @@
                         <a:rPr/>
                         <a:t>Кнопка отпущена</a:t>
                       </a:r>
-                      <a:endParaRPr/>
                     </a:p>
                   </a:txBody>
                   <a:tcPr/>
@@ -6854,6 +6887,7 @@
                 <a:tc rowSpan="2">
                   <a:txBody>
                     <a:bodyPr/>
+                    <a:lstStyle/>
                     <a:p>
                       <a:pPr>
                         <a:defRPr/>
@@ -6862,7 +6896,6 @@
                         <a:rPr/>
                         <a:t>QLineEdit</a:t>
                       </a:r>
-                      <a:endParaRPr/>
                     </a:p>
                     <a:p>
                       <a:pPr>
@@ -6876,6 +6909,7 @@
                 <a:tc>
                   <a:txBody>
                     <a:bodyPr/>
+                    <a:lstStyle/>
                     <a:p>
                       <a:pPr algn="ctr">
                         <a:defRPr/>
@@ -6884,7 +6918,6 @@
                         <a:rPr/>
                         <a:t>textChanged()</a:t>
                       </a:r>
-                      <a:endParaRPr/>
                     </a:p>
                   </a:txBody>
                   <a:tcPr/>
@@ -6892,6 +6925,7 @@
                 <a:tc>
                   <a:txBody>
                     <a:bodyPr/>
+                    <a:lstStyle/>
                     <a:p>
                       <a:pPr>
                         <a:defRPr/>
@@ -6900,7 +6934,6 @@
                         <a:rPr/>
                         <a:t>Значение в текстовом поле изменено путём пользовательского ввода или программно</a:t>
                       </a:r>
-                      <a:endParaRPr/>
                     </a:p>
                   </a:txBody>
                   <a:tcPr/>
@@ -6910,6 +6943,7 @@
                 <a:tc vMerge="1">
                   <a:txBody>
                     <a:bodyPr/>
+                    <a:lstStyle/>
                     <a:p>
                       <a:pPr>
                         <a:defRPr/>
@@ -6922,6 +6956,7 @@
                 <a:tc>
                   <a:txBody>
                     <a:bodyPr/>
+                    <a:lstStyle/>
                     <a:p>
                       <a:pPr algn="ctr">
                         <a:defRPr/>
@@ -6930,7 +6965,6 @@
                         <a:rPr/>
                         <a:t>textEdited()</a:t>
                       </a:r>
-                      <a:endParaRPr/>
                     </a:p>
                   </a:txBody>
                   <a:tcPr/>
@@ -6938,6 +6972,7 @@
                 <a:tc>
                   <a:txBody>
                     <a:bodyPr/>
+                    <a:lstStyle/>
                     <a:p>
                       <a:pPr>
                         <a:defRPr/>
@@ -6963,6 +6998,7 @@
                 <a:tc rowSpan="2">
                   <a:txBody>
                     <a:bodyPr/>
+                    <a:lstStyle/>
                     <a:p>
                       <a:pPr>
                         <a:defRPr/>
@@ -6971,7 +7007,6 @@
                         <a:rPr/>
                         <a:t>QScrollBar</a:t>
                       </a:r>
-                      <a:endParaRPr/>
                     </a:p>
                   </a:txBody>
                   <a:tcPr anchor="ctr"/>
@@ -6979,6 +7014,7 @@
                 <a:tc>
                   <a:txBody>
                     <a:bodyPr/>
+                    <a:lstStyle/>
                     <a:p>
                       <a:pPr algn="ctr">
                         <a:defRPr/>
@@ -6987,7 +7023,6 @@
                         <a:rPr/>
                         <a:t>selectionChanged()</a:t>
                       </a:r>
-                      <a:endParaRPr/>
                     </a:p>
                   </a:txBody>
                   <a:tcPr/>
@@ -6995,6 +7030,7 @@
                 <a:tc>
                   <a:txBody>
                     <a:bodyPr/>
+                    <a:lstStyle/>
                     <a:p>
                       <a:pPr>
                         <a:defRPr/>
@@ -7003,7 +7039,6 @@
                         <a:rPr/>
                         <a:t>Изменено выделение в текстовом поле</a:t>
                       </a:r>
-                      <a:endParaRPr/>
                     </a:p>
                   </a:txBody>
                   <a:tcPr/>
@@ -7013,6 +7048,7 @@
                 <a:tc vMerge="1">
                   <a:txBody>
                     <a:bodyPr/>
+                    <a:lstStyle/>
                     <a:p>
                       <a:pPr>
                         <a:defRPr/>
@@ -7025,6 +7061,7 @@
                 <a:tc>
                   <a:txBody>
                     <a:bodyPr/>
+                    <a:lstStyle/>
                     <a:p>
                       <a:pPr algn="ctr">
                         <a:defRPr/>
@@ -7033,7 +7070,6 @@
                         <a:rPr/>
                         <a:t>sliderMoved(int)</a:t>
                       </a:r>
-                      <a:endParaRPr/>
                     </a:p>
                   </a:txBody>
                   <a:tcPr/>
@@ -7041,6 +7077,7 @@
                 <a:tc>
                   <a:txBody>
                     <a:bodyPr/>
+                    <a:lstStyle/>
                     <a:p>
                       <a:pPr>
                         <a:defRPr/>
@@ -7049,7 +7086,6 @@
                         <a:rPr/>
                         <a:t>Изменена позиция слайдера</a:t>
                       </a:r>
-                      <a:endParaRPr/>
                     </a:p>
                   </a:txBody>
                   <a:tcPr/>
@@ -7064,11 +7100,11 @@
   <p:clrMapOvr>
     <a:masterClrMapping/>
   </p:clrMapOvr>
-  <mc:AlternateContent xmlns:mc="http://schemas.openxmlformats.org/markup-compatibility/2006">
-    <mc:Choice xmlns:p14="http://schemas.microsoft.com/office/powerpoint/2010/main" Requires="p14">
-      <p:transition p14:dur="2000" advClick="1"/>
+  <mc:AlternateContent xmlns:mc="http://schemas.openxmlformats.org/markup-compatibility/2006" xmlns:p14="http://schemas.microsoft.com/office/powerpoint/2010/main">
+    <mc:Choice Requires="p14">
+      <p:transition spd="slow" p14:dur="2000"/>
     </mc:Choice>
-    <mc:Fallback>
+    <mc:Fallback xmlns:w="http://schemas.openxmlformats.org/wordprocessingml/2006/main" xmlns:m="http://schemas.openxmlformats.org/officeDocument/2006/math" xmlns="">
       <p:transition advClick="1"/>
     </mc:Fallback>
   </mc:AlternateContent>
@@ -7076,13 +7112,13 @@
 </file>
 
 <file path=ppt/slides/slide11.xml><?xml version="1.0" encoding="utf-8"?>
-<p:sld xmlns:a="http://schemas.openxmlformats.org/drawingml/2006/main" xmlns:r="http://schemas.openxmlformats.org/officeDocument/2006/relationships" xmlns:p="http://schemas.openxmlformats.org/presentationml/2006/main" xmlns:m="http://schemas.openxmlformats.org/officeDocument/2006/math" xmlns:w="http://schemas.openxmlformats.org/wordprocessingml/2006/main" showMasterPhAnim="0" show="1">
-  <p:cSld name="">
+<p:sld xmlns:a="http://schemas.openxmlformats.org/drawingml/2006/main" xmlns:r="http://schemas.openxmlformats.org/officeDocument/2006/relationships" xmlns:p="http://schemas.openxmlformats.org/presentationml/2006/main" showMasterPhAnim="0">
+  <p:cSld>
     <p:spTree>
       <p:nvGrpSpPr>
-        <p:cNvPr id="1" name="" hidden="0"/>
+        <p:cNvPr id="1" name=""/>
         <p:cNvGrpSpPr/>
-        <p:nvPr isPhoto="0" userDrawn="0"/>
+        <p:nvPr/>
       </p:nvGrpSpPr>
       <p:grpSpPr bwMode="auto">
         <a:xfrm>
@@ -7094,16 +7130,16 @@
       </p:grpSpPr>
       <p:sp>
         <p:nvSpPr>
-          <p:cNvPr id="1045541825" name="Заголовок 1" hidden="0"/>
+          <p:cNvPr id="1045541825" name="Заголовок 1"/>
           <p:cNvSpPr>
             <a:spLocks noGrp="1"/>
           </p:cNvSpPr>
-          <p:nvPr isPhoto="0" userDrawn="0">
-            <p:ph type="title" hasCustomPrompt="0"/>
+          <p:nvPr>
+            <p:ph type="title"/>
           </p:nvPr>
         </p:nvSpPr>
         <p:spPr bwMode="auto">
-          <a:xfrm flipH="0" flipV="0">
+          <a:xfrm>
             <a:off x="313007" y="231527"/>
             <a:ext cx="11555334" cy="776137"/>
           </a:xfrm>
@@ -7134,22 +7170,21 @@
               <a:rPr lang="en-US"/>
               <a:t>: слоты</a:t>
             </a:r>
-            <a:endParaRPr lang="en-US"/>
-          </a:p>
-        </p:txBody>
-      </p:sp>
-      <p:sp>
-        <p:nvSpPr>
-          <p:cNvPr id="1501921918" name="Content Placeholder 2" hidden="0"/>
+          </a:p>
+        </p:txBody>
+      </p:sp>
+      <p:sp>
+        <p:nvSpPr>
+          <p:cNvPr id="1501921918" name="Content Placeholder 2"/>
           <p:cNvSpPr>
             <a:spLocks noGrp="1"/>
           </p:cNvSpPr>
-          <p:nvPr isPhoto="0" userDrawn="0">
-            <p:ph idx="1" hasCustomPrompt="0"/>
+          <p:nvPr>
+            <p:ph idx="1"/>
           </p:nvPr>
         </p:nvSpPr>
         <p:spPr bwMode="auto">
-          <a:xfrm flipH="0" flipV="0">
+          <a:xfrm>
             <a:off x="4402499" y="1143000"/>
             <a:ext cx="7465840" cy="3105149"/>
           </a:xfrm>
@@ -7161,7 +7196,7 @@
           </a:solidFill>
         </p:spPr>
         <p:txBody>
-          <a:bodyPr vertOverflow="overflow" horzOverflow="clip" vert="horz" wrap="square" lIns="91440" tIns="45720" rIns="91440" bIns="45720" numCol="1" spcCol="0" rtlCol="0" fromWordArt="0" anchor="t" anchorCtr="0" forceAA="0" upright="0" compatLnSpc="0">
+          <a:bodyPr vertOverflow="overflow" horzOverflow="clip" vert="horz" wrap="square" lIns="91440" tIns="45720" rIns="91440" bIns="45720" numCol="1" spcCol="0" rtlCol="0" fromWordArt="0" anchor="t" anchorCtr="0" forceAA="0" compatLnSpc="0">
             <a:normAutofit/>
           </a:bodyPr>
           <a:lstStyle/>
@@ -7189,6 +7224,161 @@
               </a:rPr>
               <a:t>Обработка сигналов производится в специальных методах-слотах</a:t>
             </a:r>
+          </a:p>
+          <a:p>
+            <a:pPr>
+              <a:buClr>
+                <a:schemeClr val="accent1"/>
+              </a:buClr>
+              <a:buSzPct val="80000"/>
+              <a:buFont typeface="Wingdings"/>
+              <a:buChar char="Ø"/>
+              <a:defRPr/>
+            </a:pPr>
+            <a:r>
+              <a:rPr lang="en-US" sz="2200" b="0" i="0" u="none" strike="noStrike" cap="none" spc="0">
+                <a:solidFill>
+                  <a:schemeClr val="tx1">
+                    <a:lumMod val="75000"/>
+                    <a:lumOff val="25000"/>
+                  </a:schemeClr>
+                </a:solidFill>
+                <a:latin typeface="Trebuchet MS"/>
+                <a:ea typeface="Trebuchet MS"/>
+                <a:cs typeface="Trebuchet MS"/>
+              </a:rPr>
+              <a:t>Слоты не могут быть статическими методами и иметь параметры по умолчанию</a:t>
+            </a:r>
+          </a:p>
+          <a:p>
+            <a:pPr>
+              <a:buClr>
+                <a:schemeClr val="accent1"/>
+              </a:buClr>
+              <a:buSzPct val="80000"/>
+              <a:buFont typeface="Wingdings"/>
+              <a:buChar char="Ø"/>
+              <a:defRPr/>
+            </a:pPr>
+            <a:r>
+              <a:rPr lang="en-US" sz="2200" b="0" i="0" u="none" strike="noStrike" cap="none" spc="0">
+                <a:solidFill>
+                  <a:schemeClr val="tx1">
+                    <a:lumMod val="75000"/>
+                    <a:lumOff val="25000"/>
+                  </a:schemeClr>
+                </a:solidFill>
+                <a:latin typeface="Trebuchet MS"/>
+                <a:ea typeface="Trebuchet MS"/>
+                <a:cs typeface="Trebuchet MS"/>
+              </a:rPr>
+              <a:t>В остальном слот – это обычный метод. Его можно вызывать самостоятельно внутри класса или, если необходимо, определить как public и вызывать со стороны</a:t>
+            </a:r>
+          </a:p>
+        </p:txBody>
+      </p:sp>
+      <p:sp>
+        <p:nvSpPr>
+          <p:cNvPr id="453682405" name=" 453682404"/>
+          <p:cNvSpPr/>
+          <p:nvPr/>
+        </p:nvSpPr>
+        <p:spPr bwMode="auto">
+          <a:xfrm>
+            <a:off x="6044760" y="5116829"/>
+            <a:ext cx="254916" cy="365795"/>
+          </a:xfrm>
+        </p:spPr>
+        <p:txBody>
+          <a:bodyPr rot="0" spcFirstLastPara="0" vertOverflow="overflow" horzOverflow="clip" vert="horz" wrap="square" lIns="91440" tIns="45720" rIns="91440" bIns="45720" numCol="1" spcCol="0" rtlCol="0" fromWordArt="0" anchor="t" anchorCtr="0" forceAA="0" compatLnSpc="1">
+            <a:prstTxWarp prst="textNoShape">
+              <a:avLst/>
+            </a:prstTxWarp>
+            <a:spAutoFit/>
+          </a:bodyPr>
+          <a:lstStyle/>
+          <a:p>
+            <a:pPr>
+              <a:defRPr/>
+            </a:pPr>
+            <a:endParaRPr/>
+          </a:p>
+        </p:txBody>
+      </p:sp>
+      <p:pic>
+        <p:nvPicPr>
+          <p:cNvPr id="813028459" name="Рисунок 813028458"/>
+          <p:cNvPicPr>
+            <a:picLocks noChangeAspect="1"/>
+          </p:cNvPicPr>
+          <p:nvPr/>
+        </p:nvPicPr>
+        <p:blipFill>
+          <a:blip r:embed="rId2"/>
+          <a:stretch/>
+        </p:blipFill>
+        <p:spPr bwMode="auto">
+          <a:xfrm>
+            <a:off x="313007" y="1234439"/>
+            <a:ext cx="3819524" cy="2933699"/>
+          </a:xfrm>
+          <a:prstGeom prst="rect">
+            <a:avLst/>
+          </a:prstGeom>
+        </p:spPr>
+      </p:pic>
+      <p:sp>
+        <p:nvSpPr>
+          <p:cNvPr id="2006259606" name="TextBox 2006259605"/>
+          <p:cNvSpPr txBox="1"/>
+          <p:nvPr/>
+        </p:nvSpPr>
+        <p:spPr bwMode="auto">
+          <a:xfrm>
+            <a:off x="313007" y="4431047"/>
+            <a:ext cx="11556304" cy="2103156"/>
+          </a:xfrm>
+          <a:prstGeom prst="rect">
+            <a:avLst/>
+          </a:prstGeom>
+          <a:solidFill>
+            <a:schemeClr val="bg1"/>
+          </a:solidFill>
+        </p:spPr>
+        <p:txBody>
+          <a:bodyPr vertOverflow="overflow" horzOverflow="clip" vert="horz" wrap="square" lIns="91440" tIns="45720" rIns="91440" bIns="45720" numCol="1" spcCol="0" rtlCol="0" fromWordArt="0" anchor="t" anchorCtr="0" forceAA="0" compatLnSpc="0">
+            <a:spAutoFit/>
+          </a:bodyPr>
+          <a:lstStyle/>
+          <a:p>
+            <a:pPr algn="l">
+              <a:buClr>
+                <a:schemeClr val="accent1"/>
+              </a:buClr>
+              <a:buSzPct val="80000"/>
+              <a:buFont typeface="Wingdings"/>
+              <a:buChar char="Ø"/>
+              <a:defRPr/>
+            </a:pPr>
+            <a:r>
+              <a:rPr lang="en-US" sz="2200" b="0" i="0" u="none" strike="noStrike" cap="none" spc="0">
+                <a:solidFill>
+                  <a:schemeClr val="tx1">
+                    <a:lumMod val="75000"/>
+                    <a:lumOff val="25000"/>
+                  </a:schemeClr>
+                </a:solidFill>
+                <a:latin typeface="Trebuchet MS"/>
+                <a:ea typeface="Trebuchet MS"/>
+                <a:cs typeface="Trebuchet MS"/>
+              </a:rPr>
+              <a:t> Если назначение метода-слота состоит только в обработке сигналов, он определяется как private или protected</a:t>
+            </a:r>
+          </a:p>
+          <a:p>
+            <a:pPr algn="l">
+              <a:defRPr/>
+            </a:pPr>
             <a:endParaRPr lang="en-US" sz="2200" b="0" i="0" u="none" strike="noStrike" cap="none" spc="0">
               <a:solidFill>
                 <a:schemeClr val="tx1">
@@ -7202,7 +7392,7 @@
             </a:endParaRPr>
           </a:p>
           <a:p>
-            <a:pPr>
+            <a:pPr algn="l">
               <a:buClr>
                 <a:schemeClr val="accent1"/>
               </a:buClr>
@@ -7223,8 +7413,14 @@
                 <a:ea typeface="Trebuchet MS"/>
                 <a:cs typeface="Trebuchet MS"/>
               </a:rPr>
-              <a:t>Слоты не могут быть статическими методами и иметь параметры по умолчанию</a:t>
-            </a:r>
+              <a:t> Слоты могут быть и виртуальными методами, но это нежелательно - большие потери в быстродействии</a:t>
+            </a:r>
+            <a:endParaRPr sz="2200"/>
+          </a:p>
+          <a:p>
+            <a:pPr algn="l">
+              <a:defRPr/>
+            </a:pPr>
             <a:endParaRPr lang="en-US" sz="2200" b="0" i="0" u="none" strike="noStrike" cap="none" spc="0">
               <a:solidFill>
                 <a:schemeClr val="tx1">
@@ -7237,207 +7433,6 @@
               <a:cs typeface="Trebuchet MS"/>
             </a:endParaRPr>
           </a:p>
-          <a:p>
-            <a:pPr>
-              <a:buClr>
-                <a:schemeClr val="accent1"/>
-              </a:buClr>
-              <a:buSzPct val="80000"/>
-              <a:buFont typeface="Wingdings"/>
-              <a:buChar char="Ø"/>
-              <a:defRPr/>
-            </a:pPr>
-            <a:r>
-              <a:rPr lang="en-US" sz="2200" b="0" i="0" u="none" strike="noStrike" cap="none" spc="0">
-                <a:solidFill>
-                  <a:schemeClr val="tx1">
-                    <a:lumMod val="75000"/>
-                    <a:lumOff val="25000"/>
-                  </a:schemeClr>
-                </a:solidFill>
-                <a:latin typeface="Trebuchet MS"/>
-                <a:ea typeface="Trebuchet MS"/>
-                <a:cs typeface="Trebuchet MS"/>
-              </a:rPr>
-              <a:t>В остальном слот – это обычный метод. Его можно вызывать самостоятельно внутри класса или, если необходимо, определить как public и вызывать со стороны</a:t>
-            </a:r>
-            <a:endParaRPr lang="en-US" sz="2200" b="0" i="0" u="none" strike="noStrike" cap="none" spc="0">
-              <a:solidFill>
-                <a:schemeClr val="tx1">
-                  <a:lumMod val="75000"/>
-                  <a:lumOff val="25000"/>
-                </a:schemeClr>
-              </a:solidFill>
-              <a:latin typeface="Trebuchet MS"/>
-              <a:ea typeface="Trebuchet MS"/>
-              <a:cs typeface="Trebuchet MS"/>
-            </a:endParaRPr>
-          </a:p>
-        </p:txBody>
-      </p:sp>
-      <p:sp>
-        <p:nvSpPr>
-          <p:cNvPr id="453682405" name="" hidden="0"/>
-          <p:cNvSpPr/>
-          <p:nvPr isPhoto="0" userDrawn="0"/>
-        </p:nvSpPr>
-        <p:spPr bwMode="auto">
-          <a:xfrm>
-            <a:off x="6044760" y="5116829"/>
-            <a:ext cx="254916" cy="365795"/>
-          </a:xfrm>
-        </p:spPr>
-        <p:txBody>
-          <a:bodyPr rot="0" spcFirstLastPara="0" vertOverflow="overflow" horzOverflow="clip" vert="horz" wrap="square" lIns="91440" tIns="45720" rIns="91440" bIns="45720" numCol="1" spcCol="0" rtlCol="0" fromWordArt="0" anchor="t" anchorCtr="0" forceAA="0" upright="0" compatLnSpc="1">
-            <a:prstTxWarp prst="textNoShape"/>
-            <a:spAutoFit/>
-          </a:bodyPr>
-          <a:p>
-            <a:pPr>
-              <a:defRPr/>
-            </a:pPr>
-            <a:endParaRPr/>
-          </a:p>
-        </p:txBody>
-      </p:sp>
-      <p:pic>
-        <p:nvPicPr>
-          <p:cNvPr id="813028459" name="" hidden="0"/>
-          <p:cNvPicPr>
-            <a:picLocks noChangeAspect="1"/>
-          </p:cNvPicPr>
-          <p:nvPr isPhoto="0" userDrawn="0"/>
-        </p:nvPicPr>
-        <p:blipFill>
-          <a:blip r:embed="rId2"/>
-          <a:stretch/>
-        </p:blipFill>
-        <p:spPr bwMode="auto">
-          <a:xfrm>
-            <a:off x="313007" y="1234439"/>
-            <a:ext cx="3819524" cy="2933699"/>
-          </a:xfrm>
-          <a:prstGeom prst="rect">
-            <a:avLst/>
-          </a:prstGeom>
-        </p:spPr>
-      </p:pic>
-      <p:sp>
-        <p:nvSpPr>
-          <p:cNvPr id="2006259606" name="" hidden="0"/>
-          <p:cNvSpPr txBox="1"/>
-          <p:nvPr isPhoto="0" userDrawn="0"/>
-        </p:nvSpPr>
-        <p:spPr bwMode="auto">
-          <a:xfrm flipH="0" flipV="0">
-            <a:off x="313007" y="4431047"/>
-            <a:ext cx="11556304" cy="2103156"/>
-          </a:xfrm>
-          <a:prstGeom prst="rect">
-            <a:avLst/>
-          </a:prstGeom>
-          <a:solidFill>
-            <a:schemeClr val="bg1"/>
-          </a:solidFill>
-        </p:spPr>
-        <p:txBody>
-          <a:bodyPr vertOverflow="overflow" horzOverflow="clip" vert="horz" wrap="square" lIns="91440" tIns="45720" rIns="91440" bIns="45720" numCol="1" spcCol="0" rtlCol="0" fromWordArt="0" anchor="t" anchorCtr="0" forceAA="0" upright="0" compatLnSpc="0">
-            <a:spAutoFit/>
-          </a:bodyPr>
-          <a:p>
-            <a:pPr algn="l">
-              <a:buClr>
-                <a:schemeClr val="accent1"/>
-              </a:buClr>
-              <a:buSzPct val="80000"/>
-              <a:buFont typeface="Wingdings"/>
-              <a:buChar char="Ø"/>
-              <a:defRPr/>
-            </a:pPr>
-            <a:r>
-              <a:rPr lang="en-US" sz="2200" b="0" i="0" u="none" strike="noStrike" cap="none" spc="0">
-                <a:solidFill>
-                  <a:schemeClr val="tx1">
-                    <a:lumMod val="75000"/>
-                    <a:lumOff val="25000"/>
-                  </a:schemeClr>
-                </a:solidFill>
-                <a:latin typeface="Trebuchet MS"/>
-                <a:ea typeface="Trebuchet MS"/>
-                <a:cs typeface="Trebuchet MS"/>
-              </a:rPr>
-              <a:t> Если назначение метода-слота состоит только в обработке сигналов, он определяется как private или protected</a:t>
-            </a:r>
-            <a:endParaRPr lang="en-US" sz="2200" b="0" i="0" u="none" strike="noStrike" cap="none" spc="0">
-              <a:solidFill>
-                <a:schemeClr val="tx1">
-                  <a:lumMod val="75000"/>
-                  <a:lumOff val="25000"/>
-                </a:schemeClr>
-              </a:solidFill>
-              <a:latin typeface="Trebuchet MS"/>
-              <a:ea typeface="Trebuchet MS"/>
-              <a:cs typeface="Trebuchet MS"/>
-            </a:endParaRPr>
-          </a:p>
-          <a:p>
-            <a:pPr algn="l">
-              <a:defRPr/>
-            </a:pPr>
-            <a:endParaRPr lang="en-US" sz="2200" b="0" i="0" u="none" strike="noStrike" cap="none" spc="0">
-              <a:solidFill>
-                <a:schemeClr val="tx1">
-                  <a:lumMod val="75000"/>
-                  <a:lumOff val="25000"/>
-                </a:schemeClr>
-              </a:solidFill>
-              <a:latin typeface="Trebuchet MS"/>
-              <a:ea typeface="Trebuchet MS"/>
-              <a:cs typeface="Trebuchet MS"/>
-            </a:endParaRPr>
-          </a:p>
-          <a:p>
-            <a:pPr algn="l">
-              <a:buClr>
-                <a:schemeClr val="accent1"/>
-              </a:buClr>
-              <a:buSzPct val="80000"/>
-              <a:buFont typeface="Wingdings"/>
-              <a:buChar char="Ø"/>
-              <a:defRPr/>
-            </a:pPr>
-            <a:r>
-              <a:rPr lang="en-US" sz="2200" b="0" i="0" u="none" strike="noStrike" cap="none" spc="0">
-                <a:solidFill>
-                  <a:schemeClr val="tx1">
-                    <a:lumMod val="75000"/>
-                    <a:lumOff val="25000"/>
-                  </a:schemeClr>
-                </a:solidFill>
-                <a:latin typeface="Trebuchet MS"/>
-                <a:ea typeface="Trebuchet MS"/>
-                <a:cs typeface="Trebuchet MS"/>
-              </a:rPr>
-              <a:t> Слоты могут быть и виртуальными методами, но это нежелательно - большие потери в быстродействии</a:t>
-            </a:r>
-            <a:endParaRPr sz="2200"/>
-          </a:p>
-          <a:p>
-            <a:pPr algn="l">
-              <a:defRPr/>
-            </a:pPr>
-            <a:endParaRPr lang="en-US" sz="2200" b="0" i="0" u="none" strike="noStrike" cap="none" spc="0">
-              <a:solidFill>
-                <a:schemeClr val="tx1">
-                  <a:lumMod val="75000"/>
-                  <a:lumOff val="25000"/>
-                </a:schemeClr>
-              </a:solidFill>
-              <a:latin typeface="Trebuchet MS"/>
-              <a:ea typeface="Trebuchet MS"/>
-              <a:cs typeface="Trebuchet MS"/>
-            </a:endParaRPr>
-          </a:p>
         </p:txBody>
       </p:sp>
     </p:spTree>
@@ -7445,11 +7440,11 @@
   <p:clrMapOvr>
     <a:masterClrMapping/>
   </p:clrMapOvr>
-  <mc:AlternateContent xmlns:mc="http://schemas.openxmlformats.org/markup-compatibility/2006">
-    <mc:Choice xmlns:p14="http://schemas.microsoft.com/office/powerpoint/2010/main" Requires="p14">
-      <p:transition p14:dur="2000" advClick="1"/>
+  <mc:AlternateContent xmlns:mc="http://schemas.openxmlformats.org/markup-compatibility/2006" xmlns:p14="http://schemas.microsoft.com/office/powerpoint/2010/main">
+    <mc:Choice Requires="p14">
+      <p:transition spd="slow" p14:dur="2000"/>
     </mc:Choice>
-    <mc:Fallback>
+    <mc:Fallback xmlns:w="http://schemas.openxmlformats.org/wordprocessingml/2006/main" xmlns:m="http://schemas.openxmlformats.org/officeDocument/2006/math" xmlns="">
       <p:transition advClick="1"/>
     </mc:Fallback>
   </mc:AlternateContent>
@@ -7457,13 +7452,13 @@
 </file>
 
 <file path=ppt/slides/slide12.xml><?xml version="1.0" encoding="utf-8"?>
-<p:sld xmlns:a="http://schemas.openxmlformats.org/drawingml/2006/main" xmlns:r="http://schemas.openxmlformats.org/officeDocument/2006/relationships" xmlns:p="http://schemas.openxmlformats.org/presentationml/2006/main" xmlns:m="http://schemas.openxmlformats.org/officeDocument/2006/math" xmlns:w="http://schemas.openxmlformats.org/wordprocessingml/2006/main" showMasterPhAnim="0" show="1">
-  <p:cSld name="">
+<p:sld xmlns:a="http://schemas.openxmlformats.org/drawingml/2006/main" xmlns:r="http://schemas.openxmlformats.org/officeDocument/2006/relationships" xmlns:p="http://schemas.openxmlformats.org/presentationml/2006/main" showMasterPhAnim="0">
+  <p:cSld>
     <p:spTree>
       <p:nvGrpSpPr>
-        <p:cNvPr id="1" name="" hidden="0"/>
+        <p:cNvPr id="1" name=""/>
         <p:cNvGrpSpPr/>
-        <p:nvPr isPhoto="0" userDrawn="0"/>
+        <p:nvPr/>
       </p:nvGrpSpPr>
       <p:grpSpPr bwMode="auto">
         <a:xfrm>
@@ -7475,16 +7470,16 @@
       </p:grpSpPr>
       <p:sp>
         <p:nvSpPr>
-          <p:cNvPr id="1631163189" name="Заголовок 1" hidden="0"/>
+          <p:cNvPr id="1631163189" name="Заголовок 1"/>
           <p:cNvSpPr>
             <a:spLocks noGrp="1"/>
           </p:cNvSpPr>
-          <p:nvPr isPhoto="0" userDrawn="0">
-            <p:ph type="title" hasCustomPrompt="0"/>
+          <p:nvPr>
+            <p:ph type="title"/>
           </p:nvPr>
         </p:nvSpPr>
         <p:spPr bwMode="auto">
-          <a:xfrm flipH="0" flipV="0">
+          <a:xfrm>
             <a:off x="313007" y="231527"/>
             <a:ext cx="11555334" cy="720970"/>
           </a:xfrm>
@@ -7515,27 +7510,29 @@
               <a:rPr lang="en-US"/>
               <a:t>: соединение сигналов и слотов</a:t>
             </a:r>
-            <a:endParaRPr lang="en-US"/>
-          </a:p>
-        </p:txBody>
-      </p:sp>
-      <p:sp>
-        <p:nvSpPr>
-          <p:cNvPr id="1246437" name="" hidden="0"/>
+          </a:p>
+        </p:txBody>
+      </p:sp>
+      <p:sp>
+        <p:nvSpPr>
+          <p:cNvPr id="1246437" name=" 1246436"/>
           <p:cNvSpPr/>
-          <p:nvPr isPhoto="0" userDrawn="0"/>
-        </p:nvSpPr>
-        <p:spPr bwMode="auto">
-          <a:xfrm flipH="0" flipV="0">
+          <p:nvPr/>
+        </p:nvSpPr>
+        <p:spPr bwMode="auto">
+          <a:xfrm>
             <a:off x="6734966" y="4720590"/>
             <a:ext cx="366356" cy="365795"/>
           </a:xfrm>
         </p:spPr>
         <p:txBody>
-          <a:bodyPr rot="0" spcFirstLastPara="0" vertOverflow="overflow" horzOverflow="clip" vert="horz" wrap="square" lIns="91440" tIns="45720" rIns="91440" bIns="45720" numCol="1" spcCol="0" rtlCol="0" fromWordArt="0" anchor="t" anchorCtr="0" forceAA="0" upright="0" compatLnSpc="1">
-            <a:prstTxWarp prst="textNoShape"/>
+          <a:bodyPr rot="0" spcFirstLastPara="0" vertOverflow="overflow" horzOverflow="clip" vert="horz" wrap="square" lIns="91440" tIns="45720" rIns="91440" bIns="45720" numCol="1" spcCol="0" rtlCol="0" fromWordArt="0" anchor="t" anchorCtr="0" forceAA="0" compatLnSpc="1">
+            <a:prstTxWarp prst="textNoShape">
+              <a:avLst/>
+            </a:prstTxWarp>
             <a:spAutoFit/>
           </a:bodyPr>
+          <a:lstStyle/>
           <a:p>
             <a:pPr>
               <a:defRPr/>
@@ -7546,18 +7543,18 @@
       </p:sp>
       <p:pic>
         <p:nvPicPr>
-          <p:cNvPr id="331067905" name="" hidden="0"/>
+          <p:cNvPr id="331067905" name="Рисунок 331067904"/>
           <p:cNvPicPr>
             <a:picLocks noChangeAspect="1"/>
           </p:cNvPicPr>
-          <p:nvPr isPhoto="0" userDrawn="0"/>
+          <p:nvPr/>
         </p:nvPicPr>
         <p:blipFill>
           <a:blip r:embed="rId2"/>
           <a:stretch/>
         </p:blipFill>
         <p:spPr bwMode="auto">
-          <a:xfrm flipH="0" flipV="0">
+          <a:xfrm>
             <a:off x="2221623" y="1007667"/>
             <a:ext cx="7400576" cy="1762493"/>
           </a:xfrm>
@@ -7568,16 +7565,16 @@
       </p:pic>
       <p:sp>
         <p:nvSpPr>
-          <p:cNvPr id="3849252" name="Content Placeholder 2" hidden="0"/>
+          <p:cNvPr id="3849252" name="Content Placeholder 2"/>
           <p:cNvSpPr>
             <a:spLocks noGrp="1"/>
           </p:cNvSpPr>
-          <p:nvPr isPhoto="0" userDrawn="0">
-            <p:ph idx="1" hasCustomPrompt="0"/>
+          <p:nvPr>
+            <p:ph idx="1"/>
           </p:nvPr>
         </p:nvSpPr>
         <p:spPr bwMode="auto">
-          <a:xfrm flipH="0" flipV="0">
+          <a:xfrm>
             <a:off x="262253" y="2826369"/>
             <a:ext cx="11656842" cy="3803030"/>
           </a:xfrm>
@@ -7589,7 +7586,7 @@
           </a:solidFill>
         </p:spPr>
         <p:txBody>
-          <a:bodyPr vertOverflow="overflow" horzOverflow="clip" vert="horz" wrap="square" lIns="91440" tIns="45720" rIns="91440" bIns="45720" numCol="1" spcCol="0" rtlCol="0" fromWordArt="0" anchor="t" anchorCtr="0" forceAA="0" upright="0" compatLnSpc="0">
+          <a:bodyPr vertOverflow="overflow" horzOverflow="clip" vert="horz" wrap="square" lIns="91440" tIns="45720" rIns="91440" bIns="45720" numCol="1" spcCol="0" rtlCol="0" fromWordArt="0" anchor="t" anchorCtr="0" forceAA="0" compatLnSpc="0">
             <a:normAutofit/>
           </a:bodyPr>
           <a:lstStyle/>
@@ -7816,11 +7813,11 @@
   <p:clrMapOvr>
     <a:masterClrMapping/>
   </p:clrMapOvr>
-  <mc:AlternateContent xmlns:mc="http://schemas.openxmlformats.org/markup-compatibility/2006">
-    <mc:Choice xmlns:p14="http://schemas.microsoft.com/office/powerpoint/2010/main" Requires="p14">
-      <p:transition p14:dur="2000" advClick="1"/>
+  <mc:AlternateContent xmlns:mc="http://schemas.openxmlformats.org/markup-compatibility/2006" xmlns:p14="http://schemas.microsoft.com/office/powerpoint/2010/main">
+    <mc:Choice Requires="p14">
+      <p:transition spd="slow" p14:dur="2000"/>
     </mc:Choice>
-    <mc:Fallback>
+    <mc:Fallback xmlns:w="http://schemas.openxmlformats.org/wordprocessingml/2006/main" xmlns:m="http://schemas.openxmlformats.org/officeDocument/2006/math" xmlns="">
       <p:transition advClick="1"/>
     </mc:Fallback>
   </mc:AlternateContent>
@@ -7828,20 +7825,21 @@
 </file>
 
 <file path=ppt/slides/slide13.xml><?xml version="1.0" encoding="utf-8"?>
-<p:sld xmlns:a="http://schemas.openxmlformats.org/drawingml/2006/main" xmlns:r="http://schemas.openxmlformats.org/officeDocument/2006/relationships" xmlns:p="http://schemas.openxmlformats.org/presentationml/2006/main" xmlns:m="http://schemas.openxmlformats.org/officeDocument/2006/math" xmlns:w="http://schemas.openxmlformats.org/wordprocessingml/2006/main" showMasterPhAnim="0" show="1">
-  <p:cSld name="">
+<p:sld xmlns:a="http://schemas.openxmlformats.org/drawingml/2006/main" xmlns:r="http://schemas.openxmlformats.org/officeDocument/2006/relationships" xmlns:p="http://schemas.openxmlformats.org/presentationml/2006/main" showMasterPhAnim="0">
+  <p:cSld>
     <p:bg>
-      <p:bgPr shadeToTitle="0">
+      <p:bgPr>
         <a:solidFill>
           <a:schemeClr val="bg1"/>
         </a:solidFill>
+        <a:effectLst/>
       </p:bgPr>
     </p:bg>
     <p:spTree>
       <p:nvGrpSpPr>
-        <p:cNvPr id="1" name="" hidden="0"/>
+        <p:cNvPr id="1" name=""/>
         <p:cNvGrpSpPr/>
-        <p:nvPr isPhoto="0" userDrawn="0"/>
+        <p:nvPr/>
       </p:nvGrpSpPr>
       <p:grpSpPr bwMode="auto">
         <a:xfrm>
@@ -7853,16 +7851,16 @@
       </p:grpSpPr>
       <p:sp>
         <p:nvSpPr>
-          <p:cNvPr id="36700711" name="Заголовок 1" hidden="0"/>
+          <p:cNvPr id="36700711" name="Заголовок 1"/>
           <p:cNvSpPr>
             <a:spLocks noGrp="1"/>
           </p:cNvSpPr>
-          <p:nvPr isPhoto="0" userDrawn="0">
-            <p:ph type="title" hasCustomPrompt="0"/>
+          <p:nvPr>
+            <p:ph type="title"/>
           </p:nvPr>
         </p:nvSpPr>
         <p:spPr bwMode="auto">
-          <a:xfrm flipH="0" flipV="0">
+          <a:xfrm>
             <a:off x="313007" y="231527"/>
             <a:ext cx="11555334" cy="776137"/>
           </a:xfrm>
@@ -7893,24 +7891,23 @@
               <a:rPr lang="en-US"/>
               <a:t>: схема компиляции</a:t>
             </a:r>
-            <a:endParaRPr lang="en-US"/>
           </a:p>
         </p:txBody>
       </p:sp>
       <p:pic>
         <p:nvPicPr>
-          <p:cNvPr id="1914890265" name="" hidden="0"/>
+          <p:cNvPr id="1914890265" name="Рисунок 1914890264"/>
           <p:cNvPicPr>
             <a:picLocks noChangeAspect="1"/>
           </p:cNvPicPr>
-          <p:nvPr isPhoto="0" userDrawn="0"/>
+          <p:nvPr/>
         </p:nvPicPr>
         <p:blipFill>
           <a:blip r:embed="rId2"/>
           <a:stretch/>
         </p:blipFill>
         <p:spPr bwMode="auto">
-          <a:xfrm flipH="0" flipV="0">
+          <a:xfrm>
             <a:off x="578724" y="1775224"/>
             <a:ext cx="1109999" cy="1109999"/>
           </a:xfrm>
@@ -7921,12 +7918,12 @@
       </p:pic>
       <p:sp>
         <p:nvSpPr>
-          <p:cNvPr id="1077673845" name="" hidden="0"/>
+          <p:cNvPr id="1077673845" name="Прямоугольник 1077673844"/>
           <p:cNvSpPr/>
-          <p:nvPr isPhoto="0" userDrawn="0"/>
-        </p:nvSpPr>
-        <p:spPr bwMode="auto">
-          <a:xfrm flipH="0" flipV="0">
+          <p:nvPr/>
+        </p:nvSpPr>
+        <p:spPr bwMode="auto">
+          <a:xfrm>
             <a:off x="3515969" y="1563387"/>
             <a:ext cx="2293775" cy="1321836"/>
           </a:xfrm>
@@ -7952,6 +7949,7 @@
         </p:style>
         <p:txBody>
           <a:bodyPr/>
+          <a:lstStyle/>
           <a:p>
             <a:pPr algn="ctr">
               <a:defRPr/>
@@ -7960,7 +7958,6 @@
               <a:rPr sz="2200"/>
               <a:t>User Interface Compiler</a:t>
             </a:r>
-            <a:endParaRPr sz="2200"/>
           </a:p>
           <a:p>
             <a:pPr algn="ctr">
@@ -7970,21 +7967,20 @@
               <a:rPr sz="2200"/>
               <a:t>(UIC)</a:t>
             </a:r>
-            <a:endParaRPr sz="2200"/>
           </a:p>
         </p:txBody>
       </p:sp>
       <p:cxnSp>
         <p:nvCxnSpPr>
-          <p:cNvPr id="0" name="" hidden="0"/>
+          <p:cNvPr id="2" name="Прямая соединительная линия 1"/>
           <p:cNvCxnSpPr>
             <a:cxnSpLocks/>
             <a:endCxn id="1077673845" idx="1"/>
           </p:cNvCxnSpPr>
-          <p:nvPr isPhoto="0" userDrawn="0"/>
+          <p:nvPr/>
         </p:nvCxnSpPr>
         <p:spPr bwMode="auto">
-          <a:xfrm rot="0" flipH="0" flipV="1">
+          <a:xfrm flipV="1">
             <a:off x="1620333" y="2228694"/>
             <a:ext cx="1895636" cy="0"/>
           </a:xfrm>
@@ -8018,12 +8014,12 @@
       </p:cxnSp>
       <p:sp>
         <p:nvSpPr>
-          <p:cNvPr id="831176435" name="" hidden="0"/>
+          <p:cNvPr id="831176435" name="TextBox 831176434"/>
           <p:cNvSpPr txBox="1"/>
-          <p:nvPr isPhoto="0" userDrawn="0"/>
-        </p:nvSpPr>
-        <p:spPr bwMode="auto">
-          <a:xfrm flipH="0" flipV="0">
+          <p:nvPr/>
+        </p:nvSpPr>
+        <p:spPr bwMode="auto">
+          <a:xfrm>
             <a:off x="798979" y="2885224"/>
             <a:ext cx="182988" cy="365795"/>
           </a:xfrm>
@@ -8033,9 +8029,10 @@
           <a:noFill/>
         </p:spPr>
         <p:txBody>
-          <a:bodyPr vertOverflow="overflow" horzOverflow="clip" vert="horz" wrap="none" lIns="91440" tIns="45720" rIns="91440" bIns="45720" numCol="1" spcCol="0" rtlCol="0" fromWordArt="0" anchor="t" anchorCtr="0" forceAA="0" upright="0" compatLnSpc="0">
+          <a:bodyPr vertOverflow="overflow" horzOverflow="clip" vert="horz" wrap="none" lIns="91440" tIns="45720" rIns="91440" bIns="45720" numCol="1" spcCol="0" rtlCol="0" fromWordArt="0" anchor="t" anchorCtr="0" forceAA="0" compatLnSpc="0">
             <a:spAutoFit/>
           </a:bodyPr>
+          <a:lstStyle/>
           <a:p>
             <a:pPr>
               <a:defRPr/>
@@ -8046,12 +8043,12 @@
       </p:sp>
       <p:sp>
         <p:nvSpPr>
-          <p:cNvPr id="313248342" name="" hidden="0"/>
+          <p:cNvPr id="313248342" name="TextBox 313248341"/>
           <p:cNvSpPr txBox="1"/>
-          <p:nvPr isPhoto="0" userDrawn="0"/>
-        </p:nvSpPr>
-        <p:spPr bwMode="auto">
-          <a:xfrm flipH="0" flipV="0">
+          <p:nvPr/>
+        </p:nvSpPr>
+        <p:spPr bwMode="auto">
+          <a:xfrm>
             <a:off x="313007" y="2930961"/>
             <a:ext cx="1715384" cy="640115"/>
           </a:xfrm>
@@ -8061,9 +8058,10 @@
           <a:noFill/>
         </p:spPr>
         <p:txBody>
-          <a:bodyPr vertOverflow="overflow" horzOverflow="clip" vert="horz" wrap="none" lIns="91440" tIns="45720" rIns="91440" bIns="45720" numCol="1" spcCol="0" rtlCol="0" fromWordArt="0" anchor="t" anchorCtr="0" forceAA="0" upright="0" compatLnSpc="0">
+          <a:bodyPr vertOverflow="overflow" horzOverflow="clip" vert="horz" wrap="none" lIns="91440" tIns="45720" rIns="91440" bIns="45720" numCol="1" spcCol="0" rtlCol="0" fromWordArt="0" anchor="t" anchorCtr="0" forceAA="0" compatLnSpc="0">
             <a:spAutoFit/>
           </a:bodyPr>
+          <a:lstStyle/>
           <a:p>
             <a:pPr algn="ctr">
               <a:defRPr/>
@@ -8072,7 +8070,6 @@
               <a:rPr/>
               <a:t>Qt designer:</a:t>
             </a:r>
-            <a:endParaRPr/>
           </a:p>
           <a:p>
             <a:pPr algn="ctr">
@@ -8082,18 +8079,17 @@
               <a:rPr/>
               <a:t>рисуем форму</a:t>
             </a:r>
-            <a:endParaRPr/>
-          </a:p>
-        </p:txBody>
-      </p:sp>
-      <p:sp>
-        <p:nvSpPr>
-          <p:cNvPr id="1197104584" name="" hidden="0"/>
+          </a:p>
+        </p:txBody>
+      </p:sp>
+      <p:sp>
+        <p:nvSpPr>
+          <p:cNvPr id="1197104584" name="TextBox 1197104583"/>
           <p:cNvSpPr txBox="1"/>
-          <p:nvPr isPhoto="0" userDrawn="0"/>
-        </p:nvSpPr>
-        <p:spPr bwMode="auto">
-          <a:xfrm flipH="0" flipV="0">
+          <p:nvPr/>
+        </p:nvSpPr>
+        <p:spPr bwMode="auto">
+          <a:xfrm>
             <a:off x="1817055" y="1535130"/>
             <a:ext cx="1502192" cy="640115"/>
           </a:xfrm>
@@ -8106,9 +8102,10 @@
           </a:ln>
         </p:spPr>
         <p:txBody>
-          <a:bodyPr vertOverflow="overflow" horzOverflow="clip" vert="horz" wrap="none" lIns="91440" tIns="45720" rIns="91440" bIns="45720" numCol="1" spcCol="0" rtlCol="0" fromWordArt="0" anchor="t" anchorCtr="0" forceAA="0" upright="0" compatLnSpc="0">
+          <a:bodyPr vertOverflow="overflow" horzOverflow="clip" vert="horz" wrap="none" lIns="91440" tIns="45720" rIns="91440" bIns="45720" numCol="1" spcCol="0" rtlCol="0" fromWordArt="0" anchor="t" anchorCtr="0" forceAA="0" compatLnSpc="0">
             <a:spAutoFit/>
           </a:bodyPr>
+          <a:lstStyle/>
           <a:p>
             <a:pPr>
               <a:defRPr/>
@@ -8117,7 +8114,6 @@
               <a:rPr/>
               <a:t>formname.ui</a:t>
             </a:r>
-            <a:endParaRPr/>
           </a:p>
           <a:p>
             <a:pPr algn="ctr">
@@ -8127,18 +8123,17 @@
               <a:rPr/>
               <a:t>(XML)</a:t>
             </a:r>
-            <a:endParaRPr/>
-          </a:p>
-        </p:txBody>
-      </p:sp>
-      <p:sp>
-        <p:nvSpPr>
-          <p:cNvPr id="1598778389" name="" hidden="0"/>
+          </a:p>
+        </p:txBody>
+      </p:sp>
+      <p:sp>
+        <p:nvSpPr>
+          <p:cNvPr id="1598778389" name="Прямоугольник 1598778388"/>
           <p:cNvSpPr/>
-          <p:nvPr isPhoto="0" userDrawn="0"/>
-        </p:nvSpPr>
-        <p:spPr bwMode="auto">
-          <a:xfrm flipH="0" flipV="0">
+          <p:nvPr/>
+        </p:nvSpPr>
+        <p:spPr bwMode="auto">
+          <a:xfrm>
             <a:off x="7933010" y="1241508"/>
             <a:ext cx="3702066" cy="3150440"/>
           </a:xfrm>
@@ -8168,6 +8163,7 @@
         </p:style>
         <p:txBody>
           <a:bodyPr/>
+          <a:lstStyle/>
           <a:p>
             <a:pPr>
               <a:defRPr/>
@@ -8176,7 +8172,6 @@
               <a:rPr/>
               <a:t>#include “ui_formname.h”</a:t>
             </a:r>
-            <a:endParaRPr/>
           </a:p>
           <a:p>
             <a:pPr>
@@ -8192,7 +8187,6 @@
               <a:rPr/>
               <a:t>class FormName : public QObject</a:t>
             </a:r>
-            <a:endParaRPr/>
           </a:p>
           <a:p>
             <a:pPr>
@@ -8202,7 +8196,6 @@
               <a:rPr/>
               <a:t>{</a:t>
             </a:r>
-            <a:endParaRPr/>
           </a:p>
           <a:p>
             <a:pPr>
@@ -8212,7 +8205,6 @@
               <a:rPr/>
               <a:t>    Q_OBJECT</a:t>
             </a:r>
-            <a:endParaRPr/>
           </a:p>
           <a:p>
             <a:pPr>
@@ -8222,7 +8214,6 @@
               <a:rPr/>
               <a:t>    ...</a:t>
             </a:r>
-            <a:endParaRPr/>
           </a:p>
           <a:p>
             <a:pPr>
@@ -8232,7 +8223,6 @@
               <a:rPr/>
               <a:t>private slots:</a:t>
             </a:r>
-            <a:endParaRPr/>
           </a:p>
           <a:p>
             <a:pPr>
@@ -8242,7 +8232,6 @@
               <a:rPr/>
               <a:t>    ...</a:t>
             </a:r>
-            <a:endParaRPr/>
           </a:p>
           <a:p>
             <a:pPr>
@@ -8252,7 +8241,6 @@
               <a:rPr/>
               <a:t>private:</a:t>
             </a:r>
-            <a:endParaRPr/>
           </a:p>
           <a:p>
             <a:pPr>
@@ -8262,7 +8250,6 @@
               <a:rPr/>
               <a:t>    UI::FormName _ui;</a:t>
             </a:r>
-            <a:endParaRPr/>
           </a:p>
           <a:p>
             <a:pPr>
@@ -8272,18 +8259,17 @@
               <a:rPr/>
               <a:t>}</a:t>
             </a:r>
-            <a:endParaRPr/>
-          </a:p>
-        </p:txBody>
-      </p:sp>
-      <p:sp>
-        <p:nvSpPr>
-          <p:cNvPr id="742017384" name="" hidden="0"/>
+          </a:p>
+        </p:txBody>
+      </p:sp>
+      <p:sp>
+        <p:nvSpPr>
+          <p:cNvPr id="742017384" name="TextBox 742017383"/>
           <p:cNvSpPr txBox="1"/>
-          <p:nvPr isPhoto="0" userDrawn="0"/>
-        </p:nvSpPr>
-        <p:spPr bwMode="auto">
-          <a:xfrm flipH="0" flipV="0">
+          <p:nvPr/>
+        </p:nvSpPr>
+        <p:spPr bwMode="auto">
+          <a:xfrm>
             <a:off x="3301852" y="2885224"/>
             <a:ext cx="2683132" cy="640115"/>
           </a:xfrm>
@@ -8293,9 +8279,10 @@
           <a:noFill/>
         </p:spPr>
         <p:txBody>
-          <a:bodyPr vertOverflow="overflow" horzOverflow="clip" vert="horz" wrap="none" lIns="91440" tIns="45720" rIns="91440" bIns="45720" numCol="1" spcCol="0" rtlCol="0" fromWordArt="0" anchor="t" anchorCtr="0" forceAA="0" upright="0" compatLnSpc="0">
+          <a:bodyPr vertOverflow="overflow" horzOverflow="clip" vert="horz" wrap="none" lIns="91440" tIns="45720" rIns="91440" bIns="45720" numCol="1" spcCol="0" rtlCol="0" fromWordArt="0" anchor="t" anchorCtr="0" forceAA="0" compatLnSpc="0">
             <a:spAutoFit/>
           </a:bodyPr>
+          <a:lstStyle/>
           <a:p>
             <a:pPr algn="ctr">
               <a:defRPr/>
@@ -8304,7 +8291,6 @@
               <a:rPr/>
               <a:t>UIC преобразует форму </a:t>
             </a:r>
-            <a:endParaRPr/>
           </a:p>
           <a:p>
             <a:pPr algn="ctr">
@@ -8314,18 +8300,17 @@
               <a:rPr/>
               <a:t>в заголовочный файл  </a:t>
             </a:r>
-            <a:endParaRPr/>
-          </a:p>
-        </p:txBody>
-      </p:sp>
-      <p:sp>
-        <p:nvSpPr>
-          <p:cNvPr id="988113248" name="" hidden="0"/>
+          </a:p>
+        </p:txBody>
+      </p:sp>
+      <p:sp>
+        <p:nvSpPr>
+          <p:cNvPr id="988113248" name="TextBox 988113247"/>
           <p:cNvSpPr txBox="1"/>
-          <p:nvPr isPhoto="0" userDrawn="0"/>
-        </p:nvSpPr>
-        <p:spPr bwMode="auto">
-          <a:xfrm flipH="0" flipV="0">
+          <p:nvPr/>
+        </p:nvSpPr>
+        <p:spPr bwMode="auto">
+          <a:xfrm>
             <a:off x="5857409" y="1946203"/>
             <a:ext cx="1747048" cy="365795"/>
           </a:xfrm>
@@ -8335,9 +8320,10 @@
           <a:noFill/>
         </p:spPr>
         <p:txBody>
-          <a:bodyPr vertOverflow="overflow" horzOverflow="clip" vert="horz" wrap="square" lIns="91440" tIns="45720" rIns="91440" bIns="45720" numCol="1" spcCol="0" rtlCol="0" fromWordArt="0" anchor="t" anchorCtr="0" forceAA="0" upright="0" compatLnSpc="0">
+          <a:bodyPr vertOverflow="overflow" horzOverflow="clip" vert="horz" wrap="square" lIns="91440" tIns="45720" rIns="91440" bIns="45720" numCol="1" spcCol="0" rtlCol="0" fromWordArt="0" anchor="t" anchorCtr="0" forceAA="0" compatLnSpc="0">
             <a:spAutoFit/>
           </a:bodyPr>
+          <a:lstStyle/>
           <a:p>
             <a:pPr>
               <a:defRPr/>
@@ -8346,18 +8332,17 @@
               <a:rPr/>
               <a:t>ui_formname.h</a:t>
             </a:r>
-            <a:endParaRPr/>
-          </a:p>
-        </p:txBody>
-      </p:sp>
-      <p:sp>
-        <p:nvSpPr>
-          <p:cNvPr id="382272533" name="" hidden="0"/>
+          </a:p>
+        </p:txBody>
+      </p:sp>
+      <p:sp>
+        <p:nvSpPr>
+          <p:cNvPr id="382272533" name="TextBox 382272532"/>
           <p:cNvSpPr txBox="1"/>
-          <p:nvPr isPhoto="0" userDrawn="0"/>
-        </p:nvSpPr>
-        <p:spPr bwMode="auto">
-          <a:xfrm flipH="0" flipV="0">
+          <p:nvPr/>
+        </p:nvSpPr>
+        <p:spPr bwMode="auto">
+          <a:xfrm>
             <a:off x="8184158" y="4476749"/>
             <a:ext cx="3847353" cy="914435"/>
           </a:xfrm>
@@ -8369,9 +8354,10 @@
           </a:solidFill>
         </p:spPr>
         <p:txBody>
-          <a:bodyPr vertOverflow="overflow" horzOverflow="clip" vert="horz" wrap="square" lIns="91440" tIns="45720" rIns="91440" bIns="45720" numCol="1" spcCol="0" rtlCol="0" fromWordArt="0" anchor="t" anchorCtr="0" forceAA="0" upright="0" compatLnSpc="0">
+          <a:bodyPr vertOverflow="overflow" horzOverflow="clip" vert="horz" wrap="square" lIns="91440" tIns="45720" rIns="91440" bIns="45720" numCol="1" spcCol="0" rtlCol="0" fromWordArt="0" anchor="t" anchorCtr="0" forceAA="0" compatLnSpc="0">
             <a:spAutoFit/>
           </a:bodyPr>
+          <a:lstStyle/>
           <a:p>
             <a:pPr algn="ctr">
               <a:defRPr/>
@@ -8380,7 +8366,6 @@
               <a:rPr/>
               <a:t>formname.h</a:t>
             </a:r>
-            <a:endParaRPr/>
           </a:p>
           <a:p>
             <a:pPr algn="ctr">
@@ -8390,18 +8375,17 @@
               <a:rPr/>
               <a:t>Не хватает реализации для signal, slot и др.</a:t>
             </a:r>
-            <a:endParaRPr/>
-          </a:p>
-        </p:txBody>
-      </p:sp>
-      <p:sp>
-        <p:nvSpPr>
-          <p:cNvPr id="430883947" name="" hidden="0"/>
+          </a:p>
+        </p:txBody>
+      </p:sp>
+      <p:sp>
+        <p:nvSpPr>
+          <p:cNvPr id="430883947" name="Прямоугольник 430883946"/>
           <p:cNvSpPr/>
-          <p:nvPr isPhoto="0" userDrawn="0"/>
-        </p:nvSpPr>
-        <p:spPr bwMode="auto">
-          <a:xfrm flipH="0" flipV="0">
+          <p:nvPr/>
+        </p:nvSpPr>
+        <p:spPr bwMode="auto">
+          <a:xfrm>
             <a:off x="8107958" y="3711591"/>
             <a:ext cx="2235458" cy="427653"/>
           </a:xfrm>
@@ -8435,12 +8419,12 @@
       </p:sp>
       <p:sp>
         <p:nvSpPr>
-          <p:cNvPr id="1658981300" name="" hidden="0"/>
+          <p:cNvPr id="1658981300" name="TextBox 1658981299"/>
           <p:cNvSpPr txBox="1"/>
-          <p:nvPr isPhoto="0" userDrawn="0"/>
-        </p:nvSpPr>
-        <p:spPr bwMode="auto">
-          <a:xfrm flipH="0" flipV="0">
+          <p:nvPr/>
+        </p:nvSpPr>
+        <p:spPr bwMode="auto">
+          <a:xfrm>
             <a:off x="10343418" y="3068122"/>
             <a:ext cx="1574297" cy="1188755"/>
           </a:xfrm>
@@ -8449,7 +8433,7 @@
           </a:prstGeom>
           <a:noFill/>
           <a:effectLst>
-            <a:outerShdw blurRad="50800" dist="38100" dir="2700000" rotWithShape="0" algn="tl">
+            <a:outerShdw blurRad="50800" dist="38100" dir="2700000" algn="tl" rotWithShape="0">
               <a:prstClr val="black">
                 <a:alpha val="40000"/>
               </a:prstClr>
@@ -8457,9 +8441,10 @@
           </a:effectLst>
         </p:spPr>
         <p:txBody>
-          <a:bodyPr vertOverflow="overflow" horzOverflow="clip" vert="horz" wrap="none" lIns="91440" tIns="45720" rIns="91440" bIns="45720" numCol="1" spcCol="0" rtlCol="0" fromWordArt="0" anchor="t" anchorCtr="0" forceAA="0" upright="0" compatLnSpc="0">
+          <a:bodyPr vertOverflow="overflow" horzOverflow="clip" vert="horz" wrap="none" lIns="91440" tIns="45720" rIns="91440" bIns="45720" numCol="1" spcCol="0" rtlCol="0" fromWordArt="0" anchor="t" anchorCtr="0" forceAA="0" compatLnSpc="0">
             <a:spAutoFit/>
           </a:bodyPr>
+          <a:lstStyle/>
           <a:p>
             <a:pPr>
               <a:defRPr/>
@@ -8468,7 +8453,6 @@
               <a:rPr/>
               <a:t>Доступ </a:t>
             </a:r>
-            <a:endParaRPr/>
           </a:p>
           <a:p>
             <a:pPr>
@@ -8478,7 +8462,6 @@
               <a:rPr/>
               <a:t>к виджетам </a:t>
             </a:r>
-            <a:endParaRPr/>
           </a:p>
           <a:p>
             <a:pPr>
@@ -8488,7 +8471,6 @@
               <a:rPr/>
               <a:t>из исходного </a:t>
             </a:r>
-            <a:endParaRPr/>
           </a:p>
           <a:p>
             <a:pPr>
@@ -8498,20 +8480,19 @@
               <a:rPr/>
               <a:t>кода</a:t>
             </a:r>
-            <a:endParaRPr/>
           </a:p>
         </p:txBody>
       </p:sp>
       <p:cxnSp>
         <p:nvCxnSpPr>
-          <p:cNvPr id="0" name="" hidden="0"/>
+          <p:cNvPr id="3" name="Соединительная линия уступом 2"/>
           <p:cNvCxnSpPr>
             <a:cxnSpLocks/>
           </p:cNvCxnSpPr>
-          <p:nvPr isPhoto="0" userDrawn="0"/>
+          <p:nvPr/>
         </p:nvCxnSpPr>
         <p:spPr bwMode="auto">
-          <a:xfrm flipH="0" flipV="1">
+          <a:xfrm flipV="1">
             <a:off x="7388724" y="1398377"/>
             <a:ext cx="583162" cy="913622"/>
           </a:xfrm>
@@ -8545,12 +8526,12 @@
       </p:cxnSp>
       <p:sp>
         <p:nvSpPr>
-          <p:cNvPr id="663338430" name="" hidden="0"/>
+          <p:cNvPr id="663338430" name="Прямоугольник 663338429"/>
           <p:cNvSpPr/>
-          <p:nvPr isPhoto="0" userDrawn="0"/>
-        </p:nvSpPr>
-        <p:spPr bwMode="auto">
-          <a:xfrm flipH="0" flipV="0">
+          <p:nvPr/>
+        </p:nvSpPr>
+        <p:spPr bwMode="auto">
+          <a:xfrm>
             <a:off x="7971887" y="1301183"/>
             <a:ext cx="2838061" cy="368122"/>
           </a:xfrm>
@@ -8584,14 +8565,14 @@
       </p:sp>
       <p:cxnSp>
         <p:nvCxnSpPr>
-          <p:cNvPr id="0" name="" hidden="0"/>
+          <p:cNvPr id="4" name="Прямая соединительная линия 3"/>
           <p:cNvCxnSpPr>
             <a:cxnSpLocks/>
           </p:cNvCxnSpPr>
-          <p:nvPr isPhoto="0" userDrawn="0"/>
+          <p:nvPr/>
         </p:nvCxnSpPr>
         <p:spPr bwMode="auto">
-          <a:xfrm flipH="0" flipV="0">
+          <a:xfrm>
             <a:off x="9854778" y="1710612"/>
             <a:ext cx="0" cy="2000979"/>
           </a:xfrm>
@@ -8625,12 +8606,12 @@
       </p:cxnSp>
       <p:sp>
         <p:nvSpPr>
-          <p:cNvPr id="1687609429" name="" hidden="0"/>
+          <p:cNvPr id="1687609429" name="Прямоугольник 1687609428"/>
           <p:cNvSpPr/>
-          <p:nvPr isPhoto="0" userDrawn="0"/>
-        </p:nvSpPr>
-        <p:spPr bwMode="auto">
-          <a:xfrm flipH="0" flipV="0">
+          <p:nvPr/>
+        </p:nvSpPr>
+        <p:spPr bwMode="auto">
+          <a:xfrm>
             <a:off x="8184159" y="2330224"/>
             <a:ext cx="1438040" cy="427653"/>
           </a:xfrm>
@@ -8664,12 +8645,12 @@
       </p:sp>
       <p:sp>
         <p:nvSpPr>
-          <p:cNvPr id="259250824" name="" hidden="0"/>
+          <p:cNvPr id="259250824" name="Прямоугольник 259250823"/>
           <p:cNvSpPr/>
-          <p:nvPr isPhoto="0" userDrawn="0"/>
-        </p:nvSpPr>
-        <p:spPr bwMode="auto">
-          <a:xfrm flipH="0" flipV="0">
+          <p:nvPr/>
+        </p:nvSpPr>
+        <p:spPr bwMode="auto">
+          <a:xfrm>
             <a:off x="881504" y="4620034"/>
             <a:ext cx="2293774" cy="1321835"/>
           </a:xfrm>
@@ -8695,6 +8676,7 @@
         </p:style>
         <p:txBody>
           <a:bodyPr/>
+          <a:lstStyle/>
           <a:p>
             <a:pPr algn="ctr">
               <a:defRPr/>
@@ -8703,7 +8685,6 @@
               <a:rPr sz="2200"/>
               <a:t>Meta-Object Compiler</a:t>
             </a:r>
-            <a:endParaRPr sz="2200"/>
           </a:p>
           <a:p>
             <a:pPr algn="ctr">
@@ -8713,20 +8694,19 @@
               <a:rPr sz="2200"/>
               <a:t>(MOC)</a:t>
             </a:r>
-            <a:endParaRPr sz="2200"/>
           </a:p>
         </p:txBody>
       </p:sp>
       <p:cxnSp>
         <p:nvCxnSpPr>
-          <p:cNvPr id="0" name="" hidden="0"/>
+          <p:cNvPr id="5" name="Соединительная линия уступом 4"/>
           <p:cNvCxnSpPr>
             <a:cxnSpLocks/>
           </p:cNvCxnSpPr>
-          <p:nvPr isPhoto="0" userDrawn="0"/>
+          <p:nvPr/>
         </p:nvCxnSpPr>
         <p:spPr bwMode="auto">
-          <a:xfrm rot="5399976" flipH="0" flipV="1">
+          <a:xfrm rot="5399976" flipV="1">
             <a:off x="144848" y="4513239"/>
             <a:ext cx="1146210" cy="327103"/>
           </a:xfrm>
@@ -8760,12 +8740,12 @@
       </p:cxnSp>
       <p:sp>
         <p:nvSpPr>
-          <p:cNvPr id="1698514061" name="" hidden="0"/>
+          <p:cNvPr id="1698514061" name="TextBox 1698514060"/>
           <p:cNvSpPr txBox="1"/>
-          <p:nvPr isPhoto="0" userDrawn="0"/>
-        </p:nvSpPr>
-        <p:spPr bwMode="auto">
-          <a:xfrm flipH="0" flipV="0">
+          <p:nvPr/>
+        </p:nvSpPr>
+        <p:spPr bwMode="auto">
+          <a:xfrm>
             <a:off x="3880681" y="3771820"/>
             <a:ext cx="1493918" cy="365795"/>
           </a:xfrm>
@@ -8775,9 +8755,10 @@
           <a:noFill/>
         </p:spPr>
         <p:txBody>
-          <a:bodyPr vertOverflow="overflow" horzOverflow="clip" vert="horz" wrap="square" lIns="91440" tIns="45720" rIns="91440" bIns="45720" numCol="1" spcCol="0" rtlCol="0" fromWordArt="0" anchor="t" anchorCtr="0" forceAA="0" upright="0" compatLnSpc="0">
+          <a:bodyPr vertOverflow="overflow" horzOverflow="clip" vert="horz" wrap="square" lIns="91440" tIns="45720" rIns="91440" bIns="45720" numCol="1" spcCol="0" rtlCol="0" fromWordArt="0" anchor="t" anchorCtr="0" forceAA="0" compatLnSpc="0">
             <a:spAutoFit/>
           </a:bodyPr>
+          <a:lstStyle/>
           <a:p>
             <a:pPr algn="l">
               <a:defRPr/>
@@ -8786,18 +8767,17 @@
               <a:rPr/>
               <a:t>formname.h</a:t>
             </a:r>
-            <a:endParaRPr/>
-          </a:p>
-        </p:txBody>
-      </p:sp>
-      <p:sp>
-        <p:nvSpPr>
-          <p:cNvPr id="101639359" name="" hidden="0"/>
+          </a:p>
+        </p:txBody>
+      </p:sp>
+      <p:sp>
+        <p:nvSpPr>
+          <p:cNvPr id="101639359" name="Прямоугольник 101639358"/>
           <p:cNvSpPr/>
-          <p:nvPr isPhoto="0" userDrawn="0"/>
-        </p:nvSpPr>
-        <p:spPr bwMode="auto">
-          <a:xfrm flipH="0" flipV="0">
+          <p:nvPr/>
+        </p:nvSpPr>
+        <p:spPr bwMode="auto">
+          <a:xfrm>
             <a:off x="5510215" y="4588981"/>
             <a:ext cx="1836616" cy="1321835"/>
           </a:xfrm>
@@ -8822,7 +8802,8 @@
           </a:fontRef>
         </p:style>
         <p:txBody>
-          <a:bodyPr vertOverflow="overflow" horzOverflow="clip" vert="horz" wrap="square" lIns="91440" tIns="45720" rIns="91440" bIns="45720" numCol="1" spcCol="0" rtlCol="0" fromWordArt="0" anchor="ctr" anchorCtr="0" forceAA="0" upright="0" compatLnSpc="0"/>
+          <a:bodyPr vertOverflow="overflow" horzOverflow="clip" vert="horz" wrap="square" lIns="91440" tIns="45720" rIns="91440" bIns="45720" numCol="1" spcCol="0" rtlCol="0" fromWordArt="0" anchor="ctr" anchorCtr="0" forceAA="0" compatLnSpc="0"/>
+          <a:lstStyle/>
           <a:p>
             <a:pPr algn="ctr">
               <a:defRPr/>
@@ -8831,20 +8812,19 @@
               <a:rPr sz="2200"/>
               <a:t>Компилятор</a:t>
             </a:r>
-            <a:endParaRPr sz="2200"/>
           </a:p>
         </p:txBody>
       </p:sp>
       <p:cxnSp>
         <p:nvCxnSpPr>
-          <p:cNvPr id="0" name="" hidden="0"/>
+          <p:cNvPr id="6" name="Прямая соединительная линия 5"/>
           <p:cNvCxnSpPr>
             <a:cxnSpLocks/>
           </p:cNvCxnSpPr>
-          <p:nvPr isPhoto="0" userDrawn="0"/>
+          <p:nvPr/>
         </p:nvCxnSpPr>
         <p:spPr bwMode="auto">
-          <a:xfrm flipH="0" flipV="1">
+          <a:xfrm flipV="1">
             <a:off x="3203034" y="4804994"/>
             <a:ext cx="2307181" cy="0"/>
           </a:xfrm>
@@ -8878,14 +8858,14 @@
       </p:cxnSp>
       <p:cxnSp>
         <p:nvCxnSpPr>
-          <p:cNvPr id="1555492777" name="" hidden="0"/>
+          <p:cNvPr id="1555492777" name="Прямая соединительная линия 1555492776"/>
           <p:cNvCxnSpPr>
             <a:cxnSpLocks/>
           </p:cNvCxnSpPr>
-          <p:nvPr isPhoto="0" userDrawn="0"/>
+          <p:nvPr/>
         </p:nvCxnSpPr>
         <p:spPr bwMode="auto">
-          <a:xfrm flipH="0" flipV="1">
+          <a:xfrm flipV="1">
             <a:off x="3203034" y="5211168"/>
             <a:ext cx="2307181" cy="0"/>
           </a:xfrm>
@@ -8919,12 +8899,12 @@
       </p:cxnSp>
       <p:sp>
         <p:nvSpPr>
-          <p:cNvPr id="1001398645" name="" hidden="0"/>
+          <p:cNvPr id="1001398645" name="TextBox 1001398644"/>
           <p:cNvSpPr txBox="1"/>
-          <p:nvPr isPhoto="0" userDrawn="0"/>
-        </p:nvSpPr>
-        <p:spPr bwMode="auto">
-          <a:xfrm flipH="0" flipV="0">
+          <p:nvPr/>
+        </p:nvSpPr>
+        <p:spPr bwMode="auto">
+          <a:xfrm>
             <a:off x="3257893" y="4479576"/>
             <a:ext cx="2225492" cy="365795"/>
           </a:xfrm>
@@ -8937,9 +8917,10 @@
           </a:ln>
         </p:spPr>
         <p:txBody>
-          <a:bodyPr vertOverflow="overflow" horzOverflow="clip" vert="horz" wrap="none" lIns="91440" tIns="45720" rIns="91440" bIns="45720" numCol="1" spcCol="0" rtlCol="0" fromWordArt="0" anchor="t" anchorCtr="0" forceAA="0" upright="0" compatLnSpc="0">
+          <a:bodyPr vertOverflow="overflow" horzOverflow="clip" vert="horz" wrap="none" lIns="91440" tIns="45720" rIns="91440" bIns="45720" numCol="1" spcCol="0" rtlCol="0" fromWordArt="0" anchor="t" anchorCtr="0" forceAA="0" compatLnSpc="0">
             <a:spAutoFit/>
           </a:bodyPr>
+          <a:lstStyle/>
           <a:p>
             <a:pPr>
               <a:defRPr/>
@@ -8948,18 +8929,17 @@
               <a:rPr/>
               <a:t>moc_formname.cpp</a:t>
             </a:r>
-            <a:endParaRPr/>
-          </a:p>
-        </p:txBody>
-      </p:sp>
-      <p:sp>
-        <p:nvSpPr>
-          <p:cNvPr id="2050985832" name="" hidden="0"/>
+          </a:p>
+        </p:txBody>
+      </p:sp>
+      <p:sp>
+        <p:nvSpPr>
+          <p:cNvPr id="2050985832" name="TextBox 2050985831"/>
           <p:cNvSpPr txBox="1"/>
-          <p:nvPr isPhoto="0" userDrawn="0"/>
-        </p:nvSpPr>
-        <p:spPr bwMode="auto">
-          <a:xfrm flipH="0" flipV="0">
+          <p:nvPr/>
+        </p:nvSpPr>
+        <p:spPr bwMode="auto">
+          <a:xfrm>
             <a:off x="3161949" y="4868819"/>
             <a:ext cx="2389351" cy="365795"/>
           </a:xfrm>
@@ -8969,9 +8949,10 @@
           <a:noFill/>
         </p:spPr>
         <p:txBody>
-          <a:bodyPr vertOverflow="overflow" horzOverflow="clip" vert="horz" wrap="none" lIns="91440" tIns="45720" rIns="91440" bIns="45720" numCol="1" spcCol="0" rtlCol="0" fromWordArt="0" anchor="t" anchorCtr="0" forceAA="0" upright="0" compatLnSpc="0">
+          <a:bodyPr vertOverflow="overflow" horzOverflow="clip" vert="horz" wrap="none" lIns="91440" tIns="45720" rIns="91440" bIns="45720" numCol="1" spcCol="0" rtlCol="0" fromWordArt="0" anchor="t" anchorCtr="0" forceAA="0" compatLnSpc="0">
             <a:spAutoFit/>
           </a:bodyPr>
+          <a:lstStyle/>
           <a:p>
             <a:pPr>
               <a:defRPr/>
@@ -8980,20 +8961,19 @@
               <a:rPr/>
               <a:t>moc_compilation.cpp</a:t>
             </a:r>
-            <a:endParaRPr/>
           </a:p>
         </p:txBody>
       </p:sp>
       <p:cxnSp>
         <p:nvCxnSpPr>
-          <p:cNvPr id="0" name="" hidden="0"/>
+          <p:cNvPr id="7" name="Соединительная линия уступом 6"/>
           <p:cNvCxnSpPr>
             <a:cxnSpLocks/>
           </p:cNvCxnSpPr>
-          <p:nvPr isPhoto="0" userDrawn="0"/>
+          <p:nvPr/>
         </p:nvCxnSpPr>
         <p:spPr bwMode="auto">
-          <a:xfrm flipH="0" flipV="1">
+          <a:xfrm flipV="1">
             <a:off x="3483684" y="5437877"/>
             <a:ext cx="2021416" cy="359833"/>
           </a:xfrm>
@@ -9027,12 +9007,12 @@
       </p:cxnSp>
       <p:sp>
         <p:nvSpPr>
-          <p:cNvPr id="1463414889" name="" hidden="0"/>
+          <p:cNvPr id="1463414889" name="TextBox 1463414888"/>
           <p:cNvSpPr txBox="1"/>
-          <p:nvPr isPhoto="0" userDrawn="0"/>
-        </p:nvSpPr>
-        <p:spPr bwMode="auto">
-          <a:xfrm flipH="0" flipV="0">
+          <p:nvPr/>
+        </p:nvSpPr>
+        <p:spPr bwMode="auto">
+          <a:xfrm>
             <a:off x="3425283" y="5431915"/>
             <a:ext cx="1680001" cy="365795"/>
           </a:xfrm>
@@ -9042,9 +9022,10 @@
           <a:noFill/>
         </p:spPr>
         <p:txBody>
-          <a:bodyPr vertOverflow="overflow" horzOverflow="clip" vert="horz" wrap="none" lIns="91440" tIns="45720" rIns="91440" bIns="45720" numCol="1" spcCol="0" rtlCol="0" fromWordArt="0" anchor="t" anchorCtr="0" forceAA="0" upright="0" compatLnSpc="0">
+          <a:bodyPr vertOverflow="overflow" horzOverflow="clip" vert="horz" wrap="none" lIns="91440" tIns="45720" rIns="91440" bIns="45720" numCol="1" spcCol="0" rtlCol="0" fromWordArt="0" anchor="t" anchorCtr="0" forceAA="0" compatLnSpc="0">
             <a:spAutoFit/>
           </a:bodyPr>
+          <a:lstStyle/>
           <a:p>
             <a:pPr>
               <a:defRPr/>
@@ -9053,20 +9034,19 @@
               <a:rPr/>
               <a:t>formname.cpp</a:t>
             </a:r>
-            <a:endParaRPr/>
           </a:p>
         </p:txBody>
       </p:sp>
       <p:cxnSp>
         <p:nvCxnSpPr>
-          <p:cNvPr id="71371257" name="" hidden="0"/>
+          <p:cNvPr id="71371257" name="Соединительная линия уступом 71371256"/>
           <p:cNvCxnSpPr>
             <a:cxnSpLocks/>
           </p:cNvCxnSpPr>
-          <p:nvPr isPhoto="0" userDrawn="0"/>
+          <p:nvPr/>
         </p:nvCxnSpPr>
         <p:spPr bwMode="auto">
-          <a:xfrm flipH="0" flipV="1">
+          <a:xfrm flipV="1">
             <a:off x="3425283" y="5872086"/>
             <a:ext cx="2021415" cy="359832"/>
           </a:xfrm>
@@ -9100,12 +9080,12 @@
       </p:cxnSp>
       <p:sp>
         <p:nvSpPr>
-          <p:cNvPr id="458709517" name="" hidden="0"/>
+          <p:cNvPr id="458709517" name="TextBox 458709516"/>
           <p:cNvSpPr txBox="1"/>
-          <p:nvPr isPhoto="0" userDrawn="0"/>
-        </p:nvSpPr>
-        <p:spPr bwMode="auto">
-          <a:xfrm flipH="0" flipV="0">
+          <p:nvPr/>
+        </p:nvSpPr>
+        <p:spPr bwMode="auto">
+          <a:xfrm>
             <a:off x="3974162" y="5866123"/>
             <a:ext cx="867243" cy="365795"/>
           </a:xfrm>
@@ -9115,9 +9095,10 @@
           <a:noFill/>
         </p:spPr>
         <p:txBody>
-          <a:bodyPr vertOverflow="overflow" horzOverflow="clip" vert="horz" wrap="square" lIns="91440" tIns="45720" rIns="91440" bIns="45720" numCol="1" spcCol="0" rtlCol="0" fromWordArt="0" anchor="t" anchorCtr="0" forceAA="0" upright="0" compatLnSpc="0">
+          <a:bodyPr vertOverflow="overflow" horzOverflow="clip" vert="horz" wrap="square" lIns="91440" tIns="45720" rIns="91440" bIns="45720" numCol="1" spcCol="0" rtlCol="0" fromWordArt="0" anchor="t" anchorCtr="0" forceAA="0" compatLnSpc="0">
             <a:spAutoFit/>
           </a:bodyPr>
+          <a:lstStyle/>
           <a:p>
             <a:pPr>
               <a:defRPr/>
@@ -9126,18 +9107,17 @@
               <a:rPr/>
               <a:t>Qt.dll</a:t>
             </a:r>
-            <a:endParaRPr/>
-          </a:p>
-        </p:txBody>
-      </p:sp>
-      <p:sp>
-        <p:nvSpPr>
-          <p:cNvPr id="79174199" name="" hidden="0"/>
+          </a:p>
+        </p:txBody>
+      </p:sp>
+      <p:sp>
+        <p:nvSpPr>
+          <p:cNvPr id="79174199" name="TextBox 79174198"/>
           <p:cNvSpPr txBox="1"/>
-          <p:nvPr isPhoto="0" userDrawn="0"/>
-        </p:nvSpPr>
-        <p:spPr bwMode="auto">
-          <a:xfrm flipH="0" flipV="0">
+          <p:nvPr/>
+        </p:nvSpPr>
+        <p:spPr bwMode="auto">
+          <a:xfrm>
             <a:off x="1391853" y="4209050"/>
             <a:ext cx="6205077" cy="365795"/>
           </a:xfrm>
@@ -9147,9 +9127,10 @@
           <a:noFill/>
         </p:spPr>
         <p:txBody>
-          <a:bodyPr vertOverflow="overflow" horzOverflow="clip" vert="horz" wrap="none" lIns="91440" tIns="45720" rIns="91440" bIns="45720" numCol="1" spcCol="0" rtlCol="0" fromWordArt="0" anchor="t" anchorCtr="0" forceAA="0" upright="0" compatLnSpc="0">
+          <a:bodyPr vertOverflow="overflow" horzOverflow="clip" vert="horz" wrap="none" lIns="91440" tIns="45720" rIns="91440" bIns="45720" numCol="1" spcCol="0" rtlCol="0" fromWordArt="0" anchor="t" anchorCtr="0" forceAA="0" compatLnSpc="0">
             <a:spAutoFit/>
           </a:bodyPr>
+          <a:lstStyle/>
           <a:p>
             <a:pPr algn="ctr">
               <a:defRPr/>
@@ -9162,36 +9143,19 @@
                   </a:schemeClr>
                 </a:solidFill>
               </a:rPr>
-              <a:t>(Заголовочные файлы </a:t>
-            </a:r>
-            <a:r>
-              <a:rPr>
-                <a:solidFill>
-                  <a:schemeClr val="bg1">
-                    <a:lumMod val="75000"/>
-                  </a:schemeClr>
-                </a:solidFill>
-              </a:rPr>
-              <a:t>и часть moc-файлов не показаны)</a:t>
-            </a:r>
-            <a:endParaRPr>
-              <a:solidFill>
-                <a:schemeClr val="bg1">
-                  <a:lumMod val="75000"/>
-                </a:schemeClr>
-              </a:solidFill>
-            </a:endParaRPr>
-          </a:p>
-        </p:txBody>
-      </p:sp>
-      <p:sp>
-        <p:nvSpPr>
-          <p:cNvPr id="412473339" name="" hidden="0"/>
+              <a:t>(Заголовочные файлы и часть moc-файлов не показаны)</a:t>
+            </a:r>
+          </a:p>
+        </p:txBody>
+      </p:sp>
+      <p:sp>
+        <p:nvSpPr>
+          <p:cNvPr id="412473339" name="TextBox 412473338"/>
           <p:cNvSpPr txBox="1"/>
-          <p:nvPr isPhoto="0" userDrawn="0"/>
-        </p:nvSpPr>
-        <p:spPr bwMode="auto">
-          <a:xfrm flipH="0" flipV="0">
+          <p:nvPr/>
+        </p:nvSpPr>
+        <p:spPr bwMode="auto">
+          <a:xfrm>
             <a:off x="7933009" y="6040095"/>
             <a:ext cx="1642274" cy="640115"/>
           </a:xfrm>
@@ -9201,9 +9165,10 @@
           <a:noFill/>
         </p:spPr>
         <p:txBody>
-          <a:bodyPr vertOverflow="overflow" horzOverflow="clip" vert="horz" wrap="none" lIns="91440" tIns="45720" rIns="91440" bIns="45720" numCol="1" spcCol="0" rtlCol="0" fromWordArt="0" anchor="t" anchorCtr="0" forceAA="0" upright="0" compatLnSpc="0">
+          <a:bodyPr vertOverflow="overflow" horzOverflow="clip" vert="horz" wrap="none" lIns="91440" tIns="45720" rIns="91440" bIns="45720" numCol="1" spcCol="0" rtlCol="0" fromWordArt="0" anchor="t" anchorCtr="0" forceAA="0" compatLnSpc="0">
             <a:spAutoFit/>
           </a:bodyPr>
+          <a:lstStyle/>
           <a:p>
             <a:pPr>
               <a:defRPr/>
@@ -9212,7 +9177,6 @@
               <a:rPr/>
               <a:t>Исполняемый </a:t>
             </a:r>
-            <a:endParaRPr/>
           </a:p>
           <a:p>
             <a:pPr algn="ctr">
@@ -9222,20 +9186,19 @@
               <a:rPr/>
               <a:t>файл</a:t>
             </a:r>
-            <a:endParaRPr/>
           </a:p>
         </p:txBody>
       </p:sp>
       <p:cxnSp>
         <p:nvCxnSpPr>
-          <p:cNvPr id="1263802645" name="" hidden="0"/>
+          <p:cNvPr id="1263802645" name="Соединительная линия уступом 1263802644"/>
           <p:cNvCxnSpPr>
             <a:cxnSpLocks/>
           </p:cNvCxnSpPr>
-          <p:nvPr isPhoto="0" userDrawn="0"/>
+          <p:nvPr/>
         </p:nvCxnSpPr>
         <p:spPr bwMode="auto">
-          <a:xfrm flipH="0" flipV="1">
+          <a:xfrm flipV="1">
             <a:off x="3425283" y="5860180"/>
             <a:ext cx="2021415" cy="359832"/>
           </a:xfrm>
@@ -9273,14 +9236,14 @@
       </p:cxnSp>
       <p:cxnSp>
         <p:nvCxnSpPr>
-          <p:cNvPr id="253516842" name="" hidden="0"/>
+          <p:cNvPr id="253516842" name="Соединительная линия уступом 253516841"/>
           <p:cNvCxnSpPr>
             <a:cxnSpLocks/>
           </p:cNvCxnSpPr>
-          <p:nvPr isPhoto="0" userDrawn="0"/>
+          <p:nvPr/>
         </p:nvCxnSpPr>
         <p:spPr bwMode="auto">
-          <a:xfrm flipH="0" flipV="1">
+          <a:xfrm flipV="1">
             <a:off x="3483684" y="5425971"/>
             <a:ext cx="2021416" cy="359833"/>
           </a:xfrm>
@@ -9318,15 +9281,15 @@
       </p:cxnSp>
       <p:cxnSp>
         <p:nvCxnSpPr>
-          <p:cNvPr id="2076684622" name="" hidden="0"/>
+          <p:cNvPr id="2076684622" name="Соединительная линия уступом 2076684621"/>
           <p:cNvCxnSpPr>
             <a:cxnSpLocks/>
             <a:stCxn id="1687609429" idx="1"/>
           </p:cNvCxnSpPr>
-          <p:nvPr isPhoto="0" userDrawn="0"/>
+          <p:nvPr/>
         </p:nvCxnSpPr>
         <p:spPr bwMode="auto">
-          <a:xfrm rot="10799989" flipH="0" flipV="1">
+          <a:xfrm rot="10799989" flipV="1">
             <a:off x="529090" y="2544050"/>
             <a:ext cx="7655068" cy="1577676"/>
           </a:xfrm>
@@ -9361,14 +9324,14 @@
       </p:cxnSp>
       <p:cxnSp>
         <p:nvCxnSpPr>
-          <p:cNvPr id="1237460224" name="" hidden="0"/>
+          <p:cNvPr id="1237460224" name="Прямая соединительная линия 1237460223"/>
           <p:cNvCxnSpPr>
             <a:cxnSpLocks/>
           </p:cNvCxnSpPr>
-          <p:nvPr isPhoto="0" userDrawn="0"/>
+          <p:nvPr/>
         </p:nvCxnSpPr>
         <p:spPr bwMode="auto">
-          <a:xfrm rot="0" flipH="0" flipV="1">
+          <a:xfrm flipV="1">
             <a:off x="5790306" y="2313955"/>
             <a:ext cx="2123264" cy="0"/>
           </a:xfrm>
@@ -9402,14 +9365,14 @@
       </p:cxnSp>
       <p:cxnSp>
         <p:nvCxnSpPr>
-          <p:cNvPr id="736532005" name="" hidden="0"/>
+          <p:cNvPr id="736532005" name="Соединительная линия уступом 736532004"/>
           <p:cNvCxnSpPr>
             <a:cxnSpLocks/>
           </p:cNvCxnSpPr>
-          <p:nvPr isPhoto="0" userDrawn="0"/>
+          <p:nvPr/>
         </p:nvCxnSpPr>
         <p:spPr bwMode="auto">
-          <a:xfrm flipH="0" flipV="1">
+          <a:xfrm flipV="1">
             <a:off x="7388724" y="1398377"/>
             <a:ext cx="583162" cy="913622"/>
           </a:xfrm>
@@ -9447,14 +9410,14 @@
       </p:cxnSp>
       <p:cxnSp>
         <p:nvCxnSpPr>
-          <p:cNvPr id="0" name="" hidden="0"/>
+          <p:cNvPr id="8" name="Соединительная линия уступом 7"/>
           <p:cNvCxnSpPr>
             <a:cxnSpLocks/>
           </p:cNvCxnSpPr>
-          <p:nvPr isPhoto="0" userDrawn="0"/>
+          <p:nvPr/>
         </p:nvCxnSpPr>
         <p:spPr bwMode="auto">
-          <a:xfrm rot="0" flipH="0" flipV="0">
+          <a:xfrm>
             <a:off x="7317534" y="5150196"/>
             <a:ext cx="2242036" cy="1543281"/>
           </a:xfrm>
@@ -9490,12 +9453,12 @@
       </p:cxnSp>
       <p:sp>
         <p:nvSpPr>
-          <p:cNvPr id="925364272" name="" hidden="0"/>
+          <p:cNvPr id="925364272" name="TextBox 925364271"/>
           <p:cNvSpPr txBox="1"/>
-          <p:nvPr isPhoto="0" userDrawn="0"/>
-        </p:nvSpPr>
-        <p:spPr bwMode="auto">
-          <a:xfrm flipH="0" flipV="0">
+          <p:nvPr/>
+        </p:nvSpPr>
+        <p:spPr bwMode="auto">
+          <a:xfrm>
             <a:off x="532089" y="6053361"/>
             <a:ext cx="2915750" cy="640115"/>
           </a:xfrm>
@@ -9505,9 +9468,10 @@
           <a:noFill/>
         </p:spPr>
         <p:txBody>
-          <a:bodyPr vertOverflow="overflow" horzOverflow="clip" vert="horz" wrap="none" lIns="91440" tIns="45720" rIns="91440" bIns="45720" numCol="1" spcCol="0" rtlCol="0" fromWordArt="0" anchor="t" anchorCtr="0" forceAA="0" upright="0" compatLnSpc="0">
+          <a:bodyPr vertOverflow="overflow" horzOverflow="clip" vert="horz" wrap="none" lIns="91440" tIns="45720" rIns="91440" bIns="45720" numCol="1" spcCol="0" rtlCol="0" fromWordArt="0" anchor="t" anchorCtr="0" forceAA="0" compatLnSpc="0">
             <a:spAutoFit/>
           </a:bodyPr>
+          <a:lstStyle/>
           <a:p>
             <a:pPr algn="ctr">
               <a:defRPr/>
@@ -9516,7 +9480,6 @@
               <a:rPr/>
               <a:t>Генерирует недостающие </a:t>
             </a:r>
-            <a:endParaRPr/>
           </a:p>
           <a:p>
             <a:pPr algn="ctr">
@@ -9526,7 +9489,6 @@
               <a:rPr/>
               <a:t>определения</a:t>
             </a:r>
-            <a:endParaRPr/>
           </a:p>
         </p:txBody>
       </p:sp>
@@ -9535,25 +9497,35 @@
   <p:clrMapOvr>
     <a:masterClrMapping/>
   </p:clrMapOvr>
-  <mc:AlternateContent xmlns:mc="http://schemas.openxmlformats.org/markup-compatibility/2006">
-    <mc:Choice xmlns:p14="http://schemas.microsoft.com/office/powerpoint/2010/main" Requires="p14">
-      <p:transition p14:dur="2000" advClick="1"/>
+  <mc:AlternateContent xmlns:mc="http://schemas.openxmlformats.org/markup-compatibility/2006" xmlns:p14="http://schemas.microsoft.com/office/powerpoint/2010/main">
+    <mc:Choice Requires="p14">
+      <p:transition spd="slow" p14:dur="2000"/>
     </mc:Choice>
-    <mc:Fallback>
+    <mc:Fallback xmlns:w="http://schemas.openxmlformats.org/wordprocessingml/2006/main" xmlns:m="http://schemas.openxmlformats.org/officeDocument/2006/math" xmlns="">
       <p:transition advClick="1"/>
     </mc:Fallback>
   </mc:AlternateContent>
 </p:sld>
 </file>
 
-<file path=ppt/slides/slide14.xml><?xml version="1.0" encoding="utf-8"?>
-<p:sld xmlns:a="http://schemas.openxmlformats.org/drawingml/2006/main" xmlns:r="http://schemas.openxmlformats.org/officeDocument/2006/relationships" xmlns:p="http://schemas.openxmlformats.org/presentationml/2006/main" xmlns:m="http://schemas.openxmlformats.org/officeDocument/2006/math" xmlns:w="http://schemas.openxmlformats.org/wordprocessingml/2006/main" showMasterPhAnim="0" show="1">
-  <p:cSld name="">
+<file path=ppt/slides/slide2.xml><?xml version="1.0" encoding="utf-8"?>
+<p:sld xmlns:a="http://schemas.openxmlformats.org/drawingml/2006/main" xmlns:r="http://schemas.openxmlformats.org/officeDocument/2006/relationships" xmlns:p="http://schemas.openxmlformats.org/presentationml/2006/main" showMasterPhAnim="0">
+  <p:cSld>
+    <p:bg>
+      <p:bgPr>
+        <a:solidFill>
+          <a:schemeClr val="bg1">
+            <a:alpha val="0"/>
+          </a:schemeClr>
+        </a:solidFill>
+        <a:effectLst/>
+      </p:bgPr>
+    </p:bg>
     <p:spTree>
       <p:nvGrpSpPr>
-        <p:cNvPr id="1" name="" hidden="0"/>
+        <p:cNvPr id="1" name=""/>
         <p:cNvGrpSpPr/>
-        <p:nvPr isPhoto="0" userDrawn="0"/>
+        <p:nvPr/>
       </p:nvGrpSpPr>
       <p:grpSpPr bwMode="auto">
         <a:xfrm>
@@ -9565,108 +9537,16 @@
       </p:grpSpPr>
       <p:sp>
         <p:nvSpPr>
-          <p:cNvPr id="1485496059" name="Title 1" hidden="0"/>
+          <p:cNvPr id="44368381" name="Content Placeholder 2"/>
           <p:cNvSpPr>
             <a:spLocks noGrp="1"/>
           </p:cNvSpPr>
-          <p:nvPr isPhoto="0" userDrawn="0">
-            <p:ph type="title" hasCustomPrompt="0"/>
+          <p:nvPr>
+            <p:ph idx="1"/>
           </p:nvPr>
         </p:nvSpPr>
-        <p:spPr bwMode="auto"/>
-        <p:txBody>
-          <a:bodyPr>
-            <a:normAutofit/>
-          </a:bodyPr>
-          <a:lstStyle>
-            <a:lvl1pPr>
-              <a:defRPr sz="3600"/>
-            </a:lvl1pPr>
-          </a:lstStyle>
-          <a:p>
-            <a:pPr>
-              <a:defRPr/>
-            </a:pPr>
-            <a:endParaRPr/>
-          </a:p>
-        </p:txBody>
-      </p:sp>
-      <p:sp>
-        <p:nvSpPr>
-          <p:cNvPr id="1054850971" name="Content Placeholder 2" hidden="0"/>
-          <p:cNvSpPr>
-            <a:spLocks noGrp="1"/>
-          </p:cNvSpPr>
-          <p:nvPr isPhoto="0" userDrawn="0">
-            <p:ph idx="1" hasCustomPrompt="0"/>
-          </p:nvPr>
-        </p:nvSpPr>
-        <p:spPr bwMode="auto"/>
-        <p:txBody>
-          <a:bodyPr/>
-          <a:lstStyle/>
-          <a:p>
-            <a:pPr>
-              <a:defRPr/>
-            </a:pPr>
-            <a:endParaRPr/>
-          </a:p>
-        </p:txBody>
-      </p:sp>
-    </p:spTree>
-  </p:cSld>
-  <p:clrMapOvr>
-    <a:masterClrMapping/>
-  </p:clrMapOvr>
-  <mc:AlternateContent xmlns:mc="http://schemas.openxmlformats.org/markup-compatibility/2006">
-    <mc:Choice xmlns:p14="http://schemas.microsoft.com/office/powerpoint/2010/main" Requires="p14">
-      <p:transition p14:dur="2000" advClick="1"/>
-    </mc:Choice>
-    <mc:Fallback>
-      <p:transition advClick="1"/>
-    </mc:Fallback>
-  </mc:AlternateContent>
-</p:sld>
-</file>
-
-<file path=ppt/slides/slide2.xml><?xml version="1.0" encoding="utf-8"?>
-<p:sld xmlns:a="http://schemas.openxmlformats.org/drawingml/2006/main" xmlns:r="http://schemas.openxmlformats.org/officeDocument/2006/relationships" xmlns:p="http://schemas.openxmlformats.org/presentationml/2006/main" xmlns:m="http://schemas.openxmlformats.org/officeDocument/2006/math" xmlns:w="http://schemas.openxmlformats.org/wordprocessingml/2006/main" showMasterPhAnim="0" show="1">
-  <p:cSld name="">
-    <p:bg>
-      <p:bgPr shadeToTitle="0">
-        <a:solidFill>
-          <a:schemeClr val="bg1">
-            <a:alpha val="0"/>
-          </a:schemeClr>
-        </a:solidFill>
-      </p:bgPr>
-    </p:bg>
-    <p:spTree>
-      <p:nvGrpSpPr>
-        <p:cNvPr id="1" name="" hidden="0"/>
-        <p:cNvGrpSpPr/>
-        <p:nvPr isPhoto="0" userDrawn="0"/>
-      </p:nvGrpSpPr>
-      <p:grpSpPr bwMode="auto">
-        <a:xfrm>
-          <a:off x="0" y="0"/>
-          <a:ext cx="0" cy="0"/>
-          <a:chOff x="0" y="0"/>
-          <a:chExt cx="0" cy="0"/>
-        </a:xfrm>
-      </p:grpSpPr>
-      <p:sp>
-        <p:nvSpPr>
-          <p:cNvPr id="44368381" name="Content Placeholder 2" hidden="0"/>
-          <p:cNvSpPr>
-            <a:spLocks noGrp="1"/>
-          </p:cNvSpPr>
-          <p:nvPr isPhoto="0" userDrawn="0">
-            <p:ph idx="1" hasCustomPrompt="0"/>
-          </p:nvPr>
-        </p:nvSpPr>
-        <p:spPr bwMode="auto">
-          <a:xfrm flipH="0" flipV="0">
+        <p:spPr bwMode="auto">
+          <a:xfrm>
             <a:off x="2645663" y="1184318"/>
             <a:ext cx="9222682" cy="1653742"/>
           </a:xfrm>
@@ -9678,7 +9558,7 @@
           </a:solidFill>
         </p:spPr>
         <p:txBody>
-          <a:bodyPr vertOverflow="overflow" horzOverflow="clip" vert="horz" wrap="square" lIns="91440" tIns="45720" rIns="91440" bIns="45720" numCol="1" spcCol="0" rtlCol="0" fromWordArt="0" anchor="t" anchorCtr="0" forceAA="0" upright="0" compatLnSpc="0">
+          <a:bodyPr vertOverflow="overflow" horzOverflow="clip" vert="horz" wrap="square" lIns="91440" tIns="45720" rIns="91440" bIns="45720" numCol="1" spcCol="0" rtlCol="0" fromWordArt="0" anchor="t" anchorCtr="0" forceAA="0" compatLnSpc="0">
             <a:normAutofit/>
           </a:bodyPr>
           <a:lstStyle/>
@@ -9712,29 +9592,7 @@
                 <a:ea typeface="Trebuchet MS"/>
                 <a:cs typeface="Trebuchet MS"/>
               </a:rPr>
-              <a:t>реймворк для </a:t>
-            </a:r>
-            <a:r>
-              <a:rPr lang="en-US" sz="2200" b="0" i="0" u="none" strike="noStrike" cap="none" spc="0">
-                <a:solidFill>
-                  <a:schemeClr val="tx1"/>
-                </a:solidFill>
-                <a:latin typeface="Trebuchet MS"/>
-                <a:ea typeface="Trebuchet MS"/>
-                <a:cs typeface="Trebuchet MS"/>
-              </a:rPr>
-              <a:t>разработки </a:t>
-            </a:r>
-            <a:r>
-              <a:rPr lang="en-US" sz="2200" b="0" i="0" u="none" strike="noStrike" cap="none" spc="0">
-                <a:solidFill>
-                  <a:schemeClr val="tx1"/>
-                </a:solidFill>
-                <a:latin typeface="Trebuchet MS"/>
-                <a:ea typeface="Trebuchet MS"/>
-                <a:cs typeface="Trebuchet MS"/>
-              </a:rPr>
-              <a:t>на </a:t>
+              <a:t>реймворк для разработки на </a:t>
             </a:r>
             <a:r>
               <a:rPr sz="2200" u="none">
@@ -9790,12 +9648,12 @@
       </p:sp>
       <p:sp>
         <p:nvSpPr>
-          <p:cNvPr id="4" name="Заголовок 1" hidden="0"/>
+          <p:cNvPr id="4" name="Заголовок 1"/>
           <p:cNvSpPr>
             <a:spLocks noGrp="1"/>
           </p:cNvSpPr>
-          <p:nvPr isPhoto="0" userDrawn="0">
-            <p:ph type="title" hasCustomPrompt="0"/>
+          <p:nvPr>
+            <p:ph type="title"/>
           </p:nvPr>
         </p:nvSpPr>
         <p:spPr bwMode="auto">
@@ -9832,21 +9690,24 @@
       </p:sp>
       <p:sp>
         <p:nvSpPr>
-          <p:cNvPr id="94100804" name="" hidden="0"/>
+          <p:cNvPr id="94100804" name=" 94100803"/>
           <p:cNvSpPr/>
-          <p:nvPr isPhoto="0" userDrawn="0"/>
-        </p:nvSpPr>
-        <p:spPr bwMode="auto">
-          <a:xfrm flipH="0" flipV="0">
+          <p:nvPr/>
+        </p:nvSpPr>
+        <p:spPr bwMode="auto">
+          <a:xfrm>
             <a:off x="7465345" y="79522"/>
             <a:ext cx="76290" cy="365795"/>
           </a:xfrm>
         </p:spPr>
         <p:txBody>
-          <a:bodyPr rot="0" spcFirstLastPara="0" vertOverflow="overflow" horzOverflow="clip" vert="horz" wrap="square" lIns="91440" tIns="45720" rIns="91440" bIns="45720" numCol="1" spcCol="0" rtlCol="0" fromWordArt="0" anchor="t" anchorCtr="0" forceAA="0" upright="0" compatLnSpc="1">
-            <a:prstTxWarp prst="textNoShape"/>
+          <a:bodyPr rot="0" spcFirstLastPara="0" vertOverflow="overflow" horzOverflow="clip" vert="horz" wrap="square" lIns="91440" tIns="45720" rIns="91440" bIns="45720" numCol="1" spcCol="0" rtlCol="0" fromWordArt="0" anchor="t" anchorCtr="0" forceAA="0" compatLnSpc="1">
+            <a:prstTxWarp prst="textNoShape">
+              <a:avLst/>
+            </a:prstTxWarp>
             <a:spAutoFit/>
           </a:bodyPr>
+          <a:lstStyle/>
           <a:p>
             <a:pPr>
               <a:defRPr/>
@@ -9857,18 +9718,18 @@
       </p:sp>
       <p:pic>
         <p:nvPicPr>
-          <p:cNvPr id="626110426" name="" hidden="0"/>
+          <p:cNvPr id="626110426" name="Рисунок 626110425"/>
           <p:cNvPicPr>
             <a:picLocks noChangeAspect="1"/>
           </p:cNvPicPr>
-          <p:nvPr isPhoto="0" userDrawn="0"/>
+          <p:nvPr/>
         </p:nvPicPr>
         <p:blipFill>
           <a:blip r:embed="rId2"/>
           <a:stretch/>
         </p:blipFill>
         <p:spPr bwMode="auto">
-          <a:xfrm flipH="0" flipV="0">
+          <a:xfrm>
             <a:off x="871721" y="1184318"/>
             <a:ext cx="1579553" cy="1159040"/>
           </a:xfrm>
@@ -9879,21 +9740,24 @@
       </p:pic>
       <p:sp>
         <p:nvSpPr>
-          <p:cNvPr id="1070876709" name="" hidden="0"/>
+          <p:cNvPr id="1070876709" name=" 1070876708"/>
           <p:cNvSpPr/>
-          <p:nvPr isPhoto="0" userDrawn="0"/>
-        </p:nvSpPr>
-        <p:spPr bwMode="auto">
-          <a:xfrm flipH="0" flipV="0">
+          <p:nvPr/>
+        </p:nvSpPr>
+        <p:spPr bwMode="auto">
+          <a:xfrm>
             <a:off x="5968559" y="3565779"/>
             <a:ext cx="468930" cy="365795"/>
           </a:xfrm>
         </p:spPr>
         <p:txBody>
-          <a:bodyPr rot="0" spcFirstLastPara="0" vertOverflow="overflow" horzOverflow="clip" vert="horz" wrap="square" lIns="91440" tIns="45720" rIns="91440" bIns="45720" numCol="1" spcCol="0" rtlCol="0" fromWordArt="0" anchor="t" anchorCtr="0" forceAA="0" upright="0" compatLnSpc="1">
-            <a:prstTxWarp prst="textNoShape"/>
+          <a:bodyPr rot="0" spcFirstLastPara="0" vertOverflow="overflow" horzOverflow="clip" vert="horz" wrap="square" lIns="91440" tIns="45720" rIns="91440" bIns="45720" numCol="1" spcCol="0" rtlCol="0" fromWordArt="0" anchor="t" anchorCtr="0" forceAA="0" compatLnSpc="1">
+            <a:prstTxWarp prst="textNoShape">
+              <a:avLst/>
+            </a:prstTxWarp>
             <a:spAutoFit/>
           </a:bodyPr>
+          <a:lstStyle/>
           <a:p>
             <a:pPr>
               <a:defRPr/>
@@ -9904,21 +9768,24 @@
       </p:sp>
       <p:sp>
         <p:nvSpPr>
-          <p:cNvPr id="2025451876" name="" hidden="0"/>
+          <p:cNvPr id="2025451876" name=" 2025451875"/>
           <p:cNvSpPr/>
-          <p:nvPr isPhoto="0" userDrawn="0"/>
-        </p:nvSpPr>
-        <p:spPr bwMode="auto">
-          <a:xfrm flipH="0" flipV="0">
+          <p:nvPr/>
+        </p:nvSpPr>
+        <p:spPr bwMode="auto">
+          <a:xfrm>
             <a:off x="6645893" y="7335104"/>
             <a:ext cx="84811" cy="365795"/>
           </a:xfrm>
         </p:spPr>
         <p:txBody>
-          <a:bodyPr rot="0" spcFirstLastPara="0" vertOverflow="overflow" horzOverflow="clip" vert="horz" wrap="square" lIns="91440" tIns="45720" rIns="91440" bIns="45720" numCol="1" spcCol="0" rtlCol="0" fromWordArt="0" anchor="t" anchorCtr="0" forceAA="0" upright="0" compatLnSpc="1">
-            <a:prstTxWarp prst="textNoShape"/>
+          <a:bodyPr rot="0" spcFirstLastPara="0" vertOverflow="overflow" horzOverflow="clip" vert="horz" wrap="square" lIns="91440" tIns="45720" rIns="91440" bIns="45720" numCol="1" spcCol="0" rtlCol="0" fromWordArt="0" anchor="t" anchorCtr="0" forceAA="0" compatLnSpc="1">
+            <a:prstTxWarp prst="textNoShape">
+              <a:avLst/>
+            </a:prstTxWarp>
             <a:spAutoFit/>
           </a:bodyPr>
+          <a:lstStyle/>
           <a:p>
             <a:pPr>
               <a:defRPr/>
@@ -9929,18 +9796,18 @@
       </p:sp>
       <p:pic>
         <p:nvPicPr>
-          <p:cNvPr id="1295953499" name="" hidden="0"/>
+          <p:cNvPr id="1295953499" name="Рисунок 1295953498"/>
           <p:cNvPicPr>
             <a:picLocks noChangeAspect="1"/>
           </p:cNvPicPr>
-          <p:nvPr isPhoto="0" userDrawn="0"/>
+          <p:nvPr/>
         </p:nvPicPr>
         <p:blipFill>
           <a:blip r:embed="rId3"/>
           <a:stretch/>
         </p:blipFill>
         <p:spPr bwMode="auto">
-          <a:xfrm flipH="0" flipV="0">
+          <a:xfrm>
             <a:off x="871721" y="3431226"/>
             <a:ext cx="1244871" cy="1244871"/>
           </a:xfrm>
@@ -9951,9 +9818,9 @@
       </p:pic>
       <p:sp>
         <p:nvSpPr>
-          <p:cNvPr id="1937452360" name="" hidden="0"/>
+          <p:cNvPr id="1937452360" name=" 1937452359"/>
           <p:cNvSpPr/>
-          <p:nvPr isPhoto="0" userDrawn="0"/>
+          <p:nvPr/>
         </p:nvSpPr>
         <p:spPr bwMode="auto">
           <a:xfrm>
@@ -9962,10 +9829,13 @@
           </a:xfrm>
         </p:spPr>
         <p:txBody>
-          <a:bodyPr rot="0" spcFirstLastPara="0" vertOverflow="overflow" horzOverflow="clip" vert="horz" wrap="square" lIns="91440" tIns="45720" rIns="91440" bIns="45720" numCol="1" spcCol="0" rtlCol="0" fromWordArt="0" anchor="t" anchorCtr="0" forceAA="0" upright="0" compatLnSpc="1">
-            <a:prstTxWarp prst="textNoShape"/>
+          <a:bodyPr rot="0" spcFirstLastPara="0" vertOverflow="overflow" horzOverflow="clip" vert="horz" wrap="square" lIns="91440" tIns="45720" rIns="91440" bIns="45720" numCol="1" spcCol="0" rtlCol="0" fromWordArt="0" anchor="t" anchorCtr="0" forceAA="0" compatLnSpc="1">
+            <a:prstTxWarp prst="textNoShape">
+              <a:avLst/>
+            </a:prstTxWarp>
             <a:spAutoFit/>
           </a:bodyPr>
+          <a:lstStyle/>
           <a:p>
             <a:pPr>
               <a:defRPr/>
@@ -9976,18 +9846,18 @@
       </p:sp>
       <p:pic>
         <p:nvPicPr>
-          <p:cNvPr id="1454633055" name="" hidden="0"/>
+          <p:cNvPr id="1454633055" name="Рисунок 1454633054"/>
           <p:cNvPicPr>
             <a:picLocks noChangeAspect="1"/>
           </p:cNvPicPr>
-          <p:nvPr isPhoto="0" userDrawn="0"/>
+          <p:nvPr/>
         </p:nvPicPr>
         <p:blipFill>
           <a:blip r:embed="rId4"/>
           <a:stretch/>
         </p:blipFill>
         <p:spPr bwMode="auto">
-          <a:xfrm flipH="0" flipV="0">
+          <a:xfrm>
             <a:off x="2451275" y="4764230"/>
             <a:ext cx="1228536" cy="1228536"/>
           </a:xfrm>
@@ -9998,21 +9868,24 @@
       </p:pic>
       <p:sp>
         <p:nvSpPr>
-          <p:cNvPr id="604877778" name="" hidden="0"/>
+          <p:cNvPr id="604877778" name=" 604877777"/>
           <p:cNvSpPr/>
-          <p:nvPr isPhoto="0" userDrawn="0"/>
-        </p:nvSpPr>
-        <p:spPr bwMode="auto">
-          <a:xfrm flipH="0" flipV="0">
+          <p:nvPr/>
+        </p:nvSpPr>
+        <p:spPr bwMode="auto">
+          <a:xfrm>
             <a:off x="9175957" y="5992767"/>
             <a:ext cx="201314" cy="365795"/>
           </a:xfrm>
         </p:spPr>
         <p:txBody>
-          <a:bodyPr rot="0" spcFirstLastPara="0" vertOverflow="overflow" horzOverflow="clip" vert="horz" wrap="square" lIns="91440" tIns="45720" rIns="91440" bIns="45720" numCol="1" spcCol="0" rtlCol="0" fromWordArt="0" anchor="t" anchorCtr="0" forceAA="0" upright="0" compatLnSpc="1">
-            <a:prstTxWarp prst="textNoShape"/>
+          <a:bodyPr rot="0" spcFirstLastPara="0" vertOverflow="overflow" horzOverflow="clip" vert="horz" wrap="square" lIns="91440" tIns="45720" rIns="91440" bIns="45720" numCol="1" spcCol="0" rtlCol="0" fromWordArt="0" anchor="t" anchorCtr="0" forceAA="0" compatLnSpc="1">
+            <a:prstTxWarp prst="textNoShape">
+              <a:avLst/>
+            </a:prstTxWarp>
             <a:spAutoFit/>
           </a:bodyPr>
+          <a:lstStyle/>
           <a:p>
             <a:pPr>
               <a:defRPr/>
@@ -10023,18 +9896,18 @@
       </p:sp>
       <p:pic>
         <p:nvPicPr>
-          <p:cNvPr id="639496572" name="" hidden="0"/>
+          <p:cNvPr id="639496572" name="Рисунок 639496571"/>
           <p:cNvPicPr>
             <a:picLocks noChangeAspect="1"/>
           </p:cNvPicPr>
-          <p:nvPr isPhoto="0" userDrawn="0"/>
+          <p:nvPr/>
         </p:nvPicPr>
         <p:blipFill>
           <a:blip r:embed="rId5"/>
           <a:stretch/>
         </p:blipFill>
         <p:spPr bwMode="auto">
-          <a:xfrm flipH="0" flipV="0">
+          <a:xfrm>
             <a:off x="3527642" y="3144623"/>
             <a:ext cx="1480250" cy="1480250"/>
           </a:xfrm>
@@ -10045,21 +9918,24 @@
       </p:pic>
       <p:sp>
         <p:nvSpPr>
-          <p:cNvPr id="46407352" name="" hidden="0"/>
+          <p:cNvPr id="46407352" name=" 46407351"/>
           <p:cNvSpPr/>
-          <p:nvPr isPhoto="0" userDrawn="0"/>
-        </p:nvSpPr>
-        <p:spPr bwMode="auto">
-          <a:xfrm flipH="0" flipV="0">
+          <p:nvPr/>
+        </p:nvSpPr>
+        <p:spPr bwMode="auto">
+          <a:xfrm>
             <a:off x="12241399" y="6328083"/>
             <a:ext cx="95157" cy="365795"/>
           </a:xfrm>
         </p:spPr>
         <p:txBody>
-          <a:bodyPr rot="0" spcFirstLastPara="0" vertOverflow="overflow" horzOverflow="clip" vert="horz" wrap="square" lIns="91440" tIns="45720" rIns="91440" bIns="45720" numCol="1" spcCol="0" rtlCol="0" fromWordArt="0" anchor="t" anchorCtr="0" forceAA="0" upright="0" compatLnSpc="1">
-            <a:prstTxWarp prst="textNoShape"/>
+          <a:bodyPr rot="0" spcFirstLastPara="0" vertOverflow="overflow" horzOverflow="clip" vert="horz" wrap="square" lIns="91440" tIns="45720" rIns="91440" bIns="45720" numCol="1" spcCol="0" rtlCol="0" fromWordArt="0" anchor="t" anchorCtr="0" forceAA="0" compatLnSpc="1">
+            <a:prstTxWarp prst="textNoShape">
+              <a:avLst/>
+            </a:prstTxWarp>
             <a:spAutoFit/>
           </a:bodyPr>
+          <a:lstStyle/>
           <a:p>
             <a:pPr>
               <a:defRPr/>
@@ -10070,18 +9946,18 @@
       </p:sp>
       <p:pic>
         <p:nvPicPr>
-          <p:cNvPr id="1120051701" name="" hidden="0"/>
+          <p:cNvPr id="1120051701" name="Рисунок 1120051700"/>
           <p:cNvPicPr>
             <a:picLocks noChangeAspect="1"/>
           </p:cNvPicPr>
-          <p:nvPr isPhoto="0" userDrawn="0"/>
+          <p:nvPr/>
         </p:nvPicPr>
         <p:blipFill>
           <a:blip r:embed="rId6"/>
           <a:stretch/>
         </p:blipFill>
         <p:spPr bwMode="auto">
-          <a:xfrm flipH="0" flipV="0">
+          <a:xfrm>
             <a:off x="6203025" y="3144623"/>
             <a:ext cx="1587265" cy="1818076"/>
           </a:xfrm>
@@ -10092,9 +9968,9 @@
       </p:pic>
       <p:sp>
         <p:nvSpPr>
-          <p:cNvPr id="2014251916" name="" hidden="0"/>
+          <p:cNvPr id="2014251916" name=" 2014251915"/>
           <p:cNvSpPr/>
-          <p:nvPr isPhoto="0" userDrawn="0"/>
+          <p:nvPr/>
         </p:nvSpPr>
         <p:spPr bwMode="auto">
           <a:xfrm>
@@ -10103,10 +9979,13 @@
           </a:xfrm>
         </p:spPr>
         <p:txBody>
-          <a:bodyPr rot="0" spcFirstLastPara="0" vertOverflow="overflow" horzOverflow="clip" vert="horz" wrap="square" lIns="91440" tIns="45720" rIns="91440" bIns="45720" numCol="1" spcCol="0" rtlCol="0" fromWordArt="0" anchor="t" anchorCtr="0" forceAA="0" upright="0" compatLnSpc="1">
-            <a:prstTxWarp prst="textNoShape"/>
+          <a:bodyPr rot="0" spcFirstLastPara="0" vertOverflow="overflow" horzOverflow="clip" vert="horz" wrap="square" lIns="91440" tIns="45720" rIns="91440" bIns="45720" numCol="1" spcCol="0" rtlCol="0" fromWordArt="0" anchor="t" anchorCtr="0" forceAA="0" compatLnSpc="1">
+            <a:prstTxWarp prst="textNoShape">
+              <a:avLst/>
+            </a:prstTxWarp>
             <a:spAutoFit/>
           </a:bodyPr>
+          <a:lstStyle/>
           <a:p>
             <a:pPr>
               <a:defRPr/>
@@ -10117,18 +9996,18 @@
       </p:sp>
       <p:pic>
         <p:nvPicPr>
-          <p:cNvPr id="1915197561" name="" hidden="0"/>
+          <p:cNvPr id="1915197561" name="Рисунок 1915197560"/>
           <p:cNvPicPr>
             <a:picLocks noChangeAspect="1"/>
           </p:cNvPicPr>
-          <p:nvPr isPhoto="0" userDrawn="0"/>
+          <p:nvPr/>
         </p:nvPicPr>
         <p:blipFill>
           <a:blip r:embed="rId7"/>
           <a:stretch/>
         </p:blipFill>
         <p:spPr bwMode="auto">
-          <a:xfrm flipH="0" flipV="0">
+          <a:xfrm>
             <a:off x="4643106" y="5012419"/>
             <a:ext cx="3160738" cy="949867"/>
           </a:xfrm>
@@ -10139,21 +10018,24 @@
       </p:pic>
       <p:sp>
         <p:nvSpPr>
-          <p:cNvPr id="867512976" name="" hidden="0"/>
+          <p:cNvPr id="867512976" name=" 867512975"/>
           <p:cNvSpPr/>
-          <p:nvPr isPhoto="0" userDrawn="0"/>
-        </p:nvSpPr>
-        <p:spPr bwMode="auto">
-          <a:xfrm flipH="0" flipV="0">
+          <p:nvPr/>
+        </p:nvSpPr>
+        <p:spPr bwMode="auto">
+          <a:xfrm>
             <a:off x="14588640" y="5962287"/>
             <a:ext cx="70872" cy="365795"/>
           </a:xfrm>
         </p:spPr>
         <p:txBody>
-          <a:bodyPr rot="0" spcFirstLastPara="0" vertOverflow="overflow" horzOverflow="clip" vert="horz" wrap="square" lIns="91440" tIns="45720" rIns="91440" bIns="45720" numCol="1" spcCol="0" rtlCol="0" fromWordArt="0" anchor="t" anchorCtr="0" forceAA="0" upright="0" compatLnSpc="1">
-            <a:prstTxWarp prst="textNoShape"/>
+          <a:bodyPr rot="0" spcFirstLastPara="0" vertOverflow="overflow" horzOverflow="clip" vert="horz" wrap="square" lIns="91440" tIns="45720" rIns="91440" bIns="45720" numCol="1" spcCol="0" rtlCol="0" fromWordArt="0" anchor="t" anchorCtr="0" forceAA="0" compatLnSpc="1">
+            <a:prstTxWarp prst="textNoShape">
+              <a:avLst/>
+            </a:prstTxWarp>
             <a:spAutoFit/>
           </a:bodyPr>
+          <a:lstStyle/>
           <a:p>
             <a:pPr>
               <a:defRPr/>
@@ -10164,18 +10046,18 @@
       </p:sp>
       <p:pic>
         <p:nvPicPr>
-          <p:cNvPr id="65709331" name="" hidden="0"/>
+          <p:cNvPr id="65709331" name="Рисунок 65709330"/>
           <p:cNvPicPr>
             <a:picLocks noChangeAspect="1"/>
           </p:cNvPicPr>
-          <p:nvPr isPhoto="0" userDrawn="0"/>
+          <p:nvPr/>
         </p:nvPicPr>
         <p:blipFill>
           <a:blip r:embed="rId8"/>
           <a:stretch/>
         </p:blipFill>
         <p:spPr bwMode="auto">
-          <a:xfrm flipH="0" flipV="0">
+          <a:xfrm>
             <a:off x="8620080" y="2944386"/>
             <a:ext cx="1684459" cy="1684459"/>
           </a:xfrm>
@@ -10186,21 +10068,24 @@
       </p:pic>
       <p:sp>
         <p:nvSpPr>
-          <p:cNvPr id="1228934773" name="" hidden="0"/>
+          <p:cNvPr id="1228934773" name=" 1228934772"/>
           <p:cNvSpPr/>
-          <p:nvPr isPhoto="0" userDrawn="0"/>
-        </p:nvSpPr>
-        <p:spPr bwMode="auto">
-          <a:xfrm flipH="0" flipV="0">
+          <p:nvPr/>
+        </p:nvSpPr>
+        <p:spPr bwMode="auto">
+          <a:xfrm>
             <a:off x="15430870" y="7859869"/>
             <a:ext cx="93245" cy="365795"/>
           </a:xfrm>
         </p:spPr>
         <p:txBody>
-          <a:bodyPr rot="0" spcFirstLastPara="0" vertOverflow="overflow" horzOverflow="clip" vert="horz" wrap="square" lIns="91440" tIns="45720" rIns="91440" bIns="45720" numCol="1" spcCol="0" rtlCol="0" fromWordArt="0" anchor="t" anchorCtr="0" forceAA="0" upright="0" compatLnSpc="1">
-            <a:prstTxWarp prst="textNoShape"/>
+          <a:bodyPr rot="0" spcFirstLastPara="0" vertOverflow="overflow" horzOverflow="clip" vert="horz" wrap="square" lIns="91440" tIns="45720" rIns="91440" bIns="45720" numCol="1" spcCol="0" rtlCol="0" fromWordArt="0" anchor="t" anchorCtr="0" forceAA="0" compatLnSpc="1">
+            <a:prstTxWarp prst="textNoShape">
+              <a:avLst/>
+            </a:prstTxWarp>
             <a:spAutoFit/>
           </a:bodyPr>
+          <a:lstStyle/>
           <a:p>
             <a:pPr>
               <a:defRPr/>
@@ -10211,18 +10096,18 @@
       </p:sp>
       <p:pic>
         <p:nvPicPr>
-          <p:cNvPr id="1077173216" name="" hidden="0"/>
+          <p:cNvPr id="1077173216" name="Рисунок 1077173215"/>
           <p:cNvPicPr>
             <a:picLocks noChangeAspect="1"/>
           </p:cNvPicPr>
-          <p:nvPr isPhoto="0" userDrawn="0"/>
+          <p:nvPr/>
         </p:nvPicPr>
         <p:blipFill>
           <a:blip r:embed="rId9"/>
           <a:stretch/>
         </p:blipFill>
         <p:spPr bwMode="auto">
-          <a:xfrm flipH="0" flipV="0">
+          <a:xfrm>
             <a:off x="9700804" y="4628846"/>
             <a:ext cx="2068006" cy="2068006"/>
           </a:xfrm>
@@ -10233,12 +10118,12 @@
       </p:pic>
       <p:sp>
         <p:nvSpPr>
-          <p:cNvPr id="467621157" name="" hidden="0"/>
+          <p:cNvPr id="467621157" name="TextBox 467621156"/>
           <p:cNvSpPr txBox="1"/>
-          <p:nvPr isPhoto="0" userDrawn="0"/>
-        </p:nvSpPr>
-        <p:spPr bwMode="auto">
-          <a:xfrm flipH="0" flipV="0">
+          <p:nvPr/>
+        </p:nvSpPr>
+        <p:spPr bwMode="auto">
+          <a:xfrm>
             <a:off x="942645" y="6145185"/>
             <a:ext cx="8334041" cy="426755"/>
           </a:xfrm>
@@ -10248,9 +10133,10 @@
           <a:noFill/>
         </p:spPr>
         <p:txBody>
-          <a:bodyPr vertOverflow="overflow" horzOverflow="clip" vert="horz" wrap="square" lIns="91440" tIns="45720" rIns="91440" bIns="45720" numCol="1" spcCol="0" rtlCol="0" fromWordArt="0" anchor="t" anchorCtr="0" forceAA="0" upright="0" compatLnSpc="0">
+          <a:bodyPr vertOverflow="overflow" horzOverflow="clip" vert="horz" wrap="square" lIns="91440" tIns="45720" rIns="91440" bIns="45720" numCol="1" spcCol="0" rtlCol="0" fromWordArt="0" anchor="t" anchorCtr="0" forceAA="0" compatLnSpc="0">
             <a:spAutoFit/>
           </a:bodyPr>
+          <a:lstStyle/>
           <a:p>
             <a:pPr algn="l">
               <a:defRPr/>
@@ -10259,7 +10145,6 @@
               <a:rPr sz="2200"/>
               <a:t>https://en.wikipedia.org/wiki/Category:Software_that_uses_Qt</a:t>
             </a:r>
-            <a:endParaRPr sz="2200"/>
           </a:p>
         </p:txBody>
       </p:sp>
@@ -10268,11 +10153,11 @@
   <p:clrMapOvr>
     <a:masterClrMapping/>
   </p:clrMapOvr>
-  <mc:AlternateContent xmlns:mc="http://schemas.openxmlformats.org/markup-compatibility/2006">
-    <mc:Choice xmlns:p14="http://schemas.microsoft.com/office/powerpoint/2010/main" Requires="p14">
-      <p:transition p14:dur="2000" advClick="1"/>
+  <mc:AlternateContent xmlns:mc="http://schemas.openxmlformats.org/markup-compatibility/2006" xmlns:p14="http://schemas.microsoft.com/office/powerpoint/2010/main">
+    <mc:Choice Requires="p14">
+      <p:transition spd="slow" p14:dur="2000"/>
     </mc:Choice>
-    <mc:Fallback>
+    <mc:Fallback xmlns:w="http://schemas.openxmlformats.org/wordprocessingml/2006/main" xmlns:m="http://schemas.openxmlformats.org/officeDocument/2006/math" xmlns="">
       <p:transition advClick="1"/>
     </mc:Fallback>
   </mc:AlternateContent>
@@ -10287,13 +10172,13 @@
 </file>
 
 <file path=ppt/slides/slide3.xml><?xml version="1.0" encoding="utf-8"?>
-<p:sld xmlns:a="http://schemas.openxmlformats.org/drawingml/2006/main" xmlns:r="http://schemas.openxmlformats.org/officeDocument/2006/relationships" xmlns:p="http://schemas.openxmlformats.org/presentationml/2006/main" xmlns:m="http://schemas.openxmlformats.org/officeDocument/2006/math" xmlns:w="http://schemas.openxmlformats.org/wordprocessingml/2006/main" showMasterPhAnim="0" show="1">
-  <p:cSld name="">
+<p:sld xmlns:a="http://schemas.openxmlformats.org/drawingml/2006/main" xmlns:r="http://schemas.openxmlformats.org/officeDocument/2006/relationships" xmlns:p="http://schemas.openxmlformats.org/presentationml/2006/main" showMasterPhAnim="0">
+  <p:cSld>
     <p:spTree>
       <p:nvGrpSpPr>
-        <p:cNvPr id="1" name="" hidden="0"/>
+        <p:cNvPr id="1" name=""/>
         <p:cNvGrpSpPr/>
-        <p:nvPr isPhoto="0" userDrawn="0"/>
+        <p:nvPr/>
       </p:nvGrpSpPr>
       <p:grpSpPr bwMode="auto">
         <a:xfrm>
@@ -10305,20 +10190,20 @@
       </p:grpSpPr>
       <p:graphicFrame>
         <p:nvGraphicFramePr>
-          <p:cNvPr id="705689819" name="" hidden="0"/>
+          <p:cNvPr id="705689819" name="Таблица 705689818"/>
           <p:cNvGraphicFramePr>
-            <a:graphicFrameLocks xmlns:a="http://schemas.openxmlformats.org/drawingml/2006/main"/>
+            <a:graphicFrameLocks/>
           </p:cNvGraphicFramePr>
-          <p:nvPr isPhoto="0" userDrawn="0"/>
+          <p:nvPr/>
         </p:nvGraphicFramePr>
         <p:xfrm>
           <a:off x="313009" y="1151167"/>
-          <a:ext cx="11449438" cy="5342886"/>
+          <a:ext cx="11555334" cy="5101360"/>
         </p:xfrm>
         <a:graphic>
           <a:graphicData uri="http://schemas.openxmlformats.org/drawingml/2006/table">
             <a:tbl>
-              <a:tblPr firstRow="1" firstCol="1" lastRow="0" lastCol="0" bandRow="1" bandCol="0">
+              <a:tblPr firstRow="1" firstCol="1" bandRow="1">
                 <a:tableStyleId>{EFDDB2B8-B366-B97C-D4BE-8F8ACC996F12}</a:tableStyleId>
               </a:tblPr>
               <a:tblGrid>
@@ -10329,6 +10214,7 @@
                 <a:tc>
                   <a:txBody>
                     <a:bodyPr/>
+                    <a:lstStyle/>
                     <a:p>
                       <a:pPr algn="ctr">
                         <a:defRPr/>
@@ -10353,6 +10239,7 @@
                 <a:tc>
                   <a:txBody>
                     <a:bodyPr/>
+                    <a:lstStyle/>
                     <a:p>
                       <a:pPr>
                         <a:defRPr/>
@@ -10396,6 +10283,7 @@
                 <a:tc>
                   <a:txBody>
                     <a:bodyPr/>
+                    <a:lstStyle/>
                     <a:p>
                       <a:pPr algn="ctr">
                         <a:defRPr/>
@@ -10408,11 +10296,6 @@
                         </a:rPr>
                         <a:t>Qt GUI</a:t>
                       </a:r>
-                      <a:endParaRPr sz="2200">
-                        <a:solidFill>
-                          <a:schemeClr val="tx1"/>
-                        </a:solidFill>
-                      </a:endParaRPr>
                     </a:p>
                   </a:txBody>
                   <a:tcPr anchor="ctr"/>
@@ -10420,6 +10303,7 @@
                 <a:tc>
                   <a:txBody>
                     <a:bodyPr/>
+                    <a:lstStyle/>
                     <a:p>
                       <a:pPr>
                         <a:defRPr/>
@@ -10435,14 +10319,6 @@
                         </a:rPr>
                         <a:t>Базовые компоненты GUI: оконная система и соответствующе события, доступ к буферу обмена. Использует OpenGL</a:t>
                       </a:r>
-                      <a:endParaRPr sz="2200" b="0" i="0" u="none">
-                        <a:solidFill>
-                          <a:srgbClr val="000000"/>
-                        </a:solidFill>
-                        <a:latin typeface="Trebuchet MS"/>
-                        <a:ea typeface="Trebuchet MS"/>
-                        <a:cs typeface="Trebuchet MS"/>
-                      </a:endParaRPr>
                     </a:p>
                   </a:txBody>
                   <a:tcPr anchor="ctr"/>
@@ -10452,6 +10328,7 @@
                 <a:tc>
                   <a:txBody>
                     <a:bodyPr/>
+                    <a:lstStyle/>
                     <a:p>
                       <a:pPr algn="ctr">
                         <a:defRPr/>
@@ -10479,6 +10356,7 @@
                 <a:tc>
                   <a:txBody>
                     <a:bodyPr/>
+                    <a:lstStyle/>
                     <a:p>
                       <a:pPr>
                         <a:defRPr/>
@@ -10494,14 +10372,6 @@
                         </a:rPr>
                         <a:t>Виджеты для построения GUI</a:t>
                       </a:r>
-                      <a:endParaRPr sz="2200" b="0" i="0" u="none">
-                        <a:solidFill>
-                          <a:srgbClr val="000000"/>
-                        </a:solidFill>
-                        <a:latin typeface="Trebuchet MS"/>
-                        <a:ea typeface="Trebuchet MS"/>
-                        <a:cs typeface="Trebuchet MS"/>
-                      </a:endParaRPr>
                     </a:p>
                   </a:txBody>
                   <a:tcPr anchor="ctr"/>
@@ -10511,6 +10381,7 @@
                 <a:tc>
                   <a:txBody>
                     <a:bodyPr/>
+                    <a:lstStyle/>
                     <a:p>
                       <a:pPr algn="ctr">
                         <a:defRPr/>
@@ -10523,11 +10394,6 @@
                         </a:rPr>
                         <a:t>Qt Multimedia</a:t>
                       </a:r>
-                      <a:endParaRPr sz="2200">
-                        <a:solidFill>
-                          <a:schemeClr val="tx1"/>
-                        </a:solidFill>
-                      </a:endParaRPr>
                     </a:p>
                   </a:txBody>
                   <a:tcPr anchor="ctr"/>
@@ -10535,6 +10401,7 @@
                 <a:tc>
                   <a:txBody>
                     <a:bodyPr/>
+                    <a:lstStyle/>
                     <a:p>
                       <a:pPr>
                         <a:defRPr/>
@@ -10550,14 +10417,6 @@
                         </a:rPr>
                         <a:t>Функциональность для работы с видео, аудио и др.</a:t>
                       </a:r>
-                      <a:endParaRPr sz="2200" b="0" i="0" u="none">
-                        <a:solidFill>
-                          <a:srgbClr val="000000"/>
-                        </a:solidFill>
-                        <a:latin typeface="Trebuchet MS"/>
-                        <a:ea typeface="Trebuchet MS"/>
-                        <a:cs typeface="Trebuchet MS"/>
-                      </a:endParaRPr>
                     </a:p>
                   </a:txBody>
                   <a:tcPr anchor="ctr"/>
@@ -10567,6 +10426,7 @@
                 <a:tc>
                   <a:txBody>
                     <a:bodyPr/>
+                    <a:lstStyle/>
                     <a:p>
                       <a:pPr algn="ctr">
                         <a:defRPr/>
@@ -10579,11 +10439,6 @@
                         </a:rPr>
                         <a:t>Qt Network</a:t>
                       </a:r>
-                      <a:endParaRPr sz="2200">
-                        <a:solidFill>
-                          <a:schemeClr val="tx1"/>
-                        </a:solidFill>
-                      </a:endParaRPr>
                     </a:p>
                   </a:txBody>
                   <a:tcPr anchor="ctr"/>
@@ -10591,6 +10446,7 @@
                 <a:tc>
                   <a:txBody>
                     <a:bodyPr/>
+                    <a:lstStyle/>
                     <a:p>
                       <a:pPr>
                         <a:defRPr/>
@@ -10606,14 +10462,6 @@
                         </a:rPr>
                         <a:t>Сетевое программирование</a:t>
                       </a:r>
-                      <a:endParaRPr sz="2200" b="0" i="0" u="none">
-                        <a:solidFill>
-                          <a:srgbClr val="000000"/>
-                        </a:solidFill>
-                        <a:latin typeface="Trebuchet MS"/>
-                        <a:ea typeface="Trebuchet MS"/>
-                        <a:cs typeface="Trebuchet MS"/>
-                      </a:endParaRPr>
                     </a:p>
                   </a:txBody>
                   <a:tcPr anchor="ctr"/>
@@ -10623,6 +10471,7 @@
                 <a:tc>
                   <a:txBody>
                     <a:bodyPr/>
+                    <a:lstStyle/>
                     <a:p>
                       <a:pPr algn="ctr">
                         <a:defRPr/>
@@ -10635,11 +10484,6 @@
                         </a:rPr>
                         <a:t>Qt SQL</a:t>
                       </a:r>
-                      <a:endParaRPr sz="2200">
-                        <a:solidFill>
-                          <a:schemeClr val="tx1"/>
-                        </a:solidFill>
-                      </a:endParaRPr>
                     </a:p>
                   </a:txBody>
                   <a:tcPr anchor="ctr"/>
@@ -10647,6 +10491,7 @@
                 <a:tc>
                   <a:txBody>
                     <a:bodyPr/>
+                    <a:lstStyle/>
                     <a:p>
                       <a:pPr>
                         <a:defRPr/>
@@ -10662,14 +10507,6 @@
                         </a:rPr>
                         <a:t>Работа с SQL-базами данных</a:t>
                       </a:r>
-                      <a:endParaRPr sz="2200" b="0" i="0" u="none">
-                        <a:solidFill>
-                          <a:srgbClr val="000000"/>
-                        </a:solidFill>
-                        <a:latin typeface="Trebuchet MS"/>
-                        <a:ea typeface="Trebuchet MS"/>
-                        <a:cs typeface="Trebuchet MS"/>
-                      </a:endParaRPr>
                     </a:p>
                   </a:txBody>
                   <a:tcPr anchor="ctr"/>
@@ -10679,6 +10516,7 @@
                 <a:tc>
                   <a:txBody>
                     <a:bodyPr/>
+                    <a:lstStyle/>
                     <a:p>
                       <a:pPr algn="ctr">
                         <a:defRPr/>
@@ -10691,11 +10529,6 @@
                         </a:rPr>
                         <a:t>Qt Test</a:t>
                       </a:r>
-                      <a:endParaRPr sz="2200">
-                        <a:solidFill>
-                          <a:schemeClr val="tx1"/>
-                        </a:solidFill>
-                      </a:endParaRPr>
                     </a:p>
                   </a:txBody>
                   <a:tcPr anchor="ctr"/>
@@ -10703,6 +10536,7 @@
                 <a:tc>
                   <a:txBody>
                     <a:bodyPr/>
+                    <a:lstStyle/>
                     <a:p>
                       <a:pPr>
                         <a:defRPr/>
@@ -10718,14 +10552,6 @@
                         </a:rPr>
                         <a:t>Юнит-тестирование</a:t>
                       </a:r>
-                      <a:endParaRPr sz="2200" b="0" i="0" u="none">
-                        <a:solidFill>
-                          <a:srgbClr val="000000"/>
-                        </a:solidFill>
-                        <a:latin typeface="Trebuchet MS"/>
-                        <a:ea typeface="Trebuchet MS"/>
-                        <a:cs typeface="Trebuchet MS"/>
-                      </a:endParaRPr>
                     </a:p>
                   </a:txBody>
                   <a:tcPr anchor="ctr"/>
@@ -10737,16 +10563,16 @@
       </p:graphicFrame>
       <p:sp>
         <p:nvSpPr>
-          <p:cNvPr id="1183384810" name="Заголовок 1" hidden="0"/>
+          <p:cNvPr id="1183384810" name="Заголовок 1"/>
           <p:cNvSpPr>
             <a:spLocks noGrp="1"/>
           </p:cNvSpPr>
-          <p:nvPr isPhoto="0" userDrawn="0">
-            <p:ph type="title" hasCustomPrompt="0"/>
+          <p:nvPr>
+            <p:ph type="title"/>
           </p:nvPr>
         </p:nvSpPr>
         <p:spPr bwMode="auto">
-          <a:xfrm flipH="0" flipV="0">
+          <a:xfrm>
             <a:off x="313009" y="231530"/>
             <a:ext cx="11555335" cy="776139"/>
           </a:xfrm>
@@ -10777,18 +10603,17 @@
               <a:rPr lang="en-US"/>
               <a:t>: модули</a:t>
             </a:r>
-            <a:endParaRPr lang="en-US"/>
-          </a:p>
-        </p:txBody>
-      </p:sp>
-      <p:sp>
-        <p:nvSpPr>
-          <p:cNvPr id="282351014" name="" hidden="0"/>
+          </a:p>
+        </p:txBody>
+      </p:sp>
+      <p:sp>
+        <p:nvSpPr>
+          <p:cNvPr id="282351014" name="TextBox 282351013"/>
           <p:cNvSpPr txBox="1"/>
-          <p:nvPr isPhoto="0" userDrawn="0"/>
-        </p:nvSpPr>
-        <p:spPr bwMode="auto">
-          <a:xfrm flipH="0" flipV="0">
+          <p:nvPr/>
+        </p:nvSpPr>
+        <p:spPr bwMode="auto">
+          <a:xfrm>
             <a:off x="371325" y="6453673"/>
             <a:ext cx="1947556" cy="365795"/>
           </a:xfrm>
@@ -10798,9 +10623,10 @@
           <a:noFill/>
         </p:spPr>
         <p:txBody>
-          <a:bodyPr vertOverflow="overflow" horzOverflow="clip" vert="horz" wrap="none" lIns="91440" tIns="45720" rIns="91440" bIns="45720" numCol="1" spcCol="0" rtlCol="0" fromWordArt="0" anchor="t" anchorCtr="0" forceAA="0" upright="0" compatLnSpc="0">
+          <a:bodyPr vertOverflow="overflow" horzOverflow="clip" vert="horz" wrap="none" lIns="91440" tIns="45720" rIns="91440" bIns="45720" numCol="1" spcCol="0" rtlCol="0" fromWordArt="0" anchor="t" anchorCtr="0" forceAA="0" compatLnSpc="0">
             <a:spAutoFit/>
           </a:bodyPr>
+          <a:lstStyle/>
           <a:p>
             <a:pPr>
               <a:defRPr/>
@@ -10809,7 +10635,6 @@
               <a:rPr/>
               <a:t>И многое другое</a:t>
             </a:r>
-            <a:endParaRPr/>
           </a:p>
         </p:txBody>
       </p:sp>
@@ -10818,11 +10643,11 @@
   <p:clrMapOvr>
     <a:masterClrMapping/>
   </p:clrMapOvr>
-  <mc:AlternateContent xmlns:mc="http://schemas.openxmlformats.org/markup-compatibility/2006">
-    <mc:Choice xmlns:p14="http://schemas.microsoft.com/office/powerpoint/2010/main" Requires="p14">
-      <p:transition p14:dur="2000" advClick="1"/>
+  <mc:AlternateContent xmlns:mc="http://schemas.openxmlformats.org/markup-compatibility/2006" xmlns:p14="http://schemas.microsoft.com/office/powerpoint/2010/main">
+    <mc:Choice Requires="p14">
+      <p:transition spd="slow" p14:dur="2000"/>
     </mc:Choice>
-    <mc:Fallback>
+    <mc:Fallback xmlns:w="http://schemas.openxmlformats.org/wordprocessingml/2006/main" xmlns:m="http://schemas.openxmlformats.org/officeDocument/2006/math" xmlns="">
       <p:transition advClick="1"/>
     </mc:Fallback>
   </mc:AlternateContent>
@@ -10830,20 +10655,21 @@
 </file>
 
 <file path=ppt/slides/slide4.xml><?xml version="1.0" encoding="utf-8"?>
-<p:sld xmlns:a="http://schemas.openxmlformats.org/drawingml/2006/main" xmlns:r="http://schemas.openxmlformats.org/officeDocument/2006/relationships" xmlns:p="http://schemas.openxmlformats.org/presentationml/2006/main" xmlns:m="http://schemas.openxmlformats.org/officeDocument/2006/math" xmlns:w="http://schemas.openxmlformats.org/wordprocessingml/2006/main" showMasterPhAnim="0" show="1">
-  <p:cSld name="">
+<p:sld xmlns:a="http://schemas.openxmlformats.org/drawingml/2006/main" xmlns:r="http://schemas.openxmlformats.org/officeDocument/2006/relationships" xmlns:p="http://schemas.openxmlformats.org/presentationml/2006/main" showMasterPhAnim="0">
+  <p:cSld>
     <p:bg>
-      <p:bgPr shadeToTitle="0">
+      <p:bgPr>
         <a:solidFill>
           <a:schemeClr val="bg1"/>
         </a:solidFill>
+        <a:effectLst/>
       </p:bgPr>
     </p:bg>
     <p:spTree>
       <p:nvGrpSpPr>
-        <p:cNvPr id="1" name="" hidden="0"/>
+        <p:cNvPr id="1" name=""/>
         <p:cNvGrpSpPr/>
-        <p:nvPr isPhoto="0" userDrawn="0"/>
+        <p:nvPr/>
       </p:nvGrpSpPr>
       <p:grpSpPr bwMode="auto">
         <a:xfrm>
@@ -10855,16 +10681,16 @@
       </p:grpSpPr>
       <p:sp>
         <p:nvSpPr>
-          <p:cNvPr id="1471542" name="Content Placeholder 2" hidden="0"/>
+          <p:cNvPr id="1471542" name="Content Placeholder 2"/>
           <p:cNvSpPr>
             <a:spLocks noGrp="1"/>
           </p:cNvSpPr>
-          <p:nvPr isPhoto="0" userDrawn="0">
-            <p:ph idx="1" hasCustomPrompt="0"/>
+          <p:nvPr>
+            <p:ph idx="1"/>
           </p:nvPr>
         </p:nvSpPr>
         <p:spPr bwMode="auto">
-          <a:xfrm flipH="0" flipV="0">
+          <a:xfrm>
             <a:off x="313008" y="1324721"/>
             <a:ext cx="11555334" cy="5031757"/>
           </a:xfrm>
@@ -10876,7 +10702,7 @@
           </a:solidFill>
         </p:spPr>
         <p:txBody>
-          <a:bodyPr vertOverflow="overflow" horzOverflow="clip" vert="horz" wrap="square" lIns="91440" tIns="45720" rIns="91440" bIns="45720" numCol="1" spcCol="0" rtlCol="0" fromWordArt="0" anchor="t" anchorCtr="0" forceAA="0" upright="0" compatLnSpc="0">
+          <a:bodyPr vertOverflow="overflow" horzOverflow="clip" vert="horz" wrap="square" lIns="91440" tIns="45720" rIns="91440" bIns="45720" numCol="1" spcCol="0" rtlCol="0" fromWordArt="0" anchor="t" anchorCtr="0" forceAA="0" compatLnSpc="0">
             <a:normAutofit/>
           </a:bodyPr>
           <a:lstStyle/>
@@ -10900,6 +10726,31 @@
                 </a:solidFill>
               </a:rPr>
               <a:t>Что ещё входит во фреймворк Qt?</a:t>
+            </a:r>
+          </a:p>
+          <a:p>
+            <a:pPr>
+              <a:buClr>
+                <a:schemeClr val="accent1"/>
+              </a:buClr>
+              <a:buSzPct val="80000"/>
+              <a:buFont typeface="Wingdings"/>
+              <a:buChar char="Ø"/>
+              <a:defRPr/>
+            </a:pPr>
+            <a:r>
+              <a:rPr lang="en-US" sz="2200" b="0" i="0" u="none" strike="noStrike" cap="none" spc="0">
+                <a:solidFill>
+                  <a:schemeClr val="tx1">
+                    <a:lumMod val="75000"/>
+                    <a:lumOff val="25000"/>
+                  </a:schemeClr>
+                </a:solidFill>
+                <a:latin typeface="+mn-lt"/>
+                <a:ea typeface="+mn-ea"/>
+                <a:cs typeface="+mn-cs"/>
+              </a:rPr>
+              <a:t>IDE  </a:t>
             </a:r>
             <a:endParaRPr sz="2200">
               <a:solidFill>
@@ -10911,7 +10762,7 @@
             </a:endParaRPr>
           </a:p>
           <a:p>
-            <a:pPr>
+            <a:pPr lvl="1">
               <a:buClr>
                 <a:schemeClr val="accent1"/>
               </a:buClr>
@@ -10921,18 +10772,15 @@
               <a:defRPr/>
             </a:pPr>
             <a:r>
-              <a:rPr lang="en-US" sz="2200" b="0" i="0" u="none" strike="noStrike" cap="none" spc="0">
+              <a:rPr sz="2000">
                 <a:solidFill>
                   <a:schemeClr val="tx1">
                     <a:lumMod val="75000"/>
                     <a:lumOff val="25000"/>
                   </a:schemeClr>
                 </a:solidFill>
-                <a:latin typeface="+mn-lt"/>
-                <a:ea typeface="+mn-ea"/>
-                <a:cs typeface="+mn-cs"/>
               </a:rPr>
-              <a:t>IDE  </a:t>
+              <a:t>Qt Creator</a:t>
             </a:r>
             <a:endParaRPr sz="2200">
               <a:solidFill>
@@ -10962,7 +10810,7 @@
                   </a:schemeClr>
                 </a:solidFill>
               </a:rPr>
-              <a:t>Qt Creator</a:t>
+              <a:t>Qt Designer – приложение для разработки  GUI. Предоставляет “палитру” компонентов графического интерфеса и средства их конфигурации. Результат сохраняет в формате XML</a:t>
             </a:r>
             <a:endParaRPr sz="2200">
               <a:solidFill>
@@ -10974,6 +10822,28 @@
             </a:endParaRPr>
           </a:p>
           <a:p>
+            <a:pPr>
+              <a:buClr>
+                <a:schemeClr val="accent1"/>
+              </a:buClr>
+              <a:buSzPct val="80000"/>
+              <a:buFont typeface="Wingdings"/>
+              <a:buChar char="Ø"/>
+              <a:defRPr/>
+            </a:pPr>
+            <a:r>
+              <a:rPr sz="2200">
+                <a:solidFill>
+                  <a:schemeClr val="tx1">
+                    <a:lumMod val="75000"/>
+                    <a:lumOff val="25000"/>
+                  </a:schemeClr>
+                </a:solidFill>
+              </a:rPr>
+              <a:t>Утилиты:</a:t>
+            </a:r>
+          </a:p>
+          <a:p>
             <a:pPr lvl="1">
               <a:buClr>
                 <a:schemeClr val="accent1"/>
@@ -10984,15 +10854,29 @@
               <a:defRPr/>
             </a:pPr>
             <a:r>
-              <a:rPr sz="2000">
+              <a:rPr sz="2000" b="0" i="0" u="none" spc="-74">
                 <a:solidFill>
                   <a:schemeClr val="tx1">
                     <a:lumMod val="75000"/>
                     <a:lumOff val="25000"/>
                   </a:schemeClr>
                 </a:solidFill>
+                <a:latin typeface="Trebuchet MS"/>
+                <a:ea typeface="Trebuchet MS"/>
+                <a:cs typeface="Trebuchet MS"/>
               </a:rPr>
-              <a:t>Qt Designer – приложение для разработки  GUI. Предоставляет “палитру” компонентов графического интерфеса и средства их конфигурации. Результат сохраняет в формате XML</a:t>
+              <a:t>User Interface Compiler (uic)</a:t>
+            </a:r>
+            <a:r>
+              <a:rPr sz="2000">
+                <a:solidFill>
+                  <a:schemeClr val="tx1">
+                    <a:lumMod val="75000"/>
+                    <a:lumOff val="25000"/>
+                  </a:schemeClr>
+                </a:solidFill>
+              </a:rPr>
+              <a:t> – преобразует выходной формат Qt Designer в заголовочный файл C++</a:t>
             </a:r>
             <a:endParaRPr sz="2200">
               <a:solidFill>
@@ -11004,7 +10888,7 @@
             </a:endParaRPr>
           </a:p>
           <a:p>
-            <a:pPr>
+            <a:pPr lvl="1">
               <a:buClr>
                 <a:schemeClr val="accent1"/>
               </a:buClr>
@@ -11014,15 +10898,29 @@
               <a:defRPr/>
             </a:pPr>
             <a:r>
-              <a:rPr sz="2200">
+              <a:rPr sz="2000" b="0" i="0" u="none" spc="-74">
                 <a:solidFill>
                   <a:schemeClr val="tx1">
                     <a:lumMod val="75000"/>
                     <a:lumOff val="25000"/>
                   </a:schemeClr>
                 </a:solidFill>
+                <a:latin typeface="Trebuchet MS"/>
+                <a:ea typeface="Trebuchet MS"/>
+                <a:cs typeface="Trebuchet MS"/>
               </a:rPr>
-              <a:t>Утилиты:</a:t>
+              <a:t>Meta-Object Compiler (moc) – Qt расширяет синтаксис языка C++. Метаобъектный компилятор преобразует заголовочные файлы, написанные с использованием специфических средств </a:t>
+            </a:r>
+            <a:r>
+              <a:rPr sz="2000">
+                <a:solidFill>
+                  <a:schemeClr val="tx1">
+                    <a:lumMod val="75000"/>
+                    <a:lumOff val="25000"/>
+                  </a:schemeClr>
+                </a:solidFill>
+              </a:rPr>
+              <a:t>Qt, к стандартному C++</a:t>
             </a:r>
             <a:endParaRPr sz="2200">
               <a:solidFill>
@@ -11044,29 +10942,15 @@
               <a:defRPr/>
             </a:pPr>
             <a:r>
-              <a:rPr sz="2000" b="0" i="0" u="none" spc="-74">
+              <a:rPr sz="2000">
                 <a:solidFill>
                   <a:schemeClr val="tx1">
                     <a:lumMod val="75000"/>
                     <a:lumOff val="25000"/>
                   </a:schemeClr>
                 </a:solidFill>
-                <a:latin typeface="Trebuchet MS"/>
-                <a:ea typeface="Trebuchet MS"/>
-                <a:cs typeface="Trebuchet MS"/>
               </a:rPr>
-              <a:t>User Interface Compiler (uic)</a:t>
-            </a:r>
-            <a:r>
-              <a:rPr sz="2000">
-                <a:solidFill>
-                  <a:schemeClr val="tx1">
-                    <a:lumMod val="75000"/>
-                    <a:lumOff val="25000"/>
-                  </a:schemeClr>
-                </a:solidFill>
-              </a:rPr>
-              <a:t> – преобразует выходной формат Qt Designer в заголовочный файл C++</a:t>
+              <a:t>qmake – система сборки</a:t>
             </a:r>
             <a:endParaRPr sz="2200">
               <a:solidFill>
@@ -11077,94 +10961,20 @@
               </a:solidFill>
             </a:endParaRPr>
           </a:p>
-          <a:p>
-            <a:pPr lvl="1">
-              <a:buClr>
-                <a:schemeClr val="accent1"/>
-              </a:buClr>
-              <a:buSzPct val="80000"/>
-              <a:buFont typeface="Wingdings"/>
-              <a:buChar char="Ø"/>
-              <a:defRPr/>
-            </a:pPr>
-            <a:r>
-              <a:rPr sz="2000" b="0" i="0" u="none" spc="-74">
-                <a:solidFill>
-                  <a:schemeClr val="tx1">
-                    <a:lumMod val="75000"/>
-                    <a:lumOff val="25000"/>
-                  </a:schemeClr>
-                </a:solidFill>
-                <a:latin typeface="Trebuchet MS"/>
-                <a:ea typeface="Trebuchet MS"/>
-                <a:cs typeface="Trebuchet MS"/>
-              </a:rPr>
-              <a:t>Meta-Object Compiler (moc) – Qt расширяет синтаксис языка C++. Метаобъектный компилятор преобразует заголовочные файлы, написанные с использованием специфических средств </a:t>
-            </a:r>
-            <a:r>
-              <a:rPr sz="2000">
-                <a:solidFill>
-                  <a:schemeClr val="tx1">
-                    <a:lumMod val="75000"/>
-                    <a:lumOff val="25000"/>
-                  </a:schemeClr>
-                </a:solidFill>
-              </a:rPr>
-              <a:t>Qt, к стандартному C++</a:t>
-            </a:r>
-            <a:endParaRPr sz="2200">
-              <a:solidFill>
-                <a:schemeClr val="tx1">
-                  <a:lumMod val="75000"/>
-                  <a:lumOff val="25000"/>
-                </a:schemeClr>
-              </a:solidFill>
-            </a:endParaRPr>
-          </a:p>
-          <a:p>
-            <a:pPr lvl="1">
-              <a:buClr>
-                <a:schemeClr val="accent1"/>
-              </a:buClr>
-              <a:buSzPct val="80000"/>
-              <a:buFont typeface="Wingdings"/>
-              <a:buChar char="Ø"/>
-              <a:defRPr/>
-            </a:pPr>
-            <a:r>
-              <a:rPr sz="2000">
-                <a:solidFill>
-                  <a:schemeClr val="tx1">
-                    <a:lumMod val="75000"/>
-                    <a:lumOff val="25000"/>
-                  </a:schemeClr>
-                </a:solidFill>
-              </a:rPr>
-              <a:t>qmake – система сборки</a:t>
-            </a:r>
-            <a:endParaRPr sz="2200">
-              <a:solidFill>
-                <a:schemeClr val="tx1">
-                  <a:lumMod val="75000"/>
-                  <a:lumOff val="25000"/>
-                </a:schemeClr>
-              </a:solidFill>
-            </a:endParaRPr>
-          </a:p>
-        </p:txBody>
-      </p:sp>
-      <p:sp>
-        <p:nvSpPr>
-          <p:cNvPr id="1402317509" name="Заголовок 1" hidden="0"/>
+        </p:txBody>
+      </p:sp>
+      <p:sp>
+        <p:nvSpPr>
+          <p:cNvPr id="1402317509" name="Заголовок 1"/>
           <p:cNvSpPr>
             <a:spLocks noGrp="1"/>
           </p:cNvSpPr>
-          <p:nvPr isPhoto="0" userDrawn="0">
-            <p:ph type="title" hasCustomPrompt="0"/>
+          <p:nvPr>
+            <p:ph type="title"/>
           </p:nvPr>
         </p:nvSpPr>
         <p:spPr bwMode="auto">
-          <a:xfrm flipH="0" flipV="0">
+          <a:xfrm>
             <a:off x="313008" y="231529"/>
             <a:ext cx="11555334" cy="776138"/>
           </a:xfrm>
@@ -11195,7 +11005,6 @@
               <a:rPr lang="en-US"/>
               <a:t>: инструменты</a:t>
             </a:r>
-            <a:endParaRPr lang="en-US"/>
           </a:p>
         </p:txBody>
       </p:sp>
@@ -11204,11 +11013,11 @@
   <p:clrMapOvr>
     <a:masterClrMapping/>
   </p:clrMapOvr>
-  <mc:AlternateContent xmlns:mc="http://schemas.openxmlformats.org/markup-compatibility/2006">
-    <mc:Choice xmlns:p14="http://schemas.microsoft.com/office/powerpoint/2010/main" Requires="p14">
-      <p:transition p14:dur="2000" advClick="1"/>
+  <mc:AlternateContent xmlns:mc="http://schemas.openxmlformats.org/markup-compatibility/2006" xmlns:p14="http://schemas.microsoft.com/office/powerpoint/2010/main">
+    <mc:Choice Requires="p14">
+      <p:transition spd="slow" p14:dur="2000"/>
     </mc:Choice>
-    <mc:Fallback>
+    <mc:Fallback xmlns:w="http://schemas.openxmlformats.org/wordprocessingml/2006/main" xmlns:m="http://schemas.openxmlformats.org/officeDocument/2006/math" xmlns="">
       <p:transition advClick="1"/>
     </mc:Fallback>
   </mc:AlternateContent>
@@ -11216,20 +11025,21 @@
 </file>
 
 <file path=ppt/slides/slide5.xml><?xml version="1.0" encoding="utf-8"?>
-<p:sld xmlns:a="http://schemas.openxmlformats.org/drawingml/2006/main" xmlns:r="http://schemas.openxmlformats.org/officeDocument/2006/relationships" xmlns:p="http://schemas.openxmlformats.org/presentationml/2006/main" xmlns:m="http://schemas.openxmlformats.org/officeDocument/2006/math" xmlns:w="http://schemas.openxmlformats.org/wordprocessingml/2006/main" showMasterPhAnim="0" show="1">
-  <p:cSld name="">
+<p:sld xmlns:a="http://schemas.openxmlformats.org/drawingml/2006/main" xmlns:r="http://schemas.openxmlformats.org/officeDocument/2006/relationships" xmlns:p="http://schemas.openxmlformats.org/presentationml/2006/main" showMasterPhAnim="0">
+  <p:cSld>
     <p:bg>
-      <p:bgPr shadeToTitle="0">
+      <p:bgPr>
         <a:solidFill>
           <a:schemeClr val="bg1"/>
         </a:solidFill>
+        <a:effectLst/>
       </p:bgPr>
     </p:bg>
     <p:spTree>
       <p:nvGrpSpPr>
-        <p:cNvPr id="1" name="" hidden="0"/>
+        <p:cNvPr id="1" name=""/>
         <p:cNvGrpSpPr/>
-        <p:nvPr isPhoto="0" userDrawn="0"/>
+        <p:nvPr/>
       </p:nvGrpSpPr>
       <p:grpSpPr bwMode="auto">
         <a:xfrm>
@@ -11241,16 +11051,16 @@
       </p:grpSpPr>
       <p:sp>
         <p:nvSpPr>
-          <p:cNvPr id="1273648965" name="Content Placeholder 2" hidden="0"/>
+          <p:cNvPr id="1273648965" name="Content Placeholder 2"/>
           <p:cNvSpPr>
             <a:spLocks noGrp="1"/>
           </p:cNvSpPr>
-          <p:nvPr isPhoto="0" userDrawn="0">
-            <p:ph idx="1" hasCustomPrompt="0"/>
+          <p:nvPr>
+            <p:ph idx="1"/>
           </p:nvPr>
         </p:nvSpPr>
         <p:spPr bwMode="auto">
-          <a:xfrm flipH="0" flipV="0">
+          <a:xfrm>
             <a:off x="5202599" y="1258025"/>
             <a:ext cx="6665743" cy="4160589"/>
           </a:xfrm>
@@ -11262,7 +11072,7 @@
           </a:solidFill>
         </p:spPr>
         <p:txBody>
-          <a:bodyPr vertOverflow="overflow" horzOverflow="clip" vert="horz" wrap="square" lIns="91440" tIns="45720" rIns="91440" bIns="45720" numCol="1" spcCol="0" rtlCol="0" fromWordArt="0" anchor="t" anchorCtr="0" forceAA="0" upright="0" compatLnSpc="0">
+          <a:bodyPr vertOverflow="overflow" horzOverflow="clip" vert="horz" wrap="square" lIns="91440" tIns="45720" rIns="91440" bIns="45720" numCol="1" spcCol="0" rtlCol="0" fromWordArt="0" anchor="t" anchorCtr="0" forceAA="0" compatLnSpc="0">
             <a:normAutofit/>
           </a:bodyPr>
           <a:lstStyle/>
@@ -11280,7 +11090,6 @@
               <a:rPr sz="2200"/>
               <a:t>Класс QApplication реализует цикл событий (event loop). </a:t>
             </a:r>
-            <a:endParaRPr sz="2200"/>
           </a:p>
           <a:p>
             <a:pPr>
@@ -11296,7 +11105,6 @@
               <a:rPr sz="2200"/>
               <a:t>К событиям относятся различные действия пользователя (ввод данных, движение и клики мыши, кажатие клавиш и тп), срабатывание таймера, получение пакета данных по сети и др.</a:t>
             </a:r>
-            <a:endParaRPr sz="2200"/>
           </a:p>
           <a:p>
             <a:pPr>
@@ -11312,22 +11120,21 @@
               <a:rPr sz="2200"/>
               <a:t>Цикл событий ожидает их наступления и затем обеспечивает их соответствующую обработку, т.е., по сути, управляет приложением</a:t>
             </a:r>
-            <a:endParaRPr sz="2200"/>
-          </a:p>
-        </p:txBody>
-      </p:sp>
-      <p:sp>
-        <p:nvSpPr>
-          <p:cNvPr id="307066126" name="Заголовок 1" hidden="0"/>
+          </a:p>
+        </p:txBody>
+      </p:sp>
+      <p:sp>
+        <p:nvSpPr>
+          <p:cNvPr id="307066126" name="Заголовок 1"/>
           <p:cNvSpPr>
             <a:spLocks noGrp="1"/>
           </p:cNvSpPr>
-          <p:nvPr isPhoto="0" userDrawn="0">
-            <p:ph type="title" hasCustomPrompt="0"/>
+          <p:nvPr>
+            <p:ph type="title"/>
           </p:nvPr>
         </p:nvSpPr>
         <p:spPr bwMode="auto">
-          <a:xfrm flipH="0" flipV="0">
+          <a:xfrm>
             <a:off x="313008" y="231529"/>
             <a:ext cx="11555334" cy="776138"/>
           </a:xfrm>
@@ -11356,21 +11163,16 @@
             </a:r>
             <a:r>
               <a:rPr lang="en-US"/>
-              <a:t>: </a:t>
-            </a:r>
-            <a:r>
-              <a:rPr lang="en-US"/>
-              <a:t>hello world</a:t>
-            </a:r>
-            <a:endParaRPr lang="en-US"/>
-          </a:p>
-        </p:txBody>
-      </p:sp>
-      <p:sp>
-        <p:nvSpPr>
-          <p:cNvPr id="451692008" name="" hidden="0"/>
+              <a:t>: hello world</a:t>
+            </a:r>
+          </a:p>
+        </p:txBody>
+      </p:sp>
+      <p:sp>
+        <p:nvSpPr>
+          <p:cNvPr id="451692008" name=" 451692007"/>
           <p:cNvSpPr/>
-          <p:nvPr isPhoto="0" userDrawn="0"/>
+          <p:nvPr/>
         </p:nvSpPr>
         <p:spPr bwMode="auto">
           <a:xfrm>
@@ -11379,10 +11181,13 @@
           </a:xfrm>
         </p:spPr>
         <p:txBody>
-          <a:bodyPr rot="0" spcFirstLastPara="0" vertOverflow="overflow" horzOverflow="clip" vert="horz" wrap="square" lIns="91440" tIns="45720" rIns="91440" bIns="45720" numCol="1" spcCol="0" rtlCol="0" fromWordArt="0" anchor="t" anchorCtr="0" forceAA="0" upright="0" compatLnSpc="1">
-            <a:prstTxWarp prst="textNoShape"/>
+          <a:bodyPr rot="0" spcFirstLastPara="0" vertOverflow="overflow" horzOverflow="clip" vert="horz" wrap="square" lIns="91440" tIns="45720" rIns="91440" bIns="45720" numCol="1" spcCol="0" rtlCol="0" fromWordArt="0" anchor="t" anchorCtr="0" forceAA="0" compatLnSpc="1">
+            <a:prstTxWarp prst="textNoShape">
+              <a:avLst/>
+            </a:prstTxWarp>
             <a:spAutoFit/>
           </a:bodyPr>
+          <a:lstStyle/>
           <a:p>
             <a:pPr>
               <a:defRPr/>
@@ -11393,21 +11198,24 @@
       </p:sp>
       <p:sp>
         <p:nvSpPr>
-          <p:cNvPr id="1123250112" name="" hidden="0"/>
+          <p:cNvPr id="1123250112" name=" 1123250111"/>
           <p:cNvSpPr/>
-          <p:nvPr isPhoto="0" userDrawn="0"/>
-        </p:nvSpPr>
-        <p:spPr bwMode="auto">
-          <a:xfrm flipH="0" flipV="0">
+          <p:nvPr/>
+        </p:nvSpPr>
+        <p:spPr bwMode="auto">
+          <a:xfrm>
             <a:off x="6540059" y="4606290"/>
             <a:ext cx="360347" cy="365795"/>
           </a:xfrm>
         </p:spPr>
         <p:txBody>
-          <a:bodyPr rot="0" spcFirstLastPara="0" vertOverflow="overflow" horzOverflow="clip" vert="horz" wrap="square" lIns="91440" tIns="45720" rIns="91440" bIns="45720" numCol="1" spcCol="0" rtlCol="0" fromWordArt="0" anchor="t" anchorCtr="0" forceAA="0" upright="0" compatLnSpc="1">
-            <a:prstTxWarp prst="textNoShape"/>
+          <a:bodyPr rot="0" spcFirstLastPara="0" vertOverflow="overflow" horzOverflow="clip" vert="horz" wrap="square" lIns="91440" tIns="45720" rIns="91440" bIns="45720" numCol="1" spcCol="0" rtlCol="0" fromWordArt="0" anchor="t" anchorCtr="0" forceAA="0" compatLnSpc="1">
+            <a:prstTxWarp prst="textNoShape">
+              <a:avLst/>
+            </a:prstTxWarp>
             <a:spAutoFit/>
           </a:bodyPr>
+          <a:lstStyle/>
           <a:p>
             <a:pPr>
               <a:defRPr/>
@@ -11418,18 +11226,18 @@
       </p:sp>
       <p:pic>
         <p:nvPicPr>
-          <p:cNvPr id="262729326" name="" hidden="0"/>
+          <p:cNvPr id="262729326" name="Рисунок 262729325"/>
           <p:cNvPicPr>
             <a:picLocks noChangeAspect="1"/>
           </p:cNvPicPr>
-          <p:nvPr isPhoto="0" userDrawn="0"/>
+          <p:nvPr/>
         </p:nvPicPr>
         <p:blipFill>
           <a:blip r:embed="rId2"/>
           <a:stretch/>
         </p:blipFill>
         <p:spPr bwMode="auto">
-          <a:xfrm flipH="0" flipV="0">
+          <a:xfrm>
             <a:off x="313008" y="1448525"/>
             <a:ext cx="4813390" cy="3523560"/>
           </a:xfrm>
@@ -11440,14 +11248,14 @@
       </p:pic>
       <p:sp>
         <p:nvSpPr>
-          <p:cNvPr id="297196340" name="Content Placeholder 2" hidden="0"/>
+          <p:cNvPr id="297196340" name="Content Placeholder 2"/>
           <p:cNvSpPr>
             <a:spLocks noGrp="1"/>
           </p:cNvSpPr>
-          <p:nvPr isPhoto="0" userDrawn="0"/>
-        </p:nvSpPr>
-        <p:spPr bwMode="auto">
-          <a:xfrm flipH="0" flipV="0">
+          <p:nvPr/>
+        </p:nvSpPr>
+        <p:spPr bwMode="auto">
+          <a:xfrm>
             <a:off x="313008" y="5350017"/>
             <a:ext cx="11555334" cy="1389924"/>
           </a:xfrm>
@@ -11459,7 +11267,7 @@
           </a:solidFill>
         </p:spPr>
         <p:txBody>
-          <a:bodyPr vertOverflow="overflow" horzOverflow="clip" vert="horz" wrap="square" lIns="91440" tIns="45720" rIns="91440" bIns="45720" numCol="1" spcCol="0" rtlCol="0" fromWordArt="0" anchor="t" anchorCtr="0" forceAA="0" upright="0" compatLnSpc="0">
+          <a:bodyPr vertOverflow="overflow" horzOverflow="clip" vert="horz" wrap="square" lIns="91440" tIns="45720" rIns="91440" bIns="45720" numCol="1" spcCol="0" rtlCol="0" fromWordArt="0" anchor="t" anchorCtr="0" forceAA="0" compatLnSpc="0">
             <a:normAutofit/>
           </a:bodyPr>
           <a:lstStyle>
@@ -11733,7 +11541,6 @@
               <a:rPr sz="2200"/>
               <a:t>QLabel – виджет, представляющий собой неинтерактивную текстовую область</a:t>
             </a:r>
-            <a:endParaRPr sz="2200"/>
           </a:p>
         </p:txBody>
       </p:sp>
@@ -11742,11 +11549,11 @@
   <p:clrMapOvr>
     <a:masterClrMapping/>
   </p:clrMapOvr>
-  <mc:AlternateContent xmlns:mc="http://schemas.openxmlformats.org/markup-compatibility/2006">
-    <mc:Choice xmlns:p14="http://schemas.microsoft.com/office/powerpoint/2010/main" Requires="p14">
-      <p:transition p14:dur="2000" advClick="1"/>
+  <mc:AlternateContent xmlns:mc="http://schemas.openxmlformats.org/markup-compatibility/2006" xmlns:p14="http://schemas.microsoft.com/office/powerpoint/2010/main">
+    <mc:Choice Requires="p14">
+      <p:transition spd="slow" p14:dur="2000"/>
     </mc:Choice>
-    <mc:Fallback>
+    <mc:Fallback xmlns:w="http://schemas.openxmlformats.org/wordprocessingml/2006/main" xmlns:m="http://schemas.openxmlformats.org/officeDocument/2006/math" xmlns="">
       <p:transition advClick="1"/>
     </mc:Fallback>
   </mc:AlternateContent>
@@ -11754,13 +11561,13 @@
 </file>
 
 <file path=ppt/slides/slide6.xml><?xml version="1.0" encoding="utf-8"?>
-<p:sld xmlns:a="http://schemas.openxmlformats.org/drawingml/2006/main" xmlns:r="http://schemas.openxmlformats.org/officeDocument/2006/relationships" xmlns:p="http://schemas.openxmlformats.org/presentationml/2006/main" xmlns:m="http://schemas.openxmlformats.org/officeDocument/2006/math" xmlns:w="http://schemas.openxmlformats.org/wordprocessingml/2006/main" showMasterPhAnim="0" show="1">
-  <p:cSld name="">
+<p:sld xmlns:a="http://schemas.openxmlformats.org/drawingml/2006/main" xmlns:r="http://schemas.openxmlformats.org/officeDocument/2006/relationships" xmlns:p="http://schemas.openxmlformats.org/presentationml/2006/main" showMasterPhAnim="0">
+  <p:cSld>
     <p:spTree>
       <p:nvGrpSpPr>
-        <p:cNvPr id="1" name="" hidden="0"/>
+        <p:cNvPr id="1" name=""/>
         <p:cNvGrpSpPr/>
-        <p:nvPr isPhoto="0" userDrawn="0"/>
+        <p:nvPr/>
       </p:nvGrpSpPr>
       <p:grpSpPr bwMode="auto">
         <a:xfrm>
@@ -11772,16 +11579,16 @@
       </p:grpSpPr>
       <p:sp>
         <p:nvSpPr>
-          <p:cNvPr id="969073830" name="Content Placeholder 2" hidden="0"/>
+          <p:cNvPr id="969073830" name="Content Placeholder 2"/>
           <p:cNvSpPr>
             <a:spLocks noGrp="1"/>
           </p:cNvSpPr>
-          <p:nvPr isPhoto="0" userDrawn="0">
-            <p:ph idx="1" hasCustomPrompt="0"/>
+          <p:nvPr>
+            <p:ph idx="1"/>
           </p:nvPr>
         </p:nvSpPr>
         <p:spPr bwMode="auto">
-          <a:xfrm flipH="0" flipV="0">
+          <a:xfrm>
             <a:off x="2471175" y="1119343"/>
             <a:ext cx="9334499" cy="1500446"/>
           </a:xfrm>
@@ -11793,7 +11600,7 @@
           </a:solidFill>
         </p:spPr>
         <p:txBody>
-          <a:bodyPr vertOverflow="overflow" horzOverflow="clip" vert="horz" wrap="square" lIns="91440" tIns="45720" rIns="91440" bIns="45720" numCol="1" spcCol="0" rtlCol="0" fromWordArt="0" anchor="t" anchorCtr="0" forceAA="0" upright="0" compatLnSpc="0">
+          <a:bodyPr vertOverflow="overflow" horzOverflow="clip" vert="horz" wrap="square" lIns="91440" tIns="45720" rIns="91440" bIns="45720" numCol="1" spcCol="0" rtlCol="0" fromWordArt="0" anchor="t" anchorCtr="0" forceAA="0" compatLnSpc="0">
             <a:normAutofit/>
           </a:bodyPr>
           <a:lstStyle/>
@@ -11811,7 +11618,6 @@
               <a:rPr sz="2000"/>
               <a:t>Для сборки проектов на Qt будем использовать cmake – кросплатформенный инструмент для сборки, тестирования и создания пакетов (packaging) приложений</a:t>
             </a:r>
-            <a:endParaRPr sz="2000"/>
           </a:p>
           <a:p>
             <a:pPr>
@@ -11843,16 +11649,16 @@
       </p:sp>
       <p:sp>
         <p:nvSpPr>
-          <p:cNvPr id="755591997" name="Заголовок 1" hidden="0"/>
+          <p:cNvPr id="755591997" name="Заголовок 1"/>
           <p:cNvSpPr>
             <a:spLocks noGrp="1"/>
           </p:cNvSpPr>
-          <p:nvPr isPhoto="0" userDrawn="0">
-            <p:ph type="title" hasCustomPrompt="0"/>
+          <p:nvPr>
+            <p:ph type="title"/>
           </p:nvPr>
         </p:nvSpPr>
         <p:spPr bwMode="auto">
-          <a:xfrm flipH="0" flipV="0">
+          <a:xfrm>
             <a:off x="313008" y="231529"/>
             <a:ext cx="11555334" cy="776138"/>
           </a:xfrm>
@@ -11885,9 +11691,9 @@
       </p:sp>
       <p:sp>
         <p:nvSpPr>
-          <p:cNvPr id="1916055394" name="" hidden="0"/>
+          <p:cNvPr id="1916055394" name=" 1916055393"/>
           <p:cNvSpPr/>
-          <p:nvPr isPhoto="0" userDrawn="0"/>
+          <p:nvPr/>
         </p:nvSpPr>
         <p:spPr bwMode="auto">
           <a:xfrm>
@@ -11896,10 +11702,13 @@
           </a:xfrm>
         </p:spPr>
         <p:txBody>
-          <a:bodyPr rot="0" spcFirstLastPara="0" vertOverflow="overflow" horzOverflow="clip" vert="horz" wrap="square" lIns="91440" tIns="45720" rIns="91440" bIns="45720" numCol="1" spcCol="0" rtlCol="0" fromWordArt="0" anchor="t" anchorCtr="0" forceAA="0" upright="0" compatLnSpc="1">
-            <a:prstTxWarp prst="textNoShape"/>
+          <a:bodyPr rot="0" spcFirstLastPara="0" vertOverflow="overflow" horzOverflow="clip" vert="horz" wrap="square" lIns="91440" tIns="45720" rIns="91440" bIns="45720" numCol="1" spcCol="0" rtlCol="0" fromWordArt="0" anchor="t" anchorCtr="0" forceAA="0" compatLnSpc="1">
+            <a:prstTxWarp prst="textNoShape">
+              <a:avLst/>
+            </a:prstTxWarp>
             <a:spAutoFit/>
           </a:bodyPr>
+          <a:lstStyle/>
           <a:p>
             <a:pPr>
               <a:defRPr/>
@@ -11910,18 +11719,18 @@
       </p:sp>
       <p:pic>
         <p:nvPicPr>
-          <p:cNvPr id="878715013" name="" hidden="0"/>
+          <p:cNvPr id="878715013" name="Рисунок 878715012"/>
           <p:cNvPicPr>
             <a:picLocks noChangeAspect="1"/>
           </p:cNvPicPr>
-          <p:nvPr isPhoto="0" userDrawn="0"/>
+          <p:nvPr/>
         </p:nvPicPr>
         <p:blipFill>
           <a:blip r:embed="rId2"/>
           <a:stretch/>
         </p:blipFill>
         <p:spPr bwMode="auto">
-          <a:xfrm flipH="0" flipV="0">
+          <a:xfrm>
             <a:off x="313008" y="1119343"/>
             <a:ext cx="2287399" cy="1294333"/>
           </a:xfrm>
@@ -11932,14 +11741,14 @@
       </p:pic>
       <p:sp>
         <p:nvSpPr>
-          <p:cNvPr id="1095699868" name="Content Placeholder 2" hidden="0"/>
+          <p:cNvPr id="1095699868" name="Content Placeholder 2"/>
           <p:cNvSpPr>
             <a:spLocks noGrp="1"/>
           </p:cNvSpPr>
-          <p:nvPr isPhoto="0" userDrawn="0"/>
-        </p:nvSpPr>
-        <p:spPr bwMode="auto">
-          <a:xfrm flipH="0" flipV="0">
+          <p:nvPr/>
+        </p:nvSpPr>
+        <p:spPr bwMode="auto">
+          <a:xfrm>
             <a:off x="375676" y="2686050"/>
             <a:ext cx="11430000" cy="4019549"/>
           </a:xfrm>
@@ -11951,8 +11760,8 @@
           </a:solidFill>
         </p:spPr>
         <p:txBody>
-          <a:bodyPr vertOverflow="overflow" horzOverflow="clip" vert="horz" wrap="square" lIns="91440" tIns="45720" rIns="91440" bIns="45720" numCol="1" spcCol="0" rtlCol="0" fromWordArt="0" anchor="t" anchorCtr="0" forceAA="0" upright="0" compatLnSpc="0">
-            <a:normAutofit fontScale="70000" lnSpcReduction="6000"/>
+          <a:bodyPr vertOverflow="overflow" horzOverflow="clip" vert="horz" wrap="square" lIns="91440" tIns="45720" rIns="91440" bIns="45720" numCol="1" spcCol="0" rtlCol="0" fromWordArt="0" anchor="t" anchorCtr="0" forceAA="0" compatLnSpc="0">
+            <a:normAutofit fontScale="77500" lnSpcReduction="16000"/>
           </a:bodyPr>
           <a:lstStyle>
             <a:lvl1pPr marL="342900" indent="-342900" algn="l" defTabSz="457200">
@@ -12195,7 +12004,6 @@
               <a:rPr sz="2600"/>
               <a:t>Работа с cmake происходит в 3 этапа:</a:t>
             </a:r>
-            <a:endParaRPr sz="2600"/>
           </a:p>
           <a:p>
             <a:pPr marL="785136" lvl="1" indent="-327936">
@@ -12327,7 +12135,6 @@
               <a:rPr sz="2600"/>
               <a:t>Почему cmake:</a:t>
             </a:r>
-            <a:endParaRPr sz="2600"/>
           </a:p>
           <a:p>
             <a:pPr lvl="1">
@@ -12400,11 +12207,11 @@
   <p:clrMapOvr>
     <a:masterClrMapping/>
   </p:clrMapOvr>
-  <mc:AlternateContent xmlns:mc="http://schemas.openxmlformats.org/markup-compatibility/2006">
-    <mc:Choice xmlns:p14="http://schemas.microsoft.com/office/powerpoint/2010/main" Requires="p14">
-      <p:transition p14:dur="2000" advClick="1"/>
+  <mc:AlternateContent xmlns:mc="http://schemas.openxmlformats.org/markup-compatibility/2006" xmlns:p14="http://schemas.microsoft.com/office/powerpoint/2010/main">
+    <mc:Choice Requires="p14">
+      <p:transition spd="slow" p14:dur="2000"/>
     </mc:Choice>
-    <mc:Fallback>
+    <mc:Fallback xmlns:w="http://schemas.openxmlformats.org/wordprocessingml/2006/main" xmlns:m="http://schemas.openxmlformats.org/officeDocument/2006/math" xmlns="">
       <p:transition advClick="1"/>
     </mc:Fallback>
   </mc:AlternateContent>
@@ -12412,13 +12219,13 @@
 </file>
 
 <file path=ppt/slides/slide7.xml><?xml version="1.0" encoding="utf-8"?>
-<p:sld xmlns:a="http://schemas.openxmlformats.org/drawingml/2006/main" xmlns:r="http://schemas.openxmlformats.org/officeDocument/2006/relationships" xmlns:p="http://schemas.openxmlformats.org/presentationml/2006/main" xmlns:m="http://schemas.openxmlformats.org/officeDocument/2006/math" xmlns:w="http://schemas.openxmlformats.org/wordprocessingml/2006/main" showMasterPhAnim="0" show="1">
-  <p:cSld name="">
+<p:sld xmlns:a="http://schemas.openxmlformats.org/drawingml/2006/main" xmlns:r="http://schemas.openxmlformats.org/officeDocument/2006/relationships" xmlns:p="http://schemas.openxmlformats.org/presentationml/2006/main" showMasterPhAnim="0">
+  <p:cSld>
     <p:spTree>
       <p:nvGrpSpPr>
-        <p:cNvPr id="1" name="" hidden="0"/>
+        <p:cNvPr id="1" name=""/>
         <p:cNvGrpSpPr/>
-        <p:nvPr isPhoto="0" userDrawn="0"/>
+        <p:nvPr/>
       </p:nvGrpSpPr>
       <p:grpSpPr bwMode="auto">
         <a:xfrm>
@@ -12430,16 +12237,16 @@
       </p:grpSpPr>
       <p:sp>
         <p:nvSpPr>
-          <p:cNvPr id="301221774" name="Заголовок 1" hidden="0"/>
+          <p:cNvPr id="301221774" name="Заголовок 1"/>
           <p:cNvSpPr>
             <a:spLocks noGrp="1"/>
           </p:cNvSpPr>
-          <p:nvPr isPhoto="0" userDrawn="0">
-            <p:ph type="title" hasCustomPrompt="0"/>
+          <p:nvPr>
+            <p:ph type="title"/>
           </p:nvPr>
         </p:nvSpPr>
         <p:spPr bwMode="auto">
-          <a:xfrm flipH="0" flipV="0">
+          <a:xfrm>
             <a:off x="313007" y="231527"/>
             <a:ext cx="11555334" cy="776137"/>
           </a:xfrm>
@@ -12470,27 +12277,29 @@
               <a:rPr lang="en-US"/>
               <a:t>: виджеты QWidget</a:t>
             </a:r>
-            <a:endParaRPr lang="en-US"/>
-          </a:p>
-        </p:txBody>
-      </p:sp>
-      <p:sp>
-        <p:nvSpPr>
-          <p:cNvPr id="2124061727" name="" hidden="0"/>
+          </a:p>
+        </p:txBody>
+      </p:sp>
+      <p:sp>
+        <p:nvSpPr>
+          <p:cNvPr id="2124061727" name=" 2124061726"/>
           <p:cNvSpPr/>
-          <p:nvPr isPhoto="0" userDrawn="0"/>
-        </p:nvSpPr>
-        <p:spPr bwMode="auto">
-          <a:xfrm flipH="0" flipV="0">
+          <p:nvPr/>
+        </p:nvSpPr>
+        <p:spPr bwMode="auto">
+          <a:xfrm>
             <a:off x="6488820" y="5238740"/>
             <a:ext cx="337142" cy="365795"/>
           </a:xfrm>
         </p:spPr>
         <p:txBody>
-          <a:bodyPr rot="0" spcFirstLastPara="0" vertOverflow="overflow" horzOverflow="clip" vert="horz" wrap="square" lIns="91440" tIns="45720" rIns="91440" bIns="45720" numCol="1" spcCol="0" rtlCol="0" fromWordArt="0" anchor="t" anchorCtr="0" forceAA="0" upright="0" compatLnSpc="1">
-            <a:prstTxWarp prst="textNoShape"/>
+          <a:bodyPr rot="0" spcFirstLastPara="0" vertOverflow="overflow" horzOverflow="clip" vert="horz" wrap="square" lIns="91440" tIns="45720" rIns="91440" bIns="45720" numCol="1" spcCol="0" rtlCol="0" fromWordArt="0" anchor="t" anchorCtr="0" forceAA="0" compatLnSpc="1">
+            <a:prstTxWarp prst="textNoShape">
+              <a:avLst/>
+            </a:prstTxWarp>
             <a:spAutoFit/>
           </a:bodyPr>
+          <a:lstStyle/>
           <a:p>
             <a:pPr>
               <a:defRPr/>
@@ -12501,18 +12310,18 @@
       </p:sp>
       <p:pic>
         <p:nvPicPr>
-          <p:cNvPr id="1622209468" name="" hidden="0"/>
+          <p:cNvPr id="1622209468" name="Рисунок 1622209467"/>
           <p:cNvPicPr>
             <a:picLocks noChangeAspect="1"/>
           </p:cNvPicPr>
-          <p:nvPr isPhoto="0" userDrawn="0"/>
+          <p:nvPr/>
         </p:nvPicPr>
         <p:blipFill>
           <a:blip r:embed="rId2"/>
           <a:stretch/>
         </p:blipFill>
         <p:spPr bwMode="auto">
-          <a:xfrm flipH="0" flipV="0">
+          <a:xfrm>
             <a:off x="313007" y="1160066"/>
             <a:ext cx="7052232" cy="4641976"/>
           </a:xfrm>
@@ -12523,16 +12332,16 @@
       </p:pic>
       <p:sp>
         <p:nvSpPr>
-          <p:cNvPr id="1896852534" name="Content Placeholder 2" hidden="0"/>
+          <p:cNvPr id="1896852534" name="Content Placeholder 2"/>
           <p:cNvSpPr>
             <a:spLocks noGrp="1"/>
           </p:cNvSpPr>
-          <p:nvPr isPhoto="0" userDrawn="0">
-            <p:ph idx="1" hasCustomPrompt="0"/>
+          <p:nvPr>
+            <p:ph idx="1"/>
           </p:nvPr>
         </p:nvSpPr>
         <p:spPr bwMode="auto">
-          <a:xfrm flipH="0" flipV="0">
+          <a:xfrm>
             <a:off x="7431449" y="1258024"/>
             <a:ext cx="4436891" cy="5218974"/>
           </a:xfrm>
@@ -12544,7 +12353,7 @@
           </a:solidFill>
         </p:spPr>
         <p:txBody>
-          <a:bodyPr vertOverflow="overflow" horzOverflow="clip" vert="horz" wrap="square" lIns="91440" tIns="45720" rIns="91440" bIns="45720" numCol="1" spcCol="0" rtlCol="0" fromWordArt="0" anchor="t" anchorCtr="0" forceAA="0" upright="0" compatLnSpc="0">
+          <a:bodyPr vertOverflow="overflow" horzOverflow="clip" vert="horz" wrap="square" lIns="91440" tIns="45720" rIns="91440" bIns="45720" numCol="1" spcCol="0" rtlCol="0" fromWordArt="0" anchor="t" anchorCtr="0" forceAA="0" compatLnSpc="0">
             <a:normAutofit fontScale="95000" lnSpcReduction="1000"/>
           </a:bodyPr>
           <a:lstStyle/>
@@ -12562,7 +12371,6 @@
               <a:rPr sz="2000"/>
               <a:t>Приложения со сложным графическим интерфейсом удобно разрабатывать с помощью Qt Designer</a:t>
             </a:r>
-            <a:endParaRPr sz="2000"/>
           </a:p>
           <a:p>
             <a:pPr>
@@ -12578,7 +12386,6 @@
               <a:rPr sz="2000"/>
               <a:t>Виджет – базовый элемент интерфейса</a:t>
             </a:r>
-            <a:endParaRPr sz="2000"/>
           </a:p>
           <a:p>
             <a:pPr>
@@ -12594,7 +12401,6 @@
               <a:rPr sz="2000"/>
               <a:t>Виджет, который не содержится ни в каком другом виджете – родительский (parent, top-level), иначе - дочерний</a:t>
             </a:r>
-            <a:endParaRPr sz="2000"/>
           </a:p>
           <a:p>
             <a:pPr>
@@ -12610,7 +12416,6 @@
               <a:rPr sz="2000"/>
               <a:t>Родительский виджет управляет ресурсами дочернего и служит точкой отсчёта для его параметров</a:t>
             </a:r>
-            <a:endParaRPr sz="2000"/>
           </a:p>
           <a:p>
             <a:pPr>
@@ -12626,7 +12431,6 @@
               <a:rPr sz="2000"/>
               <a:t>Любой виджет может быть как родительским, так и дочерним</a:t>
             </a:r>
-            <a:endParaRPr sz="2000"/>
           </a:p>
         </p:txBody>
       </p:sp>
@@ -12635,11 +12439,11 @@
   <p:clrMapOvr>
     <a:masterClrMapping/>
   </p:clrMapOvr>
-  <mc:AlternateContent xmlns:mc="http://schemas.openxmlformats.org/markup-compatibility/2006">
-    <mc:Choice xmlns:p14="http://schemas.microsoft.com/office/powerpoint/2010/main" Requires="p14">
-      <p:transition p14:dur="2000" advClick="1"/>
+  <mc:AlternateContent xmlns:mc="http://schemas.openxmlformats.org/markup-compatibility/2006" xmlns:p14="http://schemas.microsoft.com/office/powerpoint/2010/main">
+    <mc:Choice Requires="p14">
+      <p:transition spd="slow" p14:dur="2000"/>
     </mc:Choice>
-    <mc:Fallback>
+    <mc:Fallback xmlns:w="http://schemas.openxmlformats.org/wordprocessingml/2006/main" xmlns:m="http://schemas.openxmlformats.org/officeDocument/2006/math" xmlns="">
       <p:transition advClick="1"/>
     </mc:Fallback>
   </mc:AlternateContent>
@@ -12647,13 +12451,13 @@
 </file>
 
 <file path=ppt/slides/slide8.xml><?xml version="1.0" encoding="utf-8"?>
-<p:sld xmlns:a="http://schemas.openxmlformats.org/drawingml/2006/main" xmlns:r="http://schemas.openxmlformats.org/officeDocument/2006/relationships" xmlns:p="http://schemas.openxmlformats.org/presentationml/2006/main" xmlns:m="http://schemas.openxmlformats.org/officeDocument/2006/math" xmlns:w="http://schemas.openxmlformats.org/wordprocessingml/2006/main" showMasterPhAnim="0" show="1">
-  <p:cSld name="">
+<p:sld xmlns:a="http://schemas.openxmlformats.org/drawingml/2006/main" xmlns:r="http://schemas.openxmlformats.org/officeDocument/2006/relationships" xmlns:p="http://schemas.openxmlformats.org/presentationml/2006/main" showMasterPhAnim="0">
+  <p:cSld>
     <p:spTree>
       <p:nvGrpSpPr>
-        <p:cNvPr id="1" name="" hidden="0"/>
+        <p:cNvPr id="1" name=""/>
         <p:cNvGrpSpPr/>
-        <p:nvPr isPhoto="0" userDrawn="0"/>
+        <p:nvPr/>
       </p:nvGrpSpPr>
       <p:grpSpPr bwMode="auto">
         <a:xfrm>
@@ -12665,21 +12469,24 @@
       </p:grpSpPr>
       <p:sp>
         <p:nvSpPr>
-          <p:cNvPr id="1391147035" name="" hidden="0"/>
+          <p:cNvPr id="1391147035" name=" 1391147034"/>
           <p:cNvSpPr/>
-          <p:nvPr isPhoto="0" userDrawn="0"/>
-        </p:nvSpPr>
-        <p:spPr bwMode="auto">
-          <a:xfrm flipH="0" flipV="0">
+          <p:nvPr/>
+        </p:nvSpPr>
+        <p:spPr bwMode="auto">
+          <a:xfrm>
             <a:off x="7737488" y="4529234"/>
             <a:ext cx="195593" cy="365795"/>
           </a:xfrm>
         </p:spPr>
         <p:txBody>
-          <a:bodyPr rot="0" spcFirstLastPara="0" vertOverflow="overflow" horzOverflow="clip" vert="horz" wrap="square" lIns="91440" tIns="45720" rIns="91440" bIns="45720" numCol="1" spcCol="0" rtlCol="0" fromWordArt="0" anchor="t" anchorCtr="0" forceAA="0" upright="0" compatLnSpc="1">
-            <a:prstTxWarp prst="textNoShape"/>
+          <a:bodyPr rot="0" spcFirstLastPara="0" vertOverflow="overflow" horzOverflow="clip" vert="horz" wrap="square" lIns="91440" tIns="45720" rIns="91440" bIns="45720" numCol="1" spcCol="0" rtlCol="0" fromWordArt="0" anchor="t" anchorCtr="0" forceAA="0" compatLnSpc="1">
+            <a:prstTxWarp prst="textNoShape">
+              <a:avLst/>
+            </a:prstTxWarp>
             <a:spAutoFit/>
           </a:bodyPr>
+          <a:lstStyle/>
           <a:p>
             <a:pPr>
               <a:defRPr/>
@@ -12690,18 +12497,18 @@
       </p:sp>
       <p:pic>
         <p:nvPicPr>
-          <p:cNvPr id="702232282" name="" hidden="0"/>
+          <p:cNvPr id="702232282" name="Рисунок 702232281"/>
           <p:cNvPicPr>
             <a:picLocks noChangeAspect="1"/>
           </p:cNvPicPr>
-          <p:nvPr isPhoto="0" userDrawn="0"/>
+          <p:nvPr/>
         </p:nvPicPr>
         <p:blipFill>
           <a:blip r:embed="rId2"/>
           <a:stretch/>
         </p:blipFill>
         <p:spPr bwMode="auto">
-          <a:xfrm flipH="0" flipV="0">
+          <a:xfrm>
             <a:off x="2056747" y="1221493"/>
             <a:ext cx="9811594" cy="5360481"/>
           </a:xfrm>
@@ -12712,16 +12519,16 @@
       </p:pic>
       <p:sp>
         <p:nvSpPr>
-          <p:cNvPr id="2100884275" name="Заголовок 1" hidden="0"/>
+          <p:cNvPr id="2100884275" name="Заголовок 1"/>
           <p:cNvSpPr>
             <a:spLocks noGrp="1"/>
           </p:cNvSpPr>
-          <p:nvPr isPhoto="0" userDrawn="0">
-            <p:ph type="title" hasCustomPrompt="0"/>
+          <p:nvPr>
+            <p:ph type="title"/>
           </p:nvPr>
         </p:nvSpPr>
         <p:spPr bwMode="auto">
-          <a:xfrm flipH="0" flipV="0">
+          <a:xfrm>
             <a:off x="313008" y="231529"/>
             <a:ext cx="11555334" cy="776138"/>
           </a:xfrm>
@@ -12750,28 +12557,23 @@
             </a:r>
             <a:r>
               <a:rPr lang="en-US"/>
-              <a:t>: </a:t>
-            </a:r>
-            <a:r>
-              <a:rPr lang="en-US"/>
-              <a:t>иерархия классов</a:t>
-            </a:r>
-            <a:endParaRPr lang="en-US"/>
-          </a:p>
-        </p:txBody>
-      </p:sp>
-      <p:sp>
-        <p:nvSpPr>
-          <p:cNvPr id="1744107784" name="Content Placeholder 2" hidden="0"/>
+              <a:t>: иерархия классов</a:t>
+            </a:r>
+          </a:p>
+        </p:txBody>
+      </p:sp>
+      <p:sp>
+        <p:nvSpPr>
+          <p:cNvPr id="1744107784" name="Content Placeholder 2"/>
           <p:cNvSpPr>
             <a:spLocks noGrp="1"/>
           </p:cNvSpPr>
-          <p:nvPr isPhoto="0" userDrawn="0">
-            <p:ph idx="1" hasCustomPrompt="0"/>
+          <p:nvPr>
+            <p:ph idx="1"/>
           </p:nvPr>
         </p:nvSpPr>
         <p:spPr bwMode="auto">
-          <a:xfrm flipH="0" flipV="0">
+          <a:xfrm>
             <a:off x="313007" y="1083058"/>
             <a:ext cx="7213691" cy="3009174"/>
           </a:xfrm>
@@ -12781,7 +12583,7 @@
           <a:noFill/>
         </p:spPr>
         <p:txBody>
-          <a:bodyPr vertOverflow="overflow" horzOverflow="clip" vert="horz" wrap="square" lIns="91440" tIns="45720" rIns="91440" bIns="45720" numCol="1" spcCol="0" rtlCol="0" fromWordArt="0" anchor="t" anchorCtr="0" forceAA="0" upright="0" compatLnSpc="0">
+          <a:bodyPr vertOverflow="overflow" horzOverflow="clip" vert="horz" wrap="square" lIns="91440" tIns="45720" rIns="91440" bIns="45720" numCol="1" spcCol="0" rtlCol="0" fromWordArt="0" anchor="t" anchorCtr="0" forceAA="0" compatLnSpc="0">
             <a:normAutofit fontScale="80000" lnSpcReduction="4000"/>
           </a:bodyPr>
           <a:lstStyle/>
@@ -12813,7 +12615,6 @@
               <a:rPr sz="1800"/>
               <a:t>:</a:t>
             </a:r>
-            <a:endParaRPr sz="1800"/>
           </a:p>
           <a:p>
             <a:pPr>
@@ -12843,7 +12644,6 @@
               <a:rPr sz="1800"/>
               <a:t>реализует:</a:t>
             </a:r>
-            <a:endParaRPr sz="1800"/>
           </a:p>
           <a:p>
             <a:pPr lvl="1">
@@ -12859,7 +12659,6 @@
               <a:rPr sz="1800"/>
               <a:t> signal / slot</a:t>
             </a:r>
-            <a:endParaRPr sz="1800"/>
           </a:p>
           <a:p>
             <a:pPr lvl="1">
@@ -12875,7 +12674,6 @@
               <a:rPr sz="1800"/>
               <a:t>Приведение типов qobject_cast</a:t>
             </a:r>
-            <a:endParaRPr sz="1800"/>
           </a:p>
           <a:p>
             <a:pPr lvl="1">
@@ -12891,7 +12689,6 @@
               <a:rPr sz="1800"/>
               <a:t>Фильтрация событий</a:t>
             </a:r>
-            <a:endParaRPr sz="1800"/>
           </a:p>
           <a:p>
             <a:pPr lvl="1">
@@ -12907,7 +12704,6 @@
               <a:rPr sz="1800"/>
               <a:t>таймер</a:t>
             </a:r>
-            <a:endParaRPr sz="1800"/>
           </a:p>
           <a:p>
             <a:pPr lvl="1">
@@ -12923,7 +12719,6 @@
               <a:rPr sz="1800"/>
               <a:t>Организация объектных иерархий</a:t>
             </a:r>
-            <a:endParaRPr sz="1800"/>
           </a:p>
           <a:p>
             <a:pPr lvl="0">
@@ -12939,7 +12734,6 @@
               <a:rPr sz="1800"/>
               <a:t>Чтобы использовать эту функциональность, </a:t>
             </a:r>
-            <a:endParaRPr sz="1800"/>
           </a:p>
           <a:p>
             <a:pPr marL="0" lvl="0" indent="0">
@@ -12955,15 +12749,14 @@
               <a:rPr sz="1800"/>
               <a:t>	нужно наследоваться от QObject</a:t>
             </a:r>
-            <a:endParaRPr sz="1800"/>
-          </a:p>
-        </p:txBody>
-      </p:sp>
-      <p:sp>
-        <p:nvSpPr>
-          <p:cNvPr id="1660449675" name="" hidden="0"/>
+          </a:p>
+        </p:txBody>
+      </p:sp>
+      <p:sp>
+        <p:nvSpPr>
+          <p:cNvPr id="1660449675" name=" 1660449674"/>
           <p:cNvSpPr/>
-          <p:nvPr isPhoto="0" userDrawn="0"/>
+          <p:nvPr/>
         </p:nvSpPr>
         <p:spPr bwMode="auto">
           <a:xfrm>
@@ -12972,10 +12765,13 @@
           </a:xfrm>
         </p:spPr>
         <p:txBody>
-          <a:bodyPr rot="0" spcFirstLastPara="0" vertOverflow="overflow" horzOverflow="clip" vert="horz" wrap="square" lIns="91440" tIns="45720" rIns="91440" bIns="45720" numCol="1" spcCol="0" rtlCol="0" fromWordArt="0" anchor="t" anchorCtr="0" forceAA="0" upright="0" compatLnSpc="1">
-            <a:prstTxWarp prst="textNoShape"/>
+          <a:bodyPr rot="0" spcFirstLastPara="0" vertOverflow="overflow" horzOverflow="clip" vert="horz" wrap="square" lIns="91440" tIns="45720" rIns="91440" bIns="45720" numCol="1" spcCol="0" rtlCol="0" fromWordArt="0" anchor="t" anchorCtr="0" forceAA="0" compatLnSpc="1">
+            <a:prstTxWarp prst="textNoShape">
+              <a:avLst/>
+            </a:prstTxWarp>
             <a:spAutoFit/>
           </a:bodyPr>
+          <a:lstStyle/>
           <a:p>
             <a:pPr>
               <a:defRPr/>
@@ -12986,11 +12782,11 @@
       </p:sp>
       <p:pic>
         <p:nvPicPr>
-          <p:cNvPr id="1446086957" name="" hidden="0"/>
+          <p:cNvPr id="1446086957" name="Рисунок 1446086956"/>
           <p:cNvPicPr>
             <a:picLocks noChangeAspect="1"/>
           </p:cNvPicPr>
-          <p:nvPr isPhoto="0" userDrawn="0"/>
+          <p:nvPr/>
         </p:nvPicPr>
         <p:blipFill>
           <a:blip r:embed="rId3"/>
@@ -12998,7 +12794,7 @@
           <a:stretch/>
         </p:blipFill>
         <p:spPr bwMode="auto">
-          <a:xfrm flipH="0" flipV="0">
+          <a:xfrm>
             <a:off x="2139210" y="5510107"/>
             <a:ext cx="1386989" cy="1129015"/>
           </a:xfrm>
@@ -13009,9 +12805,9 @@
       </p:pic>
       <p:sp>
         <p:nvSpPr>
-          <p:cNvPr id="1186355698" name="" hidden="0"/>
+          <p:cNvPr id="1186355698" name=" 1186355697"/>
           <p:cNvSpPr/>
-          <p:nvPr isPhoto="0" userDrawn="0"/>
+          <p:nvPr/>
         </p:nvSpPr>
         <p:spPr bwMode="auto">
           <a:xfrm>
@@ -13020,10 +12816,13 @@
           </a:xfrm>
         </p:spPr>
         <p:txBody>
-          <a:bodyPr rot="0" spcFirstLastPara="0" vertOverflow="overflow" horzOverflow="clip" vert="horz" wrap="square" lIns="91440" tIns="45720" rIns="91440" bIns="45720" numCol="1" spcCol="0" rtlCol="0" fromWordArt="0" anchor="t" anchorCtr="0" forceAA="0" upright="0" compatLnSpc="1">
-            <a:prstTxWarp prst="textNoShape"/>
+          <a:bodyPr rot="0" spcFirstLastPara="0" vertOverflow="overflow" horzOverflow="clip" vert="horz" wrap="square" lIns="91440" tIns="45720" rIns="91440" bIns="45720" numCol="1" spcCol="0" rtlCol="0" fromWordArt="0" anchor="t" anchorCtr="0" forceAA="0" compatLnSpc="1">
+            <a:prstTxWarp prst="textNoShape">
+              <a:avLst/>
+            </a:prstTxWarp>
             <a:spAutoFit/>
           </a:bodyPr>
+          <a:lstStyle/>
           <a:p>
             <a:pPr>
               <a:defRPr/>
@@ -13034,11 +12833,11 @@
       </p:sp>
       <p:pic>
         <p:nvPicPr>
-          <p:cNvPr id="2119270583" name="" hidden="0"/>
+          <p:cNvPr id="2119270583" name="Рисунок 2119270582"/>
           <p:cNvPicPr>
             <a:picLocks noChangeAspect="1"/>
           </p:cNvPicPr>
-          <p:nvPr isPhoto="0" userDrawn="0"/>
+          <p:nvPr/>
         </p:nvPicPr>
         <p:blipFill>
           <a:blip r:embed="rId4"/>
@@ -13046,7 +12845,7 @@
           <a:stretch/>
         </p:blipFill>
         <p:spPr bwMode="auto">
-          <a:xfrm flipH="0" flipV="0">
+          <a:xfrm>
             <a:off x="5812199" y="5372099"/>
             <a:ext cx="1466849" cy="1267023"/>
           </a:xfrm>
@@ -13057,12 +12856,12 @@
       </p:pic>
       <p:sp>
         <p:nvSpPr>
-          <p:cNvPr id="1153232371" name="" hidden="0"/>
+          <p:cNvPr id="1153232371" name="TextBox 1153232370"/>
           <p:cNvSpPr txBox="1"/>
-          <p:nvPr isPhoto="0" userDrawn="0"/>
-        </p:nvSpPr>
-        <p:spPr bwMode="auto">
-          <a:xfrm flipH="0" flipV="0">
+          <p:nvPr/>
+        </p:nvSpPr>
+        <p:spPr bwMode="auto">
+          <a:xfrm>
             <a:off x="4250117" y="5434499"/>
             <a:ext cx="1105715" cy="640115"/>
           </a:xfrm>
@@ -13072,9 +12871,10 @@
           <a:noFill/>
         </p:spPr>
         <p:txBody>
-          <a:bodyPr vertOverflow="overflow" horzOverflow="clip" vert="horz" wrap="none" lIns="91440" tIns="45720" rIns="91440" bIns="45720" numCol="1" spcCol="0" rtlCol="0" fromWordArt="0" anchor="t" anchorCtr="0" forceAA="0" upright="0" compatLnSpc="0">
+          <a:bodyPr vertOverflow="overflow" horzOverflow="clip" vert="horz" wrap="none" lIns="91440" tIns="45720" rIns="91440" bIns="45720" numCol="1" spcCol="0" rtlCol="0" fromWordArt="0" anchor="t" anchorCtr="0" forceAA="0" compatLnSpc="0">
             <a:spAutoFit/>
           </a:bodyPr>
+          <a:lstStyle/>
           <a:p>
             <a:pPr algn="ctr">
               <a:defRPr/>
@@ -13083,7 +12883,6 @@
               <a:rPr/>
               <a:t>Обычная </a:t>
             </a:r>
-            <a:endParaRPr/>
           </a:p>
           <a:p>
             <a:pPr algn="ctr">
@@ -13093,15 +12892,14 @@
               <a:rPr/>
               <a:t>кнопка</a:t>
             </a:r>
-            <a:endParaRPr/>
-          </a:p>
-        </p:txBody>
-      </p:sp>
-      <p:sp>
-        <p:nvSpPr>
-          <p:cNvPr id="1523075489" name="" hidden="0"/>
+          </a:p>
+        </p:txBody>
+      </p:sp>
+      <p:sp>
+        <p:nvSpPr>
+          <p:cNvPr id="1523075489" name=" 1523075488"/>
           <p:cNvSpPr/>
-          <p:nvPr isPhoto="0" userDrawn="0"/>
+          <p:nvPr/>
         </p:nvSpPr>
         <p:spPr bwMode="auto">
           <a:xfrm>
@@ -13110,10 +12908,13 @@
           </a:xfrm>
         </p:spPr>
         <p:txBody>
-          <a:bodyPr rot="0" spcFirstLastPara="0" vertOverflow="overflow" horzOverflow="clip" vert="horz" wrap="square" lIns="91440" tIns="45720" rIns="91440" bIns="45720" numCol="1" spcCol="0" rtlCol="0" fromWordArt="0" anchor="t" anchorCtr="0" forceAA="0" upright="0" compatLnSpc="1">
-            <a:prstTxWarp prst="textNoShape"/>
+          <a:bodyPr rot="0" spcFirstLastPara="0" vertOverflow="overflow" horzOverflow="clip" vert="horz" wrap="square" lIns="91440" tIns="45720" rIns="91440" bIns="45720" numCol="1" spcCol="0" rtlCol="0" fromWordArt="0" anchor="t" anchorCtr="0" forceAA="0" compatLnSpc="1">
+            <a:prstTxWarp prst="textNoShape">
+              <a:avLst/>
+            </a:prstTxWarp>
             <a:spAutoFit/>
           </a:bodyPr>
+          <a:lstStyle/>
           <a:p>
             <a:pPr>
               <a:defRPr/>
@@ -13124,11 +12925,11 @@
       </p:sp>
       <p:pic>
         <p:nvPicPr>
-          <p:cNvPr id="1317593175" name="" hidden="0"/>
+          <p:cNvPr id="1317593175" name="Рисунок 1317593174"/>
           <p:cNvPicPr>
             <a:picLocks noChangeAspect="1"/>
           </p:cNvPicPr>
-          <p:nvPr isPhoto="0" userDrawn="0"/>
+          <p:nvPr/>
         </p:nvPicPr>
         <p:blipFill>
           <a:blip r:embed="rId5"/>
@@ -13136,7 +12937,7 @@
           <a:stretch/>
         </p:blipFill>
         <p:spPr bwMode="auto">
-          <a:xfrm flipH="0" flipV="0">
+          <a:xfrm>
             <a:off x="9812700" y="3162299"/>
             <a:ext cx="2228850" cy="438149"/>
           </a:xfrm>
@@ -13150,11 +12951,11 @@
   <p:clrMapOvr>
     <a:masterClrMapping/>
   </p:clrMapOvr>
-  <mc:AlternateContent xmlns:mc="http://schemas.openxmlformats.org/markup-compatibility/2006">
-    <mc:Choice xmlns:p14="http://schemas.microsoft.com/office/powerpoint/2010/main" Requires="p14">
-      <p:transition p14:dur="2000" advClick="1"/>
+  <mc:AlternateContent xmlns:mc="http://schemas.openxmlformats.org/markup-compatibility/2006" xmlns:p14="http://schemas.microsoft.com/office/powerpoint/2010/main">
+    <mc:Choice Requires="p14">
+      <p:transition spd="slow" p14:dur="2000"/>
     </mc:Choice>
-    <mc:Fallback>
+    <mc:Fallback xmlns:w="http://schemas.openxmlformats.org/wordprocessingml/2006/main" xmlns:m="http://schemas.openxmlformats.org/officeDocument/2006/math" xmlns="">
       <p:transition advClick="1"/>
     </mc:Fallback>
   </mc:AlternateContent>
@@ -13162,20 +12963,21 @@
 </file>
 
 <file path=ppt/slides/slide9.xml><?xml version="1.0" encoding="utf-8"?>
-<p:sld xmlns:a="http://schemas.openxmlformats.org/drawingml/2006/main" xmlns:r="http://schemas.openxmlformats.org/officeDocument/2006/relationships" xmlns:p="http://schemas.openxmlformats.org/presentationml/2006/main" xmlns:m="http://schemas.openxmlformats.org/officeDocument/2006/math" xmlns:w="http://schemas.openxmlformats.org/wordprocessingml/2006/main" showMasterPhAnim="0" show="1">
-  <p:cSld name="">
+<p:sld xmlns:a="http://schemas.openxmlformats.org/drawingml/2006/main" xmlns:r="http://schemas.openxmlformats.org/officeDocument/2006/relationships" xmlns:p="http://schemas.openxmlformats.org/presentationml/2006/main" showMasterPhAnim="0">
+  <p:cSld>
     <p:bg>
-      <p:bgPr shadeToTitle="0">
+      <p:bgPr>
         <a:solidFill>
           <a:schemeClr val="bg1"/>
         </a:solidFill>
+        <a:effectLst/>
       </p:bgPr>
     </p:bg>
     <p:spTree>
       <p:nvGrpSpPr>
-        <p:cNvPr id="1" name="" hidden="0"/>
+        <p:cNvPr id="1" name=""/>
         <p:cNvGrpSpPr/>
-        <p:nvPr isPhoto="0" userDrawn="0"/>
+        <p:nvPr/>
       </p:nvGrpSpPr>
       <p:grpSpPr bwMode="auto">
         <a:xfrm>
@@ -13187,16 +12989,16 @@
       </p:grpSpPr>
       <p:sp>
         <p:nvSpPr>
-          <p:cNvPr id="1012604053" name="Content Placeholder 2" hidden="0"/>
+          <p:cNvPr id="1012604053" name="Content Placeholder 2"/>
           <p:cNvSpPr>
             <a:spLocks noGrp="1"/>
           </p:cNvSpPr>
-          <p:nvPr isPhoto="0" userDrawn="0">
-            <p:ph idx="1" hasCustomPrompt="0"/>
+          <p:nvPr>
+            <p:ph idx="1"/>
           </p:nvPr>
         </p:nvSpPr>
         <p:spPr bwMode="auto">
-          <a:xfrm flipH="0" flipV="0">
+          <a:xfrm>
             <a:off x="3044377" y="1143000"/>
             <a:ext cx="8823964" cy="3829050"/>
           </a:xfrm>
@@ -13208,7 +13010,7 @@
           </a:solidFill>
         </p:spPr>
         <p:txBody>
-          <a:bodyPr vertOverflow="overflow" horzOverflow="clip" vert="horz" wrap="square" lIns="91440" tIns="45720" rIns="91440" bIns="45720" numCol="1" spcCol="0" rtlCol="0" fromWordArt="0" anchor="t" anchorCtr="0" forceAA="0" upright="0" compatLnSpc="0">
+          <a:bodyPr vertOverflow="overflow" horzOverflow="clip" vert="horz" wrap="square" lIns="91440" tIns="45720" rIns="91440" bIns="45720" numCol="1" spcCol="0" rtlCol="0" fromWordArt="0" anchor="t" anchorCtr="0" forceAA="0" compatLnSpc="0">
             <a:normAutofit fontScale="95000" lnSpcReduction="1000"/>
           </a:bodyPr>
           <a:lstStyle/>
@@ -13235,6 +13037,131 @@
                 <a:cs typeface="Trebuchet MS"/>
               </a:rPr>
               <a:t>Когда происходит какое-либо событие (передвижение курсора мыши, нажатие кнопки и др), класс-источник события вызывает соотвествующий сигнал</a:t>
+            </a:r>
+          </a:p>
+          <a:p>
+            <a:pPr>
+              <a:buClr>
+                <a:schemeClr val="accent1"/>
+              </a:buClr>
+              <a:buSzPct val="80000"/>
+              <a:buFont typeface="Wingdings"/>
+              <a:buChar char="Ø"/>
+              <a:defRPr/>
+            </a:pPr>
+            <a:r>
+              <a:rPr lang="en-US" sz="1800" b="0" i="0" u="none" strike="noStrike" cap="none" spc="0">
+                <a:solidFill>
+                  <a:schemeClr val="tx1">
+                    <a:lumMod val="75000"/>
+                    <a:lumOff val="25000"/>
+                  </a:schemeClr>
+                </a:solidFill>
+                <a:latin typeface="Trebuchet MS"/>
+                <a:ea typeface="Trebuchet MS"/>
+                <a:cs typeface="Trebuchet MS"/>
+              </a:rPr>
+              <a:t>Сигналы определяются в специальной секции signals. Это методы, которые могут иметь любые параметры, но всегда возвращают void</a:t>
+            </a:r>
+          </a:p>
+          <a:p>
+            <a:pPr>
+              <a:buClr>
+                <a:schemeClr val="accent1"/>
+              </a:buClr>
+              <a:buSzPct val="80000"/>
+              <a:buFont typeface="Wingdings"/>
+              <a:buChar char="Ø"/>
+              <a:defRPr/>
+            </a:pPr>
+            <a:r>
+              <a:rPr lang="en-US" sz="1800" b="0" i="0" u="none" strike="noStrike" cap="none" spc="0">
+                <a:solidFill>
+                  <a:schemeClr val="tx1">
+                    <a:lumMod val="75000"/>
+                    <a:lumOff val="25000"/>
+                  </a:schemeClr>
+                </a:solidFill>
+                <a:latin typeface="Trebuchet MS"/>
+                <a:ea typeface="Trebuchet MS"/>
+                <a:cs typeface="Trebuchet MS"/>
+              </a:rPr>
+              <a:t>Отправить сигнал можно с помощью ключевого слова emit</a:t>
+            </a:r>
+          </a:p>
+          <a:p>
+            <a:pPr>
+              <a:buClr>
+                <a:schemeClr val="accent1"/>
+              </a:buClr>
+              <a:buSzPct val="80000"/>
+              <a:buFont typeface="Wingdings"/>
+              <a:buChar char="Ø"/>
+              <a:defRPr/>
+            </a:pPr>
+            <a:r>
+              <a:rPr lang="en-US" sz="1800" b="0" i="0" u="none" strike="noStrike" cap="none" spc="0">
+                <a:solidFill>
+                  <a:schemeClr val="tx1">
+                    <a:lumMod val="75000"/>
+                    <a:lumOff val="25000"/>
+                  </a:schemeClr>
+                </a:solidFill>
+                <a:latin typeface="Trebuchet MS"/>
+                <a:ea typeface="Trebuchet MS"/>
+                <a:cs typeface="Trebuchet MS"/>
+              </a:rPr>
+              <a:t>Qt предоставляет широкий выбор сигналов, и необходимость в реализации собственных сигналов возникает редко</a:t>
+            </a:r>
+          </a:p>
+          <a:p>
+            <a:pPr>
+              <a:buClr>
+                <a:schemeClr val="accent1"/>
+              </a:buClr>
+              <a:buSzPct val="80000"/>
+              <a:buFont typeface="Wingdings"/>
+              <a:buChar char="Ø"/>
+              <a:defRPr/>
+            </a:pPr>
+            <a:r>
+              <a:rPr lang="en-US" sz="1800" b="0" i="0" u="none" strike="noStrike" cap="none" spc="0">
+                <a:solidFill>
+                  <a:schemeClr val="tx1">
+                    <a:lumMod val="75000"/>
+                    <a:lumOff val="25000"/>
+                  </a:schemeClr>
+                </a:solidFill>
+                <a:latin typeface="Trebuchet MS"/>
+                <a:ea typeface="Trebuchet MS"/>
+                <a:cs typeface="Trebuchet MS"/>
+              </a:rPr>
+              <a:t>Ключевые слова signals, emit, slots не являются частью C++. Их использование делает возможным MOC</a:t>
+            </a:r>
+          </a:p>
+          <a:p>
+            <a:pPr>
+              <a:buClr>
+                <a:schemeClr val="accent1"/>
+              </a:buClr>
+              <a:buSzPct val="80000"/>
+              <a:buFont typeface="Wingdings"/>
+              <a:buChar char="Ø"/>
+              <a:defRPr/>
+            </a:pPr>
+            <a:r>
+              <a:rPr lang="en-US" sz="1800" b="0" i="0" u="none" strike="noStrike" cap="none" spc="0">
+                <a:solidFill>
+                  <a:schemeClr val="tx1">
+                    <a:lumMod val="75000"/>
+                    <a:lumOff val="25000"/>
+                  </a:schemeClr>
+                </a:solidFill>
+                <a:latin typeface="+mn-lt"/>
+                <a:ea typeface="+mn-ea"/>
+                <a:cs typeface="+mn-cs"/>
+              </a:rPr>
+              <a:t>Программист не реализует сигналы - метаобъектный компилятор генерирует реализацию сам</a:t>
             </a:r>
             <a:endParaRPr lang="en-US" sz="1800" b="0" i="0" u="none" strike="noStrike" cap="none" spc="0">
               <a:solidFill>
@@ -13248,214 +13175,20 @@
               <a:cs typeface="Trebuchet MS"/>
             </a:endParaRPr>
           </a:p>
-          <a:p>
-            <a:pPr>
-              <a:buClr>
-                <a:schemeClr val="accent1"/>
-              </a:buClr>
-              <a:buSzPct val="80000"/>
-              <a:buFont typeface="Wingdings"/>
-              <a:buChar char="Ø"/>
-              <a:defRPr/>
-            </a:pPr>
-            <a:r>
-              <a:rPr lang="en-US" sz="1800" b="0" i="0" u="none" strike="noStrike" cap="none" spc="0">
-                <a:solidFill>
-                  <a:schemeClr val="tx1">
-                    <a:lumMod val="75000"/>
-                    <a:lumOff val="25000"/>
-                  </a:schemeClr>
-                </a:solidFill>
-                <a:latin typeface="Trebuchet MS"/>
-                <a:ea typeface="Trebuchet MS"/>
-                <a:cs typeface="Trebuchet MS"/>
-              </a:rPr>
-              <a:t>Сигналы определяются в специальной секции signals. Это методы, которые могут иметь любые параметры, но всегда возвращают void</a:t>
-            </a:r>
-            <a:endParaRPr lang="en-US" sz="1800" b="0" i="0" u="none" strike="noStrike" cap="none" spc="0">
-              <a:solidFill>
-                <a:schemeClr val="tx1">
-                  <a:lumMod val="75000"/>
-                  <a:lumOff val="25000"/>
-                </a:schemeClr>
-              </a:solidFill>
-              <a:latin typeface="Trebuchet MS"/>
-              <a:ea typeface="Trebuchet MS"/>
-              <a:cs typeface="Trebuchet MS"/>
-            </a:endParaRPr>
-          </a:p>
-          <a:p>
-            <a:pPr>
-              <a:buClr>
-                <a:schemeClr val="accent1"/>
-              </a:buClr>
-              <a:buSzPct val="80000"/>
-              <a:buFont typeface="Wingdings"/>
-              <a:buChar char="Ø"/>
-              <a:defRPr/>
-            </a:pPr>
-            <a:r>
-              <a:rPr lang="en-US" sz="1800" b="0" i="0" u="none" strike="noStrike" cap="none" spc="0">
-                <a:solidFill>
-                  <a:schemeClr val="tx1">
-                    <a:lumMod val="75000"/>
-                    <a:lumOff val="25000"/>
-                  </a:schemeClr>
-                </a:solidFill>
-                <a:latin typeface="Trebuchet MS"/>
-                <a:ea typeface="Trebuchet MS"/>
-                <a:cs typeface="Trebuchet MS"/>
-              </a:rPr>
-              <a:t>Отправить сигнал можно с помощью ключевого слова emit</a:t>
-            </a:r>
-            <a:endParaRPr lang="en-US" sz="1800" b="0" i="0" u="none" strike="noStrike" cap="none" spc="0">
-              <a:solidFill>
-                <a:schemeClr val="tx1">
-                  <a:lumMod val="75000"/>
-                  <a:lumOff val="25000"/>
-                </a:schemeClr>
-              </a:solidFill>
-              <a:latin typeface="Trebuchet MS"/>
-              <a:ea typeface="Trebuchet MS"/>
-              <a:cs typeface="Trebuchet MS"/>
-            </a:endParaRPr>
-          </a:p>
-          <a:p>
-            <a:pPr>
-              <a:buClr>
-                <a:schemeClr val="accent1"/>
-              </a:buClr>
-              <a:buSzPct val="80000"/>
-              <a:buFont typeface="Wingdings"/>
-              <a:buChar char="Ø"/>
-              <a:defRPr/>
-            </a:pPr>
-            <a:r>
-              <a:rPr lang="en-US" sz="1800" b="0" i="0" u="none" strike="noStrike" cap="none" spc="0">
-                <a:solidFill>
-                  <a:schemeClr val="tx1">
-                    <a:lumMod val="75000"/>
-                    <a:lumOff val="25000"/>
-                  </a:schemeClr>
-                </a:solidFill>
-                <a:latin typeface="Trebuchet MS"/>
-                <a:ea typeface="Trebuchet MS"/>
-                <a:cs typeface="Trebuchet MS"/>
-              </a:rPr>
-              <a:t>Qt предоставляет широкий выбор сигналов, и необходимость в реализации собственных сигналов возникает редко</a:t>
-            </a:r>
-            <a:endParaRPr lang="en-US" sz="1800" b="0" i="0" u="none" strike="noStrike" cap="none" spc="0">
-              <a:solidFill>
-                <a:schemeClr val="tx1">
-                  <a:lumMod val="75000"/>
-                  <a:lumOff val="25000"/>
-                </a:schemeClr>
-              </a:solidFill>
-              <a:latin typeface="Trebuchet MS"/>
-              <a:ea typeface="Trebuchet MS"/>
-              <a:cs typeface="Trebuchet MS"/>
-            </a:endParaRPr>
-          </a:p>
-          <a:p>
-            <a:pPr>
-              <a:buClr>
-                <a:schemeClr val="accent1"/>
-              </a:buClr>
-              <a:buSzPct val="80000"/>
-              <a:buFont typeface="Wingdings"/>
-              <a:buChar char="Ø"/>
-              <a:defRPr/>
-            </a:pPr>
-            <a:r>
-              <a:rPr lang="en-US" sz="1800" b="0" i="0" u="none" strike="noStrike" cap="none" spc="0">
-                <a:solidFill>
-                  <a:schemeClr val="tx1">
-                    <a:lumMod val="75000"/>
-                    <a:lumOff val="25000"/>
-                  </a:schemeClr>
-                </a:solidFill>
-                <a:latin typeface="Trebuchet MS"/>
-                <a:ea typeface="Trebuchet MS"/>
-                <a:cs typeface="Trebuchet MS"/>
-              </a:rPr>
-              <a:t>Ключевые слова signals, emit, slots не являются частью C++. Их использование делает возможным MOC</a:t>
-            </a:r>
-            <a:endParaRPr lang="en-US" sz="1800" b="0" i="0" u="none" strike="noStrike" cap="none" spc="0">
-              <a:solidFill>
-                <a:schemeClr val="tx1">
-                  <a:lumMod val="75000"/>
-                  <a:lumOff val="25000"/>
-                </a:schemeClr>
-              </a:solidFill>
-              <a:latin typeface="Trebuchet MS"/>
-              <a:ea typeface="Trebuchet MS"/>
-              <a:cs typeface="Trebuchet MS"/>
-            </a:endParaRPr>
-          </a:p>
-          <a:p>
-            <a:pPr>
-              <a:buClr>
-                <a:schemeClr val="accent1"/>
-              </a:buClr>
-              <a:buSzPct val="80000"/>
-              <a:buFont typeface="Wingdings"/>
-              <a:buChar char="Ø"/>
-              <a:defRPr/>
-            </a:pPr>
-            <a:r>
-              <a:rPr lang="en-US" sz="1800" b="0" i="0" u="none" strike="noStrike" cap="none" spc="0">
-                <a:solidFill>
-                  <a:schemeClr val="tx1">
-                    <a:lumMod val="75000"/>
-                    <a:lumOff val="25000"/>
-                  </a:schemeClr>
-                </a:solidFill>
-                <a:latin typeface="+mn-lt"/>
-                <a:ea typeface="+mn-ea"/>
-                <a:cs typeface="+mn-cs"/>
-              </a:rPr>
-              <a:t>Программист не реализует сигналы - </a:t>
-            </a:r>
-            <a:r>
-              <a:rPr lang="en-US" sz="1800" b="0" i="0" u="none" strike="noStrike" cap="none" spc="0">
-                <a:solidFill>
-                  <a:schemeClr val="tx1">
-                    <a:lumMod val="75000"/>
-                    <a:lumOff val="25000"/>
-                  </a:schemeClr>
-                </a:solidFill>
-                <a:latin typeface="+mn-lt"/>
-                <a:ea typeface="+mn-ea"/>
-                <a:cs typeface="+mn-cs"/>
-              </a:rPr>
-              <a:t>метаобъектный компилятор генерирует реализацию сам</a:t>
-            </a:r>
-            <a:endParaRPr lang="en-US" sz="1800" b="0" i="0" u="none" strike="noStrike" cap="none" spc="0">
-              <a:solidFill>
-                <a:schemeClr val="tx1">
-                  <a:lumMod val="75000"/>
-                  <a:lumOff val="25000"/>
-                </a:schemeClr>
-              </a:solidFill>
-              <a:latin typeface="Trebuchet MS"/>
-              <a:ea typeface="Trebuchet MS"/>
-              <a:cs typeface="Trebuchet MS"/>
-            </a:endParaRPr>
-          </a:p>
-        </p:txBody>
-      </p:sp>
-      <p:sp>
-        <p:nvSpPr>
-          <p:cNvPr id="1223698260" name="Заголовок 1" hidden="0"/>
+        </p:txBody>
+      </p:sp>
+      <p:sp>
+        <p:nvSpPr>
+          <p:cNvPr id="1223698260" name="Заголовок 1"/>
           <p:cNvSpPr>
             <a:spLocks noGrp="1"/>
           </p:cNvSpPr>
-          <p:nvPr isPhoto="0" userDrawn="0">
-            <p:ph type="title" hasCustomPrompt="0"/>
+          <p:nvPr>
+            <p:ph type="title"/>
           </p:nvPr>
         </p:nvSpPr>
         <p:spPr bwMode="auto">
-          <a:xfrm flipH="0" flipV="0">
+          <a:xfrm>
             <a:off x="313007" y="231527"/>
             <a:ext cx="11555334" cy="776137"/>
           </a:xfrm>
@@ -13486,27 +13219,29 @@
               <a:rPr lang="en-US"/>
               <a:t>: сигналы</a:t>
             </a:r>
-            <a:endParaRPr lang="en-US"/>
-          </a:p>
-        </p:txBody>
-      </p:sp>
-      <p:sp>
-        <p:nvSpPr>
-          <p:cNvPr id="723197095" name="" hidden="0"/>
+          </a:p>
+        </p:txBody>
+      </p:sp>
+      <p:sp>
+        <p:nvSpPr>
+          <p:cNvPr id="723197095" name=" 723197094"/>
           <p:cNvSpPr/>
-          <p:nvPr isPhoto="0" userDrawn="0"/>
-        </p:nvSpPr>
-        <p:spPr bwMode="auto">
-          <a:xfrm flipH="0" flipV="0">
+          <p:nvPr/>
+        </p:nvSpPr>
+        <p:spPr bwMode="auto">
+          <a:xfrm>
             <a:off x="6249624" y="8612646"/>
             <a:ext cx="199871" cy="365795"/>
           </a:xfrm>
         </p:spPr>
         <p:txBody>
-          <a:bodyPr rot="0" spcFirstLastPara="0" vertOverflow="overflow" horzOverflow="clip" vert="horz" wrap="square" lIns="91440" tIns="45720" rIns="91440" bIns="45720" numCol="1" spcCol="0" rtlCol="0" fromWordArt="0" anchor="t" anchorCtr="0" forceAA="0" upright="0" compatLnSpc="1">
-            <a:prstTxWarp prst="textNoShape"/>
+          <a:bodyPr rot="0" spcFirstLastPara="0" vertOverflow="overflow" horzOverflow="clip" vert="horz" wrap="square" lIns="91440" tIns="45720" rIns="91440" bIns="45720" numCol="1" spcCol="0" rtlCol="0" fromWordArt="0" anchor="t" anchorCtr="0" forceAA="0" compatLnSpc="1">
+            <a:prstTxWarp prst="textNoShape">
+              <a:avLst/>
+            </a:prstTxWarp>
             <a:spAutoFit/>
           </a:bodyPr>
+          <a:lstStyle/>
           <a:p>
             <a:pPr>
               <a:defRPr/>
@@ -13517,18 +13252,18 @@
       </p:sp>
       <p:pic>
         <p:nvPicPr>
-          <p:cNvPr id="199402937" name="" hidden="0"/>
+          <p:cNvPr id="199402937" name="Рисунок 199402936"/>
           <p:cNvPicPr>
             <a:picLocks noChangeAspect="1"/>
           </p:cNvPicPr>
-          <p:nvPr isPhoto="0" userDrawn="0"/>
+          <p:nvPr/>
         </p:nvPicPr>
         <p:blipFill>
           <a:blip r:embed="rId2"/>
           <a:stretch/>
         </p:blipFill>
         <p:spPr bwMode="auto">
-          <a:xfrm flipH="0" flipV="0">
+          <a:xfrm>
             <a:off x="4097699" y="5254070"/>
             <a:ext cx="7770641" cy="1249049"/>
           </a:xfrm>
@@ -13539,12 +13274,12 @@
       </p:pic>
       <p:sp>
         <p:nvSpPr>
-          <p:cNvPr id="338778950" name="" hidden="0"/>
+          <p:cNvPr id="338778950" name="TextBox 338778949"/>
           <p:cNvSpPr txBox="1"/>
-          <p:nvPr isPhoto="0" userDrawn="0"/>
-        </p:nvSpPr>
-        <p:spPr bwMode="auto">
-          <a:xfrm rot="0" flipH="0" flipV="0">
+          <p:nvPr/>
+        </p:nvSpPr>
+        <p:spPr bwMode="auto">
+          <a:xfrm>
             <a:off x="2332386" y="5615986"/>
             <a:ext cx="635909" cy="365795"/>
           </a:xfrm>
@@ -13554,9 +13289,10 @@
           <a:noFill/>
         </p:spPr>
         <p:txBody>
-          <a:bodyPr vertOverflow="overflow" horzOverflow="clip" vert="horz" wrap="none" lIns="91440" tIns="45720" rIns="91440" bIns="45720" numCol="1" spcCol="0" rtlCol="0" fromWordArt="0" anchor="t" anchorCtr="0" forceAA="0" upright="0" compatLnSpc="0">
+          <a:bodyPr vertOverflow="overflow" horzOverflow="clip" vert="horz" wrap="none" lIns="91440" tIns="45720" rIns="91440" bIns="45720" numCol="1" spcCol="0" rtlCol="0" fromWordArt="0" anchor="t" anchorCtr="0" forceAA="0" compatLnSpc="0">
             <a:spAutoFit/>
           </a:bodyPr>
+          <a:lstStyle/>
           <a:p>
             <a:pPr>
               <a:defRPr/>
@@ -13565,27 +13301,29 @@
               <a:rPr/>
               <a:t>MOC</a:t>
             </a:r>
-            <a:endParaRPr/>
-          </a:p>
-        </p:txBody>
-      </p:sp>
-      <p:sp>
-        <p:nvSpPr>
-          <p:cNvPr id="111791969" name="" hidden="0"/>
+          </a:p>
+        </p:txBody>
+      </p:sp>
+      <p:sp>
+        <p:nvSpPr>
+          <p:cNvPr id="111791969" name=" 111791968"/>
           <p:cNvSpPr/>
-          <p:nvPr isPhoto="0" userDrawn="0"/>
-        </p:nvSpPr>
-        <p:spPr bwMode="auto">
-          <a:xfrm flipH="0" flipV="0">
+          <p:nvPr/>
+        </p:nvSpPr>
+        <p:spPr bwMode="auto">
+          <a:xfrm>
             <a:off x="6249624" y="5798884"/>
             <a:ext cx="217660" cy="365795"/>
           </a:xfrm>
         </p:spPr>
         <p:txBody>
-          <a:bodyPr rot="0" spcFirstLastPara="0" vertOverflow="overflow" horzOverflow="clip" vert="horz" wrap="square" lIns="91440" tIns="45720" rIns="91440" bIns="45720" numCol="1" spcCol="0" rtlCol="0" fromWordArt="0" anchor="t" anchorCtr="0" forceAA="0" upright="0" compatLnSpc="1">
-            <a:prstTxWarp prst="textNoShape"/>
+          <a:bodyPr rot="0" spcFirstLastPara="0" vertOverflow="overflow" horzOverflow="clip" vert="horz" wrap="square" lIns="91440" tIns="45720" rIns="91440" bIns="45720" numCol="1" spcCol="0" rtlCol="0" fromWordArt="0" anchor="t" anchorCtr="0" forceAA="0" compatLnSpc="1">
+            <a:prstTxWarp prst="textNoShape">
+              <a:avLst/>
+            </a:prstTxWarp>
             <a:spAutoFit/>
           </a:bodyPr>
+          <a:lstStyle/>
           <a:p>
             <a:pPr>
               <a:defRPr/>
@@ -13596,18 +13334,18 @@
       </p:sp>
       <p:pic>
         <p:nvPicPr>
-          <p:cNvPr id="553803588" name="" hidden="0"/>
+          <p:cNvPr id="553803588" name="Рисунок 553803587"/>
           <p:cNvPicPr>
             <a:picLocks noChangeAspect="1"/>
           </p:cNvPicPr>
-          <p:nvPr isPhoto="0" userDrawn="0"/>
+          <p:nvPr/>
         </p:nvPicPr>
         <p:blipFill>
           <a:blip r:embed="rId3"/>
           <a:stretch/>
         </p:blipFill>
         <p:spPr bwMode="auto">
-          <a:xfrm flipH="0" flipV="0">
+          <a:xfrm>
             <a:off x="496073" y="1219199"/>
             <a:ext cx="2548303" cy="2686049"/>
           </a:xfrm>
@@ -13618,14 +13356,14 @@
       </p:pic>
       <p:cxnSp>
         <p:nvCxnSpPr>
-          <p:cNvPr id="0" name="" hidden="0"/>
+          <p:cNvPr id="2" name="Соединительная линия уступом 1"/>
           <p:cNvCxnSpPr>
             <a:cxnSpLocks/>
           </p:cNvCxnSpPr>
-          <p:nvPr isPhoto="0" userDrawn="0"/>
+          <p:nvPr/>
         </p:nvCxnSpPr>
         <p:spPr bwMode="auto">
-          <a:xfrm flipH="0" flipV="0">
+          <a:xfrm>
             <a:off x="1087799" y="3486150"/>
             <a:ext cx="3238499" cy="2590799"/>
           </a:xfrm>
@@ -13663,12 +13401,12 @@
       </p:cxnSp>
       <p:sp>
         <p:nvSpPr>
-          <p:cNvPr id="1621802626" name="" hidden="0"/>
+          <p:cNvPr id="1621802626" name="Прямоугольник 1621802625"/>
           <p:cNvSpPr/>
-          <p:nvPr isPhoto="0" userDrawn="0"/>
-        </p:nvSpPr>
-        <p:spPr bwMode="auto">
-          <a:xfrm flipH="0" flipV="0">
+          <p:nvPr/>
+        </p:nvSpPr>
+        <p:spPr bwMode="auto">
+          <a:xfrm>
             <a:off x="1040409" y="3272323"/>
             <a:ext cx="1438039" cy="427653"/>
           </a:xfrm>
@@ -13705,11 +13443,11 @@
   <p:clrMapOvr>
     <a:masterClrMapping/>
   </p:clrMapOvr>
-  <mc:AlternateContent xmlns:mc="http://schemas.openxmlformats.org/markup-compatibility/2006">
-    <mc:Choice xmlns:p14="http://schemas.microsoft.com/office/powerpoint/2010/main" Requires="p14">
-      <p:transition p14:dur="2000" advClick="1"/>
+  <mc:AlternateContent xmlns:mc="http://schemas.openxmlformats.org/markup-compatibility/2006" xmlns:p14="http://schemas.microsoft.com/office/powerpoint/2010/main">
+    <mc:Choice Requires="p14">
+      <p:transition spd="slow" p14:dur="2000"/>
     </mc:Choice>
-    <mc:Fallback>
+    <mc:Fallback xmlns:w="http://schemas.openxmlformats.org/wordprocessingml/2006/main" xmlns:m="http://schemas.openxmlformats.org/officeDocument/2006/math" xmlns="">
       <p:transition advClick="1"/>
     </mc:Fallback>
   </mc:AlternateContent>
@@ -13717,7 +13455,7 @@
 </file>
 
 <file path=ppt/theme/theme1.xml><?xml version="1.0" encoding="utf-8"?>
-<a:theme xmlns:a="http://schemas.openxmlformats.org/drawingml/2006/main" xmlns:r="http://schemas.openxmlformats.org/officeDocument/2006/relationships" xmlns:p="http://schemas.openxmlformats.org/presentationml/2006/main" name="Грань">
+<a:theme xmlns:a="http://schemas.openxmlformats.org/drawingml/2006/main" name="Грань">
   <a:themeElements>
     <a:clrScheme name="Грань">
       <a:dk1>
@@ -13899,5 +13637,6 @@
     </a:fmtScheme>
   </a:themeElements>
   <a:objectDefaults/>
+  <a:extraClrSchemeLst/>
 </a:theme>
 </file>
--- a/pt1/lectures/lecture3/lecture3.pptx
+++ b/pt1/lectures/lecture3/lecture3.pptx
@@ -1,23 +1,23 @@
 
 <file path=ppt/presentation.xml><?xml version="1.0" encoding="utf-8"?>
-<p:presentation xmlns:a="http://schemas.openxmlformats.org/drawingml/2006/main" xmlns:r="http://schemas.openxmlformats.org/officeDocument/2006/relationships" xmlns:p="http://schemas.openxmlformats.org/presentationml/2006/main" saveSubsetFonts="1">
+<p:presentation xmlns:a="http://schemas.openxmlformats.org/drawingml/2006/main" xmlns:r="http://schemas.openxmlformats.org/officeDocument/2006/relationships" xmlns:p="http://schemas.openxmlformats.org/presentationml/2006/main" xmlns:m="http://schemas.openxmlformats.org/officeDocument/2006/math" xmlns:w="http://schemas.openxmlformats.org/wordprocessingml/2006/main" saveSubsetFonts="1">
   <p:sldMasterIdLst>
     <p:sldMasterId id="2147483648" r:id="rId1"/>
   </p:sldMasterIdLst>
   <p:sldIdLst>
-    <p:sldId id="256" r:id="rId2"/>
-    <p:sldId id="257" r:id="rId3"/>
-    <p:sldId id="258" r:id="rId4"/>
-    <p:sldId id="259" r:id="rId5"/>
-    <p:sldId id="260" r:id="rId6"/>
-    <p:sldId id="261" r:id="rId7"/>
-    <p:sldId id="262" r:id="rId8"/>
-    <p:sldId id="263" r:id="rId9"/>
-    <p:sldId id="264" r:id="rId10"/>
-    <p:sldId id="265" r:id="rId11"/>
-    <p:sldId id="266" r:id="rId12"/>
-    <p:sldId id="267" r:id="rId13"/>
-    <p:sldId id="268" r:id="rId14"/>
+    <p:sldId id="256" r:id="rId3"/>
+    <p:sldId id="257" r:id="rId4"/>
+    <p:sldId id="258" r:id="rId5"/>
+    <p:sldId id="259" r:id="rId6"/>
+    <p:sldId id="260" r:id="rId7"/>
+    <p:sldId id="261" r:id="rId8"/>
+    <p:sldId id="262" r:id="rId9"/>
+    <p:sldId id="263" r:id="rId10"/>
+    <p:sldId id="264" r:id="rId11"/>
+    <p:sldId id="265" r:id="rId12"/>
+    <p:sldId id="266" r:id="rId13"/>
+    <p:sldId id="267" r:id="rId14"/>
+    <p:sldId id="268" r:id="rId15"/>
   </p:sldIdLst>
   <p:sldSz cx="12192000" cy="6858000"/>
   <p:notesSz cx="12192000" cy="6858000"/>
@@ -116,27 +116,11 @@
       </a:defRPr>
     </a:lvl9pPr>
   </p:defaultTextStyle>
-  <p:extLst>
-    <p:ext uri="{EFAFB233-063F-42B5-8137-9DF3F51BA10A}">
-      <p15:sldGuideLst xmlns:p15="http://schemas.microsoft.com/office/powerpoint/2012/main">
-        <p15:guide id="1" orient="horz" pos="2160">
-          <p15:clr>
-            <a:srgbClr val="A4A3A4"/>
-          </p15:clr>
-        </p15:guide>
-        <p15:guide id="2" pos="2880">
-          <p15:clr>
-            <a:srgbClr val="A4A3A4"/>
-          </p15:clr>
-        </p15:guide>
-      </p15:sldGuideLst>
-    </p:ext>
-  </p:extLst>
 </p:presentation>
 </file>
 
 <file path=ppt/slideLayouts/slideLayout1.xml><?xml version="1.0" encoding="utf-8"?>
-<p:sldLayout xmlns:a="http://schemas.openxmlformats.org/drawingml/2006/main" xmlns:r="http://schemas.openxmlformats.org/officeDocument/2006/relationships" xmlns:p="http://schemas.openxmlformats.org/presentationml/2006/main" showMasterSp="0" showMasterPhAnim="0" type="title" preserve="1" userDrawn="1">
+<p:sldLayout xmlns:a="http://schemas.openxmlformats.org/drawingml/2006/main" xmlns:r="http://schemas.openxmlformats.org/officeDocument/2006/relationships" xmlns:p="http://schemas.openxmlformats.org/presentationml/2006/main" xmlns:m="http://schemas.openxmlformats.org/officeDocument/2006/math" xmlns:w="http://schemas.openxmlformats.org/wordprocessingml/2006/main" matchingName="" preserve="1" showMasterPhAnim="0" showMasterSp="0" type="title" userDrawn="1">
   <p:cSld name="Титульный слайд">
     <p:spTree>
       <p:nvGrpSpPr>
@@ -262,7 +246,7 @@
               <a:cxnLst/>
               <a:rect l="l" t="t" r="r" b="b"/>
               <a:pathLst>
-                <a:path w="3007349" h="6866467" extrusionOk="0">
+                <a:path w="3007349" h="6866467" fill="norm" stroke="1" extrusionOk="0">
                   <a:moveTo>
                     <a:pt x="2045532" y="0"/>
                   </a:moveTo>
@@ -325,7 +309,7 @@
               <a:cxnLst/>
               <a:rect l="l" t="t" r="r" b="b"/>
               <a:pathLst>
-                <a:path w="2573311" h="6866467" extrusionOk="0">
+                <a:path w="2573311" h="6866467" fill="norm" stroke="1" extrusionOk="0">
                   <a:moveTo>
                     <a:pt x="0" y="0"/>
                   </a:moveTo>
@@ -429,7 +413,7 @@
               <a:cxnLst/>
               <a:rect l="l" t="t" r="r" b="b"/>
               <a:pathLst>
-                <a:path w="2858013" h="6866467" extrusionOk="0">
+                <a:path w="2858013" h="6866467" fill="norm" stroke="1" extrusionOk="0">
                   <a:moveTo>
                     <a:pt x="0" y="0"/>
                   </a:moveTo>
@@ -493,7 +477,7 @@
               <a:cxnLst/>
               <a:rect l="l" t="t" r="r" b="b"/>
               <a:pathLst>
-                <a:path w="1290094" h="6858000" extrusionOk="0">
+                <a:path w="1290094" h="6858000" fill="norm" stroke="1" extrusionOk="0">
                   <a:moveTo>
                     <a:pt x="1019735" y="0"/>
                   </a:moveTo>
@@ -558,7 +542,7 @@
               <a:cxnLst/>
               <a:rect l="l" t="t" r="r" b="b"/>
               <a:pathLst>
-                <a:path w="1249825" h="6858000" extrusionOk="0">
+                <a:path w="1249825" h="6858000" fill="norm" stroke="1" extrusionOk="0">
                   <a:moveTo>
                     <a:pt x="0" y="0"/>
                   </a:moveTo>
@@ -870,7 +854,7 @@
             </a:pPr>
             <a:fld id="{B3B7C885-B81A-4DB8-BD04-363F10E73211}" type="datetimeFigureOut">
               <a:rPr lang="en-US"/>
-              <a:t>4/4/2022</a:t>
+              <a:t/>
             </a:fld>
             <a:endParaRPr lang="en-US"/>
           </a:p>
@@ -918,7 +902,7 @@
             </a:pPr>
             <a:fld id="{916BAC16-625E-48D0-A4F5-C04B52C4F9F7}" type="slidenum">
               <a:rPr lang="en-US"/>
-              <a:t>‹#›</a:t>
+              <a:t/>
             </a:fld>
             <a:endParaRPr lang="en-US"/>
           </a:p>
@@ -933,7 +917,7 @@
 </file>
 
 <file path=ppt/slideLayouts/slideLayout10.xml><?xml version="1.0" encoding="utf-8"?>
-<p:sldLayout xmlns:a="http://schemas.openxmlformats.org/drawingml/2006/main" xmlns:r="http://schemas.openxmlformats.org/officeDocument/2006/relationships" xmlns:p="http://schemas.openxmlformats.org/presentationml/2006/main" showMasterPhAnim="0" preserve="1" userDrawn="1">
+<p:sldLayout xmlns:a="http://schemas.openxmlformats.org/drawingml/2006/main" xmlns:r="http://schemas.openxmlformats.org/officeDocument/2006/relationships" xmlns:p="http://schemas.openxmlformats.org/presentationml/2006/main" xmlns:m="http://schemas.openxmlformats.org/officeDocument/2006/math" xmlns:w="http://schemas.openxmlformats.org/wordprocessingml/2006/main" matchingName="" preserve="1" showMasterPhAnim="0" userDrawn="1">
   <p:cSld name="Заголовок и подпись">
     <p:spTree>
       <p:nvGrpSpPr>
@@ -1131,7 +1115,7 @@
             </a:pPr>
             <a:fld id="{B3B7C885-B81A-4DB8-BD04-363F10E73211}" type="datetimeFigureOut">
               <a:rPr lang="en-US"/>
-              <a:t>4/4/2022</a:t>
+              <a:t/>
             </a:fld>
             <a:endParaRPr lang="en-US"/>
           </a:p>
@@ -1179,7 +1163,7 @@
             </a:pPr>
             <a:fld id="{916BAC16-625E-48D0-A4F5-C04B52C4F9F7}" type="slidenum">
               <a:rPr lang="en-US"/>
-              <a:t>‹#›</a:t>
+              <a:t/>
             </a:fld>
             <a:endParaRPr lang="en-US"/>
           </a:p>
@@ -1194,7 +1178,7 @@
 </file>
 
 <file path=ppt/slideLayouts/slideLayout11.xml><?xml version="1.0" encoding="utf-8"?>
-<p:sldLayout xmlns:a="http://schemas.openxmlformats.org/drawingml/2006/main" xmlns:r="http://schemas.openxmlformats.org/officeDocument/2006/relationships" xmlns:p="http://schemas.openxmlformats.org/presentationml/2006/main" showMasterPhAnim="0" preserve="1" userDrawn="1">
+<p:sldLayout xmlns:a="http://schemas.openxmlformats.org/drawingml/2006/main" xmlns:r="http://schemas.openxmlformats.org/officeDocument/2006/relationships" xmlns:p="http://schemas.openxmlformats.org/presentationml/2006/main" xmlns:m="http://schemas.openxmlformats.org/officeDocument/2006/math" xmlns:w="http://schemas.openxmlformats.org/wordprocessingml/2006/main" matchingName="" preserve="1" showMasterPhAnim="0" userDrawn="1">
   <p:cSld name="Цитата с подписью">
     <p:spTree>
       <p:nvGrpSpPr>
@@ -1458,7 +1442,7 @@
             </a:pPr>
             <a:fld id="{B3B7C885-B81A-4DB8-BD04-363F10E73211}" type="datetimeFigureOut">
               <a:rPr lang="en-US"/>
-              <a:t>4/4/2022</a:t>
+              <a:t/>
             </a:fld>
             <a:endParaRPr lang="en-US"/>
           </a:p>
@@ -1506,7 +1490,7 @@
             </a:pPr>
             <a:fld id="{916BAC16-625E-48D0-A4F5-C04B52C4F9F7}" type="slidenum">
               <a:rPr lang="en-US"/>
-              <a:t>‹#›</a:t>
+              <a:t/>
             </a:fld>
             <a:endParaRPr lang="en-US"/>
           </a:p>
@@ -1615,7 +1599,7 @@
 </file>
 
 <file path=ppt/slideLayouts/slideLayout12.xml><?xml version="1.0" encoding="utf-8"?>
-<p:sldLayout xmlns:a="http://schemas.openxmlformats.org/drawingml/2006/main" xmlns:r="http://schemas.openxmlformats.org/officeDocument/2006/relationships" xmlns:p="http://schemas.openxmlformats.org/presentationml/2006/main" showMasterPhAnim="0" preserve="1" userDrawn="1">
+<p:sldLayout xmlns:a="http://schemas.openxmlformats.org/drawingml/2006/main" xmlns:r="http://schemas.openxmlformats.org/officeDocument/2006/relationships" xmlns:p="http://schemas.openxmlformats.org/presentationml/2006/main" xmlns:m="http://schemas.openxmlformats.org/officeDocument/2006/math" xmlns:w="http://schemas.openxmlformats.org/wordprocessingml/2006/main" matchingName="" preserve="1" showMasterPhAnim="0" userDrawn="1">
   <p:cSld name="Карточка имени">
     <p:spTree>
       <p:nvGrpSpPr>
@@ -1813,7 +1797,7 @@
             </a:pPr>
             <a:fld id="{B3B7C885-B81A-4DB8-BD04-363F10E73211}" type="datetimeFigureOut">
               <a:rPr lang="en-US"/>
-              <a:t>4/4/2022</a:t>
+              <a:t/>
             </a:fld>
             <a:endParaRPr lang="en-US"/>
           </a:p>
@@ -1861,7 +1845,7 @@
             </a:pPr>
             <a:fld id="{916BAC16-625E-48D0-A4F5-C04B52C4F9F7}" type="slidenum">
               <a:rPr lang="en-US"/>
-              <a:t>‹#›</a:t>
+              <a:t/>
             </a:fld>
             <a:endParaRPr lang="en-US"/>
           </a:p>
@@ -1876,7 +1860,7 @@
 </file>
 
 <file path=ppt/slideLayouts/slideLayout13.xml><?xml version="1.0" encoding="utf-8"?>
-<p:sldLayout xmlns:a="http://schemas.openxmlformats.org/drawingml/2006/main" xmlns:r="http://schemas.openxmlformats.org/officeDocument/2006/relationships" xmlns:p="http://schemas.openxmlformats.org/presentationml/2006/main" showMasterPhAnim="0" preserve="1" userDrawn="1">
+<p:sldLayout xmlns:a="http://schemas.openxmlformats.org/drawingml/2006/main" xmlns:r="http://schemas.openxmlformats.org/officeDocument/2006/relationships" xmlns:p="http://schemas.openxmlformats.org/presentationml/2006/main" xmlns:m="http://schemas.openxmlformats.org/officeDocument/2006/math" xmlns:w="http://schemas.openxmlformats.org/wordprocessingml/2006/main" matchingName="" preserve="1" showMasterPhAnim="0" userDrawn="1">
   <p:cSld name="Цитата карточки имени">
     <p:spTree>
       <p:nvGrpSpPr>
@@ -2140,7 +2124,7 @@
             </a:pPr>
             <a:fld id="{B3B7C885-B81A-4DB8-BD04-363F10E73211}" type="datetimeFigureOut">
               <a:rPr lang="en-US"/>
-              <a:t>4/4/2022</a:t>
+              <a:t/>
             </a:fld>
             <a:endParaRPr lang="en-US"/>
           </a:p>
@@ -2188,7 +2172,7 @@
             </a:pPr>
             <a:fld id="{916BAC16-625E-48D0-A4F5-C04B52C4F9F7}" type="slidenum">
               <a:rPr lang="en-US"/>
-              <a:t>‹#›</a:t>
+              <a:t/>
             </a:fld>
             <a:endParaRPr lang="en-US"/>
           </a:p>
@@ -2289,7 +2273,7 @@
 </file>
 
 <file path=ppt/slideLayouts/slideLayout14.xml><?xml version="1.0" encoding="utf-8"?>
-<p:sldLayout xmlns:a="http://schemas.openxmlformats.org/drawingml/2006/main" xmlns:r="http://schemas.openxmlformats.org/officeDocument/2006/relationships" xmlns:p="http://schemas.openxmlformats.org/presentationml/2006/main" showMasterPhAnim="0" preserve="1" userDrawn="1">
+<p:sldLayout xmlns:a="http://schemas.openxmlformats.org/drawingml/2006/main" xmlns:r="http://schemas.openxmlformats.org/officeDocument/2006/relationships" xmlns:p="http://schemas.openxmlformats.org/presentationml/2006/main" xmlns:m="http://schemas.openxmlformats.org/officeDocument/2006/math" xmlns:w="http://schemas.openxmlformats.org/wordprocessingml/2006/main" matchingName="" preserve="1" showMasterPhAnim="0" userDrawn="1">
   <p:cSld name="Истина или ложь">
     <p:spTree>
       <p:nvGrpSpPr>
@@ -2550,7 +2534,7 @@
             </a:pPr>
             <a:fld id="{B3B7C885-B81A-4DB8-BD04-363F10E73211}" type="datetimeFigureOut">
               <a:rPr lang="en-US"/>
-              <a:t>4/4/2022</a:t>
+              <a:t/>
             </a:fld>
             <a:endParaRPr lang="en-US"/>
           </a:p>
@@ -2598,7 +2582,7 @@
             </a:pPr>
             <a:fld id="{916BAC16-625E-48D0-A4F5-C04B52C4F9F7}" type="slidenum">
               <a:rPr lang="en-US"/>
-              <a:t>‹#›</a:t>
+              <a:t/>
             </a:fld>
             <a:endParaRPr lang="en-US"/>
           </a:p>
@@ -2613,7 +2597,7 @@
 </file>
 
 <file path=ppt/slideLayouts/slideLayout15.xml><?xml version="1.0" encoding="utf-8"?>
-<p:sldLayout xmlns:a="http://schemas.openxmlformats.org/drawingml/2006/main" xmlns:r="http://schemas.openxmlformats.org/officeDocument/2006/relationships" xmlns:p="http://schemas.openxmlformats.org/presentationml/2006/main" showMasterPhAnim="0" type="vertTx" preserve="1" userDrawn="1">
+<p:sldLayout xmlns:a="http://schemas.openxmlformats.org/drawingml/2006/main" xmlns:r="http://schemas.openxmlformats.org/officeDocument/2006/relationships" xmlns:p="http://schemas.openxmlformats.org/presentationml/2006/main" xmlns:m="http://schemas.openxmlformats.org/officeDocument/2006/math" xmlns:w="http://schemas.openxmlformats.org/wordprocessingml/2006/main" matchingName="" preserve="1" showMasterPhAnim="0" type="vertTx" userDrawn="1">
   <p:cSld name="Заголовок и вертикальный текст">
     <p:spTree>
       <p:nvGrpSpPr>
@@ -2741,7 +2725,7 @@
             </a:pPr>
             <a:fld id="{B3B7C885-B81A-4DB8-BD04-363F10E73211}" type="datetimeFigureOut">
               <a:rPr lang="en-US"/>
-              <a:t>4/4/2022</a:t>
+              <a:t/>
             </a:fld>
             <a:endParaRPr lang="en-US"/>
           </a:p>
@@ -2789,7 +2773,7 @@
             </a:pPr>
             <a:fld id="{916BAC16-625E-48D0-A4F5-C04B52C4F9F7}" type="slidenum">
               <a:rPr lang="en-US"/>
-              <a:t>‹#›</a:t>
+              <a:t/>
             </a:fld>
             <a:endParaRPr lang="en-US"/>
           </a:p>
@@ -2804,7 +2788,7 @@
 </file>
 
 <file path=ppt/slideLayouts/slideLayout16.xml><?xml version="1.0" encoding="utf-8"?>
-<p:sldLayout xmlns:a="http://schemas.openxmlformats.org/drawingml/2006/main" xmlns:r="http://schemas.openxmlformats.org/officeDocument/2006/relationships" xmlns:p="http://schemas.openxmlformats.org/presentationml/2006/main" showMasterPhAnim="0" type="vertTitleAndTx" preserve="1" userDrawn="1">
+<p:sldLayout xmlns:a="http://schemas.openxmlformats.org/drawingml/2006/main" xmlns:r="http://schemas.openxmlformats.org/officeDocument/2006/relationships" xmlns:p="http://schemas.openxmlformats.org/presentationml/2006/main" xmlns:m="http://schemas.openxmlformats.org/officeDocument/2006/math" xmlns:w="http://schemas.openxmlformats.org/wordprocessingml/2006/main" matchingName="" preserve="1" showMasterPhAnim="0" type="vertTitleAndTx" userDrawn="1">
   <p:cSld name="Вертикальный заголовок и текст">
     <p:spTree>
       <p:nvGrpSpPr>
@@ -2942,7 +2926,7 @@
             </a:pPr>
             <a:fld id="{B3B7C885-B81A-4DB8-BD04-363F10E73211}" type="datetimeFigureOut">
               <a:rPr lang="en-US"/>
-              <a:t>4/4/2022</a:t>
+              <a:t/>
             </a:fld>
             <a:endParaRPr lang="en-US"/>
           </a:p>
@@ -2990,7 +2974,7 @@
             </a:pPr>
             <a:fld id="{916BAC16-625E-48D0-A4F5-C04B52C4F9F7}" type="slidenum">
               <a:rPr lang="en-US"/>
-              <a:t>‹#›</a:t>
+              <a:t/>
             </a:fld>
             <a:endParaRPr lang="en-US"/>
           </a:p>
@@ -3005,7 +2989,7 @@
 </file>
 
 <file path=ppt/slideLayouts/slideLayout2.xml><?xml version="1.0" encoding="utf-8"?>
-<p:sldLayout xmlns:a="http://schemas.openxmlformats.org/drawingml/2006/main" xmlns:r="http://schemas.openxmlformats.org/officeDocument/2006/relationships" xmlns:p="http://schemas.openxmlformats.org/presentationml/2006/main" showMasterPhAnim="0" type="obj" preserve="1" userDrawn="1">
+<p:sldLayout xmlns:a="http://schemas.openxmlformats.org/drawingml/2006/main" xmlns:r="http://schemas.openxmlformats.org/officeDocument/2006/relationships" xmlns:p="http://schemas.openxmlformats.org/presentationml/2006/main" xmlns:m="http://schemas.openxmlformats.org/officeDocument/2006/math" xmlns:w="http://schemas.openxmlformats.org/wordprocessingml/2006/main" matchingName="" preserve="1" showMasterPhAnim="0" type="obj" userDrawn="1">
   <p:cSld name="Заголовок и объект">
     <p:spTree>
       <p:nvGrpSpPr>
@@ -3139,7 +3123,7 @@
             </a:pPr>
             <a:fld id="{B3B7C885-B81A-4DB8-BD04-363F10E73211}" type="datetimeFigureOut">
               <a:rPr lang="en-US"/>
-              <a:t>4/4/2022</a:t>
+              <a:t/>
             </a:fld>
             <a:endParaRPr lang="en-US"/>
           </a:p>
@@ -3187,7 +3171,7 @@
             </a:pPr>
             <a:fld id="{916BAC16-625E-48D0-A4F5-C04B52C4F9F7}" type="slidenum">
               <a:rPr lang="en-US"/>
-              <a:t>‹#›</a:t>
+              <a:t/>
             </a:fld>
             <a:endParaRPr lang="en-US"/>
           </a:p>
@@ -3202,7 +3186,7 @@
 </file>
 
 <file path=ppt/slideLayouts/slideLayout3.xml><?xml version="1.0" encoding="utf-8"?>
-<p:sldLayout xmlns:a="http://schemas.openxmlformats.org/drawingml/2006/main" xmlns:r="http://schemas.openxmlformats.org/officeDocument/2006/relationships" xmlns:p="http://schemas.openxmlformats.org/presentationml/2006/main" showMasterPhAnim="0" type="secHead" preserve="1" userDrawn="1">
+<p:sldLayout xmlns:a="http://schemas.openxmlformats.org/drawingml/2006/main" xmlns:r="http://schemas.openxmlformats.org/officeDocument/2006/relationships" xmlns:p="http://schemas.openxmlformats.org/presentationml/2006/main" xmlns:m="http://schemas.openxmlformats.org/officeDocument/2006/math" xmlns:w="http://schemas.openxmlformats.org/wordprocessingml/2006/main" matchingName="" preserve="1" showMasterPhAnim="0" type="secHead" userDrawn="1">
   <p:cSld name="Заголовок раздела">
     <p:spTree>
       <p:nvGrpSpPr>
@@ -3396,7 +3380,7 @@
             </a:pPr>
             <a:fld id="{B3B7C885-B81A-4DB8-BD04-363F10E73211}" type="datetimeFigureOut">
               <a:rPr lang="en-US"/>
-              <a:t>4/4/2022</a:t>
+              <a:t/>
             </a:fld>
             <a:endParaRPr lang="en-US"/>
           </a:p>
@@ -3444,7 +3428,7 @@
             </a:pPr>
             <a:fld id="{916BAC16-625E-48D0-A4F5-C04B52C4F9F7}" type="slidenum">
               <a:rPr lang="en-US"/>
-              <a:t>‹#›</a:t>
+              <a:t/>
             </a:fld>
             <a:endParaRPr lang="en-US"/>
           </a:p>
@@ -3459,7 +3443,7 @@
 </file>
 
 <file path=ppt/slideLayouts/slideLayout4.xml><?xml version="1.0" encoding="utf-8"?>
-<p:sldLayout xmlns:a="http://schemas.openxmlformats.org/drawingml/2006/main" xmlns:r="http://schemas.openxmlformats.org/officeDocument/2006/relationships" xmlns:p="http://schemas.openxmlformats.org/presentationml/2006/main" showMasterPhAnim="0" type="twoObj" preserve="1" userDrawn="1">
+<p:sldLayout xmlns:a="http://schemas.openxmlformats.org/drawingml/2006/main" xmlns:r="http://schemas.openxmlformats.org/officeDocument/2006/relationships" xmlns:p="http://schemas.openxmlformats.org/presentationml/2006/main" xmlns:m="http://schemas.openxmlformats.org/officeDocument/2006/math" xmlns:w="http://schemas.openxmlformats.org/wordprocessingml/2006/main" matchingName="" preserve="1" showMasterPhAnim="0" type="twoObj" userDrawn="1">
   <p:cSld name="Два объекта">
     <p:spTree>
       <p:nvGrpSpPr>
@@ -3663,7 +3647,7 @@
             </a:pPr>
             <a:fld id="{B3B7C885-B81A-4DB8-BD04-363F10E73211}" type="datetimeFigureOut">
               <a:rPr lang="en-US"/>
-              <a:t>4/4/2022</a:t>
+              <a:t/>
             </a:fld>
             <a:endParaRPr lang="en-US"/>
           </a:p>
@@ -3711,7 +3695,7 @@
             </a:pPr>
             <a:fld id="{916BAC16-625E-48D0-A4F5-C04B52C4F9F7}" type="slidenum">
               <a:rPr lang="en-US"/>
-              <a:t>‹#›</a:t>
+              <a:t/>
             </a:fld>
             <a:endParaRPr lang="en-US"/>
           </a:p>
@@ -3726,7 +3710,7 @@
 </file>
 
 <file path=ppt/slideLayouts/slideLayout5.xml><?xml version="1.0" encoding="utf-8"?>
-<p:sldLayout xmlns:a="http://schemas.openxmlformats.org/drawingml/2006/main" xmlns:r="http://schemas.openxmlformats.org/officeDocument/2006/relationships" xmlns:p="http://schemas.openxmlformats.org/presentationml/2006/main" showMasterPhAnim="0" type="twoTxTwoObj" preserve="1" userDrawn="1">
+<p:sldLayout xmlns:a="http://schemas.openxmlformats.org/drawingml/2006/main" xmlns:r="http://schemas.openxmlformats.org/officeDocument/2006/relationships" xmlns:p="http://schemas.openxmlformats.org/presentationml/2006/main" xmlns:m="http://schemas.openxmlformats.org/officeDocument/2006/math" xmlns:w="http://schemas.openxmlformats.org/wordprocessingml/2006/main" matchingName="" preserve="1" showMasterPhAnim="0" type="twoTxTwoObj" userDrawn="1">
   <p:cSld name="Сравнение">
     <p:spTree>
       <p:nvGrpSpPr>
@@ -4078,7 +4062,7 @@
             </a:pPr>
             <a:fld id="{B3B7C885-B81A-4DB8-BD04-363F10E73211}" type="datetimeFigureOut">
               <a:rPr lang="en-US"/>
-              <a:t>4/4/2022</a:t>
+              <a:t/>
             </a:fld>
             <a:endParaRPr lang="en-US"/>
           </a:p>
@@ -4126,7 +4110,7 @@
             </a:pPr>
             <a:fld id="{916BAC16-625E-48D0-A4F5-C04B52C4F9F7}" type="slidenum">
               <a:rPr lang="en-US"/>
-              <a:t>‹#›</a:t>
+              <a:t/>
             </a:fld>
             <a:endParaRPr lang="en-US"/>
           </a:p>
@@ -4141,7 +4125,7 @@
 </file>
 
 <file path=ppt/slideLayouts/slideLayout6.xml><?xml version="1.0" encoding="utf-8"?>
-<p:sldLayout xmlns:a="http://schemas.openxmlformats.org/drawingml/2006/main" xmlns:r="http://schemas.openxmlformats.org/officeDocument/2006/relationships" xmlns:p="http://schemas.openxmlformats.org/presentationml/2006/main" showMasterPhAnim="0" type="titleOnly" preserve="1" userDrawn="1">
+<p:sldLayout xmlns:a="http://schemas.openxmlformats.org/drawingml/2006/main" xmlns:r="http://schemas.openxmlformats.org/officeDocument/2006/relationships" xmlns:p="http://schemas.openxmlformats.org/presentationml/2006/main" xmlns:m="http://schemas.openxmlformats.org/officeDocument/2006/math" xmlns:w="http://schemas.openxmlformats.org/wordprocessingml/2006/main" matchingName="" preserve="1" showMasterPhAnim="0" type="titleOnly" userDrawn="1">
   <p:cSld name="Только заголовок">
     <p:spTree>
       <p:nvGrpSpPr>
@@ -4208,7 +4192,7 @@
             </a:pPr>
             <a:fld id="{B3B7C885-B81A-4DB8-BD04-363F10E73211}" type="datetimeFigureOut">
               <a:rPr lang="en-US"/>
-              <a:t>4/4/2022</a:t>
+              <a:t/>
             </a:fld>
             <a:endParaRPr lang="en-US"/>
           </a:p>
@@ -4256,7 +4240,7 @@
             </a:pPr>
             <a:fld id="{916BAC16-625E-48D0-A4F5-C04B52C4F9F7}" type="slidenum">
               <a:rPr lang="en-US"/>
-              <a:t>‹#›</a:t>
+              <a:t/>
             </a:fld>
             <a:endParaRPr lang="en-US"/>
           </a:p>
@@ -4271,7 +4255,7 @@
 </file>
 
 <file path=ppt/slideLayouts/slideLayout7.xml><?xml version="1.0" encoding="utf-8"?>
-<p:sldLayout xmlns:a="http://schemas.openxmlformats.org/drawingml/2006/main" xmlns:r="http://schemas.openxmlformats.org/officeDocument/2006/relationships" xmlns:p="http://schemas.openxmlformats.org/presentationml/2006/main" showMasterPhAnim="0" type="blank" preserve="1" userDrawn="1">
+<p:sldLayout xmlns:a="http://schemas.openxmlformats.org/drawingml/2006/main" xmlns:r="http://schemas.openxmlformats.org/officeDocument/2006/relationships" xmlns:p="http://schemas.openxmlformats.org/presentationml/2006/main" xmlns:m="http://schemas.openxmlformats.org/officeDocument/2006/math" xmlns:w="http://schemas.openxmlformats.org/wordprocessingml/2006/main" matchingName="" preserve="1" showMasterPhAnim="0" type="blank" userDrawn="1">
   <p:cSld name="Пустой слайд">
     <p:spTree>
       <p:nvGrpSpPr>
@@ -4307,7 +4291,7 @@
             </a:pPr>
             <a:fld id="{B3B7C885-B81A-4DB8-BD04-363F10E73211}" type="datetimeFigureOut">
               <a:rPr lang="en-US"/>
-              <a:t>4/4/2022</a:t>
+              <a:t/>
             </a:fld>
             <a:endParaRPr lang="en-US"/>
           </a:p>
@@ -4355,7 +4339,7 @@
             </a:pPr>
             <a:fld id="{916BAC16-625E-48D0-A4F5-C04B52C4F9F7}" type="slidenum">
               <a:rPr lang="en-US"/>
-              <a:t>‹#›</a:t>
+              <a:t/>
             </a:fld>
             <a:endParaRPr lang="en-US"/>
           </a:p>
@@ -4370,7 +4354,7 @@
 </file>
 
 <file path=ppt/slideLayouts/slideLayout8.xml><?xml version="1.0" encoding="utf-8"?>
-<p:sldLayout xmlns:a="http://schemas.openxmlformats.org/drawingml/2006/main" xmlns:r="http://schemas.openxmlformats.org/officeDocument/2006/relationships" xmlns:p="http://schemas.openxmlformats.org/presentationml/2006/main" showMasterPhAnim="0" type="objTx" preserve="1" userDrawn="1">
+<p:sldLayout xmlns:a="http://schemas.openxmlformats.org/drawingml/2006/main" xmlns:r="http://schemas.openxmlformats.org/officeDocument/2006/relationships" xmlns:p="http://schemas.openxmlformats.org/presentationml/2006/main" xmlns:m="http://schemas.openxmlformats.org/officeDocument/2006/math" xmlns:w="http://schemas.openxmlformats.org/wordprocessingml/2006/main" matchingName="" preserve="1" showMasterPhAnim="0" type="objTx" userDrawn="1">
   <p:cSld name="Объект с подписью">
     <p:spTree>
       <p:nvGrpSpPr>
@@ -4586,7 +4570,7 @@
             </a:pPr>
             <a:fld id="{B3B7C885-B81A-4DB8-BD04-363F10E73211}" type="datetimeFigureOut">
               <a:rPr lang="en-US"/>
-              <a:t>4/4/2022</a:t>
+              <a:t/>
             </a:fld>
             <a:endParaRPr lang="en-US"/>
           </a:p>
@@ -4634,7 +4618,7 @@
             </a:pPr>
             <a:fld id="{916BAC16-625E-48D0-A4F5-C04B52C4F9F7}" type="slidenum">
               <a:rPr lang="en-US"/>
-              <a:t>‹#›</a:t>
+              <a:t/>
             </a:fld>
             <a:endParaRPr lang="en-US"/>
           </a:p>
@@ -4649,7 +4633,7 @@
 </file>
 
 <file path=ppt/slideLayouts/slideLayout9.xml><?xml version="1.0" encoding="utf-8"?>
-<p:sldLayout xmlns:a="http://schemas.openxmlformats.org/drawingml/2006/main" xmlns:r="http://schemas.openxmlformats.org/officeDocument/2006/relationships" xmlns:p="http://schemas.openxmlformats.org/presentationml/2006/main" showMasterPhAnim="0" type="picTx" preserve="1" userDrawn="1">
+<p:sldLayout xmlns:a="http://schemas.openxmlformats.org/drawingml/2006/main" xmlns:r="http://schemas.openxmlformats.org/officeDocument/2006/relationships" xmlns:p="http://schemas.openxmlformats.org/presentationml/2006/main" xmlns:m="http://schemas.openxmlformats.org/officeDocument/2006/math" xmlns:w="http://schemas.openxmlformats.org/wordprocessingml/2006/main" matchingName="" preserve="1" showMasterPhAnim="0" type="picTx" userDrawn="1">
   <p:cSld name="Рисунок с подписью">
     <p:spTree>
       <p:nvGrpSpPr>
@@ -4706,7 +4690,7 @@
         <p:nvSpPr>
           <p:cNvPr id="3" name="Picture Placeholder 2"/>
           <p:cNvSpPr>
-            <a:spLocks noGrp="1" noChangeAspect="1"/>
+            <a:spLocks noChangeAspect="1" noGrp="1"/>
           </p:cNvSpPr>
           <p:nvPr>
             <p:ph type="pic" idx="1"/>
@@ -4862,7 +4846,7 @@
             </a:pPr>
             <a:fld id="{B3B7C885-B81A-4DB8-BD04-363F10E73211}" type="datetimeFigureOut">
               <a:rPr lang="en-US"/>
-              <a:t>4/4/2022</a:t>
+              <a:t/>
             </a:fld>
             <a:endParaRPr lang="en-US"/>
           </a:p>
@@ -4910,7 +4894,7 @@
             </a:pPr>
             <a:fld id="{916BAC16-625E-48D0-A4F5-C04B52C4F9F7}" type="slidenum">
               <a:rPr lang="en-US"/>
-              <a:t>‹#›</a:t>
+              <a:t/>
             </a:fld>
             <a:endParaRPr lang="en-US"/>
           </a:p>
@@ -4925,8 +4909,8 @@
 </file>
 
 <file path=ppt/slideMasters/slideMaster1.xml><?xml version="1.0" encoding="utf-8"?>
-<p:sldMaster xmlns:a="http://schemas.openxmlformats.org/drawingml/2006/main" xmlns:r="http://schemas.openxmlformats.org/officeDocument/2006/relationships" xmlns:p="http://schemas.openxmlformats.org/presentationml/2006/main">
-  <p:cSld>
+<p:sldMaster xmlns:a="http://schemas.openxmlformats.org/drawingml/2006/main" xmlns:r="http://schemas.openxmlformats.org/officeDocument/2006/relationships" xmlns:p="http://schemas.openxmlformats.org/presentationml/2006/main" xmlns:m="http://schemas.openxmlformats.org/officeDocument/2006/math" xmlns:w="http://schemas.openxmlformats.org/wordprocessingml/2006/main" preserve="0">
+  <p:cSld name="">
     <p:bg>
       <p:bgRef idx="1001">
         <a:schemeClr val="bg1"/>
@@ -5056,7 +5040,7 @@
               <a:cxnLst/>
               <a:rect l="l" t="t" r="r" b="b"/>
               <a:pathLst>
-                <a:path w="3007349" h="6866467" extrusionOk="0">
+                <a:path w="3007349" h="6866467" fill="norm" stroke="1" extrusionOk="0">
                   <a:moveTo>
                     <a:pt x="2045532" y="0"/>
                   </a:moveTo>
@@ -5119,7 +5103,7 @@
               <a:cxnLst/>
               <a:rect l="l" t="t" r="r" b="b"/>
               <a:pathLst>
-                <a:path w="2573311" h="6866467" extrusionOk="0">
+                <a:path w="2573311" h="6866467" fill="norm" stroke="1" extrusionOk="0">
                   <a:moveTo>
                     <a:pt x="0" y="0"/>
                   </a:moveTo>
@@ -5223,7 +5207,7 @@
               <a:cxnLst/>
               <a:rect l="l" t="t" r="r" b="b"/>
               <a:pathLst>
-                <a:path w="2858013" h="6866467" extrusionOk="0">
+                <a:path w="2858013" h="6866467" fill="norm" stroke="1" extrusionOk="0">
                   <a:moveTo>
                     <a:pt x="0" y="0"/>
                   </a:moveTo>
@@ -5287,7 +5271,7 @@
               <a:cxnLst/>
               <a:rect l="l" t="t" r="r" b="b"/>
               <a:pathLst>
-                <a:path w="1290094" h="6858000" extrusionOk="0">
+                <a:path w="1290094" h="6858000" fill="norm" stroke="1" extrusionOk="0">
                   <a:moveTo>
                     <a:pt x="1019735" y="0"/>
                   </a:moveTo>
@@ -5352,7 +5336,7 @@
               <a:cxnLst/>
               <a:rect l="l" t="t" r="r" b="b"/>
               <a:pathLst>
-                <a:path w="1249825" h="6858000" extrusionOk="0">
+                <a:path w="1249825" h="6858000" fill="norm" stroke="1" extrusionOk="0">
                   <a:moveTo>
                     <a:pt x="0" y="0"/>
                   </a:moveTo>
@@ -5630,7 +5614,7 @@
             </a:pPr>
             <a:fld id="{B3B7C885-B81A-4DB8-BD04-363F10E73211}" type="datetimeFigureOut">
               <a:rPr lang="en-US"/>
-              <a:t>4/4/2022</a:t>
+              <a:t/>
             </a:fld>
             <a:endParaRPr lang="en-US"/>
           </a:p>
@@ -5712,7 +5696,7 @@
             </a:pPr>
             <a:fld id="{916BAC16-625E-48D0-A4F5-C04B52C4F9F7}" type="slidenum">
               <a:rPr lang="en-US"/>
-              <a:t>‹#›</a:t>
+              <a:t/>
             </a:fld>
             <a:endParaRPr lang="en-US"/>
           </a:p>
@@ -6139,8 +6123,8 @@
 </file>
 
 <file path=ppt/slides/slide1.xml><?xml version="1.0" encoding="utf-8"?>
-<p:sld xmlns:a="http://schemas.openxmlformats.org/drawingml/2006/main" xmlns:r="http://schemas.openxmlformats.org/officeDocument/2006/relationships" xmlns:p="http://schemas.openxmlformats.org/presentationml/2006/main" showMasterPhAnim="0">
-  <p:cSld>
+<p:sld xmlns:a="http://schemas.openxmlformats.org/drawingml/2006/main" xmlns:r="http://schemas.openxmlformats.org/officeDocument/2006/relationships" xmlns:p="http://schemas.openxmlformats.org/presentationml/2006/main" xmlns:m="http://schemas.openxmlformats.org/officeDocument/2006/math" xmlns:w="http://schemas.openxmlformats.org/wordprocessingml/2006/main" showMasterPhAnim="0" show="1">
+  <p:cSld name="">
     <p:spTree>
       <p:nvGrpSpPr>
         <p:cNvPr id="1" name=""/>
@@ -6511,7 +6495,7 @@
             <a:pPr algn="l">
               <a:defRPr/>
             </a:pPr>
-            <a:endParaRPr lang="ru-RU" sz="2400" dirty="0"/>
+            <a:endParaRPr lang="ru-RU" sz="2400"/>
           </a:p>
           <a:p>
             <a:pPr algn="l">
@@ -6520,14 +6504,14 @@
               <a:defRPr/>
             </a:pPr>
             <a:r>
-              <a:rPr lang="ru-RU" sz="3200" dirty="0"/>
+              <a:rPr lang="ru-RU" sz="3200"/>
               <a:t>Фреймворк </a:t>
             </a:r>
             <a:r>
-              <a:rPr lang="ru-RU" sz="3200" dirty="0" err="1" smtClean="0"/>
+              <a:rPr lang="ru-RU" sz="3200"/>
               <a:t>Qt</a:t>
             </a:r>
-            <a:endParaRPr lang="en-US" sz="3200" dirty="0" smtClean="0"/>
+            <a:endParaRPr lang="en-US" sz="3200"/>
           </a:p>
           <a:p>
             <a:pPr algn="l">
@@ -6536,28 +6520,28 @@
               <a:defRPr/>
             </a:pPr>
             <a:r>
-              <a:rPr lang="en-US" sz="3200" dirty="0" err="1" smtClean="0"/>
+              <a:rPr lang="en-US" sz="3200"/>
               <a:t>cmake</a:t>
             </a:r>
-            <a:endParaRPr lang="ru-RU" sz="3200" dirty="0"/>
+            <a:endParaRPr lang="ru-RU" sz="3200"/>
           </a:p>
           <a:p>
             <a:pPr algn="l">
               <a:defRPr/>
             </a:pPr>
-            <a:endParaRPr lang="ru-RU" sz="2400" dirty="0"/>
+            <a:endParaRPr lang="ru-RU" sz="2400"/>
           </a:p>
           <a:p>
             <a:pPr algn="l">
               <a:defRPr/>
             </a:pPr>
-            <a:endParaRPr lang="ru-RU" sz="2400" dirty="0"/>
+            <a:endParaRPr lang="ru-RU" sz="2400"/>
           </a:p>
           <a:p>
             <a:pPr algn="l">
               <a:defRPr/>
             </a:pPr>
-            <a:endParaRPr lang="ru-RU" sz="2400" dirty="0"/>
+            <a:endParaRPr lang="ru-RU" sz="2400"/>
           </a:p>
         </p:txBody>
       </p:sp>
@@ -6566,11 +6550,11 @@
   <p:clrMapOvr>
     <a:masterClrMapping/>
   </p:clrMapOvr>
-  <mc:AlternateContent xmlns:mc="http://schemas.openxmlformats.org/markup-compatibility/2006" xmlns:p14="http://schemas.microsoft.com/office/powerpoint/2010/main">
-    <mc:Choice Requires="p14">
-      <p:transition spd="slow" p14:dur="2000"/>
+  <mc:AlternateContent xmlns:mc="http://schemas.openxmlformats.org/markup-compatibility/2006">
+    <mc:Choice xmlns:p14="http://schemas.microsoft.com/office/powerpoint/2010/main" Requires="p14">
+      <p:transition p14:dur="2000" advClick="1"/>
     </mc:Choice>
-    <mc:Fallback xmlns:w="http://schemas.openxmlformats.org/wordprocessingml/2006/main" xmlns:m="http://schemas.openxmlformats.org/officeDocument/2006/math" xmlns="">
+    <mc:Fallback>
       <p:transition advClick="1"/>
     </mc:Fallback>
   </mc:AlternateContent>
@@ -6585,8 +6569,8 @@
 </file>
 
 <file path=ppt/slides/slide10.xml><?xml version="1.0" encoding="utf-8"?>
-<p:sld xmlns:a="http://schemas.openxmlformats.org/drawingml/2006/main" xmlns:r="http://schemas.openxmlformats.org/officeDocument/2006/relationships" xmlns:p="http://schemas.openxmlformats.org/presentationml/2006/main" showMasterPhAnim="0">
-  <p:cSld>
+<p:sld xmlns:a="http://schemas.openxmlformats.org/drawingml/2006/main" xmlns:r="http://schemas.openxmlformats.org/officeDocument/2006/relationships" xmlns:p="http://schemas.openxmlformats.org/presentationml/2006/main" xmlns:m="http://schemas.openxmlformats.org/officeDocument/2006/math" xmlns:w="http://schemas.openxmlformats.org/wordprocessingml/2006/main" showMasterPhAnim="0" show="1">
+  <p:cSld name="">
     <p:spTree>
       <p:nvGrpSpPr>
         <p:cNvPr id="1" name=""/>
@@ -6643,6 +6627,7 @@
               <a:rPr lang="en-US"/>
               <a:t>: примеры стандартных сигналов</a:t>
             </a:r>
+            <a:endParaRPr/>
           </a:p>
         </p:txBody>
       </p:sp>
@@ -6650,7 +6635,7 @@
         <p:nvGraphicFramePr>
           <p:cNvPr id="1713505066" name="Таблица 1713505065"/>
           <p:cNvGraphicFramePr>
-            <a:graphicFrameLocks/>
+            <a:graphicFrameLocks xmlns:a="http://schemas.openxmlformats.org/drawingml/2006/main"/>
           </p:cNvGraphicFramePr>
           <p:nvPr/>
         </p:nvGraphicFramePr>
@@ -6661,7 +6646,7 @@
         <a:graphic>
           <a:graphicData uri="http://schemas.openxmlformats.org/drawingml/2006/table">
             <a:tbl>
-              <a:tblPr firstRow="1" bandRow="1">
+              <a:tblPr firstRow="1" firstCol="0" lastRow="0" lastCol="0" bandRow="1" bandCol="0">
                 <a:tableStyleId>{E2877FB9-9627-2753-9B89-5E63793891B3}</a:tableStyleId>
               </a:tblPr>
               <a:tblGrid>
@@ -6673,7 +6658,6 @@
                 <a:tc>
                   <a:txBody>
                     <a:bodyPr/>
-                    <a:lstStyle/>
                     <a:p>
                       <a:pPr algn="ctr">
                         <a:defRPr/>
@@ -6682,6 +6666,7 @@
                         <a:rPr/>
                         <a:t>Класс </a:t>
                       </a:r>
+                      <a:endParaRPr/>
                     </a:p>
                   </a:txBody>
                   <a:tcPr/>
@@ -6689,7 +6674,6 @@
                 <a:tc>
                   <a:txBody>
                     <a:bodyPr/>
-                    <a:lstStyle/>
                     <a:p>
                       <a:pPr algn="ctr">
                         <a:defRPr/>
@@ -6698,6 +6682,7 @@
                         <a:rPr/>
                         <a:t>Сигнал</a:t>
                       </a:r>
+                      <a:endParaRPr/>
                     </a:p>
                   </a:txBody>
                   <a:tcPr/>
@@ -6705,7 +6690,6 @@
                 <a:tc>
                   <a:txBody>
                     <a:bodyPr/>
-                    <a:lstStyle/>
                     <a:p>
                       <a:pPr algn="ctr">
                         <a:defRPr/>
@@ -6714,6 +6698,7 @@
                         <a:rPr/>
                         <a:t>Событие</a:t>
                       </a:r>
+                      <a:endParaRPr/>
                     </a:p>
                   </a:txBody>
                   <a:tcPr/>
@@ -6723,7 +6708,6 @@
                 <a:tc rowSpan="3">
                   <a:txBody>
                     <a:bodyPr/>
-                    <a:lstStyle/>
                     <a:p>
                       <a:pPr>
                         <a:defRPr/>
@@ -6732,6 +6716,7 @@
                         <a:rPr/>
                         <a:t>QPushButton</a:t>
                       </a:r>
+                      <a:endParaRPr/>
                     </a:p>
                     <a:p>
                       <a:pPr>
@@ -6751,7 +6736,6 @@
                 <a:tc>
                   <a:txBody>
                     <a:bodyPr/>
-                    <a:lstStyle/>
                     <a:p>
                       <a:pPr algn="ctr">
                         <a:defRPr/>
@@ -6760,6 +6744,7 @@
                         <a:rPr/>
                         <a:t>clicked()</a:t>
                       </a:r>
+                      <a:endParaRPr/>
                     </a:p>
                   </a:txBody>
                   <a:tcPr/>
@@ -6767,7 +6752,6 @@
                 <a:tc>
                   <a:txBody>
                     <a:bodyPr/>
-                    <a:lstStyle/>
                     <a:p>
                       <a:pPr>
                         <a:defRPr/>
@@ -6776,6 +6760,7 @@
                         <a:rPr/>
                         <a:t>Кнопка нажата и отпущена</a:t>
                       </a:r>
+                      <a:endParaRPr/>
                     </a:p>
                   </a:txBody>
                   <a:tcPr/>
@@ -6785,7 +6770,6 @@
                 <a:tc vMerge="1">
                   <a:txBody>
                     <a:bodyPr/>
-                    <a:lstStyle/>
                     <a:p>
                       <a:pPr>
                         <a:defRPr/>
@@ -6798,7 +6782,6 @@
                 <a:tc>
                   <a:txBody>
                     <a:bodyPr/>
-                    <a:lstStyle/>
                     <a:p>
                       <a:pPr algn="ctr">
                         <a:defRPr/>
@@ -6807,6 +6790,7 @@
                         <a:rPr/>
                         <a:t>pressed()</a:t>
                       </a:r>
+                      <a:endParaRPr/>
                     </a:p>
                   </a:txBody>
                   <a:tcPr/>
@@ -6814,7 +6798,6 @@
                 <a:tc>
                   <a:txBody>
                     <a:bodyPr/>
-                    <a:lstStyle/>
                     <a:p>
                       <a:pPr>
                         <a:defRPr/>
@@ -6823,6 +6806,7 @@
                         <a:rPr/>
                         <a:t>Кнопка нажата</a:t>
                       </a:r>
+                      <a:endParaRPr/>
                     </a:p>
                   </a:txBody>
                   <a:tcPr/>
@@ -6832,7 +6816,6 @@
                 <a:tc vMerge="1">
                   <a:txBody>
                     <a:bodyPr/>
-                    <a:lstStyle/>
                     <a:p>
                       <a:pPr>
                         <a:defRPr/>
@@ -6845,7 +6828,6 @@
                 <a:tc>
                   <a:txBody>
                     <a:bodyPr/>
-                    <a:lstStyle/>
                     <a:p>
                       <a:pPr algn="ctr">
                         <a:defRPr/>
@@ -6869,7 +6851,6 @@
                 <a:tc>
                   <a:txBody>
                     <a:bodyPr/>
-                    <a:lstStyle/>
                     <a:p>
                       <a:pPr>
                         <a:defRPr/>
@@ -6878,6 +6859,7 @@
                         <a:rPr/>
                         <a:t>Кнопка отпущена</a:t>
                       </a:r>
+                      <a:endParaRPr/>
                     </a:p>
                   </a:txBody>
                   <a:tcPr/>
@@ -6887,7 +6869,6 @@
                 <a:tc rowSpan="2">
                   <a:txBody>
                     <a:bodyPr/>
-                    <a:lstStyle/>
                     <a:p>
                       <a:pPr>
                         <a:defRPr/>
@@ -6896,6 +6877,7 @@
                         <a:rPr/>
                         <a:t>QLineEdit</a:t>
                       </a:r>
+                      <a:endParaRPr/>
                     </a:p>
                     <a:p>
                       <a:pPr>
@@ -6909,7 +6891,6 @@
                 <a:tc>
                   <a:txBody>
                     <a:bodyPr/>
-                    <a:lstStyle/>
                     <a:p>
                       <a:pPr algn="ctr">
                         <a:defRPr/>
@@ -6918,6 +6899,7 @@
                         <a:rPr/>
                         <a:t>textChanged()</a:t>
                       </a:r>
+                      <a:endParaRPr/>
                     </a:p>
                   </a:txBody>
                   <a:tcPr/>
@@ -6925,7 +6907,6 @@
                 <a:tc>
                   <a:txBody>
                     <a:bodyPr/>
-                    <a:lstStyle/>
                     <a:p>
                       <a:pPr>
                         <a:defRPr/>
@@ -6934,6 +6915,7 @@
                         <a:rPr/>
                         <a:t>Значение в текстовом поле изменено путём пользовательского ввода или программно</a:t>
                       </a:r>
+                      <a:endParaRPr/>
                     </a:p>
                   </a:txBody>
                   <a:tcPr/>
@@ -6943,7 +6925,6 @@
                 <a:tc vMerge="1">
                   <a:txBody>
                     <a:bodyPr/>
-                    <a:lstStyle/>
                     <a:p>
                       <a:pPr>
                         <a:defRPr/>
@@ -6956,7 +6937,6 @@
                 <a:tc>
                   <a:txBody>
                     <a:bodyPr/>
-                    <a:lstStyle/>
                     <a:p>
                       <a:pPr algn="ctr">
                         <a:defRPr/>
@@ -6965,6 +6945,7 @@
                         <a:rPr/>
                         <a:t>textEdited()</a:t>
                       </a:r>
+                      <a:endParaRPr/>
                     </a:p>
                   </a:txBody>
                   <a:tcPr/>
@@ -6972,7 +6953,6 @@
                 <a:tc>
                   <a:txBody>
                     <a:bodyPr/>
-                    <a:lstStyle/>
                     <a:p>
                       <a:pPr>
                         <a:defRPr/>
@@ -6998,7 +6978,6 @@
                 <a:tc rowSpan="2">
                   <a:txBody>
                     <a:bodyPr/>
-                    <a:lstStyle/>
                     <a:p>
                       <a:pPr>
                         <a:defRPr/>
@@ -7007,6 +6986,7 @@
                         <a:rPr/>
                         <a:t>QScrollBar</a:t>
                       </a:r>
+                      <a:endParaRPr/>
                     </a:p>
                   </a:txBody>
                   <a:tcPr anchor="ctr"/>
@@ -7014,7 +6994,6 @@
                 <a:tc>
                   <a:txBody>
                     <a:bodyPr/>
-                    <a:lstStyle/>
                     <a:p>
                       <a:pPr algn="ctr">
                         <a:defRPr/>
@@ -7023,6 +7002,7 @@
                         <a:rPr/>
                         <a:t>selectionChanged()</a:t>
                       </a:r>
+                      <a:endParaRPr/>
                     </a:p>
                   </a:txBody>
                   <a:tcPr/>
@@ -7030,7 +7010,6 @@
                 <a:tc>
                   <a:txBody>
                     <a:bodyPr/>
-                    <a:lstStyle/>
                     <a:p>
                       <a:pPr>
                         <a:defRPr/>
@@ -7039,6 +7018,7 @@
                         <a:rPr/>
                         <a:t>Изменено выделение в текстовом поле</a:t>
                       </a:r>
+                      <a:endParaRPr/>
                     </a:p>
                   </a:txBody>
                   <a:tcPr/>
@@ -7048,7 +7028,6 @@
                 <a:tc vMerge="1">
                   <a:txBody>
                     <a:bodyPr/>
-                    <a:lstStyle/>
                     <a:p>
                       <a:pPr>
                         <a:defRPr/>
@@ -7061,7 +7040,6 @@
                 <a:tc>
                   <a:txBody>
                     <a:bodyPr/>
-                    <a:lstStyle/>
                     <a:p>
                       <a:pPr algn="ctr">
                         <a:defRPr/>
@@ -7070,6 +7048,7 @@
                         <a:rPr/>
                         <a:t>sliderMoved(int)</a:t>
                       </a:r>
+                      <a:endParaRPr/>
                     </a:p>
                   </a:txBody>
                   <a:tcPr/>
@@ -7077,7 +7056,6 @@
                 <a:tc>
                   <a:txBody>
                     <a:bodyPr/>
-                    <a:lstStyle/>
                     <a:p>
                       <a:pPr>
                         <a:defRPr/>
@@ -7086,6 +7064,7 @@
                         <a:rPr/>
                         <a:t>Изменена позиция слайдера</a:t>
                       </a:r>
+                      <a:endParaRPr/>
                     </a:p>
                   </a:txBody>
                   <a:tcPr/>
@@ -7100,11 +7079,11 @@
   <p:clrMapOvr>
     <a:masterClrMapping/>
   </p:clrMapOvr>
-  <mc:AlternateContent xmlns:mc="http://schemas.openxmlformats.org/markup-compatibility/2006" xmlns:p14="http://schemas.microsoft.com/office/powerpoint/2010/main">
-    <mc:Choice Requires="p14">
-      <p:transition spd="slow" p14:dur="2000"/>
+  <mc:AlternateContent xmlns:mc="http://schemas.openxmlformats.org/markup-compatibility/2006">
+    <mc:Choice xmlns:p14="http://schemas.microsoft.com/office/powerpoint/2010/main" Requires="p14">
+      <p:transition p14:dur="2000" advClick="1"/>
     </mc:Choice>
-    <mc:Fallback xmlns:w="http://schemas.openxmlformats.org/wordprocessingml/2006/main" xmlns:m="http://schemas.openxmlformats.org/officeDocument/2006/math" xmlns="">
+    <mc:Fallback>
       <p:transition advClick="1"/>
     </mc:Fallback>
   </mc:AlternateContent>
@@ -7112,8 +7091,8 @@
 </file>
 
 <file path=ppt/slides/slide11.xml><?xml version="1.0" encoding="utf-8"?>
-<p:sld xmlns:a="http://schemas.openxmlformats.org/drawingml/2006/main" xmlns:r="http://schemas.openxmlformats.org/officeDocument/2006/relationships" xmlns:p="http://schemas.openxmlformats.org/presentationml/2006/main" showMasterPhAnim="0">
-  <p:cSld>
+<p:sld xmlns:a="http://schemas.openxmlformats.org/drawingml/2006/main" xmlns:r="http://schemas.openxmlformats.org/officeDocument/2006/relationships" xmlns:p="http://schemas.openxmlformats.org/presentationml/2006/main" xmlns:m="http://schemas.openxmlformats.org/officeDocument/2006/math" xmlns:w="http://schemas.openxmlformats.org/wordprocessingml/2006/main" showMasterPhAnim="0" show="1">
+  <p:cSld name="">
     <p:spTree>
       <p:nvGrpSpPr>
         <p:cNvPr id="1" name=""/>
@@ -7170,6 +7149,7 @@
               <a:rPr lang="en-US"/>
               <a:t>: слоты</a:t>
             </a:r>
+            <a:endParaRPr/>
           </a:p>
         </p:txBody>
       </p:sp>
@@ -7224,6 +7204,7 @@
               </a:rPr>
               <a:t>Обработка сигналов производится в специальных методах-слотах</a:t>
             </a:r>
+            <a:endParaRPr/>
           </a:p>
           <a:p>
             <a:pPr>
@@ -7249,6 +7230,7 @@
               </a:rPr>
               <a:t>Слоты не могут быть статическими методами и иметь параметры по умолчанию</a:t>
             </a:r>
+            <a:endParaRPr/>
           </a:p>
           <a:p>
             <a:pPr>
@@ -7274,6 +7256,7 @@
               </a:rPr>
               <a:t>В остальном слот – это обычный метод. Его можно вызывать самостоятельно внутри класса или, если необходимо, определить как public и вызывать со стороны</a:t>
             </a:r>
+            <a:endParaRPr/>
           </a:p>
         </p:txBody>
       </p:sp>
@@ -7291,9 +7274,7 @@
         </p:spPr>
         <p:txBody>
           <a:bodyPr rot="0" spcFirstLastPara="0" vertOverflow="overflow" horzOverflow="clip" vert="horz" wrap="square" lIns="91440" tIns="45720" rIns="91440" bIns="45720" numCol="1" spcCol="0" rtlCol="0" fromWordArt="0" anchor="t" anchorCtr="0" forceAA="0" compatLnSpc="1">
-            <a:prstTxWarp prst="textNoShape">
-              <a:avLst/>
-            </a:prstTxWarp>
+            <a:prstTxWarp prst="textNoShape"/>
             <a:spAutoFit/>
           </a:bodyPr>
           <a:lstStyle/>
@@ -7374,6 +7355,7 @@
               </a:rPr>
               <a:t> Если назначение метода-слота состоит только в обработке сигналов, он определяется как private или protected</a:t>
             </a:r>
+            <a:endParaRPr/>
           </a:p>
           <a:p>
             <a:pPr algn="l">
@@ -7440,11 +7422,11 @@
   <p:clrMapOvr>
     <a:masterClrMapping/>
   </p:clrMapOvr>
-  <mc:AlternateContent xmlns:mc="http://schemas.openxmlformats.org/markup-compatibility/2006" xmlns:p14="http://schemas.microsoft.com/office/powerpoint/2010/main">
-    <mc:Choice Requires="p14">
-      <p:transition spd="slow" p14:dur="2000"/>
+  <mc:AlternateContent xmlns:mc="http://schemas.openxmlformats.org/markup-compatibility/2006">
+    <mc:Choice xmlns:p14="http://schemas.microsoft.com/office/powerpoint/2010/main" Requires="p14">
+      <p:transition p14:dur="2000" advClick="1"/>
     </mc:Choice>
-    <mc:Fallback xmlns:w="http://schemas.openxmlformats.org/wordprocessingml/2006/main" xmlns:m="http://schemas.openxmlformats.org/officeDocument/2006/math" xmlns="">
+    <mc:Fallback>
       <p:transition advClick="1"/>
     </mc:Fallback>
   </mc:AlternateContent>
@@ -7452,8 +7434,8 @@
 </file>
 
 <file path=ppt/slides/slide12.xml><?xml version="1.0" encoding="utf-8"?>
-<p:sld xmlns:a="http://schemas.openxmlformats.org/drawingml/2006/main" xmlns:r="http://schemas.openxmlformats.org/officeDocument/2006/relationships" xmlns:p="http://schemas.openxmlformats.org/presentationml/2006/main" showMasterPhAnim="0">
-  <p:cSld>
+<p:sld xmlns:a="http://schemas.openxmlformats.org/drawingml/2006/main" xmlns:r="http://schemas.openxmlformats.org/officeDocument/2006/relationships" xmlns:p="http://schemas.openxmlformats.org/presentationml/2006/main" xmlns:m="http://schemas.openxmlformats.org/officeDocument/2006/math" xmlns:w="http://schemas.openxmlformats.org/wordprocessingml/2006/main" showMasterPhAnim="0" show="1">
+  <p:cSld name="">
     <p:spTree>
       <p:nvGrpSpPr>
         <p:cNvPr id="1" name=""/>
@@ -7510,6 +7492,7 @@
               <a:rPr lang="en-US"/>
               <a:t>: соединение сигналов и слотов</a:t>
             </a:r>
+            <a:endParaRPr/>
           </a:p>
         </p:txBody>
       </p:sp>
@@ -7527,9 +7510,7 @@
         </p:spPr>
         <p:txBody>
           <a:bodyPr rot="0" spcFirstLastPara="0" vertOverflow="overflow" horzOverflow="clip" vert="horz" wrap="square" lIns="91440" tIns="45720" rIns="91440" bIns="45720" numCol="1" spcCol="0" rtlCol="0" fromWordArt="0" anchor="t" anchorCtr="0" forceAA="0" compatLnSpc="1">
-            <a:prstTxWarp prst="textNoShape">
-              <a:avLst/>
-            </a:prstTxWarp>
+            <a:prstTxWarp prst="textNoShape"/>
             <a:spAutoFit/>
           </a:bodyPr>
           <a:lstStyle/>
@@ -7648,7 +7629,7 @@
                 <a:ea typeface="Trebuchet MS"/>
                 <a:cs typeface="Trebuchet MS"/>
               </a:rPr>
-              <a:t>signal – сигнал, с которым осузествляется соединение. Должен заключаться в макрос SIGNAL(signalMethod())</a:t>
+              <a:t>signal – сигнал, с которым осуществляется соединение. Должен заключаться в макрос SIGNAL(signalMethod())</a:t>
             </a:r>
             <a:endParaRPr sz="2000" b="0" i="0" u="none" strike="noStrike" cap="none" spc="0">
               <a:solidFill>
@@ -7684,7 +7665,7 @@
                 <a:ea typeface="Trebuchet MS"/>
                 <a:cs typeface="Trebuchet MS"/>
               </a:rPr>
-              <a:t>reciever – указатель на объект, который имеет слот для обработки сигнала</a:t>
+              <a:t>receiver – указатель на объект, который имеет слот для обработки сигнала</a:t>
             </a:r>
             <a:endParaRPr sz="2000" b="0" i="0" u="none" strike="noStrike" cap="none" spc="0">
               <a:solidFill>
@@ -7813,11 +7794,11 @@
   <p:clrMapOvr>
     <a:masterClrMapping/>
   </p:clrMapOvr>
-  <mc:AlternateContent xmlns:mc="http://schemas.openxmlformats.org/markup-compatibility/2006" xmlns:p14="http://schemas.microsoft.com/office/powerpoint/2010/main">
-    <mc:Choice Requires="p14">
-      <p:transition spd="slow" p14:dur="2000"/>
+  <mc:AlternateContent xmlns:mc="http://schemas.openxmlformats.org/markup-compatibility/2006">
+    <mc:Choice xmlns:p14="http://schemas.microsoft.com/office/powerpoint/2010/main" Requires="p14">
+      <p:transition p14:dur="2000" advClick="1"/>
     </mc:Choice>
-    <mc:Fallback xmlns:w="http://schemas.openxmlformats.org/wordprocessingml/2006/main" xmlns:m="http://schemas.openxmlformats.org/officeDocument/2006/math" xmlns="">
+    <mc:Fallback>
       <p:transition advClick="1"/>
     </mc:Fallback>
   </mc:AlternateContent>
@@ -7825,14 +7806,13 @@
 </file>
 
 <file path=ppt/slides/slide13.xml><?xml version="1.0" encoding="utf-8"?>
-<p:sld xmlns:a="http://schemas.openxmlformats.org/drawingml/2006/main" xmlns:r="http://schemas.openxmlformats.org/officeDocument/2006/relationships" xmlns:p="http://schemas.openxmlformats.org/presentationml/2006/main" showMasterPhAnim="0">
-  <p:cSld>
+<p:sld xmlns:a="http://schemas.openxmlformats.org/drawingml/2006/main" xmlns:r="http://schemas.openxmlformats.org/officeDocument/2006/relationships" xmlns:p="http://schemas.openxmlformats.org/presentationml/2006/main" xmlns:m="http://schemas.openxmlformats.org/officeDocument/2006/math" xmlns:w="http://schemas.openxmlformats.org/wordprocessingml/2006/main" showMasterPhAnim="0" show="1">
+  <p:cSld name="">
     <p:bg>
-      <p:bgPr>
+      <p:bgPr shadeToTitle="0">
         <a:solidFill>
           <a:schemeClr val="bg1"/>
         </a:solidFill>
-        <a:effectLst/>
       </p:bgPr>
     </p:bg>
     <p:spTree>
@@ -7891,6 +7871,7 @@
               <a:rPr lang="en-US"/>
               <a:t>: схема компиляции</a:t>
             </a:r>
+            <a:endParaRPr/>
           </a:p>
         </p:txBody>
       </p:sp>
@@ -7958,6 +7939,7 @@
               <a:rPr sz="2200"/>
               <a:t>User Interface Compiler</a:t>
             </a:r>
+            <a:endParaRPr/>
           </a:p>
           <a:p>
             <a:pPr algn="ctr">
@@ -7967,6 +7949,7 @@
               <a:rPr sz="2200"/>
               <a:t>(UIC)</a:t>
             </a:r>
+            <a:endParaRPr/>
           </a:p>
         </p:txBody>
       </p:sp>
@@ -8070,6 +8053,7 @@
               <a:rPr/>
               <a:t>Qt designer:</a:t>
             </a:r>
+            <a:endParaRPr/>
           </a:p>
           <a:p>
             <a:pPr algn="ctr">
@@ -8079,6 +8063,7 @@
               <a:rPr/>
               <a:t>рисуем форму</a:t>
             </a:r>
+            <a:endParaRPr/>
           </a:p>
         </p:txBody>
       </p:sp>
@@ -8114,6 +8099,7 @@
               <a:rPr/>
               <a:t>formname.ui</a:t>
             </a:r>
+            <a:endParaRPr/>
           </a:p>
           <a:p>
             <a:pPr algn="ctr">
@@ -8123,6 +8109,7 @@
               <a:rPr/>
               <a:t>(XML)</a:t>
             </a:r>
+            <a:endParaRPr/>
           </a:p>
         </p:txBody>
       </p:sp>
@@ -8172,6 +8159,7 @@
               <a:rPr/>
               <a:t>#include “ui_formname.h”</a:t>
             </a:r>
+            <a:endParaRPr/>
           </a:p>
           <a:p>
             <a:pPr>
@@ -8187,6 +8175,7 @@
               <a:rPr/>
               <a:t>class FormName : public QObject</a:t>
             </a:r>
+            <a:endParaRPr/>
           </a:p>
           <a:p>
             <a:pPr>
@@ -8196,6 +8185,7 @@
               <a:rPr/>
               <a:t>{</a:t>
             </a:r>
+            <a:endParaRPr/>
           </a:p>
           <a:p>
             <a:pPr>
@@ -8205,6 +8195,7 @@
               <a:rPr/>
               <a:t>    Q_OBJECT</a:t>
             </a:r>
+            <a:endParaRPr/>
           </a:p>
           <a:p>
             <a:pPr>
@@ -8214,6 +8205,7 @@
               <a:rPr/>
               <a:t>    ...</a:t>
             </a:r>
+            <a:endParaRPr/>
           </a:p>
           <a:p>
             <a:pPr>
@@ -8223,6 +8215,7 @@
               <a:rPr/>
               <a:t>private slots:</a:t>
             </a:r>
+            <a:endParaRPr/>
           </a:p>
           <a:p>
             <a:pPr>
@@ -8232,6 +8225,7 @@
               <a:rPr/>
               <a:t>    ...</a:t>
             </a:r>
+            <a:endParaRPr/>
           </a:p>
           <a:p>
             <a:pPr>
@@ -8241,6 +8235,7 @@
               <a:rPr/>
               <a:t>private:</a:t>
             </a:r>
+            <a:endParaRPr/>
           </a:p>
           <a:p>
             <a:pPr>
@@ -8250,6 +8245,7 @@
               <a:rPr/>
               <a:t>    UI::FormName _ui;</a:t>
             </a:r>
+            <a:endParaRPr/>
           </a:p>
           <a:p>
             <a:pPr>
@@ -8259,6 +8255,7 @@
               <a:rPr/>
               <a:t>}</a:t>
             </a:r>
+            <a:endParaRPr/>
           </a:p>
         </p:txBody>
       </p:sp>
@@ -8291,6 +8288,7 @@
               <a:rPr/>
               <a:t>UIC преобразует форму </a:t>
             </a:r>
+            <a:endParaRPr/>
           </a:p>
           <a:p>
             <a:pPr algn="ctr">
@@ -8300,6 +8298,7 @@
               <a:rPr/>
               <a:t>в заголовочный файл  </a:t>
             </a:r>
+            <a:endParaRPr/>
           </a:p>
         </p:txBody>
       </p:sp>
@@ -8332,6 +8331,7 @@
               <a:rPr/>
               <a:t>ui_formname.h</a:t>
             </a:r>
+            <a:endParaRPr/>
           </a:p>
         </p:txBody>
       </p:sp>
@@ -8366,6 +8366,7 @@
               <a:rPr/>
               <a:t>formname.h</a:t>
             </a:r>
+            <a:endParaRPr/>
           </a:p>
           <a:p>
             <a:pPr algn="ctr">
@@ -8375,6 +8376,7 @@
               <a:rPr/>
               <a:t>Не хватает реализации для signal, slot и др.</a:t>
             </a:r>
+            <a:endParaRPr/>
           </a:p>
         </p:txBody>
       </p:sp>
@@ -8453,6 +8455,7 @@
               <a:rPr/>
               <a:t>Доступ </a:t>
             </a:r>
+            <a:endParaRPr/>
           </a:p>
           <a:p>
             <a:pPr>
@@ -8462,6 +8465,7 @@
               <a:rPr/>
               <a:t>к виджетам </a:t>
             </a:r>
+            <a:endParaRPr/>
           </a:p>
           <a:p>
             <a:pPr>
@@ -8471,6 +8475,7 @@
               <a:rPr/>
               <a:t>из исходного </a:t>
             </a:r>
+            <a:endParaRPr/>
           </a:p>
           <a:p>
             <a:pPr>
@@ -8480,6 +8485,7 @@
               <a:rPr/>
               <a:t>кода</a:t>
             </a:r>
+            <a:endParaRPr/>
           </a:p>
         </p:txBody>
       </p:sp>
@@ -8685,6 +8691,7 @@
               <a:rPr sz="2200"/>
               <a:t>Meta-Object Compiler</a:t>
             </a:r>
+            <a:endParaRPr/>
           </a:p>
           <a:p>
             <a:pPr algn="ctr">
@@ -8694,6 +8701,7 @@
               <a:rPr sz="2200"/>
               <a:t>(MOC)</a:t>
             </a:r>
+            <a:endParaRPr/>
           </a:p>
         </p:txBody>
       </p:sp>
@@ -8767,6 +8775,7 @@
               <a:rPr/>
               <a:t>formname.h</a:t>
             </a:r>
+            <a:endParaRPr/>
           </a:p>
         </p:txBody>
       </p:sp>
@@ -8812,6 +8821,7 @@
               <a:rPr sz="2200"/>
               <a:t>Компилятор</a:t>
             </a:r>
+            <a:endParaRPr/>
           </a:p>
         </p:txBody>
       </p:sp>
@@ -8929,6 +8939,7 @@
               <a:rPr/>
               <a:t>moc_formname.cpp</a:t>
             </a:r>
+            <a:endParaRPr/>
           </a:p>
         </p:txBody>
       </p:sp>
@@ -8961,6 +8972,7 @@
               <a:rPr/>
               <a:t>moc_compilation.cpp</a:t>
             </a:r>
+            <a:endParaRPr/>
           </a:p>
         </p:txBody>
       </p:sp>
@@ -9034,6 +9046,7 @@
               <a:rPr/>
               <a:t>formname.cpp</a:t>
             </a:r>
+            <a:endParaRPr/>
           </a:p>
         </p:txBody>
       </p:sp>
@@ -9107,6 +9120,7 @@
               <a:rPr/>
               <a:t>Qt.dll</a:t>
             </a:r>
+            <a:endParaRPr/>
           </a:p>
         </p:txBody>
       </p:sp>
@@ -9145,6 +9159,7 @@
               </a:rPr>
               <a:t>(Заголовочные файлы и часть moc-файлов не показаны)</a:t>
             </a:r>
+            <a:endParaRPr/>
           </a:p>
         </p:txBody>
       </p:sp>
@@ -9177,6 +9192,7 @@
               <a:rPr/>
               <a:t>Исполняемый </a:t>
             </a:r>
+            <a:endParaRPr/>
           </a:p>
           <a:p>
             <a:pPr algn="ctr">
@@ -9186,6 +9202,7 @@
               <a:rPr/>
               <a:t>файл</a:t>
             </a:r>
+            <a:endParaRPr/>
           </a:p>
         </p:txBody>
       </p:sp>
@@ -9480,6 +9497,7 @@
               <a:rPr/>
               <a:t>Генерирует недостающие </a:t>
             </a:r>
+            <a:endParaRPr/>
           </a:p>
           <a:p>
             <a:pPr algn="ctr">
@@ -9489,6 +9507,7 @@
               <a:rPr/>
               <a:t>определения</a:t>
             </a:r>
+            <a:endParaRPr/>
           </a:p>
         </p:txBody>
       </p:sp>
@@ -9497,11 +9516,11 @@
   <p:clrMapOvr>
     <a:masterClrMapping/>
   </p:clrMapOvr>
-  <mc:AlternateContent xmlns:mc="http://schemas.openxmlformats.org/markup-compatibility/2006" xmlns:p14="http://schemas.microsoft.com/office/powerpoint/2010/main">
-    <mc:Choice Requires="p14">
-      <p:transition spd="slow" p14:dur="2000"/>
+  <mc:AlternateContent xmlns:mc="http://schemas.openxmlformats.org/markup-compatibility/2006">
+    <mc:Choice xmlns:p14="http://schemas.microsoft.com/office/powerpoint/2010/main" Requires="p14">
+      <p:transition p14:dur="2000" advClick="1"/>
     </mc:Choice>
-    <mc:Fallback xmlns:w="http://schemas.openxmlformats.org/wordprocessingml/2006/main" xmlns:m="http://schemas.openxmlformats.org/officeDocument/2006/math" xmlns="">
+    <mc:Fallback>
       <p:transition advClick="1"/>
     </mc:Fallback>
   </mc:AlternateContent>
@@ -9509,16 +9528,15 @@
 </file>
 
 <file path=ppt/slides/slide2.xml><?xml version="1.0" encoding="utf-8"?>
-<p:sld xmlns:a="http://schemas.openxmlformats.org/drawingml/2006/main" xmlns:r="http://schemas.openxmlformats.org/officeDocument/2006/relationships" xmlns:p="http://schemas.openxmlformats.org/presentationml/2006/main" showMasterPhAnim="0">
-  <p:cSld>
+<p:sld xmlns:a="http://schemas.openxmlformats.org/drawingml/2006/main" xmlns:r="http://schemas.openxmlformats.org/officeDocument/2006/relationships" xmlns:p="http://schemas.openxmlformats.org/presentationml/2006/main" xmlns:m="http://schemas.openxmlformats.org/officeDocument/2006/math" xmlns:w="http://schemas.openxmlformats.org/wordprocessingml/2006/main" showMasterPhAnim="0" show="1">
+  <p:cSld name="">
     <p:bg>
-      <p:bgPr>
+      <p:bgPr shadeToTitle="0">
         <a:solidFill>
           <a:schemeClr val="bg1">
             <a:alpha val="0"/>
           </a:schemeClr>
         </a:solidFill>
-        <a:effectLst/>
       </p:bgPr>
     </p:bg>
     <p:spTree>
@@ -9702,9 +9720,7 @@
         </p:spPr>
         <p:txBody>
           <a:bodyPr rot="0" spcFirstLastPara="0" vertOverflow="overflow" horzOverflow="clip" vert="horz" wrap="square" lIns="91440" tIns="45720" rIns="91440" bIns="45720" numCol="1" spcCol="0" rtlCol="0" fromWordArt="0" anchor="t" anchorCtr="0" forceAA="0" compatLnSpc="1">
-            <a:prstTxWarp prst="textNoShape">
-              <a:avLst/>
-            </a:prstTxWarp>
+            <a:prstTxWarp prst="textNoShape"/>
             <a:spAutoFit/>
           </a:bodyPr>
           <a:lstStyle/>
@@ -9752,9 +9768,7 @@
         </p:spPr>
         <p:txBody>
           <a:bodyPr rot="0" spcFirstLastPara="0" vertOverflow="overflow" horzOverflow="clip" vert="horz" wrap="square" lIns="91440" tIns="45720" rIns="91440" bIns="45720" numCol="1" spcCol="0" rtlCol="0" fromWordArt="0" anchor="t" anchorCtr="0" forceAA="0" compatLnSpc="1">
-            <a:prstTxWarp prst="textNoShape">
-              <a:avLst/>
-            </a:prstTxWarp>
+            <a:prstTxWarp prst="textNoShape"/>
             <a:spAutoFit/>
           </a:bodyPr>
           <a:lstStyle/>
@@ -9780,9 +9794,7 @@
         </p:spPr>
         <p:txBody>
           <a:bodyPr rot="0" spcFirstLastPara="0" vertOverflow="overflow" horzOverflow="clip" vert="horz" wrap="square" lIns="91440" tIns="45720" rIns="91440" bIns="45720" numCol="1" spcCol="0" rtlCol="0" fromWordArt="0" anchor="t" anchorCtr="0" forceAA="0" compatLnSpc="1">
-            <a:prstTxWarp prst="textNoShape">
-              <a:avLst/>
-            </a:prstTxWarp>
+            <a:prstTxWarp prst="textNoShape"/>
             <a:spAutoFit/>
           </a:bodyPr>
           <a:lstStyle/>
@@ -9830,9 +9842,7 @@
         </p:spPr>
         <p:txBody>
           <a:bodyPr rot="0" spcFirstLastPara="0" vertOverflow="overflow" horzOverflow="clip" vert="horz" wrap="square" lIns="91440" tIns="45720" rIns="91440" bIns="45720" numCol="1" spcCol="0" rtlCol="0" fromWordArt="0" anchor="t" anchorCtr="0" forceAA="0" compatLnSpc="1">
-            <a:prstTxWarp prst="textNoShape">
-              <a:avLst/>
-            </a:prstTxWarp>
+            <a:prstTxWarp prst="textNoShape"/>
             <a:spAutoFit/>
           </a:bodyPr>
           <a:lstStyle/>
@@ -9880,9 +9890,7 @@
         </p:spPr>
         <p:txBody>
           <a:bodyPr rot="0" spcFirstLastPara="0" vertOverflow="overflow" horzOverflow="clip" vert="horz" wrap="square" lIns="91440" tIns="45720" rIns="91440" bIns="45720" numCol="1" spcCol="0" rtlCol="0" fromWordArt="0" anchor="t" anchorCtr="0" forceAA="0" compatLnSpc="1">
-            <a:prstTxWarp prst="textNoShape">
-              <a:avLst/>
-            </a:prstTxWarp>
+            <a:prstTxWarp prst="textNoShape"/>
             <a:spAutoFit/>
           </a:bodyPr>
           <a:lstStyle/>
@@ -9930,9 +9938,7 @@
         </p:spPr>
         <p:txBody>
           <a:bodyPr rot="0" spcFirstLastPara="0" vertOverflow="overflow" horzOverflow="clip" vert="horz" wrap="square" lIns="91440" tIns="45720" rIns="91440" bIns="45720" numCol="1" spcCol="0" rtlCol="0" fromWordArt="0" anchor="t" anchorCtr="0" forceAA="0" compatLnSpc="1">
-            <a:prstTxWarp prst="textNoShape">
-              <a:avLst/>
-            </a:prstTxWarp>
+            <a:prstTxWarp prst="textNoShape"/>
             <a:spAutoFit/>
           </a:bodyPr>
           <a:lstStyle/>
@@ -9980,9 +9986,7 @@
         </p:spPr>
         <p:txBody>
           <a:bodyPr rot="0" spcFirstLastPara="0" vertOverflow="overflow" horzOverflow="clip" vert="horz" wrap="square" lIns="91440" tIns="45720" rIns="91440" bIns="45720" numCol="1" spcCol="0" rtlCol="0" fromWordArt="0" anchor="t" anchorCtr="0" forceAA="0" compatLnSpc="1">
-            <a:prstTxWarp prst="textNoShape">
-              <a:avLst/>
-            </a:prstTxWarp>
+            <a:prstTxWarp prst="textNoShape"/>
             <a:spAutoFit/>
           </a:bodyPr>
           <a:lstStyle/>
@@ -10030,9 +10034,7 @@
         </p:spPr>
         <p:txBody>
           <a:bodyPr rot="0" spcFirstLastPara="0" vertOverflow="overflow" horzOverflow="clip" vert="horz" wrap="square" lIns="91440" tIns="45720" rIns="91440" bIns="45720" numCol="1" spcCol="0" rtlCol="0" fromWordArt="0" anchor="t" anchorCtr="0" forceAA="0" compatLnSpc="1">
-            <a:prstTxWarp prst="textNoShape">
-              <a:avLst/>
-            </a:prstTxWarp>
+            <a:prstTxWarp prst="textNoShape"/>
             <a:spAutoFit/>
           </a:bodyPr>
           <a:lstStyle/>
@@ -10080,9 +10082,7 @@
         </p:spPr>
         <p:txBody>
           <a:bodyPr rot="0" spcFirstLastPara="0" vertOverflow="overflow" horzOverflow="clip" vert="horz" wrap="square" lIns="91440" tIns="45720" rIns="91440" bIns="45720" numCol="1" spcCol="0" rtlCol="0" fromWordArt="0" anchor="t" anchorCtr="0" forceAA="0" compatLnSpc="1">
-            <a:prstTxWarp prst="textNoShape">
-              <a:avLst/>
-            </a:prstTxWarp>
+            <a:prstTxWarp prst="textNoShape"/>
             <a:spAutoFit/>
           </a:bodyPr>
           <a:lstStyle/>
@@ -10145,6 +10145,7 @@
               <a:rPr sz="2200"/>
               <a:t>https://en.wikipedia.org/wiki/Category:Software_that_uses_Qt</a:t>
             </a:r>
+            <a:endParaRPr/>
           </a:p>
         </p:txBody>
       </p:sp>
@@ -10153,11 +10154,11 @@
   <p:clrMapOvr>
     <a:masterClrMapping/>
   </p:clrMapOvr>
-  <mc:AlternateContent xmlns:mc="http://schemas.openxmlformats.org/markup-compatibility/2006" xmlns:p14="http://schemas.microsoft.com/office/powerpoint/2010/main">
-    <mc:Choice Requires="p14">
-      <p:transition spd="slow" p14:dur="2000"/>
+  <mc:AlternateContent xmlns:mc="http://schemas.openxmlformats.org/markup-compatibility/2006">
+    <mc:Choice xmlns:p14="http://schemas.microsoft.com/office/powerpoint/2010/main" Requires="p14">
+      <p:transition p14:dur="2000" advClick="1"/>
     </mc:Choice>
-    <mc:Fallback xmlns:w="http://schemas.openxmlformats.org/wordprocessingml/2006/main" xmlns:m="http://schemas.openxmlformats.org/officeDocument/2006/math" xmlns="">
+    <mc:Fallback>
       <p:transition advClick="1"/>
     </mc:Fallback>
   </mc:AlternateContent>
@@ -10172,8 +10173,8 @@
 </file>
 
 <file path=ppt/slides/slide3.xml><?xml version="1.0" encoding="utf-8"?>
-<p:sld xmlns:a="http://schemas.openxmlformats.org/drawingml/2006/main" xmlns:r="http://schemas.openxmlformats.org/officeDocument/2006/relationships" xmlns:p="http://schemas.openxmlformats.org/presentationml/2006/main" showMasterPhAnim="0">
-  <p:cSld>
+<p:sld xmlns:a="http://schemas.openxmlformats.org/drawingml/2006/main" xmlns:r="http://schemas.openxmlformats.org/officeDocument/2006/relationships" xmlns:p="http://schemas.openxmlformats.org/presentationml/2006/main" xmlns:m="http://schemas.openxmlformats.org/officeDocument/2006/math" xmlns:w="http://schemas.openxmlformats.org/wordprocessingml/2006/main" showMasterPhAnim="0" show="1">
+  <p:cSld name="">
     <p:spTree>
       <p:nvGrpSpPr>
         <p:cNvPr id="1" name=""/>
@@ -10192,7 +10193,7 @@
         <p:nvGraphicFramePr>
           <p:cNvPr id="705689819" name="Таблица 705689818"/>
           <p:cNvGraphicFramePr>
-            <a:graphicFrameLocks/>
+            <a:graphicFrameLocks xmlns:a="http://schemas.openxmlformats.org/drawingml/2006/main"/>
           </p:cNvGraphicFramePr>
           <p:nvPr/>
         </p:nvGraphicFramePr>
@@ -10203,7 +10204,7 @@
         <a:graphic>
           <a:graphicData uri="http://schemas.openxmlformats.org/drawingml/2006/table">
             <a:tbl>
-              <a:tblPr firstRow="1" firstCol="1" bandRow="1">
+              <a:tblPr firstRow="1" firstCol="1" lastRow="0" lastCol="0" bandRow="1" bandCol="0">
                 <a:tableStyleId>{EFDDB2B8-B366-B97C-D4BE-8F8ACC996F12}</a:tableStyleId>
               </a:tblPr>
               <a:tblGrid>
@@ -10214,7 +10215,6 @@
                 <a:tc>
                   <a:txBody>
                     <a:bodyPr/>
-                    <a:lstStyle/>
                     <a:p>
                       <a:pPr algn="ctr">
                         <a:defRPr/>
@@ -10239,7 +10239,6 @@
                 <a:tc>
                   <a:txBody>
                     <a:bodyPr/>
-                    <a:lstStyle/>
                     <a:p>
                       <a:pPr>
                         <a:defRPr/>
@@ -10283,7 +10282,6 @@
                 <a:tc>
                   <a:txBody>
                     <a:bodyPr/>
-                    <a:lstStyle/>
                     <a:p>
                       <a:pPr algn="ctr">
                         <a:defRPr/>
@@ -10296,6 +10294,7 @@
                         </a:rPr>
                         <a:t>Qt GUI</a:t>
                       </a:r>
+                      <a:endParaRPr/>
                     </a:p>
                   </a:txBody>
                   <a:tcPr anchor="ctr"/>
@@ -10303,7 +10302,6 @@
                 <a:tc>
                   <a:txBody>
                     <a:bodyPr/>
-                    <a:lstStyle/>
                     <a:p>
                       <a:pPr>
                         <a:defRPr/>
@@ -10319,6 +10317,7 @@
                         </a:rPr>
                         <a:t>Базовые компоненты GUI: оконная система и соответствующе события, доступ к буферу обмена. Использует OpenGL</a:t>
                       </a:r>
+                      <a:endParaRPr/>
                     </a:p>
                   </a:txBody>
                   <a:tcPr anchor="ctr"/>
@@ -10328,7 +10327,6 @@
                 <a:tc>
                   <a:txBody>
                     <a:bodyPr/>
-                    <a:lstStyle/>
                     <a:p>
                       <a:pPr algn="ctr">
                         <a:defRPr/>
@@ -10356,7 +10354,6 @@
                 <a:tc>
                   <a:txBody>
                     <a:bodyPr/>
-                    <a:lstStyle/>
                     <a:p>
                       <a:pPr>
                         <a:defRPr/>
@@ -10372,6 +10369,7 @@
                         </a:rPr>
                         <a:t>Виджеты для построения GUI</a:t>
                       </a:r>
+                      <a:endParaRPr/>
                     </a:p>
                   </a:txBody>
                   <a:tcPr anchor="ctr"/>
@@ -10381,7 +10379,6 @@
                 <a:tc>
                   <a:txBody>
                     <a:bodyPr/>
-                    <a:lstStyle/>
                     <a:p>
                       <a:pPr algn="ctr">
                         <a:defRPr/>
@@ -10394,6 +10391,7 @@
                         </a:rPr>
                         <a:t>Qt Multimedia</a:t>
                       </a:r>
+                      <a:endParaRPr/>
                     </a:p>
                   </a:txBody>
                   <a:tcPr anchor="ctr"/>
@@ -10401,7 +10399,6 @@
                 <a:tc>
                   <a:txBody>
                     <a:bodyPr/>
-                    <a:lstStyle/>
                     <a:p>
                       <a:pPr>
                         <a:defRPr/>
@@ -10417,6 +10414,7 @@
                         </a:rPr>
                         <a:t>Функциональность для работы с видео, аудио и др.</a:t>
                       </a:r>
+                      <a:endParaRPr/>
                     </a:p>
                   </a:txBody>
                   <a:tcPr anchor="ctr"/>
@@ -10426,7 +10424,6 @@
                 <a:tc>
                   <a:txBody>
                     <a:bodyPr/>
-                    <a:lstStyle/>
                     <a:p>
                       <a:pPr algn="ctr">
                         <a:defRPr/>
@@ -10439,6 +10436,7 @@
                         </a:rPr>
                         <a:t>Qt Network</a:t>
                       </a:r>
+                      <a:endParaRPr/>
                     </a:p>
                   </a:txBody>
                   <a:tcPr anchor="ctr"/>
@@ -10446,7 +10444,6 @@
                 <a:tc>
                   <a:txBody>
                     <a:bodyPr/>
-                    <a:lstStyle/>
                     <a:p>
                       <a:pPr>
                         <a:defRPr/>
@@ -10462,6 +10459,7 @@
                         </a:rPr>
                         <a:t>Сетевое программирование</a:t>
                       </a:r>
+                      <a:endParaRPr/>
                     </a:p>
                   </a:txBody>
                   <a:tcPr anchor="ctr"/>
@@ -10471,7 +10469,6 @@
                 <a:tc>
                   <a:txBody>
                     <a:bodyPr/>
-                    <a:lstStyle/>
                     <a:p>
                       <a:pPr algn="ctr">
                         <a:defRPr/>
@@ -10484,6 +10481,7 @@
                         </a:rPr>
                         <a:t>Qt SQL</a:t>
                       </a:r>
+                      <a:endParaRPr/>
                     </a:p>
                   </a:txBody>
                   <a:tcPr anchor="ctr"/>
@@ -10491,7 +10489,6 @@
                 <a:tc>
                   <a:txBody>
                     <a:bodyPr/>
-                    <a:lstStyle/>
                     <a:p>
                       <a:pPr>
                         <a:defRPr/>
@@ -10507,6 +10504,7 @@
                         </a:rPr>
                         <a:t>Работа с SQL-базами данных</a:t>
                       </a:r>
+                      <a:endParaRPr/>
                     </a:p>
                   </a:txBody>
                   <a:tcPr anchor="ctr"/>
@@ -10516,7 +10514,6 @@
                 <a:tc>
                   <a:txBody>
                     <a:bodyPr/>
-                    <a:lstStyle/>
                     <a:p>
                       <a:pPr algn="ctr">
                         <a:defRPr/>
@@ -10529,6 +10526,7 @@
                         </a:rPr>
                         <a:t>Qt Test</a:t>
                       </a:r>
+                      <a:endParaRPr/>
                     </a:p>
                   </a:txBody>
                   <a:tcPr anchor="ctr"/>
@@ -10536,7 +10534,6 @@
                 <a:tc>
                   <a:txBody>
                     <a:bodyPr/>
-                    <a:lstStyle/>
                     <a:p>
                       <a:pPr>
                         <a:defRPr/>
@@ -10552,6 +10549,7 @@
                         </a:rPr>
                         <a:t>Юнит-тестирование</a:t>
                       </a:r>
+                      <a:endParaRPr/>
                     </a:p>
                   </a:txBody>
                   <a:tcPr anchor="ctr"/>
@@ -10603,6 +10601,7 @@
               <a:rPr lang="en-US"/>
               <a:t>: модули</a:t>
             </a:r>
+            <a:endParaRPr/>
           </a:p>
         </p:txBody>
       </p:sp>
@@ -10635,6 +10634,7 @@
               <a:rPr/>
               <a:t>И многое другое</a:t>
             </a:r>
+            <a:endParaRPr/>
           </a:p>
         </p:txBody>
       </p:sp>
@@ -10643,11 +10643,11 @@
   <p:clrMapOvr>
     <a:masterClrMapping/>
   </p:clrMapOvr>
-  <mc:AlternateContent xmlns:mc="http://schemas.openxmlformats.org/markup-compatibility/2006" xmlns:p14="http://schemas.microsoft.com/office/powerpoint/2010/main">
-    <mc:Choice Requires="p14">
-      <p:transition spd="slow" p14:dur="2000"/>
+  <mc:AlternateContent xmlns:mc="http://schemas.openxmlformats.org/markup-compatibility/2006">
+    <mc:Choice xmlns:p14="http://schemas.microsoft.com/office/powerpoint/2010/main" Requires="p14">
+      <p:transition p14:dur="2000" advClick="1"/>
     </mc:Choice>
-    <mc:Fallback xmlns:w="http://schemas.openxmlformats.org/wordprocessingml/2006/main" xmlns:m="http://schemas.openxmlformats.org/officeDocument/2006/math" xmlns="">
+    <mc:Fallback>
       <p:transition advClick="1"/>
     </mc:Fallback>
   </mc:AlternateContent>
@@ -10655,14 +10655,13 @@
 </file>
 
 <file path=ppt/slides/slide4.xml><?xml version="1.0" encoding="utf-8"?>
-<p:sld xmlns:a="http://schemas.openxmlformats.org/drawingml/2006/main" xmlns:r="http://schemas.openxmlformats.org/officeDocument/2006/relationships" xmlns:p="http://schemas.openxmlformats.org/presentationml/2006/main" showMasterPhAnim="0">
-  <p:cSld>
+<p:sld xmlns:a="http://schemas.openxmlformats.org/drawingml/2006/main" xmlns:r="http://schemas.openxmlformats.org/officeDocument/2006/relationships" xmlns:p="http://schemas.openxmlformats.org/presentationml/2006/main" xmlns:m="http://schemas.openxmlformats.org/officeDocument/2006/math" xmlns:w="http://schemas.openxmlformats.org/wordprocessingml/2006/main" showMasterPhAnim="0" show="1">
+  <p:cSld name="">
     <p:bg>
-      <p:bgPr>
+      <p:bgPr shadeToTitle="0">
         <a:solidFill>
           <a:schemeClr val="bg1"/>
         </a:solidFill>
-        <a:effectLst/>
       </p:bgPr>
     </p:bg>
     <p:spTree>
@@ -10727,6 +10726,7 @@
               </a:rPr>
               <a:t>Что ещё входит во фреймворк Qt?</a:t>
             </a:r>
+            <a:endParaRPr/>
           </a:p>
           <a:p>
             <a:pPr>
@@ -10842,6 +10842,7 @@
               </a:rPr>
               <a:t>Утилиты:</a:t>
             </a:r>
+            <a:endParaRPr/>
           </a:p>
           <a:p>
             <a:pPr lvl="1">
@@ -11005,6 +11006,7 @@
               <a:rPr lang="en-US"/>
               <a:t>: инструменты</a:t>
             </a:r>
+            <a:endParaRPr/>
           </a:p>
         </p:txBody>
       </p:sp>
@@ -11013,11 +11015,11 @@
   <p:clrMapOvr>
     <a:masterClrMapping/>
   </p:clrMapOvr>
-  <mc:AlternateContent xmlns:mc="http://schemas.openxmlformats.org/markup-compatibility/2006" xmlns:p14="http://schemas.microsoft.com/office/powerpoint/2010/main">
-    <mc:Choice Requires="p14">
-      <p:transition spd="slow" p14:dur="2000"/>
+  <mc:AlternateContent xmlns:mc="http://schemas.openxmlformats.org/markup-compatibility/2006">
+    <mc:Choice xmlns:p14="http://schemas.microsoft.com/office/powerpoint/2010/main" Requires="p14">
+      <p:transition p14:dur="2000" advClick="1"/>
     </mc:Choice>
-    <mc:Fallback xmlns:w="http://schemas.openxmlformats.org/wordprocessingml/2006/main" xmlns:m="http://schemas.openxmlformats.org/officeDocument/2006/math" xmlns="">
+    <mc:Fallback>
       <p:transition advClick="1"/>
     </mc:Fallback>
   </mc:AlternateContent>
@@ -11025,14 +11027,13 @@
 </file>
 
 <file path=ppt/slides/slide5.xml><?xml version="1.0" encoding="utf-8"?>
-<p:sld xmlns:a="http://schemas.openxmlformats.org/drawingml/2006/main" xmlns:r="http://schemas.openxmlformats.org/officeDocument/2006/relationships" xmlns:p="http://schemas.openxmlformats.org/presentationml/2006/main" showMasterPhAnim="0">
-  <p:cSld>
+<p:sld xmlns:a="http://schemas.openxmlformats.org/drawingml/2006/main" xmlns:r="http://schemas.openxmlformats.org/officeDocument/2006/relationships" xmlns:p="http://schemas.openxmlformats.org/presentationml/2006/main" xmlns:m="http://schemas.openxmlformats.org/officeDocument/2006/math" xmlns:w="http://schemas.openxmlformats.org/wordprocessingml/2006/main" showMasterPhAnim="0" show="1">
+  <p:cSld name="">
     <p:bg>
-      <p:bgPr>
+      <p:bgPr shadeToTitle="0">
         <a:solidFill>
           <a:schemeClr val="bg1"/>
         </a:solidFill>
-        <a:effectLst/>
       </p:bgPr>
     </p:bg>
     <p:spTree>
@@ -11090,6 +11091,7 @@
               <a:rPr sz="2200"/>
               <a:t>Класс QApplication реализует цикл событий (event loop). </a:t>
             </a:r>
+            <a:endParaRPr/>
           </a:p>
           <a:p>
             <a:pPr>
@@ -11105,6 +11107,7 @@
               <a:rPr sz="2200"/>
               <a:t>К событиям относятся различные действия пользователя (ввод данных, движение и клики мыши, кажатие клавиш и тп), срабатывание таймера, получение пакета данных по сети и др.</a:t>
             </a:r>
+            <a:endParaRPr/>
           </a:p>
           <a:p>
             <a:pPr>
@@ -11120,6 +11123,7 @@
               <a:rPr sz="2200"/>
               <a:t>Цикл событий ожидает их наступления и затем обеспечивает их соответствующую обработку, т.е., по сути, управляет приложением</a:t>
             </a:r>
+            <a:endParaRPr/>
           </a:p>
         </p:txBody>
       </p:sp>
@@ -11165,6 +11169,7 @@
               <a:rPr lang="en-US"/>
               <a:t>: hello world</a:t>
             </a:r>
+            <a:endParaRPr/>
           </a:p>
         </p:txBody>
       </p:sp>
@@ -11182,9 +11187,7 @@
         </p:spPr>
         <p:txBody>
           <a:bodyPr rot="0" spcFirstLastPara="0" vertOverflow="overflow" horzOverflow="clip" vert="horz" wrap="square" lIns="91440" tIns="45720" rIns="91440" bIns="45720" numCol="1" spcCol="0" rtlCol="0" fromWordArt="0" anchor="t" anchorCtr="0" forceAA="0" compatLnSpc="1">
-            <a:prstTxWarp prst="textNoShape">
-              <a:avLst/>
-            </a:prstTxWarp>
+            <a:prstTxWarp prst="textNoShape"/>
             <a:spAutoFit/>
           </a:bodyPr>
           <a:lstStyle/>
@@ -11210,9 +11213,7 @@
         </p:spPr>
         <p:txBody>
           <a:bodyPr rot="0" spcFirstLastPara="0" vertOverflow="overflow" horzOverflow="clip" vert="horz" wrap="square" lIns="91440" tIns="45720" rIns="91440" bIns="45720" numCol="1" spcCol="0" rtlCol="0" fromWordArt="0" anchor="t" anchorCtr="0" forceAA="0" compatLnSpc="1">
-            <a:prstTxWarp prst="textNoShape">
-              <a:avLst/>
-            </a:prstTxWarp>
+            <a:prstTxWarp prst="textNoShape"/>
             <a:spAutoFit/>
           </a:bodyPr>
           <a:lstStyle/>
@@ -11541,6 +11542,7 @@
               <a:rPr sz="2200"/>
               <a:t>QLabel – виджет, представляющий собой неинтерактивную текстовую область</a:t>
             </a:r>
+            <a:endParaRPr/>
           </a:p>
         </p:txBody>
       </p:sp>
@@ -11549,11 +11551,11 @@
   <p:clrMapOvr>
     <a:masterClrMapping/>
   </p:clrMapOvr>
-  <mc:AlternateContent xmlns:mc="http://schemas.openxmlformats.org/markup-compatibility/2006" xmlns:p14="http://schemas.microsoft.com/office/powerpoint/2010/main">
-    <mc:Choice Requires="p14">
-      <p:transition spd="slow" p14:dur="2000"/>
+  <mc:AlternateContent xmlns:mc="http://schemas.openxmlformats.org/markup-compatibility/2006">
+    <mc:Choice xmlns:p14="http://schemas.microsoft.com/office/powerpoint/2010/main" Requires="p14">
+      <p:transition p14:dur="2000" advClick="1"/>
     </mc:Choice>
-    <mc:Fallback xmlns:w="http://schemas.openxmlformats.org/wordprocessingml/2006/main" xmlns:m="http://schemas.openxmlformats.org/officeDocument/2006/math" xmlns="">
+    <mc:Fallback>
       <p:transition advClick="1"/>
     </mc:Fallback>
   </mc:AlternateContent>
@@ -11561,8 +11563,8 @@
 </file>
 
 <file path=ppt/slides/slide6.xml><?xml version="1.0" encoding="utf-8"?>
-<p:sld xmlns:a="http://schemas.openxmlformats.org/drawingml/2006/main" xmlns:r="http://schemas.openxmlformats.org/officeDocument/2006/relationships" xmlns:p="http://schemas.openxmlformats.org/presentationml/2006/main" showMasterPhAnim="0">
-  <p:cSld>
+<p:sld xmlns:a="http://schemas.openxmlformats.org/drawingml/2006/main" xmlns:r="http://schemas.openxmlformats.org/officeDocument/2006/relationships" xmlns:p="http://schemas.openxmlformats.org/presentationml/2006/main" xmlns:m="http://schemas.openxmlformats.org/officeDocument/2006/math" xmlns:w="http://schemas.openxmlformats.org/wordprocessingml/2006/main" showMasterPhAnim="0" show="1">
+  <p:cSld name="">
     <p:spTree>
       <p:nvGrpSpPr>
         <p:cNvPr id="1" name=""/>
@@ -11618,6 +11620,7 @@
               <a:rPr sz="2000"/>
               <a:t>Для сборки проектов на Qt будем использовать cmake – кросплатформенный инструмент для сборки, тестирования и создания пакетов (packaging) приложений</a:t>
             </a:r>
+            <a:endParaRPr/>
           </a:p>
           <a:p>
             <a:pPr>
@@ -11703,9 +11706,7 @@
         </p:spPr>
         <p:txBody>
           <a:bodyPr rot="0" spcFirstLastPara="0" vertOverflow="overflow" horzOverflow="clip" vert="horz" wrap="square" lIns="91440" tIns="45720" rIns="91440" bIns="45720" numCol="1" spcCol="0" rtlCol="0" fromWordArt="0" anchor="t" anchorCtr="0" forceAA="0" compatLnSpc="1">
-            <a:prstTxWarp prst="textNoShape">
-              <a:avLst/>
-            </a:prstTxWarp>
+            <a:prstTxWarp prst="textNoShape"/>
             <a:spAutoFit/>
           </a:bodyPr>
           <a:lstStyle/>
@@ -12004,6 +12005,7 @@
               <a:rPr sz="2600"/>
               <a:t>Работа с cmake происходит в 3 этапа:</a:t>
             </a:r>
+            <a:endParaRPr/>
           </a:p>
           <a:p>
             <a:pPr marL="785136" lvl="1" indent="-327936">
@@ -12135,6 +12137,7 @@
               <a:rPr sz="2600"/>
               <a:t>Почему cmake:</a:t>
             </a:r>
+            <a:endParaRPr/>
           </a:p>
           <a:p>
             <a:pPr lvl="1">
@@ -12207,11 +12210,11 @@
   <p:clrMapOvr>
     <a:masterClrMapping/>
   </p:clrMapOvr>
-  <mc:AlternateContent xmlns:mc="http://schemas.openxmlformats.org/markup-compatibility/2006" xmlns:p14="http://schemas.microsoft.com/office/powerpoint/2010/main">
-    <mc:Choice Requires="p14">
-      <p:transition spd="slow" p14:dur="2000"/>
+  <mc:AlternateContent xmlns:mc="http://schemas.openxmlformats.org/markup-compatibility/2006">
+    <mc:Choice xmlns:p14="http://schemas.microsoft.com/office/powerpoint/2010/main" Requires="p14">
+      <p:transition p14:dur="2000" advClick="1"/>
     </mc:Choice>
-    <mc:Fallback xmlns:w="http://schemas.openxmlformats.org/wordprocessingml/2006/main" xmlns:m="http://schemas.openxmlformats.org/officeDocument/2006/math" xmlns="">
+    <mc:Fallback>
       <p:transition advClick="1"/>
     </mc:Fallback>
   </mc:AlternateContent>
@@ -12219,8 +12222,8 @@
 </file>
 
 <file path=ppt/slides/slide7.xml><?xml version="1.0" encoding="utf-8"?>
-<p:sld xmlns:a="http://schemas.openxmlformats.org/drawingml/2006/main" xmlns:r="http://schemas.openxmlformats.org/officeDocument/2006/relationships" xmlns:p="http://schemas.openxmlformats.org/presentationml/2006/main" showMasterPhAnim="0">
-  <p:cSld>
+<p:sld xmlns:a="http://schemas.openxmlformats.org/drawingml/2006/main" xmlns:r="http://schemas.openxmlformats.org/officeDocument/2006/relationships" xmlns:p="http://schemas.openxmlformats.org/presentationml/2006/main" xmlns:m="http://schemas.openxmlformats.org/officeDocument/2006/math" xmlns:w="http://schemas.openxmlformats.org/wordprocessingml/2006/main" showMasterPhAnim="0" show="1">
+  <p:cSld name="">
     <p:spTree>
       <p:nvGrpSpPr>
         <p:cNvPr id="1" name=""/>
@@ -12277,6 +12280,7 @@
               <a:rPr lang="en-US"/>
               <a:t>: виджеты QWidget</a:t>
             </a:r>
+            <a:endParaRPr/>
           </a:p>
         </p:txBody>
       </p:sp>
@@ -12294,9 +12298,7 @@
         </p:spPr>
         <p:txBody>
           <a:bodyPr rot="0" spcFirstLastPara="0" vertOverflow="overflow" horzOverflow="clip" vert="horz" wrap="square" lIns="91440" tIns="45720" rIns="91440" bIns="45720" numCol="1" spcCol="0" rtlCol="0" fromWordArt="0" anchor="t" anchorCtr="0" forceAA="0" compatLnSpc="1">
-            <a:prstTxWarp prst="textNoShape">
-              <a:avLst/>
-            </a:prstTxWarp>
+            <a:prstTxWarp prst="textNoShape"/>
             <a:spAutoFit/>
           </a:bodyPr>
           <a:lstStyle/>
@@ -12371,6 +12373,7 @@
               <a:rPr sz="2000"/>
               <a:t>Приложения со сложным графическим интерфейсом удобно разрабатывать с помощью Qt Designer</a:t>
             </a:r>
+            <a:endParaRPr/>
           </a:p>
           <a:p>
             <a:pPr>
@@ -12386,6 +12389,7 @@
               <a:rPr sz="2000"/>
               <a:t>Виджет – базовый элемент интерфейса</a:t>
             </a:r>
+            <a:endParaRPr/>
           </a:p>
           <a:p>
             <a:pPr>
@@ -12401,6 +12405,7 @@
               <a:rPr sz="2000"/>
               <a:t>Виджет, который не содержится ни в каком другом виджете – родительский (parent, top-level), иначе - дочерний</a:t>
             </a:r>
+            <a:endParaRPr/>
           </a:p>
           <a:p>
             <a:pPr>
@@ -12416,6 +12421,7 @@
               <a:rPr sz="2000"/>
               <a:t>Родительский виджет управляет ресурсами дочернего и служит точкой отсчёта для его параметров</a:t>
             </a:r>
+            <a:endParaRPr/>
           </a:p>
           <a:p>
             <a:pPr>
@@ -12431,6 +12437,7 @@
               <a:rPr sz="2000"/>
               <a:t>Любой виджет может быть как родительским, так и дочерним</a:t>
             </a:r>
+            <a:endParaRPr/>
           </a:p>
         </p:txBody>
       </p:sp>
@@ -12439,11 +12446,11 @@
   <p:clrMapOvr>
     <a:masterClrMapping/>
   </p:clrMapOvr>
-  <mc:AlternateContent xmlns:mc="http://schemas.openxmlformats.org/markup-compatibility/2006" xmlns:p14="http://schemas.microsoft.com/office/powerpoint/2010/main">
-    <mc:Choice Requires="p14">
-      <p:transition spd="slow" p14:dur="2000"/>
+  <mc:AlternateContent xmlns:mc="http://schemas.openxmlformats.org/markup-compatibility/2006">
+    <mc:Choice xmlns:p14="http://schemas.microsoft.com/office/powerpoint/2010/main" Requires="p14">
+      <p:transition p14:dur="2000" advClick="1"/>
     </mc:Choice>
-    <mc:Fallback xmlns:w="http://schemas.openxmlformats.org/wordprocessingml/2006/main" xmlns:m="http://schemas.openxmlformats.org/officeDocument/2006/math" xmlns="">
+    <mc:Fallback>
       <p:transition advClick="1"/>
     </mc:Fallback>
   </mc:AlternateContent>
@@ -12451,8 +12458,8 @@
 </file>
 
 <file path=ppt/slides/slide8.xml><?xml version="1.0" encoding="utf-8"?>
-<p:sld xmlns:a="http://schemas.openxmlformats.org/drawingml/2006/main" xmlns:r="http://schemas.openxmlformats.org/officeDocument/2006/relationships" xmlns:p="http://schemas.openxmlformats.org/presentationml/2006/main" showMasterPhAnim="0">
-  <p:cSld>
+<p:sld xmlns:a="http://schemas.openxmlformats.org/drawingml/2006/main" xmlns:r="http://schemas.openxmlformats.org/officeDocument/2006/relationships" xmlns:p="http://schemas.openxmlformats.org/presentationml/2006/main" xmlns:m="http://schemas.openxmlformats.org/officeDocument/2006/math" xmlns:w="http://schemas.openxmlformats.org/wordprocessingml/2006/main" showMasterPhAnim="0" show="1">
+  <p:cSld name="">
     <p:spTree>
       <p:nvGrpSpPr>
         <p:cNvPr id="1" name=""/>
@@ -12481,9 +12488,7 @@
         </p:spPr>
         <p:txBody>
           <a:bodyPr rot="0" spcFirstLastPara="0" vertOverflow="overflow" horzOverflow="clip" vert="horz" wrap="square" lIns="91440" tIns="45720" rIns="91440" bIns="45720" numCol="1" spcCol="0" rtlCol="0" fromWordArt="0" anchor="t" anchorCtr="0" forceAA="0" compatLnSpc="1">
-            <a:prstTxWarp prst="textNoShape">
-              <a:avLst/>
-            </a:prstTxWarp>
+            <a:prstTxWarp prst="textNoShape"/>
             <a:spAutoFit/>
           </a:bodyPr>
           <a:lstStyle/>
@@ -12559,6 +12564,7 @@
               <a:rPr lang="en-US"/>
               <a:t>: иерархия классов</a:t>
             </a:r>
+            <a:endParaRPr/>
           </a:p>
         </p:txBody>
       </p:sp>
@@ -12615,6 +12621,7 @@
               <a:rPr sz="1800"/>
               <a:t>:</a:t>
             </a:r>
+            <a:endParaRPr/>
           </a:p>
           <a:p>
             <a:pPr>
@@ -12644,6 +12651,7 @@
               <a:rPr sz="1800"/>
               <a:t>реализует:</a:t>
             </a:r>
+            <a:endParaRPr/>
           </a:p>
           <a:p>
             <a:pPr lvl="1">
@@ -12659,6 +12667,7 @@
               <a:rPr sz="1800"/>
               <a:t> signal / slot</a:t>
             </a:r>
+            <a:endParaRPr/>
           </a:p>
           <a:p>
             <a:pPr lvl="1">
@@ -12674,6 +12683,7 @@
               <a:rPr sz="1800"/>
               <a:t>Приведение типов qobject_cast</a:t>
             </a:r>
+            <a:endParaRPr/>
           </a:p>
           <a:p>
             <a:pPr lvl="1">
@@ -12689,6 +12699,7 @@
               <a:rPr sz="1800"/>
               <a:t>Фильтрация событий</a:t>
             </a:r>
+            <a:endParaRPr/>
           </a:p>
           <a:p>
             <a:pPr lvl="1">
@@ -12704,6 +12715,7 @@
               <a:rPr sz="1800"/>
               <a:t>таймер</a:t>
             </a:r>
+            <a:endParaRPr/>
           </a:p>
           <a:p>
             <a:pPr lvl="1">
@@ -12719,6 +12731,7 @@
               <a:rPr sz="1800"/>
               <a:t>Организация объектных иерархий</a:t>
             </a:r>
+            <a:endParaRPr/>
           </a:p>
           <a:p>
             <a:pPr lvl="0">
@@ -12734,6 +12747,7 @@
               <a:rPr sz="1800"/>
               <a:t>Чтобы использовать эту функциональность, </a:t>
             </a:r>
+            <a:endParaRPr/>
           </a:p>
           <a:p>
             <a:pPr marL="0" lvl="0" indent="0">
@@ -12749,6 +12763,7 @@
               <a:rPr sz="1800"/>
               <a:t>	нужно наследоваться от QObject</a:t>
             </a:r>
+            <a:endParaRPr/>
           </a:p>
         </p:txBody>
       </p:sp>
@@ -12766,9 +12781,7 @@
         </p:spPr>
         <p:txBody>
           <a:bodyPr rot="0" spcFirstLastPara="0" vertOverflow="overflow" horzOverflow="clip" vert="horz" wrap="square" lIns="91440" tIns="45720" rIns="91440" bIns="45720" numCol="1" spcCol="0" rtlCol="0" fromWordArt="0" anchor="t" anchorCtr="0" forceAA="0" compatLnSpc="1">
-            <a:prstTxWarp prst="textNoShape">
-              <a:avLst/>
-            </a:prstTxWarp>
+            <a:prstTxWarp prst="textNoShape"/>
             <a:spAutoFit/>
           </a:bodyPr>
           <a:lstStyle/>
@@ -12817,9 +12830,7 @@
         </p:spPr>
         <p:txBody>
           <a:bodyPr rot="0" spcFirstLastPara="0" vertOverflow="overflow" horzOverflow="clip" vert="horz" wrap="square" lIns="91440" tIns="45720" rIns="91440" bIns="45720" numCol="1" spcCol="0" rtlCol="0" fromWordArt="0" anchor="t" anchorCtr="0" forceAA="0" compatLnSpc="1">
-            <a:prstTxWarp prst="textNoShape">
-              <a:avLst/>
-            </a:prstTxWarp>
+            <a:prstTxWarp prst="textNoShape"/>
             <a:spAutoFit/>
           </a:bodyPr>
           <a:lstStyle/>
@@ -12883,6 +12894,7 @@
               <a:rPr/>
               <a:t>Обычная </a:t>
             </a:r>
+            <a:endParaRPr/>
           </a:p>
           <a:p>
             <a:pPr algn="ctr">
@@ -12892,6 +12904,7 @@
               <a:rPr/>
               <a:t>кнопка</a:t>
             </a:r>
+            <a:endParaRPr/>
           </a:p>
         </p:txBody>
       </p:sp>
@@ -12909,9 +12922,7 @@
         </p:spPr>
         <p:txBody>
           <a:bodyPr rot="0" spcFirstLastPara="0" vertOverflow="overflow" horzOverflow="clip" vert="horz" wrap="square" lIns="91440" tIns="45720" rIns="91440" bIns="45720" numCol="1" spcCol="0" rtlCol="0" fromWordArt="0" anchor="t" anchorCtr="0" forceAA="0" compatLnSpc="1">
-            <a:prstTxWarp prst="textNoShape">
-              <a:avLst/>
-            </a:prstTxWarp>
+            <a:prstTxWarp prst="textNoShape"/>
             <a:spAutoFit/>
           </a:bodyPr>
           <a:lstStyle/>
@@ -12933,7 +12944,7 @@
         </p:nvPicPr>
         <p:blipFill>
           <a:blip r:embed="rId5"/>
-          <a:srcRect l="1934" t="21222" r="11076" b="54178"/>
+          <a:srcRect l="1934" t="21222" r="11075" b="54178"/>
           <a:stretch/>
         </p:blipFill>
         <p:spPr bwMode="auto">
@@ -12951,11 +12962,11 @@
   <p:clrMapOvr>
     <a:masterClrMapping/>
   </p:clrMapOvr>
-  <mc:AlternateContent xmlns:mc="http://schemas.openxmlformats.org/markup-compatibility/2006" xmlns:p14="http://schemas.microsoft.com/office/powerpoint/2010/main">
-    <mc:Choice Requires="p14">
-      <p:transition spd="slow" p14:dur="2000"/>
+  <mc:AlternateContent xmlns:mc="http://schemas.openxmlformats.org/markup-compatibility/2006">
+    <mc:Choice xmlns:p14="http://schemas.microsoft.com/office/powerpoint/2010/main" Requires="p14">
+      <p:transition p14:dur="2000" advClick="1"/>
     </mc:Choice>
-    <mc:Fallback xmlns:w="http://schemas.openxmlformats.org/wordprocessingml/2006/main" xmlns:m="http://schemas.openxmlformats.org/officeDocument/2006/math" xmlns="">
+    <mc:Fallback>
       <p:transition advClick="1"/>
     </mc:Fallback>
   </mc:AlternateContent>
@@ -12963,14 +12974,13 @@
 </file>
 
 <file path=ppt/slides/slide9.xml><?xml version="1.0" encoding="utf-8"?>
-<p:sld xmlns:a="http://schemas.openxmlformats.org/drawingml/2006/main" xmlns:r="http://schemas.openxmlformats.org/officeDocument/2006/relationships" xmlns:p="http://schemas.openxmlformats.org/presentationml/2006/main" showMasterPhAnim="0">
-  <p:cSld>
+<p:sld xmlns:a="http://schemas.openxmlformats.org/drawingml/2006/main" xmlns:r="http://schemas.openxmlformats.org/officeDocument/2006/relationships" xmlns:p="http://schemas.openxmlformats.org/presentationml/2006/main" xmlns:m="http://schemas.openxmlformats.org/officeDocument/2006/math" xmlns:w="http://schemas.openxmlformats.org/wordprocessingml/2006/main" showMasterPhAnim="0" show="1">
+  <p:cSld name="">
     <p:bg>
-      <p:bgPr>
+      <p:bgPr shadeToTitle="0">
         <a:solidFill>
           <a:schemeClr val="bg1"/>
         </a:solidFill>
-        <a:effectLst/>
       </p:bgPr>
     </p:bg>
     <p:spTree>
@@ -13038,6 +13048,7 @@
               </a:rPr>
               <a:t>Когда происходит какое-либо событие (передвижение курсора мыши, нажатие кнопки и др), класс-источник события вызывает соотвествующий сигнал</a:t>
             </a:r>
+            <a:endParaRPr/>
           </a:p>
           <a:p>
             <a:pPr>
@@ -13063,6 +13074,7 @@
               </a:rPr>
               <a:t>Сигналы определяются в специальной секции signals. Это методы, которые могут иметь любые параметры, но всегда возвращают void</a:t>
             </a:r>
+            <a:endParaRPr/>
           </a:p>
           <a:p>
             <a:pPr>
@@ -13088,6 +13100,7 @@
               </a:rPr>
               <a:t>Отправить сигнал можно с помощью ключевого слова emit</a:t>
             </a:r>
+            <a:endParaRPr/>
           </a:p>
           <a:p>
             <a:pPr>
@@ -13113,6 +13126,7 @@
               </a:rPr>
               <a:t>Qt предоставляет широкий выбор сигналов, и необходимость в реализации собственных сигналов возникает редко</a:t>
             </a:r>
+            <a:endParaRPr/>
           </a:p>
           <a:p>
             <a:pPr>
@@ -13138,6 +13152,7 @@
               </a:rPr>
               <a:t>Ключевые слова signals, emit, slots не являются частью C++. Их использование делает возможным MOC</a:t>
             </a:r>
+            <a:endParaRPr/>
           </a:p>
           <a:p>
             <a:pPr>
@@ -13219,6 +13234,7 @@
               <a:rPr lang="en-US"/>
               <a:t>: сигналы</a:t>
             </a:r>
+            <a:endParaRPr/>
           </a:p>
         </p:txBody>
       </p:sp>
@@ -13236,9 +13252,7 @@
         </p:spPr>
         <p:txBody>
           <a:bodyPr rot="0" spcFirstLastPara="0" vertOverflow="overflow" horzOverflow="clip" vert="horz" wrap="square" lIns="91440" tIns="45720" rIns="91440" bIns="45720" numCol="1" spcCol="0" rtlCol="0" fromWordArt="0" anchor="t" anchorCtr="0" forceAA="0" compatLnSpc="1">
-            <a:prstTxWarp prst="textNoShape">
-              <a:avLst/>
-            </a:prstTxWarp>
+            <a:prstTxWarp prst="textNoShape"/>
             <a:spAutoFit/>
           </a:bodyPr>
           <a:lstStyle/>
@@ -13301,6 +13315,7 @@
               <a:rPr/>
               <a:t>MOC</a:t>
             </a:r>
+            <a:endParaRPr/>
           </a:p>
         </p:txBody>
       </p:sp>
@@ -13318,9 +13333,7 @@
         </p:spPr>
         <p:txBody>
           <a:bodyPr rot="0" spcFirstLastPara="0" vertOverflow="overflow" horzOverflow="clip" vert="horz" wrap="square" lIns="91440" tIns="45720" rIns="91440" bIns="45720" numCol="1" spcCol="0" rtlCol="0" fromWordArt="0" anchor="t" anchorCtr="0" forceAA="0" compatLnSpc="1">
-            <a:prstTxWarp prst="textNoShape">
-              <a:avLst/>
-            </a:prstTxWarp>
+            <a:prstTxWarp prst="textNoShape"/>
             <a:spAutoFit/>
           </a:bodyPr>
           <a:lstStyle/>
@@ -13443,11 +13456,11 @@
   <p:clrMapOvr>
     <a:masterClrMapping/>
   </p:clrMapOvr>
-  <mc:AlternateContent xmlns:mc="http://schemas.openxmlformats.org/markup-compatibility/2006" xmlns:p14="http://schemas.microsoft.com/office/powerpoint/2010/main">
-    <mc:Choice Requires="p14">
-      <p:transition spd="slow" p14:dur="2000"/>
+  <mc:AlternateContent xmlns:mc="http://schemas.openxmlformats.org/markup-compatibility/2006">
+    <mc:Choice xmlns:p14="http://schemas.microsoft.com/office/powerpoint/2010/main" Requires="p14">
+      <p:transition p14:dur="2000" advClick="1"/>
     </mc:Choice>
-    <mc:Fallback xmlns:w="http://schemas.openxmlformats.org/wordprocessingml/2006/main" xmlns:m="http://schemas.openxmlformats.org/officeDocument/2006/math" xmlns="">
+    <mc:Fallback>
       <p:transition advClick="1"/>
     </mc:Fallback>
   </mc:AlternateContent>
@@ -13455,7 +13468,7 @@
 </file>
 
 <file path=ppt/theme/theme1.xml><?xml version="1.0" encoding="utf-8"?>
-<a:theme xmlns:a="http://schemas.openxmlformats.org/drawingml/2006/main" name="Грань">
+<a:theme xmlns:a="http://schemas.openxmlformats.org/drawingml/2006/main" xmlns:r="http://schemas.openxmlformats.org/officeDocument/2006/relationships" xmlns:p="http://schemas.openxmlformats.org/presentationml/2006/main" name="Грань">
   <a:themeElements>
     <a:clrScheme name="Грань">
       <a:dk1>
@@ -13637,6 +13650,5 @@
     </a:fmtScheme>
   </a:themeElements>
   <a:objectDefaults/>
-  <a:extraClrSchemeLst/>
 </a:theme>
 </file>